--- a/WDSR - ćwiczenie 1.pptx
+++ b/WDSR - ćwiczenie 1.pptx
@@ -5,10 +5,10 @@
     <p:sldMasterId id="2147483669" r:id="rId5"/>
   </p:sldMasterIdLst>
   <p:notesMasterIdLst>
-    <p:notesMasterId r:id="rId53"/>
+    <p:notesMasterId r:id="rId52"/>
   </p:notesMasterIdLst>
   <p:handoutMasterIdLst>
-    <p:handoutMasterId r:id="rId54"/>
+    <p:handoutMasterId r:id="rId53"/>
   </p:handoutMasterIdLst>
   <p:sldIdLst>
     <p:sldId id="286" r:id="rId6"/>
@@ -40,24 +40,23 @@
     <p:sldId id="365" r:id="rId32"/>
     <p:sldId id="366" r:id="rId33"/>
     <p:sldId id="367" r:id="rId34"/>
-    <p:sldId id="368" r:id="rId35"/>
-    <p:sldId id="372" r:id="rId36"/>
-    <p:sldId id="373" r:id="rId37"/>
-    <p:sldId id="383" r:id="rId38"/>
-    <p:sldId id="384" r:id="rId39"/>
-    <p:sldId id="377" r:id="rId40"/>
-    <p:sldId id="375" r:id="rId41"/>
-    <p:sldId id="385" r:id="rId42"/>
-    <p:sldId id="376" r:id="rId43"/>
-    <p:sldId id="378" r:id="rId44"/>
-    <p:sldId id="379" r:id="rId45"/>
-    <p:sldId id="374" r:id="rId46"/>
-    <p:sldId id="386" r:id="rId47"/>
-    <p:sldId id="387" r:id="rId48"/>
-    <p:sldId id="388" r:id="rId49"/>
-    <p:sldId id="389" r:id="rId50"/>
-    <p:sldId id="390" r:id="rId51"/>
-    <p:sldId id="324" r:id="rId52"/>
+    <p:sldId id="372" r:id="rId35"/>
+    <p:sldId id="373" r:id="rId36"/>
+    <p:sldId id="383" r:id="rId37"/>
+    <p:sldId id="384" r:id="rId38"/>
+    <p:sldId id="377" r:id="rId39"/>
+    <p:sldId id="375" r:id="rId40"/>
+    <p:sldId id="385" r:id="rId41"/>
+    <p:sldId id="376" r:id="rId42"/>
+    <p:sldId id="378" r:id="rId43"/>
+    <p:sldId id="379" r:id="rId44"/>
+    <p:sldId id="374" r:id="rId45"/>
+    <p:sldId id="386" r:id="rId46"/>
+    <p:sldId id="387" r:id="rId47"/>
+    <p:sldId id="388" r:id="rId48"/>
+    <p:sldId id="389" r:id="rId49"/>
+    <p:sldId id="390" r:id="rId50"/>
+    <p:sldId id="324" r:id="rId51"/>
   </p:sldIdLst>
   <p:sldSz cx="9144000" cy="5143500" type="screen16x9"/>
   <p:notesSz cx="6858000" cy="9144000"/>
@@ -158,7 +157,7 @@
   </p:defaultTextStyle>
   <p:extLst>
     <p:ext uri="{EFAFB233-063F-42B5-8137-9DF3F51BA10A}">
-      <p15:sldGuideLst xmlns:p15="http://schemas.microsoft.com/office/powerpoint/2012/main" xmlns="">
+      <p15:sldGuideLst xmlns="" xmlns:p15="http://schemas.microsoft.com/office/powerpoint/2012/main">
         <p15:guide id="1" orient="horz" pos="1620">
           <p15:clr>
             <a:srgbClr val="A4A3A4"/>
@@ -192,7 +191,7 @@
       </p15:sldGuideLst>
     </p:ext>
     <p:ext uri="{2D200454-40CA-4A62-9FC3-DE9A4176ACB9}">
-      <p15:notesGuideLst xmlns:p15="http://schemas.microsoft.com/office/powerpoint/2012/main" xmlns=""/>
+      <p15:notesGuideLst xmlns="" xmlns:p15="http://schemas.microsoft.com/office/powerpoint/2012/main"/>
     </p:ext>
   </p:extLst>
 </p:presentation>
@@ -287,7 +286,7 @@
             <a:fld id="{C4843D26-F355-3844-A4EF-19D4FD875597}" type="datetimeFigureOut">
               <a:rPr lang="de-DE" smtClean="0"/>
               <a:pPr/>
-              <a:t>22.02.2016</a:t>
+              <a:t>21.02.2017</a:t>
             </a:fld>
             <a:endParaRPr lang="de-DE" dirty="0"/>
           </a:p>
@@ -363,7 +362,7 @@
     </p:spTree>
     <p:extLst>
       <p:ext uri="{BB962C8B-B14F-4D97-AF65-F5344CB8AC3E}">
-        <p14:creationId xmlns:p14="http://schemas.microsoft.com/office/powerpoint/2010/main" val="1863735379"/>
+        <p14:creationId xmlns:p14="http://schemas.microsoft.com/office/powerpoint/2010/main" xmlns="" val="1863735379"/>
       </p:ext>
     </p:extLst>
   </p:cSld>
@@ -455,7 +454,7 @@
             <a:fld id="{8E2CFE12-C1FB-D740-8B6C-AFB72D5D4002}" type="datetimeFigureOut">
               <a:rPr lang="de-DE" smtClean="0"/>
               <a:pPr/>
-              <a:t>22.02.2016</a:t>
+              <a:t>21.02.2017</a:t>
             </a:fld>
             <a:endParaRPr lang="de-DE" dirty="0"/>
           </a:p>
@@ -624,7 +623,7 @@
     </p:spTree>
     <p:extLst>
       <p:ext uri="{BB962C8B-B14F-4D97-AF65-F5344CB8AC3E}">
-        <p14:creationId xmlns:p14="http://schemas.microsoft.com/office/powerpoint/2010/main" val="1832403913"/>
+        <p14:creationId xmlns:p14="http://schemas.microsoft.com/office/powerpoint/2010/main" xmlns="" val="1832403913"/>
       </p:ext>
     </p:extLst>
   </p:cSld>
@@ -802,7 +801,7 @@
     </p:spTree>
     <p:extLst>
       <p:ext uri="{BB962C8B-B14F-4D97-AF65-F5344CB8AC3E}">
-        <p14:creationId xmlns:p14="http://schemas.microsoft.com/office/powerpoint/2010/main" val="1883132698"/>
+        <p14:creationId xmlns:p14="http://schemas.microsoft.com/office/powerpoint/2010/main" xmlns="" val="1883132698"/>
       </p:ext>
     </p:extLst>
   </p:cSld>
@@ -889,7 +888,7 @@
     </p:spTree>
     <p:extLst>
       <p:ext uri="{BB962C8B-B14F-4D97-AF65-F5344CB8AC3E}">
-        <p14:creationId xmlns:p14="http://schemas.microsoft.com/office/powerpoint/2010/main" val="1883132698"/>
+        <p14:creationId xmlns:p14="http://schemas.microsoft.com/office/powerpoint/2010/main" xmlns="" val="1883132698"/>
       </p:ext>
     </p:extLst>
   </p:cSld>
@@ -976,7 +975,7 @@
     </p:spTree>
     <p:extLst>
       <p:ext uri="{BB962C8B-B14F-4D97-AF65-F5344CB8AC3E}">
-        <p14:creationId xmlns:p14="http://schemas.microsoft.com/office/powerpoint/2010/main" val="1883132698"/>
+        <p14:creationId xmlns:p14="http://schemas.microsoft.com/office/powerpoint/2010/main" xmlns="" val="1883132698"/>
       </p:ext>
     </p:extLst>
   </p:cSld>
@@ -1063,7 +1062,7 @@
     </p:spTree>
     <p:extLst>
       <p:ext uri="{BB962C8B-B14F-4D97-AF65-F5344CB8AC3E}">
-        <p14:creationId xmlns:p14="http://schemas.microsoft.com/office/powerpoint/2010/main" val="1883132698"/>
+        <p14:creationId xmlns:p14="http://schemas.microsoft.com/office/powerpoint/2010/main" xmlns="" val="1883132698"/>
       </p:ext>
     </p:extLst>
   </p:cSld>
@@ -1150,7 +1149,7 @@
     </p:spTree>
     <p:extLst>
       <p:ext uri="{BB962C8B-B14F-4D97-AF65-F5344CB8AC3E}">
-        <p14:creationId xmlns:p14="http://schemas.microsoft.com/office/powerpoint/2010/main" val="1883132698"/>
+        <p14:creationId xmlns:p14="http://schemas.microsoft.com/office/powerpoint/2010/main" xmlns="" val="1883132698"/>
       </p:ext>
     </p:extLst>
   </p:cSld>
@@ -1237,7 +1236,7 @@
     </p:spTree>
     <p:extLst>
       <p:ext uri="{BB962C8B-B14F-4D97-AF65-F5344CB8AC3E}">
-        <p14:creationId xmlns:p14="http://schemas.microsoft.com/office/powerpoint/2010/main" val="1883132698"/>
+        <p14:creationId xmlns:p14="http://schemas.microsoft.com/office/powerpoint/2010/main" xmlns="" val="1883132698"/>
       </p:ext>
     </p:extLst>
   </p:cSld>
@@ -1324,7 +1323,7 @@
     </p:spTree>
     <p:extLst>
       <p:ext uri="{BB962C8B-B14F-4D97-AF65-F5344CB8AC3E}">
-        <p14:creationId xmlns:p14="http://schemas.microsoft.com/office/powerpoint/2010/main" val="1883132698"/>
+        <p14:creationId xmlns:p14="http://schemas.microsoft.com/office/powerpoint/2010/main" xmlns="" val="1883132698"/>
       </p:ext>
     </p:extLst>
   </p:cSld>
@@ -1411,7 +1410,7 @@
     </p:spTree>
     <p:extLst>
       <p:ext uri="{BB962C8B-B14F-4D97-AF65-F5344CB8AC3E}">
-        <p14:creationId xmlns:p14="http://schemas.microsoft.com/office/powerpoint/2010/main" val="1883132698"/>
+        <p14:creationId xmlns:p14="http://schemas.microsoft.com/office/powerpoint/2010/main" xmlns="" val="1883132698"/>
       </p:ext>
     </p:extLst>
   </p:cSld>
@@ -1498,7 +1497,7 @@
     </p:spTree>
     <p:extLst>
       <p:ext uri="{BB962C8B-B14F-4D97-AF65-F5344CB8AC3E}">
-        <p14:creationId xmlns:p14="http://schemas.microsoft.com/office/powerpoint/2010/main" val="1883132698"/>
+        <p14:creationId xmlns:p14="http://schemas.microsoft.com/office/powerpoint/2010/main" xmlns="" val="1883132698"/>
       </p:ext>
     </p:extLst>
   </p:cSld>
@@ -1585,7 +1584,7 @@
     </p:spTree>
     <p:extLst>
       <p:ext uri="{BB962C8B-B14F-4D97-AF65-F5344CB8AC3E}">
-        <p14:creationId xmlns:p14="http://schemas.microsoft.com/office/powerpoint/2010/main" val="1883132698"/>
+        <p14:creationId xmlns:p14="http://schemas.microsoft.com/office/powerpoint/2010/main" xmlns="" val="1883132698"/>
       </p:ext>
     </p:extLst>
   </p:cSld>
@@ -1672,7 +1671,7 @@
     </p:spTree>
     <p:extLst>
       <p:ext uri="{BB962C8B-B14F-4D97-AF65-F5344CB8AC3E}">
-        <p14:creationId xmlns:p14="http://schemas.microsoft.com/office/powerpoint/2010/main" val="1883132698"/>
+        <p14:creationId xmlns:p14="http://schemas.microsoft.com/office/powerpoint/2010/main" xmlns="" val="1883132698"/>
       </p:ext>
     </p:extLst>
   </p:cSld>
@@ -1759,7 +1758,7 @@
     </p:spTree>
     <p:extLst>
       <p:ext uri="{BB962C8B-B14F-4D97-AF65-F5344CB8AC3E}">
-        <p14:creationId xmlns:p14="http://schemas.microsoft.com/office/powerpoint/2010/main" val="1883132698"/>
+        <p14:creationId xmlns:p14="http://schemas.microsoft.com/office/powerpoint/2010/main" xmlns="" val="1883132698"/>
       </p:ext>
     </p:extLst>
   </p:cSld>
@@ -1846,7 +1845,7 @@
     </p:spTree>
     <p:extLst>
       <p:ext uri="{BB962C8B-B14F-4D97-AF65-F5344CB8AC3E}">
-        <p14:creationId xmlns:p14="http://schemas.microsoft.com/office/powerpoint/2010/main" val="1883132698"/>
+        <p14:creationId xmlns:p14="http://schemas.microsoft.com/office/powerpoint/2010/main" xmlns="" val="1883132698"/>
       </p:ext>
     </p:extLst>
   </p:cSld>
@@ -1933,7 +1932,7 @@
     </p:spTree>
     <p:extLst>
       <p:ext uri="{BB962C8B-B14F-4D97-AF65-F5344CB8AC3E}">
-        <p14:creationId xmlns:p14="http://schemas.microsoft.com/office/powerpoint/2010/main" val="1883132698"/>
+        <p14:creationId xmlns:p14="http://schemas.microsoft.com/office/powerpoint/2010/main" xmlns="" val="1883132698"/>
       </p:ext>
     </p:extLst>
   </p:cSld>
@@ -2020,7 +2019,7 @@
     </p:spTree>
     <p:extLst>
       <p:ext uri="{BB962C8B-B14F-4D97-AF65-F5344CB8AC3E}">
-        <p14:creationId xmlns:p14="http://schemas.microsoft.com/office/powerpoint/2010/main" val="1883132698"/>
+        <p14:creationId xmlns:p14="http://schemas.microsoft.com/office/powerpoint/2010/main" xmlns="" val="1883132698"/>
       </p:ext>
     </p:extLst>
   </p:cSld>
@@ -2107,7 +2106,7 @@
     </p:spTree>
     <p:extLst>
       <p:ext uri="{BB962C8B-B14F-4D97-AF65-F5344CB8AC3E}">
-        <p14:creationId xmlns:p14="http://schemas.microsoft.com/office/powerpoint/2010/main" val="1883132698"/>
+        <p14:creationId xmlns:p14="http://schemas.microsoft.com/office/powerpoint/2010/main" xmlns="" val="1883132698"/>
       </p:ext>
     </p:extLst>
   </p:cSld>
@@ -2194,7 +2193,7 @@
     </p:spTree>
     <p:extLst>
       <p:ext uri="{BB962C8B-B14F-4D97-AF65-F5344CB8AC3E}">
-        <p14:creationId xmlns:p14="http://schemas.microsoft.com/office/powerpoint/2010/main" val="1883132698"/>
+        <p14:creationId xmlns:p14="http://schemas.microsoft.com/office/powerpoint/2010/main" xmlns="" val="1883132698"/>
       </p:ext>
     </p:extLst>
   </p:cSld>
@@ -2281,7 +2280,7 @@
     </p:spTree>
     <p:extLst>
       <p:ext uri="{BB962C8B-B14F-4D97-AF65-F5344CB8AC3E}">
-        <p14:creationId xmlns:p14="http://schemas.microsoft.com/office/powerpoint/2010/main" val="1883132698"/>
+        <p14:creationId xmlns:p14="http://schemas.microsoft.com/office/powerpoint/2010/main" xmlns="" val="1883132698"/>
       </p:ext>
     </p:extLst>
   </p:cSld>
@@ -2368,7 +2367,7 @@
     </p:spTree>
     <p:extLst>
       <p:ext uri="{BB962C8B-B14F-4D97-AF65-F5344CB8AC3E}">
-        <p14:creationId xmlns:p14="http://schemas.microsoft.com/office/powerpoint/2010/main" val="1883132698"/>
+        <p14:creationId xmlns:p14="http://schemas.microsoft.com/office/powerpoint/2010/main" xmlns="" val="1883132698"/>
       </p:ext>
     </p:extLst>
   </p:cSld>
@@ -2455,7 +2454,7 @@
     </p:spTree>
     <p:extLst>
       <p:ext uri="{BB962C8B-B14F-4D97-AF65-F5344CB8AC3E}">
-        <p14:creationId xmlns:p14="http://schemas.microsoft.com/office/powerpoint/2010/main" val="1883132698"/>
+        <p14:creationId xmlns:p14="http://schemas.microsoft.com/office/powerpoint/2010/main" xmlns="" val="1883132698"/>
       </p:ext>
     </p:extLst>
   </p:cSld>
@@ -2542,7 +2541,7 @@
     </p:spTree>
     <p:extLst>
       <p:ext uri="{BB962C8B-B14F-4D97-AF65-F5344CB8AC3E}">
-        <p14:creationId xmlns:p14="http://schemas.microsoft.com/office/powerpoint/2010/main" val="1883132698"/>
+        <p14:creationId xmlns:p14="http://schemas.microsoft.com/office/powerpoint/2010/main" xmlns="" val="1883132698"/>
       </p:ext>
     </p:extLst>
   </p:cSld>
@@ -2629,7 +2628,7 @@
     </p:spTree>
     <p:extLst>
       <p:ext uri="{BB962C8B-B14F-4D97-AF65-F5344CB8AC3E}">
-        <p14:creationId xmlns:p14="http://schemas.microsoft.com/office/powerpoint/2010/main" val="1883132698"/>
+        <p14:creationId xmlns:p14="http://schemas.microsoft.com/office/powerpoint/2010/main" xmlns="" val="1883132698"/>
       </p:ext>
     </p:extLst>
   </p:cSld>
@@ -2716,7 +2715,7 @@
     </p:spTree>
     <p:extLst>
       <p:ext uri="{BB962C8B-B14F-4D97-AF65-F5344CB8AC3E}">
-        <p14:creationId xmlns:p14="http://schemas.microsoft.com/office/powerpoint/2010/main" val="1883132698"/>
+        <p14:creationId xmlns:p14="http://schemas.microsoft.com/office/powerpoint/2010/main" xmlns="" val="1883132698"/>
       </p:ext>
     </p:extLst>
   </p:cSld>
@@ -2803,7 +2802,7 @@
     </p:spTree>
     <p:extLst>
       <p:ext uri="{BB962C8B-B14F-4D97-AF65-F5344CB8AC3E}">
-        <p14:creationId xmlns:p14="http://schemas.microsoft.com/office/powerpoint/2010/main" val="1883132698"/>
+        <p14:creationId xmlns:p14="http://schemas.microsoft.com/office/powerpoint/2010/main" xmlns="" val="1883132698"/>
       </p:ext>
     </p:extLst>
   </p:cSld>
@@ -2890,7 +2889,7 @@
     </p:spTree>
     <p:extLst>
       <p:ext uri="{BB962C8B-B14F-4D97-AF65-F5344CB8AC3E}">
-        <p14:creationId xmlns:p14="http://schemas.microsoft.com/office/powerpoint/2010/main" val="1883132698"/>
+        <p14:creationId xmlns:p14="http://schemas.microsoft.com/office/powerpoint/2010/main" xmlns="" val="1883132698"/>
       </p:ext>
     </p:extLst>
   </p:cSld>
@@ -2977,7 +2976,7 @@
     </p:spTree>
     <p:extLst>
       <p:ext uri="{BB962C8B-B14F-4D97-AF65-F5344CB8AC3E}">
-        <p14:creationId xmlns:p14="http://schemas.microsoft.com/office/powerpoint/2010/main" val="1883132698"/>
+        <p14:creationId xmlns:p14="http://schemas.microsoft.com/office/powerpoint/2010/main" xmlns="" val="1883132698"/>
       </p:ext>
     </p:extLst>
   </p:cSld>
@@ -3064,7 +3063,7 @@
     </p:spTree>
     <p:extLst>
       <p:ext uri="{BB962C8B-B14F-4D97-AF65-F5344CB8AC3E}">
-        <p14:creationId xmlns:p14="http://schemas.microsoft.com/office/powerpoint/2010/main" val="1883132698"/>
+        <p14:creationId xmlns:p14="http://schemas.microsoft.com/office/powerpoint/2010/main" xmlns="" val="326698911"/>
       </p:ext>
     </p:extLst>
   </p:cSld>
@@ -3151,7 +3150,7 @@
     </p:spTree>
     <p:extLst>
       <p:ext uri="{BB962C8B-B14F-4D97-AF65-F5344CB8AC3E}">
-        <p14:creationId xmlns:p14="http://schemas.microsoft.com/office/powerpoint/2010/main" val="326698911"/>
+        <p14:creationId xmlns:p14="http://schemas.microsoft.com/office/powerpoint/2010/main" xmlns="" val="1883132698"/>
       </p:ext>
     </p:extLst>
   </p:cSld>
@@ -3238,7 +3237,7 @@
     </p:spTree>
     <p:extLst>
       <p:ext uri="{BB962C8B-B14F-4D97-AF65-F5344CB8AC3E}">
-        <p14:creationId xmlns:p14="http://schemas.microsoft.com/office/powerpoint/2010/main" val="1883132698"/>
+        <p14:creationId xmlns:p14="http://schemas.microsoft.com/office/powerpoint/2010/main" xmlns="" val="1883132698"/>
       </p:ext>
     </p:extLst>
   </p:cSld>
@@ -3325,7 +3324,7 @@
     </p:spTree>
     <p:extLst>
       <p:ext uri="{BB962C8B-B14F-4D97-AF65-F5344CB8AC3E}">
-        <p14:creationId xmlns:p14="http://schemas.microsoft.com/office/powerpoint/2010/main" val="1883132698"/>
+        <p14:creationId xmlns:p14="http://schemas.microsoft.com/office/powerpoint/2010/main" xmlns="" val="1883132698"/>
       </p:ext>
     </p:extLst>
   </p:cSld>
@@ -3412,7 +3411,7 @@
     </p:spTree>
     <p:extLst>
       <p:ext uri="{BB962C8B-B14F-4D97-AF65-F5344CB8AC3E}">
-        <p14:creationId xmlns:p14="http://schemas.microsoft.com/office/powerpoint/2010/main" val="1883132698"/>
+        <p14:creationId xmlns:p14="http://schemas.microsoft.com/office/powerpoint/2010/main" xmlns="" val="1064914938"/>
       </p:ext>
     </p:extLst>
   </p:cSld>
@@ -3499,7 +3498,7 @@
     </p:spTree>
     <p:extLst>
       <p:ext uri="{BB962C8B-B14F-4D97-AF65-F5344CB8AC3E}">
-        <p14:creationId xmlns:p14="http://schemas.microsoft.com/office/powerpoint/2010/main" val="1064914938"/>
+        <p14:creationId xmlns:p14="http://schemas.microsoft.com/office/powerpoint/2010/main" xmlns="" val="2228427138"/>
       </p:ext>
     </p:extLst>
   </p:cSld>
@@ -3586,7 +3585,7 @@
     </p:spTree>
     <p:extLst>
       <p:ext uri="{BB962C8B-B14F-4D97-AF65-F5344CB8AC3E}">
-        <p14:creationId xmlns:p14="http://schemas.microsoft.com/office/powerpoint/2010/main" val="2228427138"/>
+        <p14:creationId xmlns:p14="http://schemas.microsoft.com/office/powerpoint/2010/main" xmlns="" val="1883132698"/>
       </p:ext>
     </p:extLst>
   </p:cSld>
@@ -3673,7 +3672,7 @@
     </p:spTree>
     <p:extLst>
       <p:ext uri="{BB962C8B-B14F-4D97-AF65-F5344CB8AC3E}">
-        <p14:creationId xmlns:p14="http://schemas.microsoft.com/office/powerpoint/2010/main" val="1883132698"/>
+        <p14:creationId xmlns:p14="http://schemas.microsoft.com/office/powerpoint/2010/main" xmlns="" val="1883132698"/>
       </p:ext>
     </p:extLst>
   </p:cSld>
@@ -3760,7 +3759,7 @@
     </p:spTree>
     <p:extLst>
       <p:ext uri="{BB962C8B-B14F-4D97-AF65-F5344CB8AC3E}">
-        <p14:creationId xmlns:p14="http://schemas.microsoft.com/office/powerpoint/2010/main" val="1883132698"/>
+        <p14:creationId xmlns:p14="http://schemas.microsoft.com/office/powerpoint/2010/main" xmlns="" val="1883132698"/>
       </p:ext>
     </p:extLst>
   </p:cSld>
@@ -3847,7 +3846,7 @@
     </p:spTree>
     <p:extLst>
       <p:ext uri="{BB962C8B-B14F-4D97-AF65-F5344CB8AC3E}">
-        <p14:creationId xmlns:p14="http://schemas.microsoft.com/office/powerpoint/2010/main" val="1883132698"/>
+        <p14:creationId xmlns:p14="http://schemas.microsoft.com/office/powerpoint/2010/main" xmlns="" val="1883132698"/>
       </p:ext>
     </p:extLst>
   </p:cSld>
@@ -3934,7 +3933,7 @@
     </p:spTree>
     <p:extLst>
       <p:ext uri="{BB962C8B-B14F-4D97-AF65-F5344CB8AC3E}">
-        <p14:creationId xmlns:p14="http://schemas.microsoft.com/office/powerpoint/2010/main" val="1883132698"/>
+        <p14:creationId xmlns:p14="http://schemas.microsoft.com/office/powerpoint/2010/main" xmlns="" val="1883132698"/>
       </p:ext>
     </p:extLst>
   </p:cSld>
@@ -4021,7 +4020,7 @@
     </p:spTree>
     <p:extLst>
       <p:ext uri="{BB962C8B-B14F-4D97-AF65-F5344CB8AC3E}">
-        <p14:creationId xmlns:p14="http://schemas.microsoft.com/office/powerpoint/2010/main" val="1883132698"/>
+        <p14:creationId xmlns:p14="http://schemas.microsoft.com/office/powerpoint/2010/main" xmlns="" val="1883132698"/>
       </p:ext>
     </p:extLst>
   </p:cSld>
@@ -4108,94 +4107,7 @@
     </p:spTree>
     <p:extLst>
       <p:ext uri="{BB962C8B-B14F-4D97-AF65-F5344CB8AC3E}">
-        <p14:creationId xmlns:p14="http://schemas.microsoft.com/office/powerpoint/2010/main" val="1883132698"/>
-      </p:ext>
-    </p:extLst>
-  </p:cSld>
-  <p:clrMapOvr>
-    <a:masterClrMapping/>
-  </p:clrMapOvr>
-</p:notes>
-</file>
-
-<file path=ppt/notesSlides/notesSlide45.xml><?xml version="1.0" encoding="utf-8"?>
-<p:notes xmlns:a="http://schemas.openxmlformats.org/drawingml/2006/main" xmlns:r="http://schemas.openxmlformats.org/officeDocument/2006/relationships" xmlns:p="http://schemas.openxmlformats.org/presentationml/2006/main">
-  <p:cSld>
-    <p:spTree>
-      <p:nvGrpSpPr>
-        <p:cNvPr id="1" name=""/>
-        <p:cNvGrpSpPr/>
-        <p:nvPr/>
-      </p:nvGrpSpPr>
-      <p:grpSpPr>
-        <a:xfrm>
-          <a:off x="0" y="0"/>
-          <a:ext cx="0" cy="0"/>
-          <a:chOff x="0" y="0"/>
-          <a:chExt cx="0" cy="0"/>
-        </a:xfrm>
-      </p:grpSpPr>
-      <p:sp>
-        <p:nvSpPr>
-          <p:cNvPr id="2" name="Folienbildplatzhalter 1"/>
-          <p:cNvSpPr>
-            <a:spLocks noGrp="1" noRot="1" noChangeAspect="1"/>
-          </p:cNvSpPr>
-          <p:nvPr>
-            <p:ph type="sldImg"/>
-          </p:nvPr>
-        </p:nvSpPr>
-        <p:spPr/>
-      </p:sp>
-      <p:sp>
-        <p:nvSpPr>
-          <p:cNvPr id="3" name="Notizenplatzhalter 2"/>
-          <p:cNvSpPr>
-            <a:spLocks noGrp="1"/>
-          </p:cNvSpPr>
-          <p:nvPr>
-            <p:ph type="body" idx="1"/>
-          </p:nvPr>
-        </p:nvSpPr>
-        <p:spPr/>
-        <p:txBody>
-          <a:bodyPr>
-            <a:normAutofit/>
-          </a:bodyPr>
-          <a:lstStyle/>
-          <a:p>
-            <a:endParaRPr lang="de-DE" dirty="0"/>
-          </a:p>
-        </p:txBody>
-      </p:sp>
-      <p:sp>
-        <p:nvSpPr>
-          <p:cNvPr id="4" name="Foliennummernplatzhalter 3"/>
-          <p:cNvSpPr>
-            <a:spLocks noGrp="1"/>
-          </p:cNvSpPr>
-          <p:nvPr>
-            <p:ph type="sldNum" sz="quarter" idx="10"/>
-          </p:nvPr>
-        </p:nvSpPr>
-        <p:spPr/>
-        <p:txBody>
-          <a:bodyPr/>
-          <a:lstStyle/>
-          <a:p>
-            <a:fld id="{150BA478-331B-4C41-B0D5-A69E59A4437F}" type="slidenum">
-              <a:rPr lang="de-DE" smtClean="0"/>
-              <a:pPr/>
-              <a:t>46</a:t>
-            </a:fld>
-            <a:endParaRPr lang="de-DE" dirty="0"/>
-          </a:p>
-        </p:txBody>
-      </p:sp>
-    </p:spTree>
-    <p:extLst>
-      <p:ext uri="{BB962C8B-B14F-4D97-AF65-F5344CB8AC3E}">
-        <p14:creationId xmlns:p14="http://schemas.microsoft.com/office/powerpoint/2010/main" val="1883132698"/>
+        <p14:creationId xmlns:p14="http://schemas.microsoft.com/office/powerpoint/2010/main" xmlns="" val="1883132698"/>
       </p:ext>
     </p:extLst>
   </p:cSld>
@@ -4282,7 +4194,7 @@
     </p:spTree>
     <p:extLst>
       <p:ext uri="{BB962C8B-B14F-4D97-AF65-F5344CB8AC3E}">
-        <p14:creationId xmlns:p14="http://schemas.microsoft.com/office/powerpoint/2010/main" val="1883132698"/>
+        <p14:creationId xmlns:p14="http://schemas.microsoft.com/office/powerpoint/2010/main" xmlns="" val="1883132698"/>
       </p:ext>
     </p:extLst>
   </p:cSld>
@@ -4369,7 +4281,7 @@
     </p:spTree>
     <p:extLst>
       <p:ext uri="{BB962C8B-B14F-4D97-AF65-F5344CB8AC3E}">
-        <p14:creationId xmlns:p14="http://schemas.microsoft.com/office/powerpoint/2010/main" val="1883132698"/>
+        <p14:creationId xmlns:p14="http://schemas.microsoft.com/office/powerpoint/2010/main" xmlns="" val="1883132698"/>
       </p:ext>
     </p:extLst>
   </p:cSld>
@@ -4456,7 +4368,7 @@
     </p:spTree>
     <p:extLst>
       <p:ext uri="{BB962C8B-B14F-4D97-AF65-F5344CB8AC3E}">
-        <p14:creationId xmlns:p14="http://schemas.microsoft.com/office/powerpoint/2010/main" val="1883132698"/>
+        <p14:creationId xmlns:p14="http://schemas.microsoft.com/office/powerpoint/2010/main" xmlns="" val="1883132698"/>
       </p:ext>
     </p:extLst>
   </p:cSld>
@@ -4543,7 +4455,7 @@
     </p:spTree>
     <p:extLst>
       <p:ext uri="{BB962C8B-B14F-4D97-AF65-F5344CB8AC3E}">
-        <p14:creationId xmlns:p14="http://schemas.microsoft.com/office/powerpoint/2010/main" val="1883132698"/>
+        <p14:creationId xmlns:p14="http://schemas.microsoft.com/office/powerpoint/2010/main" xmlns="" val="1883132698"/>
       </p:ext>
     </p:extLst>
   </p:cSld>
@@ -4630,7 +4542,7 @@
     </p:spTree>
     <p:extLst>
       <p:ext uri="{BB962C8B-B14F-4D97-AF65-F5344CB8AC3E}">
-        <p14:creationId xmlns:p14="http://schemas.microsoft.com/office/powerpoint/2010/main" val="1883132698"/>
+        <p14:creationId xmlns:p14="http://schemas.microsoft.com/office/powerpoint/2010/main" xmlns="" val="1883132698"/>
       </p:ext>
     </p:extLst>
   </p:cSld>
@@ -4669,7 +4581,7 @@
           <a:blip r:embed="rId2">
             <a:extLst>
               <a:ext uri="{28A0092B-C50C-407E-A947-70E740481C1C}">
-                <a14:useLocalDpi xmlns:a14="http://schemas.microsoft.com/office/drawing/2010/main" val="0"/>
+                <a14:useLocalDpi xmlns:a14="http://schemas.microsoft.com/office/drawing/2010/main" xmlns="" val="0"/>
               </a:ext>
             </a:extLst>
           </a:blip>
@@ -4983,7 +4895,7 @@
           <a:blip r:embed="rId3">
             <a:extLst>
               <a:ext uri="{28A0092B-C50C-407E-A947-70E740481C1C}">
-                <a14:useLocalDpi xmlns:a14="http://schemas.microsoft.com/office/drawing/2010/main" val="0"/>
+                <a14:useLocalDpi xmlns:a14="http://schemas.microsoft.com/office/drawing/2010/main" xmlns="" val="0"/>
               </a:ext>
             </a:extLst>
           </a:blip>
@@ -5003,7 +4915,7 @@
           <a:noFill/>
           <a:extLst>
             <a:ext uri="{909E8E84-426E-40DD-AFC4-6F175D3DCCD1}">
-              <a14:hiddenFill xmlns:a14="http://schemas.microsoft.com/office/drawing/2010/main">
+              <a14:hiddenFill xmlns:a14="http://schemas.microsoft.com/office/drawing/2010/main" xmlns="">
                 <a:solidFill>
                   <a:srgbClr val="FFFFFF"/>
                 </a:solidFill>
@@ -5015,7 +4927,7 @@
     </p:spTree>
     <p:extLst>
       <p:ext uri="{BB962C8B-B14F-4D97-AF65-F5344CB8AC3E}">
-        <p14:creationId xmlns:p14="http://schemas.microsoft.com/office/powerpoint/2010/main" val="2032434000"/>
+        <p14:creationId xmlns:p14="http://schemas.microsoft.com/office/powerpoint/2010/main" xmlns="" val="2032434000"/>
       </p:ext>
     </p:extLst>
   </p:cSld>
@@ -5061,7 +4973,7 @@
           <a:blip r:embed="rId2">
             <a:extLst>
               <a:ext uri="{28A0092B-C50C-407E-A947-70E740481C1C}">
-                <a14:useLocalDpi xmlns:a14="http://schemas.microsoft.com/office/drawing/2010/main" val="0"/>
+                <a14:useLocalDpi xmlns:a14="http://schemas.microsoft.com/office/drawing/2010/main" xmlns="" val="0"/>
               </a:ext>
             </a:extLst>
           </a:blip>
@@ -5357,7 +5269,7 @@
           <a:blip r:embed="rId3">
             <a:extLst>
               <a:ext uri="{28A0092B-C50C-407E-A947-70E740481C1C}">
-                <a14:useLocalDpi xmlns:a14="http://schemas.microsoft.com/office/drawing/2010/main" val="0"/>
+                <a14:useLocalDpi xmlns:a14="http://schemas.microsoft.com/office/drawing/2010/main" xmlns="" val="0"/>
               </a:ext>
             </a:extLst>
           </a:blip>
@@ -5377,7 +5289,7 @@
           <a:noFill/>
           <a:extLst>
             <a:ext uri="{909E8E84-426E-40DD-AFC4-6F175D3DCCD1}">
-              <a14:hiddenFill xmlns:a14="http://schemas.microsoft.com/office/drawing/2010/main">
+              <a14:hiddenFill xmlns:a14="http://schemas.microsoft.com/office/drawing/2010/main" xmlns="">
                 <a:solidFill>
                   <a:srgbClr val="FFFFFF"/>
                 </a:solidFill>
@@ -5389,7 +5301,7 @@
     </p:spTree>
     <p:extLst>
       <p:ext uri="{BB962C8B-B14F-4D97-AF65-F5344CB8AC3E}">
-        <p14:creationId xmlns:p14="http://schemas.microsoft.com/office/powerpoint/2010/main" val="707728385"/>
+        <p14:creationId xmlns:p14="http://schemas.microsoft.com/office/powerpoint/2010/main" xmlns="" val="707728385"/>
       </p:ext>
     </p:extLst>
   </p:cSld>
@@ -5405,7 +5317,7 @@
   </p:timing>
   <p:extLst mod="1">
     <p:ext uri="{DCECCB84-F9BA-43D5-87BE-67443E8EF086}">
-      <p15:sldGuideLst xmlns:p15="http://schemas.microsoft.com/office/powerpoint/2012/main" xmlns="">
+      <p15:sldGuideLst xmlns="" xmlns:p15="http://schemas.microsoft.com/office/powerpoint/2012/main">
         <p15:guide id="1" orient="horz" pos="1221">
           <p15:clr>
             <a:srgbClr val="C35EA4"/>
@@ -5446,7 +5358,7 @@
           <a:blip r:embed="rId2">
             <a:extLst>
               <a:ext uri="{28A0092B-C50C-407E-A947-70E740481C1C}">
-                <a14:useLocalDpi xmlns:a14="http://schemas.microsoft.com/office/drawing/2010/main" val="0"/>
+                <a14:useLocalDpi xmlns:a14="http://schemas.microsoft.com/office/drawing/2010/main" xmlns="" val="0"/>
               </a:ext>
             </a:extLst>
           </a:blip>
@@ -5697,7 +5609,7 @@
           <a:blip r:embed="rId3">
             <a:extLst>
               <a:ext uri="{28A0092B-C50C-407E-A947-70E740481C1C}">
-                <a14:useLocalDpi xmlns:a14="http://schemas.microsoft.com/office/drawing/2010/main" val="0"/>
+                <a14:useLocalDpi xmlns:a14="http://schemas.microsoft.com/office/drawing/2010/main" xmlns="" val="0"/>
               </a:ext>
             </a:extLst>
           </a:blip>
@@ -5717,7 +5629,7 @@
           <a:noFill/>
           <a:extLst>
             <a:ext uri="{909E8E84-426E-40DD-AFC4-6F175D3DCCD1}">
-              <a14:hiddenFill xmlns:a14="http://schemas.microsoft.com/office/drawing/2010/main">
+              <a14:hiddenFill xmlns:a14="http://schemas.microsoft.com/office/drawing/2010/main" xmlns="">
                 <a:solidFill>
                   <a:srgbClr val="FFFFFF"/>
                 </a:solidFill>
@@ -5729,7 +5641,7 @@
     </p:spTree>
     <p:extLst>
       <p:ext uri="{BB962C8B-B14F-4D97-AF65-F5344CB8AC3E}">
-        <p14:creationId xmlns:p14="http://schemas.microsoft.com/office/powerpoint/2010/main" val="3130113218"/>
+        <p14:creationId xmlns:p14="http://schemas.microsoft.com/office/powerpoint/2010/main" xmlns="" val="3130113218"/>
       </p:ext>
     </p:extLst>
   </p:cSld>
@@ -5738,7 +5650,7 @@
   </p:clrMapOvr>
   <p:extLst mod="1">
     <p:ext uri="{DCECCB84-F9BA-43D5-87BE-67443E8EF086}">
-      <p15:sldGuideLst xmlns:p15="http://schemas.microsoft.com/office/powerpoint/2012/main" xmlns="">
+      <p15:sldGuideLst xmlns="" xmlns:p15="http://schemas.microsoft.com/office/powerpoint/2012/main">
         <p15:guide id="1" orient="horz" pos="1221">
           <p15:clr>
             <a:srgbClr val="C35EA4"/>
@@ -5892,7 +5804,7 @@
     </p:spTree>
     <p:extLst>
       <p:ext uri="{BB962C8B-B14F-4D97-AF65-F5344CB8AC3E}">
-        <p14:creationId xmlns:p14="http://schemas.microsoft.com/office/powerpoint/2010/main" val="2626482632"/>
+        <p14:creationId xmlns:p14="http://schemas.microsoft.com/office/powerpoint/2010/main" xmlns="" val="2626482632"/>
       </p:ext>
     </p:extLst>
   </p:cSld>
@@ -6113,7 +6025,7 @@
     </p:spTree>
     <p:extLst>
       <p:ext uri="{BB962C8B-B14F-4D97-AF65-F5344CB8AC3E}">
-        <p14:creationId xmlns:p14="http://schemas.microsoft.com/office/powerpoint/2010/main" val="3371847988"/>
+        <p14:creationId xmlns:p14="http://schemas.microsoft.com/office/powerpoint/2010/main" xmlns="" val="3371847988"/>
       </p:ext>
     </p:extLst>
   </p:cSld>
@@ -6329,7 +6241,7 @@
     </p:spTree>
     <p:extLst>
       <p:ext uri="{BB962C8B-B14F-4D97-AF65-F5344CB8AC3E}">
-        <p14:creationId xmlns:p14="http://schemas.microsoft.com/office/powerpoint/2010/main" val="4208395069"/>
+        <p14:creationId xmlns:p14="http://schemas.microsoft.com/office/powerpoint/2010/main" xmlns="" val="4208395069"/>
       </p:ext>
     </p:extLst>
   </p:cSld>
@@ -6425,7 +6337,7 @@
     </p:spTree>
     <p:extLst>
       <p:ext uri="{BB962C8B-B14F-4D97-AF65-F5344CB8AC3E}">
-        <p14:creationId xmlns:p14="http://schemas.microsoft.com/office/powerpoint/2010/main" val="2097094422"/>
+        <p14:creationId xmlns:p14="http://schemas.microsoft.com/office/powerpoint/2010/main" xmlns="" val="2097094422"/>
       </p:ext>
     </p:extLst>
   </p:cSld>
@@ -6459,12 +6371,9 @@
             <a:graphicFrameLocks noChangeAspect="1"/>
           </p:cNvGraphicFramePr>
           <p:nvPr userDrawn="1">
-            <p:custDataLst>
-              <p:tags r:id="rId2"/>
-            </p:custDataLst>
             <p:extLst>
               <p:ext uri="{D42A27DB-BD31-4B8C-83A1-F6EECF244321}">
-                <p14:modId xmlns:p14="http://schemas.microsoft.com/office/powerpoint/2010/main" val="2766779821"/>
+                <p14:modId xmlns:p14="http://schemas.microsoft.com/office/powerpoint/2010/main" xmlns="" val="2766779821"/>
               </p:ext>
             </p:extLst>
           </p:nvPr>
@@ -6475,40 +6384,9 @@
         </p:xfrm>
         <a:graphic>
           <a:graphicData uri="http://schemas.openxmlformats.org/presentationml/2006/ole">
-            <mc:AlternateContent xmlns:mc="http://schemas.openxmlformats.org/markup-compatibility/2006">
-              <mc:Choice xmlns:v="urn:schemas-microsoft-com:vml" Requires="v">
-                <p:oleObj spid="_x0000_s2199" name="think-cell Folie" r:id="rId4" imgW="305" imgH="303" progId="TCLayout.ActiveDocument.1">
-                  <p:embed/>
-                </p:oleObj>
-              </mc:Choice>
-              <mc:Fallback>
-                <p:oleObj name="think-cell Folie" r:id="rId4" imgW="305" imgH="303" progId="TCLayout.ActiveDocument.1">
-                  <p:embed/>
-                  <p:pic>
-                    <p:nvPicPr>
-                      <p:cNvPr id="0" name=""/>
-                      <p:cNvPicPr/>
-                      <p:nvPr/>
-                    </p:nvPicPr>
-                    <p:blipFill>
-                      <a:blip r:embed="rId5"/>
-                      <a:stretch>
-                        <a:fillRect/>
-                      </a:stretch>
-                    </p:blipFill>
-                    <p:spPr>
-                      <a:xfrm>
-                        <a:off x="1588" y="1588"/>
-                        <a:ext cx="1587" cy="1587"/>
-                      </a:xfrm>
-                      <a:prstGeom prst="rect">
-                        <a:avLst/>
-                      </a:prstGeom>
-                    </p:spPr>
-                  </p:pic>
-                </p:oleObj>
-              </mc:Fallback>
-            </mc:AlternateContent>
+            <p:oleObj spid="_x0000_s2199" name="think-cell Folie" r:id="rId3" imgW="360" imgH="360" progId="">
+              <p:embed/>
+            </p:oleObj>
           </a:graphicData>
         </a:graphic>
       </p:graphicFrame>
@@ -6521,10 +6399,10 @@
           <p:nvPr userDrawn="1"/>
         </p:nvPicPr>
         <p:blipFill rotWithShape="1">
-          <a:blip r:embed="rId6">
+          <a:blip r:embed="rId4">
             <a:extLst>
               <a:ext uri="{28A0092B-C50C-407E-A947-70E740481C1C}">
-                <a14:useLocalDpi xmlns:a14="http://schemas.microsoft.com/office/drawing/2010/main" val="0"/>
+                <a14:useLocalDpi xmlns:a14="http://schemas.microsoft.com/office/drawing/2010/main" xmlns="" val="0"/>
               </a:ext>
             </a:extLst>
           </a:blip>
@@ -6550,7 +6428,7 @@
           <p:nvPr userDrawn="1"/>
         </p:nvPicPr>
         <p:blipFill>
-          <a:blip r:embed="rId7"/>
+          <a:blip r:embed="rId5"/>
           <a:stretch>
             <a:fillRect/>
           </a:stretch>
@@ -6776,7 +6654,7 @@
     </p:spTree>
     <p:extLst>
       <p:ext uri="{BB962C8B-B14F-4D97-AF65-F5344CB8AC3E}">
-        <p14:creationId xmlns:p14="http://schemas.microsoft.com/office/powerpoint/2010/main" val="2060546820"/>
+        <p14:creationId xmlns:p14="http://schemas.microsoft.com/office/powerpoint/2010/main" xmlns="" val="2060546820"/>
       </p:ext>
     </p:extLst>
   </p:cSld>
@@ -6817,10 +6695,10 @@
           <p:nvPr/>
         </p:nvPicPr>
         <p:blipFill>
-          <a:blip r:embed="rId12">
+          <a:blip r:embed="rId11">
             <a:extLst>
               <a:ext uri="{28A0092B-C50C-407E-A947-70E740481C1C}">
-                <a14:useLocalDpi xmlns:a14="http://schemas.microsoft.com/office/drawing/2010/main" val="0"/>
+                <a14:useLocalDpi xmlns:a14="http://schemas.microsoft.com/office/drawing/2010/main" xmlns="" val="0"/>
               </a:ext>
             </a:extLst>
           </a:blip>
@@ -6840,7 +6718,7 @@
           <a:noFill/>
           <a:extLst>
             <a:ext uri="{909E8E84-426E-40DD-AFC4-6F175D3DCCD1}">
-              <a14:hiddenFill xmlns:a14="http://schemas.microsoft.com/office/drawing/2010/main">
+              <a14:hiddenFill xmlns:a14="http://schemas.microsoft.com/office/drawing/2010/main" xmlns="">
                 <a:solidFill>
                   <a:srgbClr val="FFFFFF"/>
                 </a:solidFill>
@@ -6856,12 +6734,9 @@
             <a:graphicFrameLocks noChangeAspect="1"/>
           </p:cNvGraphicFramePr>
           <p:nvPr>
-            <p:custDataLst>
-              <p:tags r:id="rId11"/>
-            </p:custDataLst>
             <p:extLst>
               <p:ext uri="{D42A27DB-BD31-4B8C-83A1-F6EECF244321}">
-                <p14:modId xmlns:p14="http://schemas.microsoft.com/office/powerpoint/2010/main" val="2610759032"/>
+                <p14:modId xmlns:p14="http://schemas.microsoft.com/office/powerpoint/2010/main" xmlns="" val="2610759032"/>
               </p:ext>
             </p:extLst>
           </p:nvPr>
@@ -6872,40 +6747,9 @@
         </p:xfrm>
         <a:graphic>
           <a:graphicData uri="http://schemas.openxmlformats.org/presentationml/2006/ole">
-            <mc:AlternateContent xmlns:mc="http://schemas.openxmlformats.org/markup-compatibility/2006">
-              <mc:Choice xmlns:v="urn:schemas-microsoft-com:vml" Requires="v">
-                <p:oleObj spid="_x0000_s1180" name="think-cell Folie" r:id="rId13" imgW="305" imgH="303" progId="TCLayout.ActiveDocument.1">
-                  <p:embed/>
-                </p:oleObj>
-              </mc:Choice>
-              <mc:Fallback>
-                <p:oleObj name="think-cell Folie" r:id="rId13" imgW="305" imgH="303" progId="TCLayout.ActiveDocument.1">
-                  <p:embed/>
-                  <p:pic>
-                    <p:nvPicPr>
-                      <p:cNvPr id="0" name=""/>
-                      <p:cNvPicPr/>
-                      <p:nvPr/>
-                    </p:nvPicPr>
-                    <p:blipFill>
-                      <a:blip r:embed="rId14"/>
-                      <a:stretch>
-                        <a:fillRect/>
-                      </a:stretch>
-                    </p:blipFill>
-                    <p:spPr>
-                      <a:xfrm>
-                        <a:off x="1588" y="1588"/>
-                        <a:ext cx="1587" cy="1587"/>
-                      </a:xfrm>
-                      <a:prstGeom prst="rect">
-                        <a:avLst/>
-                      </a:prstGeom>
-                    </p:spPr>
-                  </p:pic>
-                </p:oleObj>
-              </mc:Fallback>
-            </mc:AlternateContent>
+            <p:oleObj spid="_x0000_s1180" name="think-cell Folie" r:id="rId12" imgW="360" imgH="360" progId="">
+              <p:embed/>
+            </p:oleObj>
           </a:graphicData>
         </a:graphic>
       </p:graphicFrame>
@@ -7763,7 +7607,7 @@
     </p:spTree>
     <p:extLst>
       <p:ext uri="{BB962C8B-B14F-4D97-AF65-F5344CB8AC3E}">
-        <p14:creationId xmlns:p14="http://schemas.microsoft.com/office/powerpoint/2010/main" val="2955847980"/>
+        <p14:creationId xmlns:p14="http://schemas.microsoft.com/office/powerpoint/2010/main" xmlns="" val="2955847980"/>
       </p:ext>
     </p:extLst>
   </p:cSld>
@@ -8082,7 +7926,7 @@
   </p:txStyles>
   <p:extLst mod="1">
     <p:ext uri="{27BBF7A9-308A-43DC-89C8-2F10F3537804}">
-      <p15:sldGuideLst xmlns:p15="http://schemas.microsoft.com/office/powerpoint/2012/main" xmlns="">
+      <p15:sldGuideLst xmlns="" xmlns:p15="http://schemas.microsoft.com/office/powerpoint/2012/main">
         <p15:guide id="1" pos="283">
           <p15:clr>
             <a:srgbClr val="FBAE40"/>
@@ -8232,7 +8076,7 @@
     </p:spTree>
     <p:extLst>
       <p:ext uri="{BB962C8B-B14F-4D97-AF65-F5344CB8AC3E}">
-        <p14:creationId xmlns:p14="http://schemas.microsoft.com/office/powerpoint/2010/main" val="3230101943"/>
+        <p14:creationId xmlns:p14="http://schemas.microsoft.com/office/powerpoint/2010/main" xmlns="" val="3230101943"/>
       </p:ext>
     </p:extLst>
   </p:cSld>
@@ -8336,7 +8180,7 @@
           <a:blip r:embed="rId3">
             <a:extLst>
               <a:ext uri="{28A0092B-C50C-407E-A947-70E740481C1C}">
-                <a14:useLocalDpi xmlns:a14="http://schemas.microsoft.com/office/drawing/2010/main" val="0"/>
+                <a14:useLocalDpi xmlns:a14="http://schemas.microsoft.com/office/drawing/2010/main" xmlns="" val="0"/>
               </a:ext>
             </a:extLst>
           </a:blip>
@@ -8359,14 +8203,14 @@
           </a:ln>
           <a:extLst>
             <a:ext uri="{909E8E84-426E-40DD-AFC4-6F175D3DCCD1}">
-              <a14:hiddenFill xmlns:a14="http://schemas.microsoft.com/office/drawing/2010/main">
+              <a14:hiddenFill xmlns:a14="http://schemas.microsoft.com/office/drawing/2010/main" xmlns="">
                 <a:solidFill>
                   <a:schemeClr val="accent1"/>
                 </a:solidFill>
               </a14:hiddenFill>
             </a:ext>
             <a:ext uri="{91240B29-F687-4F45-9708-019B960494DF}">
-              <a14:hiddenLine xmlns:a14="http://schemas.microsoft.com/office/drawing/2010/main" w="9525">
+              <a14:hiddenLine xmlns:a14="http://schemas.microsoft.com/office/drawing/2010/main" xmlns="" w="9525">
                 <a:solidFill>
                   <a:schemeClr val="tx1"/>
                 </a:solidFill>
@@ -8381,18 +8225,18 @@
     </p:spTree>
     <p:extLst>
       <p:ext uri="{BB962C8B-B14F-4D97-AF65-F5344CB8AC3E}">
-        <p14:creationId xmlns:p14="http://schemas.microsoft.com/office/powerpoint/2010/main" val="2942586073"/>
+        <p14:creationId xmlns:p14="http://schemas.microsoft.com/office/powerpoint/2010/main" xmlns="" val="2942586073"/>
       </p:ext>
     </p:extLst>
   </p:cSld>
   <p:clrMapOvr>
     <a:masterClrMapping/>
   </p:clrMapOvr>
-  <mc:AlternateContent xmlns:mc="http://schemas.openxmlformats.org/markup-compatibility/2006" xmlns:p14="http://schemas.microsoft.com/office/powerpoint/2010/main">
-    <mc:Choice Requires="p14">
+  <mc:AlternateContent xmlns:mc="http://schemas.openxmlformats.org/markup-compatibility/2006">
+    <mc:Choice xmlns:p14="http://schemas.microsoft.com/office/powerpoint/2010/main" xmlns="" Requires="p14">
       <p:transition p14:dur="10"/>
     </mc:Choice>
-    <mc:Fallback xmlns="">
+    <mc:Fallback>
       <p:transition/>
     </mc:Fallback>
   </mc:AlternateContent>
@@ -8539,18 +8383,18 @@
     </p:spTree>
     <p:extLst>
       <p:ext uri="{BB962C8B-B14F-4D97-AF65-F5344CB8AC3E}">
-        <p14:creationId xmlns:p14="http://schemas.microsoft.com/office/powerpoint/2010/main" val="3518818266"/>
+        <p14:creationId xmlns:p14="http://schemas.microsoft.com/office/powerpoint/2010/main" xmlns="" val="3518818266"/>
       </p:ext>
     </p:extLst>
   </p:cSld>
   <p:clrMapOvr>
     <a:masterClrMapping/>
   </p:clrMapOvr>
-  <mc:AlternateContent xmlns:mc="http://schemas.openxmlformats.org/markup-compatibility/2006" xmlns:p14="http://schemas.microsoft.com/office/powerpoint/2010/main">
-    <mc:Choice Requires="p14">
+  <mc:AlternateContent xmlns:mc="http://schemas.openxmlformats.org/markup-compatibility/2006">
+    <mc:Choice xmlns:p14="http://schemas.microsoft.com/office/powerpoint/2010/main" xmlns="" Requires="p14">
       <p:transition p14:dur="0"/>
     </mc:Choice>
-    <mc:Fallback xmlns="">
+    <mc:Fallback>
       <p:transition/>
     </mc:Fallback>
   </mc:AlternateContent>
@@ -8720,18 +8564,18 @@
     </p:spTree>
     <p:extLst>
       <p:ext uri="{BB962C8B-B14F-4D97-AF65-F5344CB8AC3E}">
-        <p14:creationId xmlns:p14="http://schemas.microsoft.com/office/powerpoint/2010/main" val="2006845972"/>
+        <p14:creationId xmlns:p14="http://schemas.microsoft.com/office/powerpoint/2010/main" xmlns="" val="2006845972"/>
       </p:ext>
     </p:extLst>
   </p:cSld>
   <p:clrMapOvr>
     <a:masterClrMapping/>
   </p:clrMapOvr>
-  <mc:AlternateContent xmlns:mc="http://schemas.openxmlformats.org/markup-compatibility/2006" xmlns:p14="http://schemas.microsoft.com/office/powerpoint/2010/main">
-    <mc:Choice Requires="p14">
+  <mc:AlternateContent xmlns:mc="http://schemas.openxmlformats.org/markup-compatibility/2006">
+    <mc:Choice xmlns:p14="http://schemas.microsoft.com/office/powerpoint/2010/main" xmlns="" Requires="p14">
       <p:transition p14:dur="10"/>
     </mc:Choice>
-    <mc:Fallback xmlns="">
+    <mc:Fallback>
       <p:transition/>
     </mc:Fallback>
   </mc:AlternateContent>
@@ -8884,15 +8728,7 @@
                   <a:srgbClr val="00B050"/>
                 </a:solidFill>
               </a:rPr>
-              <a:t> run –</a:t>
-            </a:r>
-            <a:r>
-              <a:rPr lang="pl-PL" dirty="0" err="1" smtClean="0">
-                <a:solidFill>
-                  <a:srgbClr val="00B050"/>
-                </a:solidFill>
-              </a:rPr>
-              <a:t>Dexec.args</a:t>
+              <a:t> run </a:t>
             </a:r>
             <a:r>
               <a:rPr lang="pl-PL" dirty="0" smtClean="0">
@@ -8900,8 +8736,29 @@
                   <a:srgbClr val="00B050"/>
                 </a:solidFill>
               </a:rPr>
-              <a:t>=„2 -3 5”</a:t>
-            </a:r>
+              <a:t>-Dexec.args="2 </a:t>
+            </a:r>
+            <a:r>
+              <a:rPr lang="pl-PL" dirty="0" smtClean="0">
+                <a:solidFill>
+                  <a:srgbClr val="00B050"/>
+                </a:solidFill>
+              </a:rPr>
+              <a:t>-3 </a:t>
+            </a:r>
+            <a:r>
+              <a:rPr lang="pl-PL" dirty="0" smtClean="0">
+                <a:solidFill>
+                  <a:srgbClr val="00B050"/>
+                </a:solidFill>
+              </a:rPr>
+              <a:t>5"</a:t>
+            </a:r>
+            <a:endParaRPr lang="pl-PL" dirty="0" smtClean="0">
+              <a:solidFill>
+                <a:srgbClr val="00B050"/>
+              </a:solidFill>
+            </a:endParaRPr>
           </a:p>
           <a:p>
             <a:pPr lvl="1"/>
@@ -8989,7 +8846,7 @@
           <a:blip r:embed="rId4">
             <a:extLst>
               <a:ext uri="{28A0092B-C50C-407E-A947-70E740481C1C}">
-                <a14:useLocalDpi xmlns:a14="http://schemas.microsoft.com/office/drawing/2010/main" val="0"/>
+                <a14:useLocalDpi xmlns:a14="http://schemas.microsoft.com/office/drawing/2010/main" xmlns="" val="0"/>
               </a:ext>
             </a:extLst>
           </a:blip>
@@ -9012,14 +8869,14 @@
           </a:ln>
           <a:extLst>
             <a:ext uri="{909E8E84-426E-40DD-AFC4-6F175D3DCCD1}">
-              <a14:hiddenFill xmlns:a14="http://schemas.microsoft.com/office/drawing/2010/main">
+              <a14:hiddenFill xmlns:a14="http://schemas.microsoft.com/office/drawing/2010/main" xmlns="">
                 <a:solidFill>
                   <a:schemeClr val="accent1"/>
                 </a:solidFill>
               </a14:hiddenFill>
             </a:ext>
             <a:ext uri="{91240B29-F687-4F45-9708-019B960494DF}">
-              <a14:hiddenLine xmlns:a14="http://schemas.microsoft.com/office/drawing/2010/main" w="9525">
+              <a14:hiddenLine xmlns:a14="http://schemas.microsoft.com/office/drawing/2010/main" xmlns="" w="9525">
                 <a:solidFill>
                   <a:schemeClr val="tx1"/>
                 </a:solidFill>
@@ -9034,18 +8891,18 @@
     </p:spTree>
     <p:extLst>
       <p:ext uri="{BB962C8B-B14F-4D97-AF65-F5344CB8AC3E}">
-        <p14:creationId xmlns:p14="http://schemas.microsoft.com/office/powerpoint/2010/main" val="1951123160"/>
+        <p14:creationId xmlns:p14="http://schemas.microsoft.com/office/powerpoint/2010/main" xmlns="" val="1951123160"/>
       </p:ext>
     </p:extLst>
   </p:cSld>
   <p:clrMapOvr>
     <a:masterClrMapping/>
   </p:clrMapOvr>
-  <mc:AlternateContent xmlns:mc="http://schemas.openxmlformats.org/markup-compatibility/2006" xmlns:p14="http://schemas.microsoft.com/office/powerpoint/2010/main">
-    <mc:Choice Requires="p14">
+  <mc:AlternateContent xmlns:mc="http://schemas.openxmlformats.org/markup-compatibility/2006">
+    <mc:Choice xmlns:p14="http://schemas.microsoft.com/office/powerpoint/2010/main" xmlns="" Requires="p14">
       <p:transition p14:dur="0"/>
     </mc:Choice>
-    <mc:Fallback xmlns="">
+    <mc:Fallback>
       <p:transition/>
     </mc:Fallback>
   </mc:AlternateContent>
@@ -9264,18 +9121,18 @@
     </p:spTree>
     <p:extLst>
       <p:ext uri="{BB962C8B-B14F-4D97-AF65-F5344CB8AC3E}">
-        <p14:creationId xmlns:p14="http://schemas.microsoft.com/office/powerpoint/2010/main" val="39134720"/>
+        <p14:creationId xmlns:p14="http://schemas.microsoft.com/office/powerpoint/2010/main" xmlns="" val="39134720"/>
       </p:ext>
     </p:extLst>
   </p:cSld>
   <p:clrMapOvr>
     <a:masterClrMapping/>
   </p:clrMapOvr>
-  <mc:AlternateContent xmlns:mc="http://schemas.openxmlformats.org/markup-compatibility/2006" xmlns:p14="http://schemas.microsoft.com/office/powerpoint/2010/main">
-    <mc:Choice Requires="p14">
+  <mc:AlternateContent xmlns:mc="http://schemas.openxmlformats.org/markup-compatibility/2006">
+    <mc:Choice xmlns:p14="http://schemas.microsoft.com/office/powerpoint/2010/main" xmlns="" Requires="p14">
       <p:transition p14:dur="0"/>
     </mc:Choice>
-    <mc:Fallback xmlns="">
+    <mc:Fallback>
       <p:transition/>
     </mc:Fallback>
   </mc:AlternateContent>
@@ -9533,7 +9390,7 @@
           <a:blip r:embed="rId4">
             <a:extLst>
               <a:ext uri="{28A0092B-C50C-407E-A947-70E740481C1C}">
-                <a14:useLocalDpi xmlns:a14="http://schemas.microsoft.com/office/drawing/2010/main" val="0"/>
+                <a14:useLocalDpi xmlns:a14="http://schemas.microsoft.com/office/drawing/2010/main" xmlns="" val="0"/>
               </a:ext>
             </a:extLst>
           </a:blip>
@@ -9556,14 +9413,14 @@
           </a:ln>
           <a:extLst>
             <a:ext uri="{909E8E84-426E-40DD-AFC4-6F175D3DCCD1}">
-              <a14:hiddenFill xmlns:a14="http://schemas.microsoft.com/office/drawing/2010/main">
+              <a14:hiddenFill xmlns:a14="http://schemas.microsoft.com/office/drawing/2010/main" xmlns="">
                 <a:solidFill>
                   <a:schemeClr val="accent1"/>
                 </a:solidFill>
               </a14:hiddenFill>
             </a:ext>
             <a:ext uri="{91240B29-F687-4F45-9708-019B960494DF}">
-              <a14:hiddenLine xmlns:a14="http://schemas.microsoft.com/office/drawing/2010/main" w="9525">
+              <a14:hiddenLine xmlns:a14="http://schemas.microsoft.com/office/drawing/2010/main" xmlns="" w="9525">
                 <a:solidFill>
                   <a:schemeClr val="tx1"/>
                 </a:solidFill>
@@ -9578,18 +9435,18 @@
     </p:spTree>
     <p:extLst>
       <p:ext uri="{BB962C8B-B14F-4D97-AF65-F5344CB8AC3E}">
-        <p14:creationId xmlns:p14="http://schemas.microsoft.com/office/powerpoint/2010/main" val="661621148"/>
+        <p14:creationId xmlns:p14="http://schemas.microsoft.com/office/powerpoint/2010/main" xmlns="" val="661621148"/>
       </p:ext>
     </p:extLst>
   </p:cSld>
   <p:clrMapOvr>
     <a:masterClrMapping/>
   </p:clrMapOvr>
-  <mc:AlternateContent xmlns:mc="http://schemas.openxmlformats.org/markup-compatibility/2006" xmlns:p14="http://schemas.microsoft.com/office/powerpoint/2010/main">
-    <mc:Choice Requires="p14">
+  <mc:AlternateContent xmlns:mc="http://schemas.openxmlformats.org/markup-compatibility/2006">
+    <mc:Choice xmlns:p14="http://schemas.microsoft.com/office/powerpoint/2010/main" xmlns="" Requires="p14">
       <p:transition p14:dur="0"/>
     </mc:Choice>
-    <mc:Fallback xmlns="">
+    <mc:Fallback>
       <p:transition/>
     </mc:Fallback>
   </mc:AlternateContent>
@@ -9713,7 +9570,7 @@
           <a:blip r:embed="rId3">
             <a:extLst>
               <a:ext uri="{28A0092B-C50C-407E-A947-70E740481C1C}">
-                <a14:useLocalDpi xmlns:a14="http://schemas.microsoft.com/office/drawing/2010/main" val="0"/>
+                <a14:useLocalDpi xmlns:a14="http://schemas.microsoft.com/office/drawing/2010/main" xmlns="" val="0"/>
               </a:ext>
             </a:extLst>
           </a:blip>
@@ -9736,14 +9593,14 @@
           </a:ln>
           <a:extLst>
             <a:ext uri="{909E8E84-426E-40DD-AFC4-6F175D3DCCD1}">
-              <a14:hiddenFill xmlns:a14="http://schemas.microsoft.com/office/drawing/2010/main">
+              <a14:hiddenFill xmlns:a14="http://schemas.microsoft.com/office/drawing/2010/main" xmlns="">
                 <a:solidFill>
                   <a:schemeClr val="accent1"/>
                 </a:solidFill>
               </a14:hiddenFill>
             </a:ext>
             <a:ext uri="{91240B29-F687-4F45-9708-019B960494DF}">
-              <a14:hiddenLine xmlns:a14="http://schemas.microsoft.com/office/drawing/2010/main" w="9525">
+              <a14:hiddenLine xmlns:a14="http://schemas.microsoft.com/office/drawing/2010/main" xmlns="" w="9525">
                 <a:solidFill>
                   <a:schemeClr val="tx1"/>
                 </a:solidFill>
@@ -9767,7 +9624,7 @@
           <a:blip r:embed="rId4">
             <a:extLst>
               <a:ext uri="{28A0092B-C50C-407E-A947-70E740481C1C}">
-                <a14:useLocalDpi xmlns:a14="http://schemas.microsoft.com/office/drawing/2010/main" val="0"/>
+                <a14:useLocalDpi xmlns:a14="http://schemas.microsoft.com/office/drawing/2010/main" xmlns="" val="0"/>
               </a:ext>
             </a:extLst>
           </a:blip>
@@ -9790,14 +9647,14 @@
           </a:ln>
           <a:extLst>
             <a:ext uri="{909E8E84-426E-40DD-AFC4-6F175D3DCCD1}">
-              <a14:hiddenFill xmlns:a14="http://schemas.microsoft.com/office/drawing/2010/main">
+              <a14:hiddenFill xmlns:a14="http://schemas.microsoft.com/office/drawing/2010/main" xmlns="">
                 <a:solidFill>
                   <a:schemeClr val="accent1"/>
                 </a:solidFill>
               </a14:hiddenFill>
             </a:ext>
             <a:ext uri="{91240B29-F687-4F45-9708-019B960494DF}">
-              <a14:hiddenLine xmlns:a14="http://schemas.microsoft.com/office/drawing/2010/main" w="9525">
+              <a14:hiddenLine xmlns:a14="http://schemas.microsoft.com/office/drawing/2010/main" xmlns="" w="9525">
                 <a:solidFill>
                   <a:schemeClr val="tx1"/>
                 </a:solidFill>
@@ -9812,18 +9669,18 @@
     </p:spTree>
     <p:extLst>
       <p:ext uri="{BB962C8B-B14F-4D97-AF65-F5344CB8AC3E}">
-        <p14:creationId xmlns:p14="http://schemas.microsoft.com/office/powerpoint/2010/main" val="3574437626"/>
+        <p14:creationId xmlns:p14="http://schemas.microsoft.com/office/powerpoint/2010/main" xmlns="" val="3574437626"/>
       </p:ext>
     </p:extLst>
   </p:cSld>
   <p:clrMapOvr>
     <a:masterClrMapping/>
   </p:clrMapOvr>
-  <mc:AlternateContent xmlns:mc="http://schemas.openxmlformats.org/markup-compatibility/2006" xmlns:p14="http://schemas.microsoft.com/office/powerpoint/2010/main">
-    <mc:Choice Requires="p14">
+  <mc:AlternateContent xmlns:mc="http://schemas.openxmlformats.org/markup-compatibility/2006">
+    <mc:Choice xmlns:p14="http://schemas.microsoft.com/office/powerpoint/2010/main" xmlns="" Requires="p14">
       <p:transition p14:dur="0"/>
     </mc:Choice>
-    <mc:Fallback xmlns="">
+    <mc:Fallback>
       <p:transition/>
     </mc:Fallback>
   </mc:AlternateContent>
@@ -9947,7 +9804,7 @@
           <a:blip r:embed="rId3">
             <a:extLst>
               <a:ext uri="{28A0092B-C50C-407E-A947-70E740481C1C}">
-                <a14:useLocalDpi xmlns:a14="http://schemas.microsoft.com/office/drawing/2010/main" val="0"/>
+                <a14:useLocalDpi xmlns:a14="http://schemas.microsoft.com/office/drawing/2010/main" xmlns="" val="0"/>
               </a:ext>
             </a:extLst>
           </a:blip>
@@ -9970,14 +9827,14 @@
           </a:ln>
           <a:extLst>
             <a:ext uri="{909E8E84-426E-40DD-AFC4-6F175D3DCCD1}">
-              <a14:hiddenFill xmlns:a14="http://schemas.microsoft.com/office/drawing/2010/main">
+              <a14:hiddenFill xmlns:a14="http://schemas.microsoft.com/office/drawing/2010/main" xmlns="">
                 <a:solidFill>
                   <a:schemeClr val="accent1"/>
                 </a:solidFill>
               </a14:hiddenFill>
             </a:ext>
             <a:ext uri="{91240B29-F687-4F45-9708-019B960494DF}">
-              <a14:hiddenLine xmlns:a14="http://schemas.microsoft.com/office/drawing/2010/main" w="9525">
+              <a14:hiddenLine xmlns:a14="http://schemas.microsoft.com/office/drawing/2010/main" xmlns="" w="9525">
                 <a:solidFill>
                   <a:schemeClr val="tx1"/>
                 </a:solidFill>
@@ -10001,7 +9858,7 @@
           <a:blip r:embed="rId4">
             <a:extLst>
               <a:ext uri="{28A0092B-C50C-407E-A947-70E740481C1C}">
-                <a14:useLocalDpi xmlns:a14="http://schemas.microsoft.com/office/drawing/2010/main" val="0"/>
+                <a14:useLocalDpi xmlns:a14="http://schemas.microsoft.com/office/drawing/2010/main" xmlns="" val="0"/>
               </a:ext>
             </a:extLst>
           </a:blip>
@@ -10024,14 +9881,14 @@
           </a:ln>
           <a:extLst>
             <a:ext uri="{909E8E84-426E-40DD-AFC4-6F175D3DCCD1}">
-              <a14:hiddenFill xmlns:a14="http://schemas.microsoft.com/office/drawing/2010/main">
+              <a14:hiddenFill xmlns:a14="http://schemas.microsoft.com/office/drawing/2010/main" xmlns="">
                 <a:solidFill>
                   <a:schemeClr val="accent1"/>
                 </a:solidFill>
               </a14:hiddenFill>
             </a:ext>
             <a:ext uri="{91240B29-F687-4F45-9708-019B960494DF}">
-              <a14:hiddenLine xmlns:a14="http://schemas.microsoft.com/office/drawing/2010/main" w="9525">
+              <a14:hiddenLine xmlns:a14="http://schemas.microsoft.com/office/drawing/2010/main" xmlns="" w="9525">
                 <a:solidFill>
                   <a:schemeClr val="tx1"/>
                 </a:solidFill>
@@ -10043,21 +9900,63 @@
           </a:extLst>
         </p:spPr>
       </p:pic>
+      <p:sp>
+        <p:nvSpPr>
+          <p:cNvPr id="9" name="pole tekstowe 8"/>
+          <p:cNvSpPr txBox="1"/>
+          <p:nvPr/>
+        </p:nvSpPr>
+        <p:spPr>
+          <a:xfrm>
+            <a:off x="4410635" y="4797911"/>
+            <a:ext cx="4496697" cy="184666"/>
+          </a:xfrm>
+          <a:prstGeom prst="rect">
+            <a:avLst/>
+          </a:prstGeom>
+          <a:noFill/>
+        </p:spPr>
+        <p:txBody>
+          <a:bodyPr wrap="square" lIns="0" tIns="0" rIns="0" bIns="0" rtlCol="0">
+            <a:spAutoFit/>
+          </a:bodyPr>
+          <a:lstStyle/>
+          <a:p>
+            <a:r>
+              <a:rPr lang="pl-PL" sz="1200" dirty="0" err="1" smtClean="0"/>
+              <a:t>Repository</a:t>
+            </a:r>
+            <a:r>
+              <a:rPr lang="pl-PL" sz="1200" dirty="0" smtClean="0"/>
+              <a:t> </a:t>
+            </a:r>
+            <a:r>
+              <a:rPr lang="pl-PL" sz="1200" dirty="0" err="1" smtClean="0"/>
+              <a:t>path</a:t>
+            </a:r>
+            <a:r>
+              <a:rPr lang="pl-PL" sz="1200" dirty="0" smtClean="0"/>
+              <a:t>: https://github.com/m-kolodziejski/exercise1b.git</a:t>
+            </a:r>
+            <a:endParaRPr lang="pl-PL" sz="1200" dirty="0" smtClean="0"/>
+          </a:p>
+        </p:txBody>
+      </p:sp>
     </p:spTree>
     <p:extLst>
       <p:ext uri="{BB962C8B-B14F-4D97-AF65-F5344CB8AC3E}">
-        <p14:creationId xmlns:p14="http://schemas.microsoft.com/office/powerpoint/2010/main" val="1868250"/>
+        <p14:creationId xmlns:p14="http://schemas.microsoft.com/office/powerpoint/2010/main" xmlns="" val="1868250"/>
       </p:ext>
     </p:extLst>
   </p:cSld>
   <p:clrMapOvr>
     <a:masterClrMapping/>
   </p:clrMapOvr>
-  <mc:AlternateContent xmlns:mc="http://schemas.openxmlformats.org/markup-compatibility/2006" xmlns:p14="http://schemas.microsoft.com/office/powerpoint/2010/main">
-    <mc:Choice Requires="p14">
+  <mc:AlternateContent xmlns:mc="http://schemas.openxmlformats.org/markup-compatibility/2006">
+    <mc:Choice xmlns:p14="http://schemas.microsoft.com/office/powerpoint/2010/main" xmlns="" Requires="p14">
       <p:transition p14:dur="0"/>
     </mc:Choice>
-    <mc:Fallback xmlns="">
+    <mc:Fallback>
       <p:transition/>
     </mc:Fallback>
   </mc:AlternateContent>
@@ -10218,7 +10117,7 @@
           <a:blip r:embed="rId3">
             <a:extLst>
               <a:ext uri="{28A0092B-C50C-407E-A947-70E740481C1C}">
-                <a14:useLocalDpi xmlns:a14="http://schemas.microsoft.com/office/drawing/2010/main" val="0"/>
+                <a14:useLocalDpi xmlns:a14="http://schemas.microsoft.com/office/drawing/2010/main" xmlns="" val="0"/>
               </a:ext>
             </a:extLst>
           </a:blip>
@@ -10241,14 +10140,14 @@
           </a:ln>
           <a:extLst>
             <a:ext uri="{909E8E84-426E-40DD-AFC4-6F175D3DCCD1}">
-              <a14:hiddenFill xmlns:a14="http://schemas.microsoft.com/office/drawing/2010/main">
+              <a14:hiddenFill xmlns:a14="http://schemas.microsoft.com/office/drawing/2010/main" xmlns="">
                 <a:solidFill>
                   <a:schemeClr val="accent1"/>
                 </a:solidFill>
               </a14:hiddenFill>
             </a:ext>
             <a:ext uri="{91240B29-F687-4F45-9708-019B960494DF}">
-              <a14:hiddenLine xmlns:a14="http://schemas.microsoft.com/office/drawing/2010/main" w="9525">
+              <a14:hiddenLine xmlns:a14="http://schemas.microsoft.com/office/drawing/2010/main" xmlns="" w="9525">
                 <a:solidFill>
                   <a:schemeClr val="tx1"/>
                 </a:solidFill>
@@ -10272,7 +10171,7 @@
           <a:blip r:embed="rId4">
             <a:extLst>
               <a:ext uri="{28A0092B-C50C-407E-A947-70E740481C1C}">
-                <a14:useLocalDpi xmlns:a14="http://schemas.microsoft.com/office/drawing/2010/main" val="0"/>
+                <a14:useLocalDpi xmlns:a14="http://schemas.microsoft.com/office/drawing/2010/main" xmlns="" val="0"/>
               </a:ext>
             </a:extLst>
           </a:blip>
@@ -10295,14 +10194,14 @@
           </a:ln>
           <a:extLst>
             <a:ext uri="{909E8E84-426E-40DD-AFC4-6F175D3DCCD1}">
-              <a14:hiddenFill xmlns:a14="http://schemas.microsoft.com/office/drawing/2010/main">
+              <a14:hiddenFill xmlns:a14="http://schemas.microsoft.com/office/drawing/2010/main" xmlns="">
                 <a:solidFill>
                   <a:schemeClr val="accent1"/>
                 </a:solidFill>
               </a14:hiddenFill>
             </a:ext>
             <a:ext uri="{91240B29-F687-4F45-9708-019B960494DF}">
-              <a14:hiddenLine xmlns:a14="http://schemas.microsoft.com/office/drawing/2010/main" w="9525">
+              <a14:hiddenLine xmlns:a14="http://schemas.microsoft.com/office/drawing/2010/main" xmlns="" w="9525">
                 <a:solidFill>
                   <a:schemeClr val="tx1"/>
                 </a:solidFill>
@@ -10317,18 +10216,18 @@
     </p:spTree>
     <p:extLst>
       <p:ext uri="{BB962C8B-B14F-4D97-AF65-F5344CB8AC3E}">
-        <p14:creationId xmlns:p14="http://schemas.microsoft.com/office/powerpoint/2010/main" val="3500477292"/>
+        <p14:creationId xmlns:p14="http://schemas.microsoft.com/office/powerpoint/2010/main" xmlns="" val="3500477292"/>
       </p:ext>
     </p:extLst>
   </p:cSld>
   <p:clrMapOvr>
     <a:masterClrMapping/>
   </p:clrMapOvr>
-  <mc:AlternateContent xmlns:mc="http://schemas.openxmlformats.org/markup-compatibility/2006" xmlns:p14="http://schemas.microsoft.com/office/powerpoint/2010/main">
-    <mc:Choice Requires="p14">
+  <mc:AlternateContent xmlns:mc="http://schemas.openxmlformats.org/markup-compatibility/2006">
+    <mc:Choice xmlns:p14="http://schemas.microsoft.com/office/powerpoint/2010/main" xmlns="" Requires="p14">
       <p:transition p14:dur="0"/>
     </mc:Choice>
-    <mc:Fallback xmlns="">
+    <mc:Fallback>
       <p:transition/>
     </mc:Fallback>
   </mc:AlternateContent>
@@ -10452,7 +10351,7 @@
           <a:blip r:embed="rId3">
             <a:extLst>
               <a:ext uri="{28A0092B-C50C-407E-A947-70E740481C1C}">
-                <a14:useLocalDpi xmlns:a14="http://schemas.microsoft.com/office/drawing/2010/main" val="0"/>
+                <a14:useLocalDpi xmlns:a14="http://schemas.microsoft.com/office/drawing/2010/main" xmlns="" val="0"/>
               </a:ext>
             </a:extLst>
           </a:blip>
@@ -10475,14 +10374,14 @@
           </a:ln>
           <a:extLst>
             <a:ext uri="{909E8E84-426E-40DD-AFC4-6F175D3DCCD1}">
-              <a14:hiddenFill xmlns:a14="http://schemas.microsoft.com/office/drawing/2010/main">
+              <a14:hiddenFill xmlns:a14="http://schemas.microsoft.com/office/drawing/2010/main" xmlns="">
                 <a:solidFill>
                   <a:schemeClr val="accent1"/>
                 </a:solidFill>
               </a14:hiddenFill>
             </a:ext>
             <a:ext uri="{91240B29-F687-4F45-9708-019B960494DF}">
-              <a14:hiddenLine xmlns:a14="http://schemas.microsoft.com/office/drawing/2010/main" w="9525">
+              <a14:hiddenLine xmlns:a14="http://schemas.microsoft.com/office/drawing/2010/main" xmlns="" w="9525">
                 <a:solidFill>
                   <a:schemeClr val="tx1"/>
                 </a:solidFill>
@@ -10565,7 +10464,7 @@
           <a:blip r:embed="rId4">
             <a:extLst>
               <a:ext uri="{28A0092B-C50C-407E-A947-70E740481C1C}">
-                <a14:useLocalDpi xmlns:a14="http://schemas.microsoft.com/office/drawing/2010/main" val="0"/>
+                <a14:useLocalDpi xmlns:a14="http://schemas.microsoft.com/office/drawing/2010/main" xmlns="" val="0"/>
               </a:ext>
             </a:extLst>
           </a:blip>
@@ -10588,14 +10487,14 @@
           </a:ln>
           <a:extLst>
             <a:ext uri="{909E8E84-426E-40DD-AFC4-6F175D3DCCD1}">
-              <a14:hiddenFill xmlns:a14="http://schemas.microsoft.com/office/drawing/2010/main">
+              <a14:hiddenFill xmlns:a14="http://schemas.microsoft.com/office/drawing/2010/main" xmlns="">
                 <a:solidFill>
                   <a:schemeClr val="accent1"/>
                 </a:solidFill>
               </a14:hiddenFill>
             </a:ext>
             <a:ext uri="{91240B29-F687-4F45-9708-019B960494DF}">
-              <a14:hiddenLine xmlns:a14="http://schemas.microsoft.com/office/drawing/2010/main" w="9525">
+              <a14:hiddenLine xmlns:a14="http://schemas.microsoft.com/office/drawing/2010/main" xmlns="" w="9525">
                 <a:solidFill>
                   <a:schemeClr val="tx1"/>
                 </a:solidFill>
@@ -10610,18 +10509,18 @@
     </p:spTree>
     <p:extLst>
       <p:ext uri="{BB962C8B-B14F-4D97-AF65-F5344CB8AC3E}">
-        <p14:creationId xmlns:p14="http://schemas.microsoft.com/office/powerpoint/2010/main" val="3668343451"/>
+        <p14:creationId xmlns:p14="http://schemas.microsoft.com/office/powerpoint/2010/main" xmlns="" val="3668343451"/>
       </p:ext>
     </p:extLst>
   </p:cSld>
   <p:clrMapOvr>
     <a:masterClrMapping/>
   </p:clrMapOvr>
-  <mc:AlternateContent xmlns:mc="http://schemas.openxmlformats.org/markup-compatibility/2006" xmlns:p14="http://schemas.microsoft.com/office/powerpoint/2010/main">
-    <mc:Choice Requires="p14">
+  <mc:AlternateContent xmlns:mc="http://schemas.openxmlformats.org/markup-compatibility/2006">
+    <mc:Choice xmlns:p14="http://schemas.microsoft.com/office/powerpoint/2010/main" xmlns="" Requires="p14">
       <p:transition p14:dur="0"/>
     </mc:Choice>
-    <mc:Fallback xmlns="">
+    <mc:Fallback>
       <p:transition/>
     </mc:Fallback>
   </mc:AlternateContent>
@@ -10740,7 +10639,7 @@
           <p:nvPr>
             <p:extLst>
               <p:ext uri="{D42A27DB-BD31-4B8C-83A1-F6EECF244321}">
-                <p14:modId xmlns:p14="http://schemas.microsoft.com/office/powerpoint/2010/main" val="3816946763"/>
+                <p14:modId xmlns:p14="http://schemas.microsoft.com/office/powerpoint/2010/main" xmlns="" val="3816946763"/>
               </p:ext>
             </p:extLst>
           </p:nvPr>
@@ -11181,18 +11080,18 @@
     </p:spTree>
     <p:extLst>
       <p:ext uri="{BB962C8B-B14F-4D97-AF65-F5344CB8AC3E}">
-        <p14:creationId xmlns:p14="http://schemas.microsoft.com/office/powerpoint/2010/main" val="1670718189"/>
+        <p14:creationId xmlns:p14="http://schemas.microsoft.com/office/powerpoint/2010/main" xmlns="" val="1670718189"/>
       </p:ext>
     </p:extLst>
   </p:cSld>
   <p:clrMapOvr>
     <a:masterClrMapping/>
   </p:clrMapOvr>
-  <mc:AlternateContent xmlns:mc="http://schemas.openxmlformats.org/markup-compatibility/2006" xmlns:p14="http://schemas.microsoft.com/office/powerpoint/2010/main">
-    <mc:Choice Requires="p14">
+  <mc:AlternateContent xmlns:mc="http://schemas.openxmlformats.org/markup-compatibility/2006">
+    <mc:Choice xmlns:p14="http://schemas.microsoft.com/office/powerpoint/2010/main" xmlns="" Requires="p14">
       <p:transition p14:dur="0"/>
     </mc:Choice>
-    <mc:Fallback xmlns="">
+    <mc:Fallback>
       <p:transition/>
     </mc:Fallback>
   </mc:AlternateContent>
@@ -11327,7 +11226,7 @@
           <a:blip r:embed="rId3">
             <a:extLst>
               <a:ext uri="{28A0092B-C50C-407E-A947-70E740481C1C}">
-                <a14:useLocalDpi xmlns:a14="http://schemas.microsoft.com/office/drawing/2010/main" val="0"/>
+                <a14:useLocalDpi xmlns:a14="http://schemas.microsoft.com/office/drawing/2010/main" xmlns="" val="0"/>
               </a:ext>
             </a:extLst>
           </a:blip>
@@ -11350,14 +11249,14 @@
           </a:ln>
           <a:extLst>
             <a:ext uri="{909E8E84-426E-40DD-AFC4-6F175D3DCCD1}">
-              <a14:hiddenFill xmlns:a14="http://schemas.microsoft.com/office/drawing/2010/main">
+              <a14:hiddenFill xmlns:a14="http://schemas.microsoft.com/office/drawing/2010/main" xmlns="">
                 <a:solidFill>
                   <a:schemeClr val="accent1"/>
                 </a:solidFill>
               </a14:hiddenFill>
             </a:ext>
             <a:ext uri="{91240B29-F687-4F45-9708-019B960494DF}">
-              <a14:hiddenLine xmlns:a14="http://schemas.microsoft.com/office/drawing/2010/main" w="9525">
+              <a14:hiddenLine xmlns:a14="http://schemas.microsoft.com/office/drawing/2010/main" xmlns="" w="9525">
                 <a:solidFill>
                   <a:schemeClr val="tx1"/>
                 </a:solidFill>
@@ -11372,18 +11271,18 @@
     </p:spTree>
     <p:extLst>
       <p:ext uri="{BB962C8B-B14F-4D97-AF65-F5344CB8AC3E}">
-        <p14:creationId xmlns:p14="http://schemas.microsoft.com/office/powerpoint/2010/main" val="3464458849"/>
+        <p14:creationId xmlns:p14="http://schemas.microsoft.com/office/powerpoint/2010/main" xmlns="" val="3464458849"/>
       </p:ext>
     </p:extLst>
   </p:cSld>
   <p:clrMapOvr>
     <a:masterClrMapping/>
   </p:clrMapOvr>
-  <mc:AlternateContent xmlns:mc="http://schemas.openxmlformats.org/markup-compatibility/2006" xmlns:p14="http://schemas.microsoft.com/office/powerpoint/2010/main">
-    <mc:Choice Requires="p14">
+  <mc:AlternateContent xmlns:mc="http://schemas.openxmlformats.org/markup-compatibility/2006">
+    <mc:Choice xmlns:p14="http://schemas.microsoft.com/office/powerpoint/2010/main" xmlns="" Requires="p14">
       <p:transition p14:dur="0"/>
     </mc:Choice>
-    <mc:Fallback xmlns="">
+    <mc:Fallback>
       <p:transition/>
     </mc:Fallback>
   </mc:AlternateContent>
@@ -11518,7 +11417,7 @@
           <a:blip r:embed="rId3">
             <a:extLst>
               <a:ext uri="{28A0092B-C50C-407E-A947-70E740481C1C}">
-                <a14:useLocalDpi xmlns:a14="http://schemas.microsoft.com/office/drawing/2010/main" val="0"/>
+                <a14:useLocalDpi xmlns:a14="http://schemas.microsoft.com/office/drawing/2010/main" xmlns="" val="0"/>
               </a:ext>
             </a:extLst>
           </a:blip>
@@ -11541,14 +11440,14 @@
           </a:ln>
           <a:extLst>
             <a:ext uri="{909E8E84-426E-40DD-AFC4-6F175D3DCCD1}">
-              <a14:hiddenFill xmlns:a14="http://schemas.microsoft.com/office/drawing/2010/main">
+              <a14:hiddenFill xmlns:a14="http://schemas.microsoft.com/office/drawing/2010/main" xmlns="">
                 <a:solidFill>
                   <a:schemeClr val="accent1"/>
                 </a:solidFill>
               </a14:hiddenFill>
             </a:ext>
             <a:ext uri="{91240B29-F687-4F45-9708-019B960494DF}">
-              <a14:hiddenLine xmlns:a14="http://schemas.microsoft.com/office/drawing/2010/main" w="9525">
+              <a14:hiddenLine xmlns:a14="http://schemas.microsoft.com/office/drawing/2010/main" xmlns="" w="9525">
                 <a:solidFill>
                   <a:schemeClr val="tx1"/>
                 </a:solidFill>
@@ -11623,18 +11522,18 @@
     </p:spTree>
     <p:extLst>
       <p:ext uri="{BB962C8B-B14F-4D97-AF65-F5344CB8AC3E}">
-        <p14:creationId xmlns:p14="http://schemas.microsoft.com/office/powerpoint/2010/main" val="1903585700"/>
+        <p14:creationId xmlns:p14="http://schemas.microsoft.com/office/powerpoint/2010/main" xmlns="" val="1903585700"/>
       </p:ext>
     </p:extLst>
   </p:cSld>
   <p:clrMapOvr>
     <a:masterClrMapping/>
   </p:clrMapOvr>
-  <mc:AlternateContent xmlns:mc="http://schemas.openxmlformats.org/markup-compatibility/2006" xmlns:p14="http://schemas.microsoft.com/office/powerpoint/2010/main">
-    <mc:Choice Requires="p14">
+  <mc:AlternateContent xmlns:mc="http://schemas.openxmlformats.org/markup-compatibility/2006">
+    <mc:Choice xmlns:p14="http://schemas.microsoft.com/office/powerpoint/2010/main" xmlns="" Requires="p14">
       <p:transition p14:dur="0"/>
     </mc:Choice>
-    <mc:Fallback xmlns="">
+    <mc:Fallback>
       <p:transition/>
     </mc:Fallback>
   </mc:AlternateContent>
@@ -11753,7 +11652,7 @@
           <a:blip r:embed="rId3">
             <a:extLst>
               <a:ext uri="{28A0092B-C50C-407E-A947-70E740481C1C}">
-                <a14:useLocalDpi xmlns:a14="http://schemas.microsoft.com/office/drawing/2010/main" val="0"/>
+                <a14:useLocalDpi xmlns:a14="http://schemas.microsoft.com/office/drawing/2010/main" xmlns="" val="0"/>
               </a:ext>
             </a:extLst>
           </a:blip>
@@ -11776,14 +11675,14 @@
           </a:ln>
           <a:extLst>
             <a:ext uri="{909E8E84-426E-40DD-AFC4-6F175D3DCCD1}">
-              <a14:hiddenFill xmlns:a14="http://schemas.microsoft.com/office/drawing/2010/main">
+              <a14:hiddenFill xmlns:a14="http://schemas.microsoft.com/office/drawing/2010/main" xmlns="">
                 <a:solidFill>
                   <a:schemeClr val="accent1"/>
                 </a:solidFill>
               </a14:hiddenFill>
             </a:ext>
             <a:ext uri="{91240B29-F687-4F45-9708-019B960494DF}">
-              <a14:hiddenLine xmlns:a14="http://schemas.microsoft.com/office/drawing/2010/main" w="9525">
+              <a14:hiddenLine xmlns:a14="http://schemas.microsoft.com/office/drawing/2010/main" xmlns="" w="9525">
                 <a:solidFill>
                   <a:schemeClr val="tx1"/>
                 </a:solidFill>
@@ -11807,7 +11706,7 @@
           <a:blip r:embed="rId4">
             <a:extLst>
               <a:ext uri="{28A0092B-C50C-407E-A947-70E740481C1C}">
-                <a14:useLocalDpi xmlns:a14="http://schemas.microsoft.com/office/drawing/2010/main" val="0"/>
+                <a14:useLocalDpi xmlns:a14="http://schemas.microsoft.com/office/drawing/2010/main" xmlns="" val="0"/>
               </a:ext>
             </a:extLst>
           </a:blip>
@@ -11830,14 +11729,14 @@
           </a:ln>
           <a:extLst>
             <a:ext uri="{909E8E84-426E-40DD-AFC4-6F175D3DCCD1}">
-              <a14:hiddenFill xmlns:a14="http://schemas.microsoft.com/office/drawing/2010/main">
+              <a14:hiddenFill xmlns:a14="http://schemas.microsoft.com/office/drawing/2010/main" xmlns="">
                 <a:solidFill>
                   <a:schemeClr val="accent1"/>
                 </a:solidFill>
               </a14:hiddenFill>
             </a:ext>
             <a:ext uri="{91240B29-F687-4F45-9708-019B960494DF}">
-              <a14:hiddenLine xmlns:a14="http://schemas.microsoft.com/office/drawing/2010/main" w="9525">
+              <a14:hiddenLine xmlns:a14="http://schemas.microsoft.com/office/drawing/2010/main" xmlns="" w="9525">
                 <a:solidFill>
                   <a:schemeClr val="tx1"/>
                 </a:solidFill>
@@ -11852,18 +11751,18 @@
     </p:spTree>
     <p:extLst>
       <p:ext uri="{BB962C8B-B14F-4D97-AF65-F5344CB8AC3E}">
-        <p14:creationId xmlns:p14="http://schemas.microsoft.com/office/powerpoint/2010/main" val="2932820667"/>
+        <p14:creationId xmlns:p14="http://schemas.microsoft.com/office/powerpoint/2010/main" xmlns="" val="2932820667"/>
       </p:ext>
     </p:extLst>
   </p:cSld>
   <p:clrMapOvr>
     <a:masterClrMapping/>
   </p:clrMapOvr>
-  <mc:AlternateContent xmlns:mc="http://schemas.openxmlformats.org/markup-compatibility/2006" xmlns:p14="http://schemas.microsoft.com/office/powerpoint/2010/main">
-    <mc:Choice Requires="p14">
+  <mc:AlternateContent xmlns:mc="http://schemas.openxmlformats.org/markup-compatibility/2006">
+    <mc:Choice xmlns:p14="http://schemas.microsoft.com/office/powerpoint/2010/main" xmlns="" Requires="p14">
       <p:transition p14:dur="0"/>
     </mc:Choice>
-    <mc:Fallback xmlns="">
+    <mc:Fallback>
       <p:transition/>
     </mc:Fallback>
   </mc:AlternateContent>
@@ -11982,7 +11881,7 @@
           <a:blip r:embed="rId3">
             <a:extLst>
               <a:ext uri="{28A0092B-C50C-407E-A947-70E740481C1C}">
-                <a14:useLocalDpi xmlns:a14="http://schemas.microsoft.com/office/drawing/2010/main" val="0"/>
+                <a14:useLocalDpi xmlns:a14="http://schemas.microsoft.com/office/drawing/2010/main" xmlns="" val="0"/>
               </a:ext>
             </a:extLst>
           </a:blip>
@@ -12005,14 +11904,14 @@
           </a:ln>
           <a:extLst>
             <a:ext uri="{909E8E84-426E-40DD-AFC4-6F175D3DCCD1}">
-              <a14:hiddenFill xmlns:a14="http://schemas.microsoft.com/office/drawing/2010/main">
+              <a14:hiddenFill xmlns:a14="http://schemas.microsoft.com/office/drawing/2010/main" xmlns="">
                 <a:solidFill>
                   <a:schemeClr val="accent1"/>
                 </a:solidFill>
               </a14:hiddenFill>
             </a:ext>
             <a:ext uri="{91240B29-F687-4F45-9708-019B960494DF}">
-              <a14:hiddenLine xmlns:a14="http://schemas.microsoft.com/office/drawing/2010/main" w="9525">
+              <a14:hiddenLine xmlns:a14="http://schemas.microsoft.com/office/drawing/2010/main" xmlns="" w="9525">
                 <a:solidFill>
                   <a:schemeClr val="tx1"/>
                 </a:solidFill>
@@ -12036,7 +11935,7 @@
           <a:blip r:embed="rId4">
             <a:extLst>
               <a:ext uri="{28A0092B-C50C-407E-A947-70E740481C1C}">
-                <a14:useLocalDpi xmlns:a14="http://schemas.microsoft.com/office/drawing/2010/main" val="0"/>
+                <a14:useLocalDpi xmlns:a14="http://schemas.microsoft.com/office/drawing/2010/main" xmlns="" val="0"/>
               </a:ext>
             </a:extLst>
           </a:blip>
@@ -12059,14 +11958,14 @@
           </a:ln>
           <a:extLst>
             <a:ext uri="{909E8E84-426E-40DD-AFC4-6F175D3DCCD1}">
-              <a14:hiddenFill xmlns:a14="http://schemas.microsoft.com/office/drawing/2010/main">
+              <a14:hiddenFill xmlns:a14="http://schemas.microsoft.com/office/drawing/2010/main" xmlns="">
                 <a:solidFill>
                   <a:schemeClr val="accent1"/>
                 </a:solidFill>
               </a14:hiddenFill>
             </a:ext>
             <a:ext uri="{91240B29-F687-4F45-9708-019B960494DF}">
-              <a14:hiddenLine xmlns:a14="http://schemas.microsoft.com/office/drawing/2010/main" w="9525">
+              <a14:hiddenLine xmlns:a14="http://schemas.microsoft.com/office/drawing/2010/main" xmlns="" w="9525">
                 <a:solidFill>
                   <a:schemeClr val="tx1"/>
                 </a:solidFill>
@@ -12081,18 +11980,18 @@
     </p:spTree>
     <p:extLst>
       <p:ext uri="{BB962C8B-B14F-4D97-AF65-F5344CB8AC3E}">
-        <p14:creationId xmlns:p14="http://schemas.microsoft.com/office/powerpoint/2010/main" val="2147108040"/>
+        <p14:creationId xmlns:p14="http://schemas.microsoft.com/office/powerpoint/2010/main" xmlns="" val="2147108040"/>
       </p:ext>
     </p:extLst>
   </p:cSld>
   <p:clrMapOvr>
     <a:masterClrMapping/>
   </p:clrMapOvr>
-  <mc:AlternateContent xmlns:mc="http://schemas.openxmlformats.org/markup-compatibility/2006" xmlns:p14="http://schemas.microsoft.com/office/powerpoint/2010/main">
-    <mc:Choice Requires="p14">
+  <mc:AlternateContent xmlns:mc="http://schemas.openxmlformats.org/markup-compatibility/2006">
+    <mc:Choice xmlns:p14="http://schemas.microsoft.com/office/powerpoint/2010/main" xmlns="" Requires="p14">
       <p:transition p14:dur="0"/>
     </mc:Choice>
-    <mc:Fallback xmlns="">
+    <mc:Fallback>
       <p:transition/>
     </mc:Fallback>
   </mc:AlternateContent>
@@ -12211,7 +12110,7 @@
           <a:blip r:embed="rId3">
             <a:extLst>
               <a:ext uri="{28A0092B-C50C-407E-A947-70E740481C1C}">
-                <a14:useLocalDpi xmlns:a14="http://schemas.microsoft.com/office/drawing/2010/main" val="0"/>
+                <a14:useLocalDpi xmlns:a14="http://schemas.microsoft.com/office/drawing/2010/main" xmlns="" val="0"/>
               </a:ext>
             </a:extLst>
           </a:blip>
@@ -12234,14 +12133,14 @@
           </a:ln>
           <a:extLst>
             <a:ext uri="{909E8E84-426E-40DD-AFC4-6F175D3DCCD1}">
-              <a14:hiddenFill xmlns:a14="http://schemas.microsoft.com/office/drawing/2010/main">
+              <a14:hiddenFill xmlns:a14="http://schemas.microsoft.com/office/drawing/2010/main" xmlns="">
                 <a:solidFill>
                   <a:schemeClr val="accent1"/>
                 </a:solidFill>
               </a14:hiddenFill>
             </a:ext>
             <a:ext uri="{91240B29-F687-4F45-9708-019B960494DF}">
-              <a14:hiddenLine xmlns:a14="http://schemas.microsoft.com/office/drawing/2010/main" w="9525">
+              <a14:hiddenLine xmlns:a14="http://schemas.microsoft.com/office/drawing/2010/main" xmlns="" w="9525">
                 <a:solidFill>
                   <a:schemeClr val="tx1"/>
                 </a:solidFill>
@@ -12256,18 +12155,18 @@
     </p:spTree>
     <p:extLst>
       <p:ext uri="{BB962C8B-B14F-4D97-AF65-F5344CB8AC3E}">
-        <p14:creationId xmlns:p14="http://schemas.microsoft.com/office/powerpoint/2010/main" val="2625740400"/>
+        <p14:creationId xmlns:p14="http://schemas.microsoft.com/office/powerpoint/2010/main" xmlns="" val="2625740400"/>
       </p:ext>
     </p:extLst>
   </p:cSld>
   <p:clrMapOvr>
     <a:masterClrMapping/>
   </p:clrMapOvr>
-  <mc:AlternateContent xmlns:mc="http://schemas.openxmlformats.org/markup-compatibility/2006" xmlns:p14="http://schemas.microsoft.com/office/powerpoint/2010/main">
-    <mc:Choice Requires="p14">
+  <mc:AlternateContent xmlns:mc="http://schemas.openxmlformats.org/markup-compatibility/2006">
+    <mc:Choice xmlns:p14="http://schemas.microsoft.com/office/powerpoint/2010/main" xmlns="" Requires="p14">
       <p:transition p14:dur="0"/>
     </mc:Choice>
-    <mc:Fallback xmlns="">
+    <mc:Fallback>
       <p:transition/>
     </mc:Fallback>
   </mc:AlternateContent>
@@ -12386,7 +12285,7 @@
           <a:blip r:embed="rId3">
             <a:extLst>
               <a:ext uri="{28A0092B-C50C-407E-A947-70E740481C1C}">
-                <a14:useLocalDpi xmlns:a14="http://schemas.microsoft.com/office/drawing/2010/main" val="0"/>
+                <a14:useLocalDpi xmlns:a14="http://schemas.microsoft.com/office/drawing/2010/main" xmlns="" val="0"/>
               </a:ext>
             </a:extLst>
           </a:blip>
@@ -12409,14 +12308,14 @@
           </a:ln>
           <a:extLst>
             <a:ext uri="{909E8E84-426E-40DD-AFC4-6F175D3DCCD1}">
-              <a14:hiddenFill xmlns:a14="http://schemas.microsoft.com/office/drawing/2010/main">
+              <a14:hiddenFill xmlns:a14="http://schemas.microsoft.com/office/drawing/2010/main" xmlns="">
                 <a:solidFill>
                   <a:schemeClr val="accent1"/>
                 </a:solidFill>
               </a14:hiddenFill>
             </a:ext>
             <a:ext uri="{91240B29-F687-4F45-9708-019B960494DF}">
-              <a14:hiddenLine xmlns:a14="http://schemas.microsoft.com/office/drawing/2010/main" w="9525">
+              <a14:hiddenLine xmlns:a14="http://schemas.microsoft.com/office/drawing/2010/main" xmlns="" w="9525">
                 <a:solidFill>
                   <a:schemeClr val="tx1"/>
                 </a:solidFill>
@@ -12431,18 +12330,18 @@
     </p:spTree>
     <p:extLst>
       <p:ext uri="{BB962C8B-B14F-4D97-AF65-F5344CB8AC3E}">
-        <p14:creationId xmlns:p14="http://schemas.microsoft.com/office/powerpoint/2010/main" val="2177105919"/>
+        <p14:creationId xmlns:p14="http://schemas.microsoft.com/office/powerpoint/2010/main" xmlns="" val="2177105919"/>
       </p:ext>
     </p:extLst>
   </p:cSld>
   <p:clrMapOvr>
     <a:masterClrMapping/>
   </p:clrMapOvr>
-  <mc:AlternateContent xmlns:mc="http://schemas.openxmlformats.org/markup-compatibility/2006" xmlns:p14="http://schemas.microsoft.com/office/powerpoint/2010/main">
-    <mc:Choice Requires="p14">
+  <mc:AlternateContent xmlns:mc="http://schemas.openxmlformats.org/markup-compatibility/2006">
+    <mc:Choice xmlns:p14="http://schemas.microsoft.com/office/powerpoint/2010/main" xmlns="" Requires="p14">
       <p:transition p14:dur="0"/>
     </mc:Choice>
-    <mc:Fallback xmlns="">
+    <mc:Fallback>
       <p:transition/>
     </mc:Fallback>
   </mc:AlternateContent>
@@ -12573,7 +12472,7 @@
           <a:blip r:embed="rId3">
             <a:extLst>
               <a:ext uri="{28A0092B-C50C-407E-A947-70E740481C1C}">
-                <a14:useLocalDpi xmlns:a14="http://schemas.microsoft.com/office/drawing/2010/main" val="0"/>
+                <a14:useLocalDpi xmlns:a14="http://schemas.microsoft.com/office/drawing/2010/main" xmlns="" val="0"/>
               </a:ext>
             </a:extLst>
           </a:blip>
@@ -12596,14 +12495,14 @@
           </a:ln>
           <a:extLst>
             <a:ext uri="{909E8E84-426E-40DD-AFC4-6F175D3DCCD1}">
-              <a14:hiddenFill xmlns:a14="http://schemas.microsoft.com/office/drawing/2010/main">
+              <a14:hiddenFill xmlns:a14="http://schemas.microsoft.com/office/drawing/2010/main" xmlns="">
                 <a:solidFill>
                   <a:schemeClr val="accent1"/>
                 </a:solidFill>
               </a14:hiddenFill>
             </a:ext>
             <a:ext uri="{91240B29-F687-4F45-9708-019B960494DF}">
-              <a14:hiddenLine xmlns:a14="http://schemas.microsoft.com/office/drawing/2010/main" w="9525">
+              <a14:hiddenLine xmlns:a14="http://schemas.microsoft.com/office/drawing/2010/main" xmlns="" w="9525">
                 <a:solidFill>
                   <a:schemeClr val="tx1"/>
                 </a:solidFill>
@@ -12618,18 +12517,18 @@
     </p:spTree>
     <p:extLst>
       <p:ext uri="{BB962C8B-B14F-4D97-AF65-F5344CB8AC3E}">
-        <p14:creationId xmlns:p14="http://schemas.microsoft.com/office/powerpoint/2010/main" val="4129436923"/>
+        <p14:creationId xmlns:p14="http://schemas.microsoft.com/office/powerpoint/2010/main" xmlns="" val="4129436923"/>
       </p:ext>
     </p:extLst>
   </p:cSld>
   <p:clrMapOvr>
     <a:masterClrMapping/>
   </p:clrMapOvr>
-  <mc:AlternateContent xmlns:mc="http://schemas.openxmlformats.org/markup-compatibility/2006" xmlns:p14="http://schemas.microsoft.com/office/powerpoint/2010/main">
-    <mc:Choice Requires="p14">
+  <mc:AlternateContent xmlns:mc="http://schemas.openxmlformats.org/markup-compatibility/2006">
+    <mc:Choice xmlns:p14="http://schemas.microsoft.com/office/powerpoint/2010/main" xmlns="" Requires="p14">
       <p:transition p14:dur="0"/>
     </mc:Choice>
-    <mc:Fallback xmlns="">
+    <mc:Fallback>
       <p:transition/>
     </mc:Fallback>
   </mc:AlternateContent>
@@ -12760,7 +12659,7 @@
           <a:blip r:embed="rId3">
             <a:extLst>
               <a:ext uri="{28A0092B-C50C-407E-A947-70E740481C1C}">
-                <a14:useLocalDpi xmlns:a14="http://schemas.microsoft.com/office/drawing/2010/main" val="0"/>
+                <a14:useLocalDpi xmlns:a14="http://schemas.microsoft.com/office/drawing/2010/main" xmlns="" val="0"/>
               </a:ext>
             </a:extLst>
           </a:blip>
@@ -12783,14 +12682,14 @@
           </a:ln>
           <a:extLst>
             <a:ext uri="{909E8E84-426E-40DD-AFC4-6F175D3DCCD1}">
-              <a14:hiddenFill xmlns:a14="http://schemas.microsoft.com/office/drawing/2010/main">
+              <a14:hiddenFill xmlns:a14="http://schemas.microsoft.com/office/drawing/2010/main" xmlns="">
                 <a:solidFill>
                   <a:schemeClr val="accent1"/>
                 </a:solidFill>
               </a14:hiddenFill>
             </a:ext>
             <a:ext uri="{91240B29-F687-4F45-9708-019B960494DF}">
-              <a14:hiddenLine xmlns:a14="http://schemas.microsoft.com/office/drawing/2010/main" w="9525">
+              <a14:hiddenLine xmlns:a14="http://schemas.microsoft.com/office/drawing/2010/main" xmlns="" w="9525">
                 <a:solidFill>
                   <a:schemeClr val="tx1"/>
                 </a:solidFill>
@@ -12805,18 +12704,18 @@
     </p:spTree>
     <p:extLst>
       <p:ext uri="{BB962C8B-B14F-4D97-AF65-F5344CB8AC3E}">
-        <p14:creationId xmlns:p14="http://schemas.microsoft.com/office/powerpoint/2010/main" val="3693924153"/>
+        <p14:creationId xmlns:p14="http://schemas.microsoft.com/office/powerpoint/2010/main" xmlns="" val="3693924153"/>
       </p:ext>
     </p:extLst>
   </p:cSld>
   <p:clrMapOvr>
     <a:masterClrMapping/>
   </p:clrMapOvr>
-  <mc:AlternateContent xmlns:mc="http://schemas.openxmlformats.org/markup-compatibility/2006" xmlns:p14="http://schemas.microsoft.com/office/powerpoint/2010/main">
-    <mc:Choice Requires="p14">
+  <mc:AlternateContent xmlns:mc="http://schemas.openxmlformats.org/markup-compatibility/2006">
+    <mc:Choice xmlns:p14="http://schemas.microsoft.com/office/powerpoint/2010/main" xmlns="" Requires="p14">
       <p:transition p14:dur="0"/>
     </mc:Choice>
-    <mc:Fallback xmlns="">
+    <mc:Fallback>
       <p:transition/>
     </mc:Fallback>
   </mc:AlternateContent>
@@ -12947,7 +12846,7 @@
           <a:blip r:embed="rId3">
             <a:extLst>
               <a:ext uri="{28A0092B-C50C-407E-A947-70E740481C1C}">
-                <a14:useLocalDpi xmlns:a14="http://schemas.microsoft.com/office/drawing/2010/main" val="0"/>
+                <a14:useLocalDpi xmlns:a14="http://schemas.microsoft.com/office/drawing/2010/main" xmlns="" val="0"/>
               </a:ext>
             </a:extLst>
           </a:blip>
@@ -12970,14 +12869,14 @@
           </a:ln>
           <a:extLst>
             <a:ext uri="{909E8E84-426E-40DD-AFC4-6F175D3DCCD1}">
-              <a14:hiddenFill xmlns:a14="http://schemas.microsoft.com/office/drawing/2010/main">
+              <a14:hiddenFill xmlns:a14="http://schemas.microsoft.com/office/drawing/2010/main" xmlns="">
                 <a:solidFill>
                   <a:schemeClr val="accent1"/>
                 </a:solidFill>
               </a14:hiddenFill>
             </a:ext>
             <a:ext uri="{91240B29-F687-4F45-9708-019B960494DF}">
-              <a14:hiddenLine xmlns:a14="http://schemas.microsoft.com/office/drawing/2010/main" w="9525">
+              <a14:hiddenLine xmlns:a14="http://schemas.microsoft.com/office/drawing/2010/main" xmlns="" w="9525">
                 <a:solidFill>
                   <a:schemeClr val="tx1"/>
                 </a:solidFill>
@@ -12992,18 +12891,18 @@
     </p:spTree>
     <p:extLst>
       <p:ext uri="{BB962C8B-B14F-4D97-AF65-F5344CB8AC3E}">
-        <p14:creationId xmlns:p14="http://schemas.microsoft.com/office/powerpoint/2010/main" val="2805942247"/>
+        <p14:creationId xmlns:p14="http://schemas.microsoft.com/office/powerpoint/2010/main" xmlns="" val="2805942247"/>
       </p:ext>
     </p:extLst>
   </p:cSld>
   <p:clrMapOvr>
     <a:masterClrMapping/>
   </p:clrMapOvr>
-  <mc:AlternateContent xmlns:mc="http://schemas.openxmlformats.org/markup-compatibility/2006" xmlns:p14="http://schemas.microsoft.com/office/powerpoint/2010/main">
-    <mc:Choice Requires="p14">
+  <mc:AlternateContent xmlns:mc="http://schemas.openxmlformats.org/markup-compatibility/2006">
+    <mc:Choice xmlns:p14="http://schemas.microsoft.com/office/powerpoint/2010/main" xmlns="" Requires="p14">
       <p:transition p14:dur="0"/>
     </mc:Choice>
-    <mc:Fallback xmlns="">
+    <mc:Fallback>
       <p:transition/>
     </mc:Fallback>
   </mc:AlternateContent>
@@ -13134,7 +13033,7 @@
           <a:blip r:embed="rId3">
             <a:extLst>
               <a:ext uri="{28A0092B-C50C-407E-A947-70E740481C1C}">
-                <a14:useLocalDpi xmlns:a14="http://schemas.microsoft.com/office/drawing/2010/main" val="0"/>
+                <a14:useLocalDpi xmlns:a14="http://schemas.microsoft.com/office/drawing/2010/main" xmlns="" val="0"/>
               </a:ext>
             </a:extLst>
           </a:blip>
@@ -13157,14 +13056,14 @@
           </a:ln>
           <a:extLst>
             <a:ext uri="{909E8E84-426E-40DD-AFC4-6F175D3DCCD1}">
-              <a14:hiddenFill xmlns:a14="http://schemas.microsoft.com/office/drawing/2010/main">
+              <a14:hiddenFill xmlns:a14="http://schemas.microsoft.com/office/drawing/2010/main" xmlns="">
                 <a:solidFill>
                   <a:schemeClr val="accent1"/>
                 </a:solidFill>
               </a14:hiddenFill>
             </a:ext>
             <a:ext uri="{91240B29-F687-4F45-9708-019B960494DF}">
-              <a14:hiddenLine xmlns:a14="http://schemas.microsoft.com/office/drawing/2010/main" w="9525">
+              <a14:hiddenLine xmlns:a14="http://schemas.microsoft.com/office/drawing/2010/main" xmlns="" w="9525">
                 <a:solidFill>
                   <a:schemeClr val="tx1"/>
                 </a:solidFill>
@@ -13179,18 +13078,18 @@
     </p:spTree>
     <p:extLst>
       <p:ext uri="{BB962C8B-B14F-4D97-AF65-F5344CB8AC3E}">
-        <p14:creationId xmlns:p14="http://schemas.microsoft.com/office/powerpoint/2010/main" val="475549841"/>
+        <p14:creationId xmlns:p14="http://schemas.microsoft.com/office/powerpoint/2010/main" xmlns="" val="475549841"/>
       </p:ext>
     </p:extLst>
   </p:cSld>
   <p:clrMapOvr>
     <a:masterClrMapping/>
   </p:clrMapOvr>
-  <mc:AlternateContent xmlns:mc="http://schemas.openxmlformats.org/markup-compatibility/2006" xmlns:p14="http://schemas.microsoft.com/office/powerpoint/2010/main">
-    <mc:Choice Requires="p14">
+  <mc:AlternateContent xmlns:mc="http://schemas.openxmlformats.org/markup-compatibility/2006">
+    <mc:Choice xmlns:p14="http://schemas.microsoft.com/office/powerpoint/2010/main" xmlns="" Requires="p14">
       <p:transition p14:dur="0"/>
     </mc:Choice>
-    <mc:Fallback xmlns="">
+    <mc:Fallback>
       <p:transition/>
     </mc:Fallback>
   </mc:AlternateContent>
@@ -13358,15 +13257,7 @@
                   <a:srgbClr val="00B050"/>
                 </a:solidFill>
               </a:rPr>
-              <a:t>1d: Dodanie testów jednostkowych do </a:t>
-            </a:r>
-            <a:r>
-              <a:rPr lang="pl-PL" dirty="0" smtClean="0">
-                <a:solidFill>
-                  <a:srgbClr val="00B050"/>
-                </a:solidFill>
-              </a:rPr>
-              <a:t>aplikacji</a:t>
+              <a:t>1d: Dodanie testów jednostkowych do aplikacji</a:t>
             </a:r>
           </a:p>
           <a:p>
@@ -13402,18 +13293,18 @@
     </p:spTree>
     <p:extLst>
       <p:ext uri="{BB962C8B-B14F-4D97-AF65-F5344CB8AC3E}">
-        <p14:creationId xmlns:p14="http://schemas.microsoft.com/office/powerpoint/2010/main" val="1973328544"/>
+        <p14:creationId xmlns:p14="http://schemas.microsoft.com/office/powerpoint/2010/main" xmlns="" val="1973328544"/>
       </p:ext>
     </p:extLst>
   </p:cSld>
   <p:clrMapOvr>
     <a:masterClrMapping/>
   </p:clrMapOvr>
-  <mc:AlternateContent xmlns:mc="http://schemas.openxmlformats.org/markup-compatibility/2006" xmlns:p14="http://schemas.microsoft.com/office/powerpoint/2010/main">
-    <mc:Choice Requires="p14">
+  <mc:AlternateContent xmlns:mc="http://schemas.openxmlformats.org/markup-compatibility/2006">
+    <mc:Choice xmlns:p14="http://schemas.microsoft.com/office/powerpoint/2010/main" xmlns="" Requires="p14">
       <p:transition p14:dur="0"/>
     </mc:Choice>
-    <mc:Fallback xmlns="">
+    <mc:Fallback>
       <p:transition/>
     </mc:Fallback>
   </mc:AlternateContent>
@@ -13454,153 +13345,116 @@
             <p:ph type="title"/>
           </p:nvPr>
         </p:nvSpPr>
+        <p:spPr/>
+        <p:txBody>
+          <a:bodyPr/>
+          <a:lstStyle/>
+          <a:p>
+            <a:r>
+              <a:rPr lang="pl-PL" dirty="0" smtClean="0"/>
+              <a:t>Zakres ćwiczenia</a:t>
+            </a:r>
+            <a:endParaRPr lang="de-DE" dirty="0"/>
+          </a:p>
+        </p:txBody>
+      </p:sp>
+      <p:sp>
+        <p:nvSpPr>
+          <p:cNvPr id="5" name="Inhaltsplatzhalter 4"/>
+          <p:cNvSpPr>
+            <a:spLocks noGrp="1"/>
+          </p:cNvSpPr>
+          <p:nvPr>
+            <p:ph type="body" sz="quarter" idx="13"/>
+          </p:nvPr>
+        </p:nvSpPr>
+        <p:spPr/>
+        <p:txBody>
+          <a:bodyPr/>
+          <a:lstStyle/>
+          <a:p>
+            <a:r>
+              <a:rPr lang="pl-PL" dirty="0" smtClean="0"/>
+              <a:t>ĆWICZENIE 1C</a:t>
+            </a:r>
+            <a:endParaRPr lang="de-DE" dirty="0"/>
+          </a:p>
+        </p:txBody>
+      </p:sp>
+      <p:sp>
+        <p:nvSpPr>
+          <p:cNvPr id="3" name="Prostokąt zaokrąglony 2"/>
+          <p:cNvSpPr/>
+          <p:nvPr/>
+        </p:nvSpPr>
         <p:spPr>
           <a:xfrm>
-            <a:off x="444503" y="347341"/>
-            <a:ext cx="6692104" cy="436017"/>
+            <a:off x="1609595" y="1546963"/>
+            <a:ext cx="5730657" cy="1991639"/>
           </a:xfrm>
-        </p:spPr>
-        <p:txBody>
-          <a:bodyPr/>
-          <a:lstStyle/>
-          <a:p>
-            <a:r>
-              <a:rPr lang="pl-PL" dirty="0" smtClean="0"/>
-              <a:t>Uruchomienie zaimportowanego projektu w IDE</a:t>
-            </a:r>
-            <a:br>
-              <a:rPr lang="pl-PL" dirty="0" smtClean="0"/>
-            </a:br>
-            <a:r>
-              <a:rPr lang="pl-PL" dirty="0" smtClean="0"/>
-              <a:t>Ustawienie parametrów wywołania</a:t>
-            </a:r>
-            <a:endParaRPr lang="de-DE" dirty="0"/>
-          </a:p>
-        </p:txBody>
-      </p:sp>
-      <p:sp>
-        <p:nvSpPr>
-          <p:cNvPr id="5" name="Inhaltsplatzhalter 4"/>
-          <p:cNvSpPr>
-            <a:spLocks noGrp="1"/>
-          </p:cNvSpPr>
-          <p:nvPr>
-            <p:ph type="body" sz="quarter" idx="13"/>
-          </p:nvPr>
-        </p:nvSpPr>
-        <p:spPr/>
-        <p:txBody>
-          <a:bodyPr/>
-          <a:lstStyle/>
-          <a:p>
-            <a:r>
-              <a:rPr lang="pl-PL" dirty="0" smtClean="0"/>
-              <a:t>ĆWICZENIE 1B</a:t>
-            </a:r>
-            <a:endParaRPr lang="de-DE" dirty="0"/>
-          </a:p>
-        </p:txBody>
-      </p:sp>
-      <p:sp>
-        <p:nvSpPr>
-          <p:cNvPr id="2" name="Symbol zastępczy zawartości 1"/>
-          <p:cNvSpPr>
-            <a:spLocks noGrp="1"/>
-          </p:cNvSpPr>
-          <p:nvPr>
-            <p:ph idx="1"/>
-          </p:nvPr>
-        </p:nvSpPr>
-        <p:spPr>
-          <a:xfrm>
-            <a:off x="449264" y="1018979"/>
-            <a:ext cx="8005098" cy="3362325"/>
-          </a:xfrm>
-        </p:spPr>
-        <p:txBody>
-          <a:bodyPr/>
-          <a:lstStyle/>
-          <a:p>
-            <a:pPr marL="0" indent="0">
-              <a:buNone/>
-            </a:pPr>
-            <a:endParaRPr lang="pl-PL" dirty="0" smtClean="0"/>
-          </a:p>
-          <a:p>
-            <a:endParaRPr lang="pl-PL" dirty="0" smtClean="0"/>
-          </a:p>
-        </p:txBody>
-      </p:sp>
-      <p:pic>
-        <p:nvPicPr>
-          <p:cNvPr id="10242" name="Picture 2"/>
-          <p:cNvPicPr>
-            <a:picLocks noChangeAspect="1" noChangeArrowheads="1"/>
-          </p:cNvPicPr>
-          <p:nvPr/>
-        </p:nvPicPr>
-        <p:blipFill>
-          <a:blip r:embed="rId3">
-            <a:extLst>
-              <a:ext uri="{28A0092B-C50C-407E-A947-70E740481C1C}">
-                <a14:useLocalDpi xmlns:a14="http://schemas.microsoft.com/office/drawing/2010/main" val="0"/>
-              </a:ext>
-            </a:extLst>
-          </a:blip>
-          <a:srcRect/>
-          <a:stretch>
-            <a:fillRect/>
-          </a:stretch>
-        </p:blipFill>
-        <p:spPr bwMode="auto">
-          <a:xfrm>
-            <a:off x="414338" y="1966913"/>
-            <a:ext cx="8315325" cy="1209675"/>
-          </a:xfrm>
-          <a:prstGeom prst="rect">
+          <a:prstGeom prst="roundRect">
             <a:avLst/>
           </a:prstGeom>
-          <a:noFill/>
-          <a:ln>
-            <a:noFill/>
-          </a:ln>
-          <a:extLst>
-            <a:ext uri="{909E8E84-426E-40DD-AFC4-6F175D3DCCD1}">
-              <a14:hiddenFill xmlns:a14="http://schemas.microsoft.com/office/drawing/2010/main">
-                <a:solidFill>
-                  <a:schemeClr val="accent1"/>
-                </a:solidFill>
-              </a14:hiddenFill>
-            </a:ext>
-            <a:ext uri="{91240B29-F687-4F45-9708-019B960494DF}">
-              <a14:hiddenLine xmlns:a14="http://schemas.microsoft.com/office/drawing/2010/main" w="9525">
+          <a:ln/>
+        </p:spPr>
+        <p:style>
+          <a:lnRef idx="2">
+            <a:schemeClr val="accent3">
+              <a:shade val="50000"/>
+            </a:schemeClr>
+          </a:lnRef>
+          <a:fillRef idx="1">
+            <a:schemeClr val="accent3"/>
+          </a:fillRef>
+          <a:effectRef idx="0">
+            <a:schemeClr val="accent3"/>
+          </a:effectRef>
+          <a:fontRef idx="minor">
+            <a:schemeClr val="lt1"/>
+          </a:fontRef>
+        </p:style>
+        <p:txBody>
+          <a:bodyPr lIns="108000" tIns="108000" rIns="108000" bIns="108000" rtlCol="0" anchor="ctr"/>
+          <a:lstStyle/>
+          <a:p>
+            <a:pPr algn="ctr"/>
+            <a:r>
+              <a:rPr lang="pl-PL" sz="1600" dirty="0" smtClean="0">
                 <a:solidFill>
                   <a:schemeClr val="tx1"/>
                 </a:solidFill>
-                <a:miter lim="800000"/>
-                <a:headEnd/>
-                <a:tailEnd/>
-              </a14:hiddenLine>
-            </a:ext>
-          </a:extLst>
-        </p:spPr>
-      </p:pic>
+              </a:rPr>
+              <a:t>Ćwiczenie 1C</a:t>
+            </a:r>
+          </a:p>
+          <a:p>
+            <a:pPr lvl="1" algn="ctr"/>
+            <a:r>
+              <a:rPr lang="pl-PL" sz="1600" dirty="0">
+                <a:solidFill>
+                  <a:schemeClr val="bg1"/>
+                </a:solidFill>
+              </a:rPr>
+              <a:t>Dodanie logowania do aplikacji</a:t>
+            </a:r>
+          </a:p>
+        </p:txBody>
+      </p:sp>
     </p:spTree>
     <p:extLst>
       <p:ext uri="{BB962C8B-B14F-4D97-AF65-F5344CB8AC3E}">
-        <p14:creationId xmlns:p14="http://schemas.microsoft.com/office/powerpoint/2010/main" val="2410062733"/>
+        <p14:creationId xmlns:p14="http://schemas.microsoft.com/office/powerpoint/2010/main" xmlns="" val="202376434"/>
       </p:ext>
     </p:extLst>
   </p:cSld>
   <p:clrMapOvr>
     <a:masterClrMapping/>
   </p:clrMapOvr>
-  <mc:AlternateContent xmlns:mc="http://schemas.openxmlformats.org/markup-compatibility/2006" xmlns:p14="http://schemas.microsoft.com/office/powerpoint/2010/main">
-    <mc:Choice Requires="p14">
-      <p:transition p14:dur="0"/>
+  <mc:AlternateContent xmlns:mc="http://schemas.openxmlformats.org/markup-compatibility/2006">
+    <mc:Choice xmlns:p14="http://schemas.microsoft.com/office/powerpoint/2010/main" xmlns="" Requires="p14">
+      <p:transition p14:dur="10"/>
     </mc:Choice>
-    <mc:Fallback xmlns="">
+    <mc:Fallback>
       <p:transition/>
     </mc:Fallback>
   </mc:AlternateContent>
@@ -13648,7 +13502,7 @@
           <a:p>
             <a:r>
               <a:rPr lang="pl-PL" dirty="0" smtClean="0"/>
-              <a:t>Zakres ćwiczenia</a:t>
+              <a:t>Logowanie z Log4J 2</a:t>
             </a:r>
             <a:endParaRPr lang="de-DE" dirty="0"/>
           </a:p>
@@ -13679,78 +13533,168 @@
       </p:sp>
       <p:sp>
         <p:nvSpPr>
-          <p:cNvPr id="3" name="Prostokąt zaokrąglony 2"/>
-          <p:cNvSpPr/>
-          <p:nvPr/>
+          <p:cNvPr id="6" name="Symbol zastępczy zawartości 1"/>
+          <p:cNvSpPr>
+            <a:spLocks noGrp="1"/>
+          </p:cNvSpPr>
+          <p:nvPr>
+            <p:ph idx="1"/>
+          </p:nvPr>
         </p:nvSpPr>
         <p:spPr>
           <a:xfrm>
-            <a:off x="1609595" y="1546963"/>
-            <a:ext cx="5730657" cy="1991639"/>
+            <a:off x="443707" y="1119187"/>
+            <a:ext cx="8039522" cy="3362325"/>
           </a:xfrm>
-          <a:prstGeom prst="roundRect">
-            <a:avLst/>
-          </a:prstGeom>
-          <a:ln/>
         </p:spPr>
-        <p:style>
-          <a:lnRef idx="2">
-            <a:schemeClr val="accent3">
-              <a:shade val="50000"/>
-            </a:schemeClr>
-          </a:lnRef>
-          <a:fillRef idx="1">
-            <a:schemeClr val="accent3"/>
-          </a:fillRef>
-          <a:effectRef idx="0">
-            <a:schemeClr val="accent3"/>
-          </a:effectRef>
-          <a:fontRef idx="minor">
-            <a:schemeClr val="lt1"/>
-          </a:fontRef>
-        </p:style>
-        <p:txBody>
-          <a:bodyPr lIns="108000" tIns="108000" rIns="108000" bIns="108000" rtlCol="0" anchor="ctr"/>
-          <a:lstStyle/>
-          <a:p>
-            <a:pPr algn="ctr"/>
-            <a:r>
-              <a:rPr lang="pl-PL" sz="1600" dirty="0" smtClean="0">
-                <a:solidFill>
-                  <a:schemeClr val="tx1"/>
-                </a:solidFill>
-              </a:rPr>
-              <a:t>Ćwiczenie 1C</a:t>
-            </a:r>
-          </a:p>
-          <a:p>
-            <a:pPr lvl="1" algn="ctr"/>
-            <a:r>
-              <a:rPr lang="pl-PL" sz="1600" dirty="0">
-                <a:solidFill>
-                  <a:schemeClr val="bg1"/>
-                </a:solidFill>
-              </a:rPr>
-              <a:t>Dodanie logowania do aplikacji</a:t>
-            </a:r>
+        <p:txBody>
+          <a:bodyPr>
+            <a:normAutofit lnSpcReduction="10000"/>
+          </a:bodyPr>
+          <a:lstStyle/>
+          <a:p>
+            <a:r>
+              <a:rPr lang="pl-PL" dirty="0" smtClean="0"/>
+              <a:t>Logowanie – rejestrowanie dowolnej informacji, którą programista uważa za istotną podczas wykonywania programu</a:t>
+            </a:r>
+            <a:r>
+              <a:rPr lang="pl-PL" dirty="0"/>
+              <a:t>	</a:t>
+            </a:r>
+            <a:r>
+              <a:rPr lang="pl-PL" dirty="0" smtClean="0"/>
+              <a:t>.</a:t>
+            </a:r>
+          </a:p>
+          <a:p>
+            <a:pPr lvl="1"/>
+            <a:r>
+              <a:rPr lang="pl-PL" dirty="0" smtClean="0"/>
+              <a:t>Przykład – komunikat o stanie aplikacji, informacja o wywołanej metodzie, informacja o przekazanych argumentach, komunikat o błędzie.</a:t>
+            </a:r>
+          </a:p>
+          <a:p>
+            <a:pPr lvl="1"/>
+            <a:r>
+              <a:rPr lang="pl-PL" dirty="0" smtClean="0"/>
+              <a:t>Cel – ułatwienie śledzenia wykonania programu oraz diagnozowania błędów.</a:t>
+            </a:r>
+          </a:p>
+          <a:p>
+            <a:r>
+              <a:rPr lang="pl-PL" dirty="0" smtClean="0"/>
+              <a:t>Dlaczego nie </a:t>
+            </a:r>
+            <a:r>
+              <a:rPr lang="pl-PL" dirty="0" err="1" smtClean="0"/>
+              <a:t>System.out.println</a:t>
+            </a:r>
+            <a:r>
+              <a:rPr lang="pl-PL" dirty="0" smtClean="0"/>
+              <a:t>/</a:t>
+            </a:r>
+            <a:r>
+              <a:rPr lang="pl-PL" dirty="0" err="1" smtClean="0"/>
+              <a:t>System.err.println</a:t>
+            </a:r>
+            <a:r>
+              <a:rPr lang="pl-PL" dirty="0" smtClean="0"/>
+              <a:t>?</a:t>
+            </a:r>
+          </a:p>
+          <a:p>
+            <a:pPr lvl="1"/>
+            <a:r>
+              <a:rPr lang="pl-PL" dirty="0" smtClean="0"/>
+              <a:t>Ponieważ nad działaniem tych metod praktycznie nie ma kontroli oraz mogą one mieć znaczący narzut na wydajność aplikacji.</a:t>
+            </a:r>
+          </a:p>
+          <a:p>
+            <a:r>
+              <a:rPr lang="pl-PL" dirty="0" smtClean="0"/>
+              <a:t>Przykładowe korzyści z używania dedykowanych bibliotek typu Log4J lub </a:t>
+            </a:r>
+            <a:r>
+              <a:rPr lang="pl-PL" dirty="0" err="1" smtClean="0"/>
+              <a:t>Logback</a:t>
+            </a:r>
+            <a:r>
+              <a:rPr lang="pl-PL" dirty="0" smtClean="0"/>
+              <a:t>:</a:t>
+            </a:r>
+          </a:p>
+          <a:p>
+            <a:pPr lvl="1"/>
+            <a:r>
+              <a:rPr lang="pl-PL" dirty="0" smtClean="0"/>
+              <a:t>Konfigurowalność – emisja wybranych komunikatów może być włączana lub wyłączania na etapie konfiguracji aplikacji lub nawet podczas działania aplikacji.</a:t>
+            </a:r>
+          </a:p>
+          <a:p>
+            <a:pPr lvl="1"/>
+            <a:r>
+              <a:rPr lang="pl-PL" dirty="0" smtClean="0"/>
+              <a:t>Elastyczność – komunikaty mogą być wyświetlane na konsoli, zapisywane do plików, wysyłane do centralnego repozytorium logów lub w jeszcze inne miejsce.</a:t>
+            </a:r>
+          </a:p>
+          <a:p>
+            <a:pPr lvl="1"/>
+            <a:r>
+              <a:rPr lang="pl-PL" dirty="0" smtClean="0"/>
+              <a:t>Wydajność – biblioteki te są zoptymalizowane pod kątem jak najmniejszego wpływu na wydajność aplikacji.</a:t>
+            </a:r>
+          </a:p>
+          <a:p>
+            <a:r>
+              <a:rPr lang="pl-PL" dirty="0" smtClean="0"/>
+              <a:t>Ze względu na powyższe…</a:t>
+            </a:r>
+          </a:p>
+          <a:p>
+            <a:pPr lvl="1"/>
+            <a:r>
+              <a:rPr lang="pl-PL" dirty="0" smtClean="0"/>
+              <a:t>NIGDY NIE UŻYWAMY </a:t>
+            </a:r>
+            <a:r>
+              <a:rPr lang="pl-PL" dirty="0" err="1" smtClean="0"/>
+              <a:t>system.out.println</a:t>
+            </a:r>
+            <a:r>
+              <a:rPr lang="pl-PL" dirty="0" smtClean="0"/>
+              <a:t> W SYSTEMIE PRODUKCYJNYM !!! (na naszych zajęciach też nie)</a:t>
+            </a:r>
+          </a:p>
+          <a:p>
+            <a:pPr lvl="1"/>
+            <a:endParaRPr lang="pl-PL" dirty="0" smtClean="0"/>
+          </a:p>
+          <a:p>
+            <a:endParaRPr lang="pl-PL" dirty="0"/>
+          </a:p>
+          <a:p>
+            <a:endParaRPr lang="pl-PL" dirty="0" smtClean="0"/>
+          </a:p>
+          <a:p>
+            <a:endParaRPr lang="pl-PL" dirty="0" smtClean="0"/>
           </a:p>
         </p:txBody>
       </p:sp>
     </p:spTree>
     <p:extLst>
       <p:ext uri="{BB962C8B-B14F-4D97-AF65-F5344CB8AC3E}">
-        <p14:creationId xmlns:p14="http://schemas.microsoft.com/office/powerpoint/2010/main" val="202376434"/>
+        <p14:creationId xmlns:p14="http://schemas.microsoft.com/office/powerpoint/2010/main" xmlns="" val="2439674449"/>
       </p:ext>
     </p:extLst>
   </p:cSld>
   <p:clrMapOvr>
     <a:masterClrMapping/>
   </p:clrMapOvr>
-  <mc:AlternateContent xmlns:mc="http://schemas.openxmlformats.org/markup-compatibility/2006" xmlns:p14="http://schemas.microsoft.com/office/powerpoint/2010/main">
-    <mc:Choice Requires="p14">
+  <mc:AlternateContent xmlns:mc="http://schemas.openxmlformats.org/markup-compatibility/2006">
+    <mc:Choice xmlns:p14="http://schemas.microsoft.com/office/powerpoint/2010/main" xmlns="" Requires="p14">
       <p:transition p14:dur="10"/>
     </mc:Choice>
-    <mc:Fallback xmlns="">
+    <mc:Fallback>
       <p:transition/>
     </mc:Fallback>
   </mc:AlternateContent>
@@ -13840,158 +13784,143 @@
         <p:spPr>
           <a:xfrm>
             <a:off x="443707" y="1119187"/>
-            <a:ext cx="8039522" cy="3362325"/>
+            <a:ext cx="3501991" cy="3362325"/>
           </a:xfrm>
         </p:spPr>
         <p:txBody>
-          <a:bodyPr>
-            <a:normAutofit lnSpcReduction="10000"/>
-          </a:bodyPr>
-          <a:lstStyle/>
-          <a:p>
-            <a:r>
-              <a:rPr lang="pl-PL" dirty="0" smtClean="0"/>
-              <a:t>Logowanie – rejestrowanie dowolnej informacji, którą programista uważa za istotną podczas wykonywania programu</a:t>
-            </a:r>
+          <a:bodyPr/>
+          <a:lstStyle/>
+          <a:p>
             <a:r>
               <a:rPr lang="pl-PL" dirty="0"/>
-              <a:t>	</a:t>
-            </a:r>
-            <a:r>
-              <a:rPr lang="pl-PL" dirty="0" smtClean="0"/>
-              <a:t>.</a:t>
+              <a:t>Lokalizacja repozytorium:</a:t>
             </a:r>
           </a:p>
           <a:p>
             <a:pPr lvl="1"/>
             <a:r>
-              <a:rPr lang="pl-PL" dirty="0" smtClean="0"/>
-              <a:t>Przykład – komunikat o stanie aplikacji, informacja o wywołanej metodzie, informacja o przekazanych argumentach, komunikat o błędzie.</a:t>
-            </a:r>
+              <a:rPr lang="pl-PL" dirty="0">
+                <a:hlinkClick r:id="rId3"/>
+              </a:rPr>
+              <a:t>https://</a:t>
+            </a:r>
+            <a:r>
+              <a:rPr lang="pl-PL" dirty="0" smtClean="0">
+                <a:hlinkClick r:id="rId3"/>
+              </a:rPr>
+              <a:t>github.com/wdsr/exercise1c.git</a:t>
+            </a:r>
+            <a:endParaRPr lang="pl-PL" dirty="0" smtClean="0"/>
           </a:p>
           <a:p>
             <a:pPr lvl="1"/>
-            <a:r>
-              <a:rPr lang="pl-PL" dirty="0" smtClean="0"/>
-              <a:t>Cel – ułatwienie śledzenia wykonania programu oraz diagnozowania błędów.</a:t>
-            </a:r>
-          </a:p>
-          <a:p>
-            <a:r>
-              <a:rPr lang="pl-PL" dirty="0" smtClean="0"/>
-              <a:t>Dlaczego nie </a:t>
-            </a:r>
-            <a:r>
-              <a:rPr lang="pl-PL" dirty="0" err="1" smtClean="0"/>
-              <a:t>System.out.println</a:t>
-            </a:r>
-            <a:r>
-              <a:rPr lang="pl-PL" dirty="0" smtClean="0"/>
-              <a:t>/</a:t>
-            </a:r>
-            <a:r>
-              <a:rPr lang="pl-PL" dirty="0" err="1" smtClean="0"/>
-              <a:t>System.err.println</a:t>
-            </a:r>
-            <a:r>
-              <a:rPr lang="pl-PL" dirty="0" smtClean="0"/>
-              <a:t>?</a:t>
+            <a:endParaRPr lang="pl-PL" dirty="0"/>
+          </a:p>
+          <a:p>
+            <a:r>
+              <a:rPr lang="pl-PL" dirty="0" err="1" smtClean="0">
+                <a:solidFill>
+                  <a:srgbClr val="00B050"/>
+                </a:solidFill>
+              </a:rPr>
+              <a:t>gradlew</a:t>
+            </a:r>
+            <a:r>
+              <a:rPr lang="pl-PL" dirty="0" smtClean="0">
+                <a:solidFill>
+                  <a:srgbClr val="00B050"/>
+                </a:solidFill>
+              </a:rPr>
+              <a:t> run</a:t>
             </a:r>
           </a:p>
           <a:p>
             <a:pPr lvl="1"/>
             <a:r>
               <a:rPr lang="pl-PL" dirty="0" smtClean="0"/>
-              <a:t>Ponieważ nad działaniem tych metod praktycznie nie ma kontroli oraz mogą one mieć znaczący narzut na wydajność aplikacji.</a:t>
-            </a:r>
-          </a:p>
-          <a:p>
-            <a:r>
-              <a:rPr lang="pl-PL" dirty="0" smtClean="0"/>
-              <a:t>Przykładowe korzyści z używania dedykowanych bibliotek typu Log4J lub </a:t>
-            </a:r>
-            <a:r>
-              <a:rPr lang="pl-PL" dirty="0" err="1" smtClean="0"/>
-              <a:t>Logback</a:t>
-            </a:r>
-            <a:r>
-              <a:rPr lang="pl-PL" dirty="0" smtClean="0"/>
-              <a:t>:</a:t>
-            </a:r>
-          </a:p>
-          <a:p>
-            <a:pPr lvl="1"/>
-            <a:r>
-              <a:rPr lang="pl-PL" dirty="0" smtClean="0"/>
-              <a:t>Konfigurowalność – emisja wybranych komunikatów może być włączana lub wyłączania na etapie konfiguracji aplikacji lub nawet podczas działania aplikacji.</a:t>
-            </a:r>
-          </a:p>
-          <a:p>
-            <a:pPr lvl="1"/>
-            <a:r>
-              <a:rPr lang="pl-PL" dirty="0" smtClean="0"/>
-              <a:t>Elastyczność – komunikaty mogą być wyświetlane na konsoli, zapisywane do plików, wysyłane do centralnego repozytorium logów lub w jeszcze inne miejsce.</a:t>
-            </a:r>
-          </a:p>
-          <a:p>
-            <a:pPr lvl="1"/>
-            <a:r>
-              <a:rPr lang="pl-PL" dirty="0" smtClean="0"/>
-              <a:t>Wydajność – biblioteki te są zoptymalizowane pod kątem jak najmniejszego wpływu na wydajność aplikacji.</a:t>
-            </a:r>
-          </a:p>
-          <a:p>
-            <a:r>
-              <a:rPr lang="pl-PL" dirty="0" smtClean="0"/>
-              <a:t>Ze względu na powyższe…</a:t>
-            </a:r>
-          </a:p>
-          <a:p>
-            <a:pPr lvl="1"/>
-            <a:r>
-              <a:rPr lang="pl-PL" dirty="0" smtClean="0"/>
-              <a:t>NIGDY NIE UŻYWAMY </a:t>
-            </a:r>
-            <a:r>
-              <a:rPr lang="pl-PL" dirty="0" err="1" smtClean="0"/>
-              <a:t>system.out.println</a:t>
-            </a:r>
-            <a:r>
-              <a:rPr lang="pl-PL" dirty="0" smtClean="0"/>
-              <a:t> W SYSTEMIE PRODUKCYJNYM !!! (na naszych zajęciach też nie)</a:t>
-            </a:r>
+              <a:t>Kod się nie kompiluje – kompilator nie może znaleźć bibliotek, do których odwołuje się program.</a:t>
+            </a:r>
+          </a:p>
+          <a:p>
+            <a:endParaRPr lang="pl-PL" dirty="0"/>
+          </a:p>
+          <a:p>
             <a:endParaRPr lang="pl-PL" dirty="0" smtClean="0"/>
           </a:p>
           <a:p>
-            <a:pPr lvl="1"/>
             <a:endParaRPr lang="pl-PL" dirty="0" smtClean="0"/>
           </a:p>
-          <a:p>
-            <a:endParaRPr lang="pl-PL" dirty="0"/>
-          </a:p>
-          <a:p>
-            <a:endParaRPr lang="pl-PL" dirty="0" smtClean="0"/>
-          </a:p>
-          <a:p>
-            <a:endParaRPr lang="pl-PL" dirty="0" smtClean="0"/>
-          </a:p>
-        </p:txBody>
-      </p:sp>
+        </p:txBody>
+      </p:sp>
+      <p:pic>
+        <p:nvPicPr>
+          <p:cNvPr id="11266" name="Picture 2"/>
+          <p:cNvPicPr>
+            <a:picLocks noChangeAspect="1" noChangeArrowheads="1"/>
+          </p:cNvPicPr>
+          <p:nvPr/>
+        </p:nvPicPr>
+        <p:blipFill>
+          <a:blip r:embed="rId4">
+            <a:extLst>
+              <a:ext uri="{28A0092B-C50C-407E-A947-70E740481C1C}">
+                <a14:useLocalDpi xmlns:a14="http://schemas.microsoft.com/office/drawing/2010/main" xmlns="" val="0"/>
+              </a:ext>
+            </a:extLst>
+          </a:blip>
+          <a:srcRect/>
+          <a:stretch>
+            <a:fillRect/>
+          </a:stretch>
+        </p:blipFill>
+        <p:spPr bwMode="auto">
+          <a:xfrm>
+            <a:off x="3945698" y="914637"/>
+            <a:ext cx="4509370" cy="3566875"/>
+          </a:xfrm>
+          <a:prstGeom prst="rect">
+            <a:avLst/>
+          </a:prstGeom>
+          <a:noFill/>
+          <a:ln>
+            <a:noFill/>
+          </a:ln>
+          <a:extLst>
+            <a:ext uri="{909E8E84-426E-40DD-AFC4-6F175D3DCCD1}">
+              <a14:hiddenFill xmlns:a14="http://schemas.microsoft.com/office/drawing/2010/main" xmlns="">
+                <a:solidFill>
+                  <a:schemeClr val="accent1"/>
+                </a:solidFill>
+              </a14:hiddenFill>
+            </a:ext>
+            <a:ext uri="{91240B29-F687-4F45-9708-019B960494DF}">
+              <a14:hiddenLine xmlns:a14="http://schemas.microsoft.com/office/drawing/2010/main" xmlns="" w="9525">
+                <a:solidFill>
+                  <a:schemeClr val="tx1"/>
+                </a:solidFill>
+                <a:miter lim="800000"/>
+                <a:headEnd/>
+                <a:tailEnd/>
+              </a14:hiddenLine>
+            </a:ext>
+          </a:extLst>
+        </p:spPr>
+      </p:pic>
     </p:spTree>
     <p:extLst>
       <p:ext uri="{BB962C8B-B14F-4D97-AF65-F5344CB8AC3E}">
-        <p14:creationId xmlns:p14="http://schemas.microsoft.com/office/powerpoint/2010/main" val="2439674449"/>
+        <p14:creationId xmlns:p14="http://schemas.microsoft.com/office/powerpoint/2010/main" xmlns="" val="2700608915"/>
       </p:ext>
     </p:extLst>
   </p:cSld>
   <p:clrMapOvr>
     <a:masterClrMapping/>
   </p:clrMapOvr>
-  <mc:AlternateContent xmlns:mc="http://schemas.openxmlformats.org/markup-compatibility/2006" xmlns:p14="http://schemas.microsoft.com/office/powerpoint/2010/main">
-    <mc:Choice Requires="p14">
+  <mc:AlternateContent xmlns:mc="http://schemas.openxmlformats.org/markup-compatibility/2006">
+    <mc:Choice xmlns:p14="http://schemas.microsoft.com/office/powerpoint/2010/main" xmlns="" Requires="p14">
       <p:transition p14:dur="10"/>
     </mc:Choice>
-    <mc:Fallback xmlns="">
+    <mc:Fallback>
       <p:transition/>
     </mc:Fallback>
   </mc:AlternateContent>
@@ -14081,7 +14010,7 @@
         <p:spPr>
           <a:xfrm>
             <a:off x="443707" y="1119187"/>
-            <a:ext cx="3501991" cy="3362325"/>
+            <a:ext cx="8059546" cy="3362325"/>
           </a:xfrm>
         </p:spPr>
         <p:txBody>
@@ -14089,53 +14018,8 @@
           <a:lstStyle/>
           <a:p>
             <a:r>
-              <a:rPr lang="pl-PL" dirty="0"/>
-              <a:t>Lokalizacja repozytorium:</a:t>
-            </a:r>
-          </a:p>
-          <a:p>
-            <a:pPr lvl="1"/>
-            <a:r>
-              <a:rPr lang="pl-PL" dirty="0">
-                <a:hlinkClick r:id="rId3"/>
-              </a:rPr>
-              <a:t>https://</a:t>
-            </a:r>
-            <a:r>
-              <a:rPr lang="pl-PL" dirty="0" smtClean="0">
-                <a:hlinkClick r:id="rId3"/>
-              </a:rPr>
-              <a:t>github.com/wdsr/exercise1c.git</a:t>
-            </a:r>
-            <a:endParaRPr lang="pl-PL" dirty="0" smtClean="0"/>
-          </a:p>
-          <a:p>
-            <a:pPr lvl="1"/>
-            <a:endParaRPr lang="pl-PL" dirty="0"/>
-          </a:p>
-          <a:p>
-            <a:r>
-              <a:rPr lang="pl-PL" dirty="0" err="1" smtClean="0">
-                <a:solidFill>
-                  <a:srgbClr val="00B050"/>
-                </a:solidFill>
-              </a:rPr>
-              <a:t>gradlew</a:t>
-            </a:r>
-            <a:r>
-              <a:rPr lang="pl-PL" dirty="0" smtClean="0">
-                <a:solidFill>
-                  <a:srgbClr val="00B050"/>
-                </a:solidFill>
-              </a:rPr>
-              <a:t> run</a:t>
-            </a:r>
-          </a:p>
-          <a:p>
-            <a:pPr lvl="1"/>
-            <a:r>
-              <a:rPr lang="pl-PL" dirty="0" smtClean="0"/>
-              <a:t>Kod się nie kompiluje – kompilator nie może znaleźć bibliotek, do których odwołuje się program.</a:t>
+              <a:rPr lang="pl-PL" dirty="0" smtClean="0"/>
+              <a:t>Po dodaniu brakującej zależności wynik powinien wyglądać mniej więcej tak:</a:t>
             </a:r>
           </a:p>
           <a:p>
@@ -14151,17 +14035,17 @@
       </p:sp>
       <p:pic>
         <p:nvPicPr>
-          <p:cNvPr id="11266" name="Picture 2"/>
+          <p:cNvPr id="3075" name="Picture 3"/>
           <p:cNvPicPr>
             <a:picLocks noChangeAspect="1" noChangeArrowheads="1"/>
           </p:cNvPicPr>
           <p:nvPr/>
         </p:nvPicPr>
         <p:blipFill>
-          <a:blip r:embed="rId4">
+          <a:blip r:embed="rId3">
             <a:extLst>
               <a:ext uri="{28A0092B-C50C-407E-A947-70E740481C1C}">
-                <a14:useLocalDpi xmlns:a14="http://schemas.microsoft.com/office/drawing/2010/main" val="0"/>
+                <a14:useLocalDpi xmlns:a14="http://schemas.microsoft.com/office/drawing/2010/main" xmlns="" val="0"/>
               </a:ext>
             </a:extLst>
           </a:blip>
@@ -14172,8 +14056,8 @@
         </p:blipFill>
         <p:spPr bwMode="auto">
           <a:xfrm>
-            <a:off x="3945698" y="914637"/>
-            <a:ext cx="4509370" cy="3566875"/>
+            <a:off x="1518126" y="1413941"/>
+            <a:ext cx="5800725" cy="3143250"/>
           </a:xfrm>
           <a:prstGeom prst="rect">
             <a:avLst/>
@@ -14184,14 +14068,14 @@
           </a:ln>
           <a:extLst>
             <a:ext uri="{909E8E84-426E-40DD-AFC4-6F175D3DCCD1}">
-              <a14:hiddenFill xmlns:a14="http://schemas.microsoft.com/office/drawing/2010/main">
+              <a14:hiddenFill xmlns:a14="http://schemas.microsoft.com/office/drawing/2010/main" xmlns="">
                 <a:solidFill>
                   <a:schemeClr val="accent1"/>
                 </a:solidFill>
               </a14:hiddenFill>
             </a:ext>
             <a:ext uri="{91240B29-F687-4F45-9708-019B960494DF}">
-              <a14:hiddenLine xmlns:a14="http://schemas.microsoft.com/office/drawing/2010/main" w="9525">
+              <a14:hiddenLine xmlns:a14="http://schemas.microsoft.com/office/drawing/2010/main" xmlns="" w="9525">
                 <a:solidFill>
                   <a:schemeClr val="tx1"/>
                 </a:solidFill>
@@ -14206,18 +14090,18 @@
     </p:spTree>
     <p:extLst>
       <p:ext uri="{BB962C8B-B14F-4D97-AF65-F5344CB8AC3E}">
-        <p14:creationId xmlns:p14="http://schemas.microsoft.com/office/powerpoint/2010/main" val="2700608915"/>
+        <p14:creationId xmlns:p14="http://schemas.microsoft.com/office/powerpoint/2010/main" xmlns="" val="2769059297"/>
       </p:ext>
     </p:extLst>
   </p:cSld>
   <p:clrMapOvr>
     <a:masterClrMapping/>
   </p:clrMapOvr>
-  <mc:AlternateContent xmlns:mc="http://schemas.openxmlformats.org/markup-compatibility/2006" xmlns:p14="http://schemas.microsoft.com/office/powerpoint/2010/main">
-    <mc:Choice Requires="p14">
+  <mc:AlternateContent xmlns:mc="http://schemas.openxmlformats.org/markup-compatibility/2006">
+    <mc:Choice xmlns:p14="http://schemas.microsoft.com/office/powerpoint/2010/main" xmlns="" Requires="p14">
       <p:transition p14:dur="10"/>
     </mc:Choice>
-    <mc:Fallback xmlns="">
+    <mc:Fallback>
       <p:transition/>
     </mc:Fallback>
   </mc:AlternateContent>
@@ -14264,7 +14148,7 @@
           <a:lstStyle/>
           <a:p>
             <a:r>
-              <a:rPr lang="pl-PL" dirty="0" smtClean="0"/>
+              <a:rPr lang="pl-PL" dirty="0"/>
               <a:t>Logowanie z Log4J 2</a:t>
             </a:r>
             <a:endParaRPr lang="de-DE" dirty="0"/>
@@ -14307,7 +14191,7 @@
         <p:spPr>
           <a:xfrm>
             <a:off x="443707" y="1119187"/>
-            <a:ext cx="8059546" cy="3362325"/>
+            <a:ext cx="8105307" cy="3362325"/>
           </a:xfrm>
         </p:spPr>
         <p:txBody>
@@ -14316,90 +14200,190 @@
           <a:p>
             <a:r>
               <a:rPr lang="pl-PL" dirty="0" smtClean="0"/>
-              <a:t>Po dodaniu brakującej zależności wynik powinien wyglądać mniej więcej tak:</a:t>
+              <a:t>Zadanie:</a:t>
+            </a:r>
+          </a:p>
+          <a:p>
+            <a:pPr lvl="1"/>
+            <a:r>
+              <a:rPr lang="pl-PL" dirty="0" smtClean="0"/>
+              <a:t>Dodaj do plików konfiguracyjnych </a:t>
+            </a:r>
+            <a:r>
+              <a:rPr lang="pl-PL" dirty="0" err="1" smtClean="0"/>
+              <a:t>Gradle</a:t>
+            </a:r>
+            <a:r>
+              <a:rPr lang="pl-PL" dirty="0" smtClean="0"/>
+              <a:t> odpowiednie zależności</a:t>
+            </a:r>
+          </a:p>
+          <a:p>
+            <a:pPr lvl="2"/>
+            <a:r>
+              <a:rPr lang="pl-PL" dirty="0" smtClean="0"/>
+              <a:t>Używamy biblioteki Log4J 2 w w</a:t>
+            </a:r>
+            <a:r>
+              <a:rPr lang="pl-PL" dirty="0"/>
+              <a:t>ersji 2.5: </a:t>
+            </a:r>
+            <a:r>
+              <a:rPr lang="pl-PL" dirty="0">
+                <a:hlinkClick r:id="rId3"/>
+              </a:rPr>
+              <a:t>http://logging.apache.org/log4j/2.x</a:t>
+            </a:r>
+            <a:r>
+              <a:rPr lang="pl-PL" dirty="0" smtClean="0">
+                <a:hlinkClick r:id="rId3"/>
+              </a:rPr>
+              <a:t>/</a:t>
             </a:r>
             <a:endParaRPr lang="pl-PL" dirty="0" smtClean="0"/>
           </a:p>
           <a:p>
+            <a:pPr lvl="1"/>
+            <a:r>
+              <a:rPr lang="pl-PL" dirty="0" smtClean="0"/>
+              <a:t>Dodaj do metody </a:t>
+            </a:r>
+            <a:r>
+              <a:rPr lang="pl-PL" dirty="0" err="1" smtClean="0"/>
+              <a:t>convertToInts</a:t>
+            </a:r>
+            <a:r>
+              <a:rPr lang="pl-PL" dirty="0" smtClean="0"/>
+              <a:t> w klasie wdsr.exercise1.conversions.ArrayConverter następujące logowanie na poziomie DEBUG:</a:t>
+            </a:r>
+          </a:p>
+          <a:p>
+            <a:pPr lvl="2"/>
+            <a:r>
+              <a:rPr lang="pl-PL" dirty="0" smtClean="0"/>
+              <a:t>Bezpośrednio po wejściu do metody – nazwa wywołanej metody, nazwa parametru i wartość argumentu.</a:t>
+            </a:r>
+          </a:p>
+          <a:p>
+            <a:pPr lvl="2"/>
+            <a:r>
+              <a:rPr lang="pl-PL" dirty="0" smtClean="0"/>
+              <a:t>Bezpośrednio przed wyjściem z metody – nazwa wywołanej metody i wartość zwracanego rezultatu.</a:t>
+            </a:r>
+          </a:p>
+          <a:p>
+            <a:pPr lvl="3"/>
+            <a:r>
+              <a:rPr lang="pl-PL" dirty="0" smtClean="0"/>
+              <a:t>Spójrz na logowanie w metodzie </a:t>
+            </a:r>
+            <a:r>
+              <a:rPr lang="pl-PL" dirty="0" err="1" smtClean="0"/>
+              <a:t>Main</a:t>
+            </a:r>
+            <a:r>
+              <a:rPr lang="pl-PL" dirty="0" smtClean="0"/>
+              <a:t>::</a:t>
+            </a:r>
+            <a:r>
+              <a:rPr lang="pl-PL" dirty="0" err="1" smtClean="0"/>
+              <a:t>main</a:t>
+            </a:r>
+            <a:r>
+              <a:rPr lang="pl-PL" dirty="0" smtClean="0"/>
+              <a:t> jako przykład.</a:t>
+            </a:r>
+          </a:p>
+          <a:p>
+            <a:pPr lvl="1"/>
+            <a:r>
+              <a:rPr lang="pl-PL" dirty="0" smtClean="0"/>
+              <a:t>Zmodyfikuj konfigurację Log4J tak, aby komunikaty dodanego logowania (poziom DEBUG) pojawiały się w pliku, ale nie w konsoli.</a:t>
+            </a:r>
+          </a:p>
+          <a:p>
+            <a:pPr lvl="1"/>
             <a:endParaRPr lang="pl-PL" dirty="0"/>
           </a:p>
           <a:p>
+            <a:r>
+              <a:rPr lang="pl-PL" dirty="0" smtClean="0"/>
+              <a:t>Inne informacje:</a:t>
+            </a:r>
+          </a:p>
+          <a:p>
+            <a:pPr lvl="1"/>
+            <a:r>
+              <a:rPr lang="pl-PL" dirty="0" smtClean="0"/>
+              <a:t>Komenda „</a:t>
+            </a:r>
+            <a:r>
+              <a:rPr lang="pl-PL" dirty="0" err="1" smtClean="0"/>
+              <a:t>gradlew</a:t>
+            </a:r>
+            <a:r>
+              <a:rPr lang="pl-PL" dirty="0" smtClean="0"/>
+              <a:t> run” czy też „</a:t>
+            </a:r>
+            <a:r>
+              <a:rPr lang="pl-PL" dirty="0" err="1" smtClean="0"/>
+              <a:t>gradlew</a:t>
+            </a:r>
+            <a:r>
+              <a:rPr lang="pl-PL" dirty="0" smtClean="0"/>
+              <a:t> run –</a:t>
+            </a:r>
+            <a:r>
+              <a:rPr lang="pl-PL" dirty="0" err="1" smtClean="0"/>
+              <a:t>Dexec.args</a:t>
+            </a:r>
+            <a:r>
+              <a:rPr lang="pl-PL" dirty="0" smtClean="0"/>
+              <a:t>=„-3 0 3” musi się uruchamiać bez błędów.</a:t>
+            </a:r>
+          </a:p>
+          <a:p>
+            <a:pPr lvl="1"/>
+            <a:r>
+              <a:rPr lang="pl-PL" dirty="0" smtClean="0"/>
+              <a:t>(jak zwykle) Kod musi znaleźć się </a:t>
+            </a:r>
+            <a:r>
+              <a:rPr lang="pl-PL" smtClean="0"/>
+              <a:t>w GitHubie.</a:t>
+            </a:r>
+            <a:endParaRPr lang="pl-PL" dirty="0"/>
+          </a:p>
+          <a:p>
+            <a:pPr lvl="1"/>
             <a:endParaRPr lang="pl-PL" dirty="0" smtClean="0"/>
           </a:p>
           <a:p>
+            <a:endParaRPr lang="pl-PL" dirty="0"/>
+          </a:p>
+          <a:p>
             <a:endParaRPr lang="pl-PL" dirty="0" smtClean="0"/>
           </a:p>
-        </p:txBody>
-      </p:sp>
-      <p:pic>
-        <p:nvPicPr>
-          <p:cNvPr id="3075" name="Picture 3"/>
-          <p:cNvPicPr>
-            <a:picLocks noChangeAspect="1" noChangeArrowheads="1"/>
-          </p:cNvPicPr>
-          <p:nvPr/>
-        </p:nvPicPr>
-        <p:blipFill>
-          <a:blip r:embed="rId3">
-            <a:extLst>
-              <a:ext uri="{28A0092B-C50C-407E-A947-70E740481C1C}">
-                <a14:useLocalDpi xmlns:a14="http://schemas.microsoft.com/office/drawing/2010/main" val="0"/>
-              </a:ext>
-            </a:extLst>
-          </a:blip>
-          <a:srcRect/>
-          <a:stretch>
-            <a:fillRect/>
-          </a:stretch>
-        </p:blipFill>
-        <p:spPr bwMode="auto">
-          <a:xfrm>
-            <a:off x="1518126" y="1413941"/>
-            <a:ext cx="5800725" cy="3143250"/>
-          </a:xfrm>
-          <a:prstGeom prst="rect">
-            <a:avLst/>
-          </a:prstGeom>
-          <a:noFill/>
-          <a:ln>
-            <a:noFill/>
-          </a:ln>
-          <a:extLst>
-            <a:ext uri="{909E8E84-426E-40DD-AFC4-6F175D3DCCD1}">
-              <a14:hiddenFill xmlns:a14="http://schemas.microsoft.com/office/drawing/2010/main">
-                <a:solidFill>
-                  <a:schemeClr val="accent1"/>
-                </a:solidFill>
-              </a14:hiddenFill>
-            </a:ext>
-            <a:ext uri="{91240B29-F687-4F45-9708-019B960494DF}">
-              <a14:hiddenLine xmlns:a14="http://schemas.microsoft.com/office/drawing/2010/main" w="9525">
-                <a:solidFill>
-                  <a:schemeClr val="tx1"/>
-                </a:solidFill>
-                <a:miter lim="800000"/>
-                <a:headEnd/>
-                <a:tailEnd/>
-              </a14:hiddenLine>
-            </a:ext>
-          </a:extLst>
-        </p:spPr>
-      </p:pic>
+          <a:p>
+            <a:endParaRPr lang="pl-PL" dirty="0" smtClean="0"/>
+          </a:p>
+        </p:txBody>
+      </p:sp>
     </p:spTree>
     <p:extLst>
       <p:ext uri="{BB962C8B-B14F-4D97-AF65-F5344CB8AC3E}">
-        <p14:creationId xmlns:p14="http://schemas.microsoft.com/office/powerpoint/2010/main" val="2769059297"/>
+        <p14:creationId xmlns:p14="http://schemas.microsoft.com/office/powerpoint/2010/main" xmlns="" val="737412998"/>
       </p:ext>
     </p:extLst>
   </p:cSld>
   <p:clrMapOvr>
     <a:masterClrMapping/>
   </p:clrMapOvr>
-  <mc:AlternateContent xmlns:mc="http://schemas.openxmlformats.org/markup-compatibility/2006" xmlns:p14="http://schemas.microsoft.com/office/powerpoint/2010/main">
-    <mc:Choice Requires="p14">
+  <mc:AlternateContent xmlns:mc="http://schemas.openxmlformats.org/markup-compatibility/2006">
+    <mc:Choice xmlns:p14="http://schemas.microsoft.com/office/powerpoint/2010/main" xmlns="" Requires="p14">
       <p:transition p14:dur="10"/>
     </mc:Choice>
-    <mc:Fallback xmlns="">
+    <mc:Fallback>
       <p:transition/>
     </mc:Fallback>
   </mc:AlternateContent>
@@ -14446,8 +14430,8 @@
           <a:lstStyle/>
           <a:p>
             <a:r>
-              <a:rPr lang="pl-PL" dirty="0"/>
-              <a:t>Logowanie z Log4J 2</a:t>
+              <a:rPr lang="pl-PL" dirty="0" smtClean="0"/>
+              <a:t>Zakres ćwiczenia</a:t>
             </a:r>
             <a:endParaRPr lang="de-DE" dirty="0"/>
           </a:p>
@@ -14470,7 +14454,7 @@
           <a:p>
             <a:r>
               <a:rPr lang="pl-PL" dirty="0" smtClean="0"/>
-              <a:t>ĆWICZENIE 1C</a:t>
+              <a:t>ĆWICZENIE 1D</a:t>
             </a:r>
             <a:endParaRPr lang="de-DE" dirty="0"/>
           </a:p>
@@ -14478,210 +14462,78 @@
       </p:sp>
       <p:sp>
         <p:nvSpPr>
-          <p:cNvPr id="6" name="Symbol zastępczy zawartości 1"/>
-          <p:cNvSpPr>
-            <a:spLocks noGrp="1"/>
-          </p:cNvSpPr>
-          <p:nvPr>
-            <p:ph idx="1"/>
-          </p:nvPr>
+          <p:cNvPr id="3" name="Prostokąt zaokrąglony 2"/>
+          <p:cNvSpPr/>
+          <p:nvPr/>
         </p:nvSpPr>
         <p:spPr>
           <a:xfrm>
-            <a:off x="443707" y="1119187"/>
-            <a:ext cx="8105307" cy="3362325"/>
+            <a:off x="1609595" y="1546963"/>
+            <a:ext cx="5730657" cy="1991639"/>
           </a:xfrm>
+          <a:prstGeom prst="roundRect">
+            <a:avLst/>
+          </a:prstGeom>
+          <a:ln/>
         </p:spPr>
-        <p:txBody>
-          <a:bodyPr/>
-          <a:lstStyle/>
-          <a:p>
-            <a:r>
-              <a:rPr lang="pl-PL" dirty="0" smtClean="0"/>
-              <a:t>Zadanie:</a:t>
+        <p:style>
+          <a:lnRef idx="2">
+            <a:schemeClr val="accent3">
+              <a:shade val="50000"/>
+            </a:schemeClr>
+          </a:lnRef>
+          <a:fillRef idx="1">
+            <a:schemeClr val="accent3"/>
+          </a:fillRef>
+          <a:effectRef idx="0">
+            <a:schemeClr val="accent3"/>
+          </a:effectRef>
+          <a:fontRef idx="minor">
+            <a:schemeClr val="lt1"/>
+          </a:fontRef>
+        </p:style>
+        <p:txBody>
+          <a:bodyPr lIns="108000" tIns="108000" rIns="108000" bIns="108000" rtlCol="0" anchor="ctr"/>
+          <a:lstStyle/>
+          <a:p>
+            <a:pPr algn="ctr"/>
+            <a:r>
+              <a:rPr lang="pl-PL" sz="1600" dirty="0" smtClean="0">
+                <a:solidFill>
+                  <a:schemeClr val="tx1"/>
+                </a:solidFill>
+              </a:rPr>
+              <a:t>Ćwiczenie 1D</a:t>
             </a:r>
           </a:p>
           <a:p>
             <a:pPr lvl="1"/>
             <a:r>
-              <a:rPr lang="pl-PL" dirty="0" smtClean="0"/>
-              <a:t>Dodaj do plików konfiguracyjnych </a:t>
-            </a:r>
-            <a:r>
-              <a:rPr lang="pl-PL" dirty="0" err="1" smtClean="0"/>
-              <a:t>Gradle</a:t>
-            </a:r>
-            <a:r>
-              <a:rPr lang="pl-PL" dirty="0" smtClean="0"/>
-              <a:t> odpowiednie zależności</a:t>
-            </a:r>
-          </a:p>
-          <a:p>
-            <a:pPr lvl="2"/>
-            <a:r>
-              <a:rPr lang="pl-PL" dirty="0" smtClean="0"/>
-              <a:t>Używamy biblioteki Log4J 2 w w</a:t>
-            </a:r>
-            <a:r>
-              <a:rPr lang="pl-PL" dirty="0"/>
-              <a:t>ersji 2.5: </a:t>
-            </a:r>
-            <a:r>
-              <a:rPr lang="pl-PL" dirty="0">
-                <a:hlinkClick r:id="rId3"/>
+              <a:rPr lang="pl-PL" sz="1600" dirty="0">
+                <a:solidFill>
+                  <a:schemeClr val="bg1"/>
+                </a:solidFill>
               </a:rPr>
-              <a:t>http://logging.apache.org/log4j/2.x</a:t>
-            </a:r>
-            <a:r>
-              <a:rPr lang="pl-PL" dirty="0" smtClean="0">
-                <a:hlinkClick r:id="rId3"/>
-              </a:rPr>
-              <a:t>/</a:t>
-            </a:r>
-            <a:endParaRPr lang="pl-PL" dirty="0" smtClean="0"/>
-          </a:p>
-          <a:p>
-            <a:pPr lvl="1"/>
-            <a:r>
-              <a:rPr lang="pl-PL" dirty="0" smtClean="0"/>
-              <a:t>Dodaj do metody </a:t>
-            </a:r>
-            <a:r>
-              <a:rPr lang="pl-PL" dirty="0" err="1" smtClean="0"/>
-              <a:t>convertToInts</a:t>
-            </a:r>
-            <a:r>
-              <a:rPr lang="pl-PL" dirty="0" smtClean="0"/>
-              <a:t> w klasie wdsr.exercise1.conversions.ArrayConverter następujące logowanie na poziomie DEBUG:</a:t>
-            </a:r>
-          </a:p>
-          <a:p>
-            <a:pPr lvl="2"/>
-            <a:r>
-              <a:rPr lang="pl-PL" dirty="0" smtClean="0"/>
-              <a:t>Bezpośrednio po wejściu do metody – nazwa wywołanej metody, nazwa parametru i wartość argumentu.</a:t>
-            </a:r>
-          </a:p>
-          <a:p>
-            <a:pPr lvl="2"/>
-            <a:r>
-              <a:rPr lang="pl-PL" dirty="0" smtClean="0"/>
-              <a:t>Bezpośrednio przed wyjściem z metody – nazwa wywołanej metody i wartość zwracanego rezultatu.</a:t>
-            </a:r>
-          </a:p>
-          <a:p>
-            <a:pPr lvl="3"/>
-            <a:r>
-              <a:rPr lang="pl-PL" dirty="0" smtClean="0"/>
-              <a:t>Spójrz na logowanie w metodzie </a:t>
-            </a:r>
-            <a:r>
-              <a:rPr lang="pl-PL" dirty="0" err="1" smtClean="0"/>
-              <a:t>Main</a:t>
-            </a:r>
-            <a:r>
-              <a:rPr lang="pl-PL" dirty="0" smtClean="0"/>
-              <a:t>::</a:t>
-            </a:r>
-            <a:r>
-              <a:rPr lang="pl-PL" dirty="0" err="1" smtClean="0"/>
-              <a:t>main</a:t>
-            </a:r>
-            <a:r>
-              <a:rPr lang="pl-PL" dirty="0" smtClean="0"/>
-              <a:t> jako przykład.</a:t>
-            </a:r>
-          </a:p>
-          <a:p>
-            <a:pPr lvl="1"/>
-            <a:r>
-              <a:rPr lang="pl-PL" dirty="0" smtClean="0"/>
-              <a:t>Zmodyfikuj konfigurację Log4J tak, aby komunikaty dodanego logowania (poziom DEBUG) pojawiały się w pliku, ale nie w konsoli.</a:t>
-            </a:r>
-          </a:p>
-          <a:p>
-            <a:pPr lvl="1"/>
-            <a:endParaRPr lang="pl-PL" dirty="0"/>
-          </a:p>
-          <a:p>
-            <a:r>
-              <a:rPr lang="pl-PL" dirty="0" smtClean="0"/>
-              <a:t>Inne informacje:</a:t>
-            </a:r>
-          </a:p>
-          <a:p>
-            <a:pPr lvl="1"/>
-            <a:r>
-              <a:rPr lang="pl-PL" dirty="0" smtClean="0"/>
-              <a:t>Komenda „</a:t>
-            </a:r>
-            <a:r>
-              <a:rPr lang="pl-PL" dirty="0" err="1" smtClean="0"/>
-              <a:t>gradlew</a:t>
-            </a:r>
-            <a:r>
-              <a:rPr lang="pl-PL" dirty="0" smtClean="0"/>
-              <a:t> run” czy też „</a:t>
-            </a:r>
-            <a:r>
-              <a:rPr lang="pl-PL" dirty="0" err="1" smtClean="0"/>
-              <a:t>gradlew</a:t>
-            </a:r>
-            <a:r>
-              <a:rPr lang="pl-PL" dirty="0" smtClean="0"/>
-              <a:t> run –</a:t>
-            </a:r>
-            <a:r>
-              <a:rPr lang="pl-PL" dirty="0" err="1" smtClean="0"/>
-              <a:t>Dexec.args</a:t>
-            </a:r>
-            <a:r>
-              <a:rPr lang="pl-PL" dirty="0" smtClean="0"/>
-              <a:t>=„-3 0 3” musi się uruchamiać bez błędów.</a:t>
-            </a:r>
-          </a:p>
-          <a:p>
-            <a:pPr lvl="1"/>
-            <a:r>
-              <a:rPr lang="pl-PL" dirty="0" smtClean="0"/>
-              <a:t>(jak zwykle) Kod musi znaleźć się </a:t>
-            </a:r>
-            <a:r>
-              <a:rPr lang="pl-PL" smtClean="0"/>
-              <a:t>w GitHubie.</a:t>
-            </a:r>
-            <a:endParaRPr lang="pl-PL" dirty="0"/>
-          </a:p>
-          <a:p>
-            <a:pPr lvl="1"/>
-            <a:endParaRPr lang="pl-PL" dirty="0" smtClean="0"/>
-          </a:p>
-          <a:p>
-            <a:endParaRPr lang="pl-PL" dirty="0"/>
-          </a:p>
-          <a:p>
-            <a:endParaRPr lang="pl-PL" dirty="0" smtClean="0"/>
-          </a:p>
-          <a:p>
-            <a:endParaRPr lang="pl-PL" dirty="0" smtClean="0"/>
+              <a:t>Dodanie testów jednostkowych do aplikacji</a:t>
+            </a:r>
           </a:p>
         </p:txBody>
       </p:sp>
     </p:spTree>
     <p:extLst>
       <p:ext uri="{BB962C8B-B14F-4D97-AF65-F5344CB8AC3E}">
-        <p14:creationId xmlns:p14="http://schemas.microsoft.com/office/powerpoint/2010/main" val="737412998"/>
+        <p14:creationId xmlns:p14="http://schemas.microsoft.com/office/powerpoint/2010/main" xmlns="" val="379014514"/>
       </p:ext>
     </p:extLst>
   </p:cSld>
   <p:clrMapOvr>
     <a:masterClrMapping/>
   </p:clrMapOvr>
-  <mc:AlternateContent xmlns:mc="http://schemas.openxmlformats.org/markup-compatibility/2006" xmlns:p14="http://schemas.microsoft.com/office/powerpoint/2010/main">
-    <mc:Choice Requires="p14">
+  <mc:AlternateContent xmlns:mc="http://schemas.openxmlformats.org/markup-compatibility/2006">
+    <mc:Choice xmlns:p14="http://schemas.microsoft.com/office/powerpoint/2010/main" xmlns="" Requires="p14">
       <p:transition p14:dur="10"/>
     </mc:Choice>
-    <mc:Fallback xmlns="">
+    <mc:Fallback>
       <p:transition/>
     </mc:Fallback>
   </mc:AlternateContent>
@@ -14728,8 +14580,12 @@
           <a:lstStyle/>
           <a:p>
             <a:r>
-              <a:rPr lang="pl-PL" dirty="0" smtClean="0"/>
-              <a:t>Zakres ćwiczenia</a:t>
+              <a:rPr lang="pl-PL" dirty="0"/>
+              <a:t>Testy jednostkowe z </a:t>
+            </a:r>
+            <a:r>
+              <a:rPr lang="pl-PL" dirty="0" err="1"/>
+              <a:t>JUnit</a:t>
             </a:r>
             <a:endParaRPr lang="de-DE" dirty="0"/>
           </a:p>
@@ -14760,78 +14616,171 @@
       </p:sp>
       <p:sp>
         <p:nvSpPr>
-          <p:cNvPr id="3" name="Prostokąt zaokrąglony 2"/>
+          <p:cNvPr id="2" name="Prostokąt 1"/>
           <p:cNvSpPr/>
           <p:nvPr/>
         </p:nvSpPr>
         <p:spPr>
           <a:xfrm>
-            <a:off x="1609595" y="1546963"/>
-            <a:ext cx="5730657" cy="1991639"/>
+            <a:off x="624060" y="1125487"/>
+            <a:ext cx="6597697" cy="3308598"/>
           </a:xfrm>
-          <a:prstGeom prst="roundRect">
+          <a:prstGeom prst="rect">
             <a:avLst/>
           </a:prstGeom>
-          <a:ln/>
         </p:spPr>
-        <p:style>
-          <a:lnRef idx="2">
-            <a:schemeClr val="accent3">
-              <a:shade val="50000"/>
-            </a:schemeClr>
-          </a:lnRef>
-          <a:fillRef idx="1">
-            <a:schemeClr val="accent3"/>
-          </a:fillRef>
-          <a:effectRef idx="0">
-            <a:schemeClr val="accent3"/>
-          </a:effectRef>
-          <a:fontRef idx="minor">
-            <a:schemeClr val="lt1"/>
-          </a:fontRef>
-        </p:style>
-        <p:txBody>
-          <a:bodyPr lIns="108000" tIns="108000" rIns="108000" bIns="108000" rtlCol="0" anchor="ctr"/>
-          <a:lstStyle/>
-          <a:p>
-            <a:pPr algn="ctr"/>
-            <a:r>
-              <a:rPr lang="pl-PL" sz="1600" dirty="0" smtClean="0">
+        <p:txBody>
+          <a:bodyPr wrap="square">
+            <a:spAutoFit/>
+          </a:bodyPr>
+          <a:lstStyle/>
+          <a:p>
+            <a:r>
+              <a:rPr lang="pl-PL" sz="1100" b="1" dirty="0"/>
+              <a:t>Test jednostkowy</a:t>
+            </a:r>
+            <a:r>
+              <a:rPr lang="pl-PL" sz="1100" dirty="0"/>
+              <a:t> (</a:t>
+            </a:r>
+            <a:r>
+              <a:rPr lang="pl-PL" sz="1100" dirty="0">
+                <a:hlinkClick r:id="rId3" tooltip="Język angielski"/>
+              </a:rPr>
+              <a:t>ang.</a:t>
+            </a:r>
+            <a:r>
+              <a:rPr lang="pl-PL" sz="1100" dirty="0"/>
+              <a:t> </a:t>
+            </a:r>
+            <a:r>
+              <a:rPr lang="pl-PL" sz="1100" i="1" dirty="0"/>
+              <a:t>unit test</a:t>
+            </a:r>
+            <a:r>
+              <a:rPr lang="pl-PL" sz="1100" dirty="0"/>
+              <a:t>) – metoda testowania tworzonego oprogramowania poprzez wykonywanie </a:t>
+            </a:r>
+            <a:r>
+              <a:rPr lang="pl-PL" sz="1100" b="1" dirty="0">
                 <a:solidFill>
-                  <a:schemeClr val="tx1"/>
+                  <a:srgbClr val="00B050"/>
                 </a:solidFill>
               </a:rPr>
-              <a:t>Ćwiczenie 1D</a:t>
-            </a:r>
-          </a:p>
-          <a:p>
-            <a:pPr lvl="1"/>
-            <a:r>
-              <a:rPr lang="pl-PL" sz="1600" dirty="0">
+              <a:t>testów weryfikujących poprawność działania pojedynczych elementów </a:t>
+            </a:r>
+            <a:r>
+              <a:rPr lang="pl-PL" sz="1100" dirty="0"/>
+              <a:t>(jednostek) programu – np. metod lub obiektów w programowaniu obiektowym lub procedur w programowaniu proceduralnym. </a:t>
+            </a:r>
+            <a:endParaRPr lang="pl-PL" sz="1100" dirty="0" smtClean="0"/>
+          </a:p>
+          <a:p>
+            <a:endParaRPr lang="pl-PL" sz="1100" dirty="0"/>
+          </a:p>
+          <a:p>
+            <a:r>
+              <a:rPr lang="pl-PL" sz="1100" b="1" dirty="0" smtClean="0">
                 <a:solidFill>
-                  <a:schemeClr val="bg1"/>
+                  <a:srgbClr val="00B050"/>
                 </a:solidFill>
               </a:rPr>
-              <a:t>Dodanie testów jednostkowych do aplikacji</a:t>
-            </a:r>
+              <a:t>Testowany </a:t>
+            </a:r>
+            <a:r>
+              <a:rPr lang="pl-PL" sz="1100" b="1" dirty="0">
+                <a:solidFill>
+                  <a:srgbClr val="00B050"/>
+                </a:solidFill>
+              </a:rPr>
+              <a:t>fragment programu poddawany jest testowi, który wykonuje go i porównuje wynik (np. zwrócone wartości, stan obiektu, zgłoszone wyjątki) z oczekiwanymi wynikami </a:t>
+            </a:r>
+            <a:r>
+              <a:rPr lang="pl-PL" sz="1100" dirty="0"/>
+              <a:t>– tak pozytywnymi, jak i negatywnymi (niepowodzenie działania kodu w określonych sytuacjach również może podlegać testowaniu</a:t>
+            </a:r>
+            <a:r>
+              <a:rPr lang="pl-PL" sz="1100" dirty="0" smtClean="0"/>
+              <a:t>).</a:t>
+            </a:r>
+          </a:p>
+          <a:p>
+            <a:endParaRPr lang="pl-PL" sz="1100" dirty="0"/>
+          </a:p>
+          <a:p>
+            <a:r>
+              <a:rPr lang="pl-PL" sz="1100" dirty="0"/>
+              <a:t>Zaletą testów jednostkowych jest możliwość wykonywania na bieżąco w pełni zautomatyzowanych testów na modyfikowanych elementach programu, co umożliwia często wychwycenie błędu natychmiast po jego pojawieniu się i szybką jego lokalizację zanim dojdzie do wprowadzenia błędnego fragmentu do programu. Testy jednostkowe są również formą specyfikacji</a:t>
+            </a:r>
+            <a:r>
+              <a:rPr lang="pl-PL" sz="1100" dirty="0" smtClean="0"/>
+              <a:t>.</a:t>
+            </a:r>
+          </a:p>
+          <a:p>
+            <a:endParaRPr lang="pl-PL" sz="1100" dirty="0"/>
+          </a:p>
+          <a:p>
+            <a:r>
+              <a:rPr lang="pl-PL" sz="1100" dirty="0"/>
+              <a:t>Źródło: </a:t>
+            </a:r>
+            <a:r>
+              <a:rPr lang="pl-PL" sz="1100" dirty="0">
+                <a:hlinkClick r:id="rId4"/>
+              </a:rPr>
+              <a:t>https://</a:t>
+            </a:r>
+            <a:r>
+              <a:rPr lang="pl-PL" sz="1100" dirty="0" smtClean="0">
+                <a:hlinkClick r:id="rId4"/>
+              </a:rPr>
+              <a:t>pl.wikipedia.org/wiki/Test_jednostkowy</a:t>
+            </a:r>
+            <a:r>
+              <a:rPr lang="pl-PL" sz="1100" dirty="0"/>
+              <a:t> </a:t>
+            </a:r>
+            <a:r>
+              <a:rPr lang="pl-PL" sz="1100" dirty="0" smtClean="0"/>
+              <a:t>(formatowanie moje)</a:t>
+            </a:r>
+          </a:p>
+          <a:p>
+            <a:endParaRPr lang="pl-PL" sz="1100" dirty="0"/>
+          </a:p>
+          <a:p>
+            <a:r>
+              <a:rPr lang="pl-PL" sz="1100" dirty="0" smtClean="0"/>
+              <a:t>Dla zainteresowanych:</a:t>
+            </a:r>
+          </a:p>
+          <a:p>
+            <a:r>
+              <a:rPr lang="pl-PL" sz="1100" dirty="0">
+                <a:hlinkClick r:id="rId5"/>
+              </a:rPr>
+              <a:t>http://www.testowanie.net/poziomy-testow/testy-modulowe-unit-tests/</a:t>
+            </a:r>
+            <a:endParaRPr lang="pl-PL" sz="1100" dirty="0"/>
           </a:p>
         </p:txBody>
       </p:sp>
     </p:spTree>
     <p:extLst>
       <p:ext uri="{BB962C8B-B14F-4D97-AF65-F5344CB8AC3E}">
-        <p14:creationId xmlns:p14="http://schemas.microsoft.com/office/powerpoint/2010/main" val="379014514"/>
+        <p14:creationId xmlns:p14="http://schemas.microsoft.com/office/powerpoint/2010/main" xmlns="" val="1432887481"/>
       </p:ext>
     </p:extLst>
   </p:cSld>
   <p:clrMapOvr>
     <a:masterClrMapping/>
   </p:clrMapOvr>
-  <mc:AlternateContent xmlns:mc="http://schemas.openxmlformats.org/markup-compatibility/2006" xmlns:p14="http://schemas.microsoft.com/office/powerpoint/2010/main">
-    <mc:Choice Requires="p14">
+  <mc:AlternateContent xmlns:mc="http://schemas.openxmlformats.org/markup-compatibility/2006">
+    <mc:Choice xmlns:p14="http://schemas.microsoft.com/office/powerpoint/2010/main" xmlns="" Requires="p14">
       <p:transition p14:dur="10"/>
     </mc:Choice>
-    <mc:Fallback xmlns="">
+    <mc:Fallback>
       <p:transition/>
     </mc:Fallback>
   </mc:AlternateContent>
@@ -14878,12 +14827,8 @@
           <a:lstStyle/>
           <a:p>
             <a:r>
-              <a:rPr lang="pl-PL" dirty="0"/>
-              <a:t>Testy jednostkowe z </a:t>
-            </a:r>
-            <a:r>
-              <a:rPr lang="pl-PL" dirty="0" err="1"/>
-              <a:t>JUnit</a:t>
+              <a:rPr lang="pl-PL" dirty="0" smtClean="0"/>
+              <a:t>Testy jednostkowe z JUnit</a:t>
             </a:r>
             <a:endParaRPr lang="de-DE" dirty="0"/>
           </a:p>
@@ -14914,171 +14859,120 @@
       </p:sp>
       <p:sp>
         <p:nvSpPr>
-          <p:cNvPr id="2" name="Prostokąt 1"/>
-          <p:cNvSpPr/>
-          <p:nvPr/>
+          <p:cNvPr id="6" name="Symbol zastępczy zawartości 1"/>
+          <p:cNvSpPr>
+            <a:spLocks noGrp="1"/>
+          </p:cNvSpPr>
+          <p:nvPr>
+            <p:ph idx="1"/>
+          </p:nvPr>
         </p:nvSpPr>
         <p:spPr>
           <a:xfrm>
-            <a:off x="624060" y="1125487"/>
-            <a:ext cx="6597697" cy="3308598"/>
+            <a:off x="443707" y="1119187"/>
+            <a:ext cx="3501991" cy="3362325"/>
+          </a:xfrm>
+        </p:spPr>
+        <p:txBody>
+          <a:bodyPr/>
+          <a:lstStyle/>
+          <a:p>
+            <a:r>
+              <a:rPr lang="pl-PL" dirty="0"/>
+              <a:t>Lokalizacja repozytorium:</a:t>
+            </a:r>
+          </a:p>
+          <a:p>
+            <a:pPr lvl="1"/>
+            <a:r>
+              <a:rPr lang="pl-PL" dirty="0">
+                <a:hlinkClick r:id="rId3"/>
+              </a:rPr>
+              <a:t>https://</a:t>
+            </a:r>
+            <a:r>
+              <a:rPr lang="pl-PL" dirty="0" smtClean="0">
+                <a:hlinkClick r:id="rId3"/>
+              </a:rPr>
+              <a:t>github.com/wdsr/exercise1d.git</a:t>
+            </a:r>
+            <a:endParaRPr lang="pl-PL" dirty="0" smtClean="0"/>
+          </a:p>
+          <a:p>
+            <a:pPr lvl="1"/>
+            <a:endParaRPr lang="pl-PL" dirty="0"/>
+          </a:p>
+          <a:p>
+            <a:r>
+              <a:rPr lang="pl-PL" dirty="0" smtClean="0">
+                <a:solidFill>
+                  <a:srgbClr val="00B050"/>
+                </a:solidFill>
+              </a:rPr>
+              <a:t>gradlew clean build</a:t>
+            </a:r>
+          </a:p>
+          <a:p>
+            <a:pPr lvl="1"/>
+            <a:r>
+              <a:rPr lang="pl-PL" dirty="0" smtClean="0"/>
+              <a:t>Ta komenda usuwa wcześniej wygenerowane artefakty (o ile istnieją), po czym kompiluje kod aplikacji i testów, uruchamia testy i buduje aplikację. </a:t>
+            </a:r>
+            <a:endParaRPr lang="pl-PL" dirty="0">
+              <a:solidFill>
+                <a:schemeClr val="accent6">
+                  <a:lumMod val="10000"/>
+                </a:schemeClr>
+              </a:solidFill>
+            </a:endParaRPr>
+          </a:p>
+          <a:p>
+            <a:endParaRPr lang="pl-PL" dirty="0" smtClean="0"/>
+          </a:p>
+          <a:p>
+            <a:endParaRPr lang="pl-PL" dirty="0" smtClean="0"/>
+          </a:p>
+        </p:txBody>
+      </p:sp>
+      <p:pic>
+        <p:nvPicPr>
+          <p:cNvPr id="2" name="Picture 1"/>
+          <p:cNvPicPr>
+            <a:picLocks noChangeAspect="1"/>
+          </p:cNvPicPr>
+          <p:nvPr/>
+        </p:nvPicPr>
+        <p:blipFill>
+          <a:blip r:embed="rId4"/>
+          <a:stretch>
+            <a:fillRect/>
+          </a:stretch>
+        </p:blipFill>
+        <p:spPr>
+          <a:xfrm>
+            <a:off x="5646208" y="817562"/>
+            <a:ext cx="2441152" cy="3813509"/>
           </a:xfrm>
           <a:prstGeom prst="rect">
             <a:avLst/>
           </a:prstGeom>
         </p:spPr>
-        <p:txBody>
-          <a:bodyPr wrap="square">
-            <a:spAutoFit/>
-          </a:bodyPr>
-          <a:lstStyle/>
-          <a:p>
-            <a:r>
-              <a:rPr lang="pl-PL" sz="1100" b="1" dirty="0"/>
-              <a:t>Test jednostkowy</a:t>
-            </a:r>
-            <a:r>
-              <a:rPr lang="pl-PL" sz="1100" dirty="0"/>
-              <a:t> (</a:t>
-            </a:r>
-            <a:r>
-              <a:rPr lang="pl-PL" sz="1100" dirty="0">
-                <a:hlinkClick r:id="rId3" tooltip="Język angielski"/>
-              </a:rPr>
-              <a:t>ang.</a:t>
-            </a:r>
-            <a:r>
-              <a:rPr lang="pl-PL" sz="1100" dirty="0"/>
-              <a:t> </a:t>
-            </a:r>
-            <a:r>
-              <a:rPr lang="pl-PL" sz="1100" i="1" dirty="0"/>
-              <a:t>unit test</a:t>
-            </a:r>
-            <a:r>
-              <a:rPr lang="pl-PL" sz="1100" dirty="0"/>
-              <a:t>) – metoda testowania tworzonego oprogramowania poprzez wykonywanie </a:t>
-            </a:r>
-            <a:r>
-              <a:rPr lang="pl-PL" sz="1100" b="1" dirty="0">
-                <a:solidFill>
-                  <a:srgbClr val="00B050"/>
-                </a:solidFill>
-              </a:rPr>
-              <a:t>testów weryfikujących poprawność działania pojedynczych elementów </a:t>
-            </a:r>
-            <a:r>
-              <a:rPr lang="pl-PL" sz="1100" dirty="0"/>
-              <a:t>(jednostek) programu – np. metod lub obiektów w programowaniu obiektowym lub procedur w programowaniu proceduralnym. </a:t>
-            </a:r>
-            <a:endParaRPr lang="pl-PL" sz="1100" dirty="0" smtClean="0"/>
-          </a:p>
-          <a:p>
-            <a:endParaRPr lang="pl-PL" sz="1100" dirty="0"/>
-          </a:p>
-          <a:p>
-            <a:r>
-              <a:rPr lang="pl-PL" sz="1100" b="1" dirty="0" smtClean="0">
-                <a:solidFill>
-                  <a:srgbClr val="00B050"/>
-                </a:solidFill>
-              </a:rPr>
-              <a:t>Testowany </a:t>
-            </a:r>
-            <a:r>
-              <a:rPr lang="pl-PL" sz="1100" b="1" dirty="0">
-                <a:solidFill>
-                  <a:srgbClr val="00B050"/>
-                </a:solidFill>
-              </a:rPr>
-              <a:t>fragment programu poddawany jest testowi, który wykonuje go i porównuje wynik (np. zwrócone wartości, stan obiektu, zgłoszone wyjątki) z oczekiwanymi wynikami </a:t>
-            </a:r>
-            <a:r>
-              <a:rPr lang="pl-PL" sz="1100" dirty="0"/>
-              <a:t>– tak pozytywnymi, jak i negatywnymi (niepowodzenie działania kodu w określonych sytuacjach również może podlegać testowaniu</a:t>
-            </a:r>
-            <a:r>
-              <a:rPr lang="pl-PL" sz="1100" dirty="0" smtClean="0"/>
-              <a:t>).</a:t>
-            </a:r>
-          </a:p>
-          <a:p>
-            <a:endParaRPr lang="pl-PL" sz="1100" dirty="0"/>
-          </a:p>
-          <a:p>
-            <a:r>
-              <a:rPr lang="pl-PL" sz="1100" dirty="0"/>
-              <a:t>Zaletą testów jednostkowych jest możliwość wykonywania na bieżąco w pełni zautomatyzowanych testów na modyfikowanych elementach programu, co umożliwia często wychwycenie błędu natychmiast po jego pojawieniu się i szybką jego lokalizację zanim dojdzie do wprowadzenia błędnego fragmentu do programu. Testy jednostkowe są również formą specyfikacji</a:t>
-            </a:r>
-            <a:r>
-              <a:rPr lang="pl-PL" sz="1100" dirty="0" smtClean="0"/>
-              <a:t>.</a:t>
-            </a:r>
-          </a:p>
-          <a:p>
-            <a:endParaRPr lang="pl-PL" sz="1100" dirty="0"/>
-          </a:p>
-          <a:p>
-            <a:r>
-              <a:rPr lang="pl-PL" sz="1100" dirty="0"/>
-              <a:t>Źródło: </a:t>
-            </a:r>
-            <a:r>
-              <a:rPr lang="pl-PL" sz="1100" dirty="0">
-                <a:hlinkClick r:id="rId4"/>
-              </a:rPr>
-              <a:t>https://</a:t>
-            </a:r>
-            <a:r>
-              <a:rPr lang="pl-PL" sz="1100" dirty="0" smtClean="0">
-                <a:hlinkClick r:id="rId4"/>
-              </a:rPr>
-              <a:t>pl.wikipedia.org/wiki/Test_jednostkowy</a:t>
-            </a:r>
-            <a:r>
-              <a:rPr lang="pl-PL" sz="1100" dirty="0"/>
-              <a:t> </a:t>
-            </a:r>
-            <a:r>
-              <a:rPr lang="pl-PL" sz="1100" dirty="0" smtClean="0"/>
-              <a:t>(formatowanie moje)</a:t>
-            </a:r>
-          </a:p>
-          <a:p>
-            <a:endParaRPr lang="pl-PL" sz="1100" dirty="0"/>
-          </a:p>
-          <a:p>
-            <a:r>
-              <a:rPr lang="pl-PL" sz="1100" dirty="0" smtClean="0"/>
-              <a:t>Dla zainteresowanych:</a:t>
-            </a:r>
-          </a:p>
-          <a:p>
-            <a:r>
-              <a:rPr lang="pl-PL" sz="1100" dirty="0">
-                <a:hlinkClick r:id="rId5"/>
-              </a:rPr>
-              <a:t>http://www.testowanie.net/poziomy-testow/testy-modulowe-unit-tests/</a:t>
-            </a:r>
-            <a:endParaRPr lang="pl-PL" sz="1100" dirty="0"/>
-          </a:p>
-        </p:txBody>
-      </p:sp>
+      </p:pic>
     </p:spTree>
     <p:extLst>
       <p:ext uri="{BB962C8B-B14F-4D97-AF65-F5344CB8AC3E}">
-        <p14:creationId xmlns:p14="http://schemas.microsoft.com/office/powerpoint/2010/main" val="1432887481"/>
+        <p14:creationId xmlns:p14="http://schemas.microsoft.com/office/powerpoint/2010/main" xmlns="" val="1091218610"/>
       </p:ext>
     </p:extLst>
   </p:cSld>
   <p:clrMapOvr>
     <a:masterClrMapping/>
   </p:clrMapOvr>
-  <mc:AlternateContent xmlns:mc="http://schemas.openxmlformats.org/markup-compatibility/2006" xmlns:p14="http://schemas.microsoft.com/office/powerpoint/2010/main">
-    <mc:Choice Requires="p14">
+  <mc:AlternateContent xmlns:mc="http://schemas.openxmlformats.org/markup-compatibility/2006">
+    <mc:Choice xmlns:p14="http://schemas.microsoft.com/office/powerpoint/2010/main" xmlns="" Requires="p14">
       <p:transition p14:dur="10"/>
     </mc:Choice>
-    <mc:Fallback xmlns="">
+    <mc:Fallback>
       <p:transition/>
     </mc:Fallback>
   </mc:AlternateContent>
@@ -15167,8 +15061,8 @@
         </p:nvSpPr>
         <p:spPr>
           <a:xfrm>
-            <a:off x="443707" y="1119187"/>
-            <a:ext cx="3501991" cy="3362325"/>
+            <a:off x="443707" y="963401"/>
+            <a:ext cx="3830266" cy="245586"/>
           </a:xfrm>
         </p:spPr>
         <p:txBody>
@@ -15176,56 +15070,9 @@
           <a:lstStyle/>
           <a:p>
             <a:r>
-              <a:rPr lang="pl-PL" dirty="0"/>
-              <a:t>Lokalizacja repozytorium:</a:t>
-            </a:r>
-          </a:p>
-          <a:p>
-            <a:pPr lvl="1"/>
-            <a:r>
-              <a:rPr lang="pl-PL" dirty="0">
-                <a:hlinkClick r:id="rId3"/>
-              </a:rPr>
-              <a:t>https://</a:t>
-            </a:r>
-            <a:r>
-              <a:rPr lang="pl-PL" dirty="0" smtClean="0">
-                <a:hlinkClick r:id="rId3"/>
-              </a:rPr>
-              <a:t>github.com/wdsr/exercise1d.git</a:t>
-            </a:r>
-            <a:endParaRPr lang="pl-PL" dirty="0" smtClean="0"/>
-          </a:p>
-          <a:p>
-            <a:pPr lvl="1"/>
-            <a:endParaRPr lang="pl-PL" dirty="0"/>
-          </a:p>
-          <a:p>
-            <a:r>
-              <a:rPr lang="pl-PL" dirty="0" smtClean="0">
-                <a:solidFill>
-                  <a:srgbClr val="00B050"/>
-                </a:solidFill>
-              </a:rPr>
-              <a:t>gradlew clean build</a:t>
-            </a:r>
-          </a:p>
-          <a:p>
-            <a:pPr lvl="1"/>
-            <a:r>
-              <a:rPr lang="pl-PL" dirty="0" smtClean="0"/>
-              <a:t>Ta komenda usuwa wcześniej wygenerowane artefakty (o ile istnieją), po czym kompiluje kod aplikacji i testów, uruchamia testy i buduje aplikację. </a:t>
-            </a:r>
-            <a:endParaRPr lang="pl-PL" dirty="0">
-              <a:solidFill>
-                <a:schemeClr val="accent6">
-                  <a:lumMod val="10000"/>
-                </a:schemeClr>
-              </a:solidFill>
-            </a:endParaRPr>
-          </a:p>
-          <a:p>
-            <a:endParaRPr lang="pl-PL" dirty="0" smtClean="0"/>
+              <a:rPr lang="pl-PL" dirty="0" smtClean="0"/>
+              <a:t>Zwróć uwagę na raport z wykonania testów:</a:t>
+            </a:r>
           </a:p>
           <a:p>
             <a:endParaRPr lang="pl-PL" dirty="0" smtClean="0"/>
@@ -15234,22 +15081,22 @@
       </p:sp>
       <p:pic>
         <p:nvPicPr>
-          <p:cNvPr id="2" name="Picture 1"/>
+          <p:cNvPr id="9" name="Picture 8"/>
           <p:cNvPicPr>
             <a:picLocks noChangeAspect="1"/>
           </p:cNvPicPr>
           <p:nvPr/>
         </p:nvPicPr>
         <p:blipFill>
-          <a:blip r:embed="rId4"/>
+          <a:blip r:embed="rId3"/>
           <a:stretch>
             <a:fillRect/>
           </a:stretch>
         </p:blipFill>
         <p:spPr>
           <a:xfrm>
-            <a:off x="5646208" y="817562"/>
-            <a:ext cx="2441152" cy="3813509"/>
+            <a:off x="1068228" y="1208987"/>
+            <a:ext cx="6700785" cy="3412235"/>
           </a:xfrm>
           <a:prstGeom prst="rect">
             <a:avLst/>
@@ -15259,18 +15106,18 @@
     </p:spTree>
     <p:extLst>
       <p:ext uri="{BB962C8B-B14F-4D97-AF65-F5344CB8AC3E}">
-        <p14:creationId xmlns:p14="http://schemas.microsoft.com/office/powerpoint/2010/main" val="1091218610"/>
+        <p14:creationId xmlns:p14="http://schemas.microsoft.com/office/powerpoint/2010/main" xmlns="" val="1564593777"/>
       </p:ext>
     </p:extLst>
   </p:cSld>
   <p:clrMapOvr>
     <a:masterClrMapping/>
   </p:clrMapOvr>
-  <mc:AlternateContent xmlns:mc="http://schemas.openxmlformats.org/markup-compatibility/2006" xmlns:p14="http://schemas.microsoft.com/office/powerpoint/2010/main">
-    <mc:Choice Requires="p14">
+  <mc:AlternateContent xmlns:mc="http://schemas.openxmlformats.org/markup-compatibility/2006">
+    <mc:Choice xmlns:p14="http://schemas.microsoft.com/office/powerpoint/2010/main" xmlns="" Requires="p14">
       <p:transition p14:dur="10"/>
     </mc:Choice>
-    <mc:Fallback xmlns="">
+    <mc:Fallback>
       <p:transition/>
     </mc:Fallback>
   </mc:AlternateContent>
@@ -15359,17 +15206,26 @@
         </p:nvSpPr>
         <p:spPr>
           <a:xfrm>
-            <a:off x="443707" y="963401"/>
-            <a:ext cx="3830266" cy="245586"/>
+            <a:off x="443706" y="963401"/>
+            <a:ext cx="8354853" cy="608012"/>
           </a:xfrm>
         </p:spPr>
         <p:txBody>
-          <a:bodyPr/>
-          <a:lstStyle/>
-          <a:p>
-            <a:r>
-              <a:rPr lang="pl-PL" dirty="0" smtClean="0"/>
-              <a:t>Zwróć uwagę na raport z wykonania testów:</a:t>
+          <a:bodyPr>
+            <a:normAutofit/>
+          </a:bodyPr>
+          <a:lstStyle/>
+          <a:p>
+            <a:r>
+              <a:rPr lang="pl-PL" dirty="0" smtClean="0"/>
+              <a:t>Zwróć uwagę na zmianę w pliku build.gradle w module Calculator.</a:t>
+            </a:r>
+          </a:p>
+          <a:p>
+            <a:pPr lvl="1"/>
+            <a:r>
+              <a:rPr lang="pl-PL" dirty="0" smtClean="0"/>
+              <a:t>JUnit jest zadeklarowany jako zależność testCompile – w związku z tym jest używany tylko podczas wykonywania testów w procesie budowania aplikacji, natomiast nie jest częścią samej aplikacji.</a:t>
             </a:r>
           </a:p>
           <a:p>
@@ -15379,7 +15235,7 @@
       </p:sp>
       <p:pic>
         <p:nvPicPr>
-          <p:cNvPr id="9" name="Picture 8"/>
+          <p:cNvPr id="2" name="Picture 1"/>
           <p:cNvPicPr>
             <a:picLocks noChangeAspect="1"/>
           </p:cNvPicPr>
@@ -15393,8 +15249,8 @@
         </p:blipFill>
         <p:spPr>
           <a:xfrm>
-            <a:off x="1068228" y="1208987"/>
-            <a:ext cx="6700785" cy="3412235"/>
+            <a:off x="1937174" y="1751648"/>
+            <a:ext cx="4117445" cy="2709034"/>
           </a:xfrm>
           <a:prstGeom prst="rect">
             <a:avLst/>
@@ -15404,18 +15260,18 @@
     </p:spTree>
     <p:extLst>
       <p:ext uri="{BB962C8B-B14F-4D97-AF65-F5344CB8AC3E}">
-        <p14:creationId xmlns:p14="http://schemas.microsoft.com/office/powerpoint/2010/main" val="1564593777"/>
+        <p14:creationId xmlns:p14="http://schemas.microsoft.com/office/powerpoint/2010/main" xmlns="" val="3189332835"/>
       </p:ext>
     </p:extLst>
   </p:cSld>
   <p:clrMapOvr>
     <a:masterClrMapping/>
   </p:clrMapOvr>
-  <mc:AlternateContent xmlns:mc="http://schemas.openxmlformats.org/markup-compatibility/2006" xmlns:p14="http://schemas.microsoft.com/office/powerpoint/2010/main">
-    <mc:Choice Requires="p14">
+  <mc:AlternateContent xmlns:mc="http://schemas.openxmlformats.org/markup-compatibility/2006">
+    <mc:Choice xmlns:p14="http://schemas.microsoft.com/office/powerpoint/2010/main" xmlns="" Requires="p14">
       <p:transition p14:dur="10"/>
     </mc:Choice>
-    <mc:Fallback xmlns="">
+    <mc:Fallback>
       <p:transition/>
     </mc:Fallback>
   </mc:AlternateContent>
@@ -15555,18 +15411,18 @@
     </p:spTree>
     <p:extLst>
       <p:ext uri="{BB962C8B-B14F-4D97-AF65-F5344CB8AC3E}">
-        <p14:creationId xmlns:p14="http://schemas.microsoft.com/office/powerpoint/2010/main" val="587528233"/>
+        <p14:creationId xmlns:p14="http://schemas.microsoft.com/office/powerpoint/2010/main" xmlns="" val="587528233"/>
       </p:ext>
     </p:extLst>
   </p:cSld>
   <p:clrMapOvr>
     <a:masterClrMapping/>
   </p:clrMapOvr>
-  <mc:AlternateContent xmlns:mc="http://schemas.openxmlformats.org/markup-compatibility/2006" xmlns:p14="http://schemas.microsoft.com/office/powerpoint/2010/main">
-    <mc:Choice Requires="p14">
+  <mc:AlternateContent xmlns:mc="http://schemas.openxmlformats.org/markup-compatibility/2006">
+    <mc:Choice xmlns:p14="http://schemas.microsoft.com/office/powerpoint/2010/main" xmlns="" Requires="p14">
       <p:transition p14:dur="10"/>
     </mc:Choice>
-    <mc:Fallback xmlns="">
+    <mc:Fallback>
       <p:transition/>
     </mc:Fallback>
   </mc:AlternateContent>
@@ -15614,7 +15470,7 @@
           <a:p>
             <a:r>
               <a:rPr lang="pl-PL" dirty="0" smtClean="0"/>
-              <a:t>Testy jednostkowe z JUnit</a:t>
+              <a:t>Testy jednostkowe</a:t>
             </a:r>
             <a:endParaRPr lang="de-DE" dirty="0"/>
           </a:p>
@@ -15655,8 +15511,8 @@
         </p:nvSpPr>
         <p:spPr>
           <a:xfrm>
-            <a:off x="443706" y="963401"/>
-            <a:ext cx="8354853" cy="608012"/>
+            <a:off x="443707" y="1119187"/>
+            <a:ext cx="8105307" cy="3362325"/>
           </a:xfrm>
         </p:spPr>
         <p:txBody>
@@ -15667,60 +15523,139 @@
           <a:p>
             <a:r>
               <a:rPr lang="pl-PL" dirty="0" smtClean="0"/>
-              <a:t>Zwróć uwagę na zmianę w pliku build.gradle w module Calculator.</a:t>
+              <a:t>Zadanie:</a:t>
             </a:r>
           </a:p>
           <a:p>
             <a:pPr lvl="1"/>
             <a:r>
               <a:rPr lang="pl-PL" dirty="0" smtClean="0"/>
-              <a:t>JUnit jest zadeklarowany jako zależność testCompile – w związku z tym jest używany tylko podczas wykonywania testów w procesie budowania aplikacji, natomiast nie jest częścią samej aplikacji.</a:t>
-            </a:r>
-          </a:p>
-          <a:p>
+              <a:t>Klasa CalculatorTest zawiera przykładowe testy jednostkowe dla metody min(int... values). Dodaj testy jednostkowe dla drugiej metody: max(int... </a:t>
+            </a:r>
+            <a:r>
+              <a:rPr lang="pl-PL" dirty="0" err="1"/>
+              <a:t>v</a:t>
+            </a:r>
+            <a:r>
+              <a:rPr lang="pl-PL" dirty="0" err="1" smtClean="0"/>
+              <a:t>alues</a:t>
+            </a:r>
+            <a:r>
+              <a:rPr lang="pl-PL" dirty="0" smtClean="0"/>
+              <a:t>). Użyj metody </a:t>
+            </a:r>
+            <a:r>
+              <a:rPr lang="pl-PL" dirty="0" err="1" smtClean="0"/>
+              <a:t>assertThat</a:t>
+            </a:r>
+            <a:r>
+              <a:rPr lang="pl-PL" dirty="0" smtClean="0"/>
+              <a:t> zamiast </a:t>
+            </a:r>
+            <a:r>
+              <a:rPr lang="pl-PL" dirty="0" err="1" smtClean="0"/>
+              <a:t>assertEquals</a:t>
+            </a:r>
+            <a:r>
+              <a:rPr lang="pl-PL" dirty="0" smtClean="0"/>
+              <a:t>.</a:t>
+            </a:r>
+          </a:p>
+          <a:p>
+            <a:pPr lvl="2"/>
+            <a:r>
+              <a:rPr lang="pl-PL" dirty="0" smtClean="0"/>
+              <a:t>Test jednostkowy powinien pomóc Ci znaleźć błąd w kodzie metody max. Popraw ten błąd (bez używania klasy </a:t>
+            </a:r>
+            <a:r>
+              <a:rPr lang="pl-PL" dirty="0" err="1" smtClean="0"/>
+              <a:t>NumberUtils</a:t>
+            </a:r>
+            <a:r>
+              <a:rPr lang="pl-PL" dirty="0" smtClean="0"/>
+              <a:t>).</a:t>
+            </a:r>
+          </a:p>
+          <a:p>
+            <a:pPr lvl="1"/>
+            <a:r>
+              <a:rPr lang="pl-PL" dirty="0" smtClean="0"/>
+              <a:t>Stwórz klasę ArrayConverterTest w projekcie „conversions” i dodaj testy dla metody „</a:t>
+            </a:r>
+            <a:r>
+              <a:rPr lang="pl-PL" dirty="0" err="1" smtClean="0"/>
+              <a:t>convertToInts</a:t>
+            </a:r>
+            <a:r>
+              <a:rPr lang="pl-PL" dirty="0" smtClean="0"/>
+              <a:t>”. Działanie metody jest udokumentowane w komentarzu </a:t>
+            </a:r>
+            <a:r>
+              <a:rPr lang="pl-PL" dirty="0" err="1" smtClean="0"/>
+              <a:t>Javadoc</a:t>
+            </a:r>
+            <a:r>
+              <a:rPr lang="pl-PL" dirty="0" smtClean="0"/>
+              <a:t>.</a:t>
+            </a:r>
+            <a:endParaRPr lang="pl-PL" dirty="0"/>
+          </a:p>
+          <a:p>
+            <a:pPr marL="179388" lvl="1" indent="0">
+              <a:buNone/>
+            </a:pPr>
+            <a:endParaRPr lang="pl-PL" dirty="0"/>
+          </a:p>
+          <a:p>
+            <a:r>
+              <a:rPr lang="pl-PL" dirty="0" smtClean="0"/>
+              <a:t>Inne informacje:</a:t>
+            </a:r>
+          </a:p>
+          <a:p>
+            <a:pPr lvl="1"/>
+            <a:r>
+              <a:rPr lang="pl-PL" dirty="0" smtClean="0"/>
+              <a:t>Komenda „gradlew build” musi się uruchamiać bez błędów.</a:t>
+            </a:r>
+          </a:p>
+          <a:p>
+            <a:pPr lvl="1"/>
+            <a:r>
+              <a:rPr lang="pl-PL" dirty="0" smtClean="0"/>
+              <a:t>(jak zwykle) Kod musi znaleźć się w GitHubie.</a:t>
+            </a:r>
+          </a:p>
+          <a:p>
+            <a:pPr lvl="1"/>
             <a:endParaRPr lang="pl-PL" dirty="0" smtClean="0"/>
           </a:p>
-        </p:txBody>
-      </p:sp>
-      <p:pic>
-        <p:nvPicPr>
-          <p:cNvPr id="2" name="Picture 1"/>
-          <p:cNvPicPr>
-            <a:picLocks noChangeAspect="1"/>
-          </p:cNvPicPr>
-          <p:nvPr/>
-        </p:nvPicPr>
-        <p:blipFill>
-          <a:blip r:embed="rId3"/>
-          <a:stretch>
-            <a:fillRect/>
-          </a:stretch>
-        </p:blipFill>
-        <p:spPr>
-          <a:xfrm>
-            <a:off x="1937174" y="1751648"/>
-            <a:ext cx="4117445" cy="2709034"/>
-          </a:xfrm>
-          <a:prstGeom prst="rect">
-            <a:avLst/>
-          </a:prstGeom>
-        </p:spPr>
-      </p:pic>
+          <a:p>
+            <a:endParaRPr lang="pl-PL" dirty="0"/>
+          </a:p>
+          <a:p>
+            <a:endParaRPr lang="pl-PL" dirty="0" smtClean="0"/>
+          </a:p>
+          <a:p>
+            <a:endParaRPr lang="pl-PL" dirty="0" smtClean="0"/>
+          </a:p>
+        </p:txBody>
+      </p:sp>
     </p:spTree>
     <p:extLst>
       <p:ext uri="{BB962C8B-B14F-4D97-AF65-F5344CB8AC3E}">
-        <p14:creationId xmlns:p14="http://schemas.microsoft.com/office/powerpoint/2010/main" val="3189332835"/>
+        <p14:creationId xmlns:p14="http://schemas.microsoft.com/office/powerpoint/2010/main" xmlns="" val="1258258649"/>
       </p:ext>
     </p:extLst>
   </p:cSld>
   <p:clrMapOvr>
     <a:masterClrMapping/>
   </p:clrMapOvr>
-  <mc:AlternateContent xmlns:mc="http://schemas.openxmlformats.org/markup-compatibility/2006" xmlns:p14="http://schemas.microsoft.com/office/powerpoint/2010/main">
-    <mc:Choice Requires="p14">
+  <mc:AlternateContent xmlns:mc="http://schemas.openxmlformats.org/markup-compatibility/2006">
+    <mc:Choice xmlns:p14="http://schemas.microsoft.com/office/powerpoint/2010/main" xmlns="" Requires="p14">
       <p:transition p14:dur="10"/>
     </mc:Choice>
-    <mc:Fallback xmlns="">
+    <mc:Fallback>
       <p:transition/>
     </mc:Fallback>
   </mc:AlternateContent>
@@ -15768,7 +15703,7 @@
           <a:p>
             <a:r>
               <a:rPr lang="pl-PL" dirty="0" smtClean="0"/>
-              <a:t>Testy jednostkowe</a:t>
+              <a:t>Zakres ćwiczenia</a:t>
             </a:r>
             <a:endParaRPr lang="de-DE" dirty="0"/>
           </a:p>
@@ -15791,7 +15726,7 @@
           <a:p>
             <a:r>
               <a:rPr lang="pl-PL" dirty="0" smtClean="0"/>
-              <a:t>ĆWICZENIE 1D</a:t>
+              <a:t>ĆWICZENIE 1E</a:t>
             </a:r>
             <a:endParaRPr lang="de-DE" dirty="0"/>
           </a:p>
@@ -15799,162 +15734,91 @@
       </p:sp>
       <p:sp>
         <p:nvSpPr>
-          <p:cNvPr id="6" name="Symbol zastępczy zawartości 1"/>
-          <p:cNvSpPr>
-            <a:spLocks noGrp="1"/>
-          </p:cNvSpPr>
-          <p:nvPr>
-            <p:ph idx="1"/>
-          </p:nvPr>
+          <p:cNvPr id="3" name="Prostokąt zaokrąglony 2"/>
+          <p:cNvSpPr/>
+          <p:nvPr/>
         </p:nvSpPr>
         <p:spPr>
           <a:xfrm>
-            <a:off x="443707" y="1119187"/>
-            <a:ext cx="8105307" cy="3362325"/>
+            <a:off x="1609595" y="1546963"/>
+            <a:ext cx="5730657" cy="1991639"/>
           </a:xfrm>
+          <a:prstGeom prst="roundRect">
+            <a:avLst/>
+          </a:prstGeom>
+          <a:ln/>
         </p:spPr>
-        <p:txBody>
-          <a:bodyPr>
-            <a:normAutofit/>
-          </a:bodyPr>
-          <a:lstStyle/>
-          <a:p>
-            <a:r>
-              <a:rPr lang="pl-PL" dirty="0" smtClean="0"/>
-              <a:t>Zadanie:</a:t>
+        <p:style>
+          <a:lnRef idx="2">
+            <a:schemeClr val="accent3">
+              <a:shade val="50000"/>
+            </a:schemeClr>
+          </a:lnRef>
+          <a:fillRef idx="1">
+            <a:schemeClr val="accent3"/>
+          </a:fillRef>
+          <a:effectRef idx="0">
+            <a:schemeClr val="accent3"/>
+          </a:effectRef>
+          <a:fontRef idx="minor">
+            <a:schemeClr val="lt1"/>
+          </a:fontRef>
+        </p:style>
+        <p:txBody>
+          <a:bodyPr lIns="108000" tIns="108000" rIns="108000" bIns="108000" rtlCol="0" anchor="ctr"/>
+          <a:lstStyle/>
+          <a:p>
+            <a:pPr algn="ctr"/>
+            <a:r>
+              <a:rPr lang="pl-PL" sz="1600" dirty="0" smtClean="0">
+                <a:solidFill>
+                  <a:schemeClr val="tx1"/>
+                </a:solidFill>
+              </a:rPr>
+              <a:t>Ćwiczenie 1E</a:t>
             </a:r>
           </a:p>
           <a:p>
             <a:pPr lvl="1"/>
             <a:r>
-              <a:rPr lang="pl-PL" dirty="0" smtClean="0"/>
-              <a:t>Klasa CalculatorTest zawiera przykładowe testy jednostkowe dla metody min(int... values). Dodaj testy jednostkowe dla drugiej metody: max(int... </a:t>
-            </a:r>
-            <a:r>
-              <a:rPr lang="pl-PL" dirty="0" err="1"/>
-              <a:t>v</a:t>
-            </a:r>
-            <a:r>
-              <a:rPr lang="pl-PL" dirty="0" err="1" smtClean="0"/>
-              <a:t>alues</a:t>
-            </a:r>
-            <a:r>
-              <a:rPr lang="pl-PL" dirty="0" smtClean="0"/>
-              <a:t>). Użyj metody </a:t>
-            </a:r>
-            <a:r>
-              <a:rPr lang="pl-PL" dirty="0" err="1" smtClean="0"/>
-              <a:t>assertThat</a:t>
-            </a:r>
-            <a:r>
-              <a:rPr lang="pl-PL" dirty="0" smtClean="0"/>
-              <a:t> zamiast </a:t>
-            </a:r>
-            <a:r>
-              <a:rPr lang="pl-PL" dirty="0" err="1" smtClean="0"/>
-              <a:t>assertEquals</a:t>
-            </a:r>
-            <a:r>
-              <a:rPr lang="pl-PL" dirty="0" smtClean="0"/>
-              <a:t>.</a:t>
-            </a:r>
-          </a:p>
-          <a:p>
-            <a:pPr lvl="2"/>
-            <a:r>
-              <a:rPr lang="pl-PL" dirty="0" smtClean="0"/>
-              <a:t>Test jednostkowy powinien pomóc Ci znaleźć błąd w kodzie metody max. Popraw ten błąd (bez używania klasy </a:t>
-            </a:r>
-            <a:r>
-              <a:rPr lang="pl-PL" dirty="0" err="1" smtClean="0"/>
-              <a:t>NumberUtils</a:t>
-            </a:r>
-            <a:r>
-              <a:rPr lang="pl-PL" dirty="0" smtClean="0"/>
-              <a:t>).</a:t>
-            </a:r>
-            <a:endParaRPr lang="pl-PL" dirty="0" smtClean="0"/>
-          </a:p>
-          <a:p>
-            <a:pPr lvl="1"/>
-            <a:r>
-              <a:rPr lang="pl-PL" dirty="0" smtClean="0"/>
-              <a:t>Stwórz klasę ArrayConverterTest w projekcie „conversions” i dodaj testy dla metody „</a:t>
-            </a:r>
-            <a:r>
-              <a:rPr lang="pl-PL" dirty="0" err="1" smtClean="0"/>
-              <a:t>convertToInts</a:t>
-            </a:r>
-            <a:r>
-              <a:rPr lang="pl-PL" dirty="0" smtClean="0"/>
-              <a:t>”. Działanie metody jest udokumentowane w komentarzu </a:t>
-            </a:r>
-            <a:r>
-              <a:rPr lang="pl-PL" dirty="0" err="1" smtClean="0"/>
-              <a:t>Javadoc</a:t>
-            </a:r>
-            <a:r>
-              <a:rPr lang="pl-PL" dirty="0" smtClean="0"/>
-              <a:t>.</a:t>
-            </a:r>
-            <a:endParaRPr lang="pl-PL" dirty="0"/>
-          </a:p>
-          <a:p>
-            <a:pPr marL="179388" lvl="1" indent="0">
-              <a:buNone/>
-            </a:pPr>
-            <a:endParaRPr lang="pl-PL" dirty="0"/>
-          </a:p>
-          <a:p>
-            <a:r>
-              <a:rPr lang="pl-PL" dirty="0" smtClean="0"/>
-              <a:t>Inne informacje:</a:t>
-            </a:r>
-          </a:p>
-          <a:p>
-            <a:pPr lvl="1"/>
-            <a:r>
-              <a:rPr lang="pl-PL" dirty="0" smtClean="0"/>
-              <a:t>Komenda „gradlew build” musi się uruchamiać bez błędów.</a:t>
-            </a:r>
-          </a:p>
-          <a:p>
-            <a:pPr lvl="1"/>
-            <a:r>
-              <a:rPr lang="pl-PL" dirty="0" smtClean="0"/>
-              <a:t>(jak zwykle) Kod musi znaleźć się w GitHubie.</a:t>
-            </a:r>
-          </a:p>
-          <a:p>
-            <a:pPr lvl="1"/>
-            <a:endParaRPr lang="pl-PL" dirty="0" smtClean="0"/>
-          </a:p>
-          <a:p>
-            <a:endParaRPr lang="pl-PL" dirty="0"/>
-          </a:p>
-          <a:p>
-            <a:endParaRPr lang="pl-PL" dirty="0" smtClean="0"/>
-          </a:p>
-          <a:p>
-            <a:endParaRPr lang="pl-PL" dirty="0" smtClean="0"/>
+              <a:rPr lang="pl-PL" sz="1600" dirty="0" smtClean="0">
+                <a:solidFill>
+                  <a:schemeClr val="bg1"/>
+                </a:solidFill>
+              </a:rPr>
+              <a:t>Testy jednostkowe z wykorzystaniem </a:t>
+            </a:r>
+            <a:r>
+              <a:rPr lang="pl-PL" sz="1600" dirty="0" err="1" smtClean="0">
+                <a:solidFill>
+                  <a:schemeClr val="bg1"/>
+                </a:solidFill>
+              </a:rPr>
+              <a:t>mocków</a:t>
+            </a:r>
+            <a:endParaRPr lang="pl-PL" sz="1600" dirty="0">
+              <a:solidFill>
+                <a:schemeClr val="bg1"/>
+              </a:solidFill>
+            </a:endParaRPr>
           </a:p>
         </p:txBody>
       </p:sp>
     </p:spTree>
     <p:extLst>
       <p:ext uri="{BB962C8B-B14F-4D97-AF65-F5344CB8AC3E}">
-        <p14:creationId xmlns:p14="http://schemas.microsoft.com/office/powerpoint/2010/main" val="1258258649"/>
+        <p14:creationId xmlns:p14="http://schemas.microsoft.com/office/powerpoint/2010/main" xmlns="" val="1843316224"/>
       </p:ext>
     </p:extLst>
   </p:cSld>
   <p:clrMapOvr>
     <a:masterClrMapping/>
   </p:clrMapOvr>
-  <mc:AlternateContent xmlns:mc="http://schemas.openxmlformats.org/markup-compatibility/2006" xmlns:p14="http://schemas.microsoft.com/office/powerpoint/2010/main">
-    <mc:Choice Requires="p14">
+  <mc:AlternateContent xmlns:mc="http://schemas.openxmlformats.org/markup-compatibility/2006">
+    <mc:Choice xmlns:p14="http://schemas.microsoft.com/office/powerpoint/2010/main" xmlns="" Requires="p14">
       <p:transition p14:dur="10"/>
     </mc:Choice>
-    <mc:Fallback xmlns="">
+    <mc:Fallback>
       <p:transition/>
     </mc:Fallback>
   </mc:AlternateContent>
@@ -16002,186 +15866,6 @@
           <a:p>
             <a:r>
               <a:rPr lang="pl-PL" dirty="0" smtClean="0"/>
-              <a:t>Zakres ćwiczenia</a:t>
-            </a:r>
-            <a:endParaRPr lang="de-DE" dirty="0"/>
-          </a:p>
-        </p:txBody>
-      </p:sp>
-      <p:sp>
-        <p:nvSpPr>
-          <p:cNvPr id="5" name="Inhaltsplatzhalter 4"/>
-          <p:cNvSpPr>
-            <a:spLocks noGrp="1"/>
-          </p:cNvSpPr>
-          <p:nvPr>
-            <p:ph type="body" sz="quarter" idx="13"/>
-          </p:nvPr>
-        </p:nvSpPr>
-        <p:spPr/>
-        <p:txBody>
-          <a:bodyPr/>
-          <a:lstStyle/>
-          <a:p>
-            <a:r>
-              <a:rPr lang="pl-PL" dirty="0" smtClean="0"/>
-              <a:t>ĆWICZENIE </a:t>
-            </a:r>
-            <a:r>
-              <a:rPr lang="pl-PL" dirty="0" smtClean="0"/>
-              <a:t>1E</a:t>
-            </a:r>
-            <a:endParaRPr lang="de-DE" dirty="0"/>
-          </a:p>
-        </p:txBody>
-      </p:sp>
-      <p:sp>
-        <p:nvSpPr>
-          <p:cNvPr id="3" name="Prostokąt zaokrąglony 2"/>
-          <p:cNvSpPr/>
-          <p:nvPr/>
-        </p:nvSpPr>
-        <p:spPr>
-          <a:xfrm>
-            <a:off x="1609595" y="1546963"/>
-            <a:ext cx="5730657" cy="1991639"/>
-          </a:xfrm>
-          <a:prstGeom prst="roundRect">
-            <a:avLst/>
-          </a:prstGeom>
-          <a:ln/>
-        </p:spPr>
-        <p:style>
-          <a:lnRef idx="2">
-            <a:schemeClr val="accent3">
-              <a:shade val="50000"/>
-            </a:schemeClr>
-          </a:lnRef>
-          <a:fillRef idx="1">
-            <a:schemeClr val="accent3"/>
-          </a:fillRef>
-          <a:effectRef idx="0">
-            <a:schemeClr val="accent3"/>
-          </a:effectRef>
-          <a:fontRef idx="minor">
-            <a:schemeClr val="lt1"/>
-          </a:fontRef>
-        </p:style>
-        <p:txBody>
-          <a:bodyPr lIns="108000" tIns="108000" rIns="108000" bIns="108000" rtlCol="0" anchor="ctr"/>
-          <a:lstStyle/>
-          <a:p>
-            <a:pPr algn="ctr"/>
-            <a:r>
-              <a:rPr lang="pl-PL" sz="1600" dirty="0" smtClean="0">
-                <a:solidFill>
-                  <a:schemeClr val="tx1"/>
-                </a:solidFill>
-              </a:rPr>
-              <a:t>Ćwiczenie </a:t>
-            </a:r>
-            <a:r>
-              <a:rPr lang="pl-PL" sz="1600" dirty="0" smtClean="0">
-                <a:solidFill>
-                  <a:schemeClr val="tx1"/>
-                </a:solidFill>
-              </a:rPr>
-              <a:t>1E</a:t>
-            </a:r>
-            <a:endParaRPr lang="pl-PL" sz="1600" dirty="0" smtClean="0">
-              <a:solidFill>
-                <a:schemeClr val="tx1"/>
-              </a:solidFill>
-            </a:endParaRPr>
-          </a:p>
-          <a:p>
-            <a:pPr lvl="1"/>
-            <a:r>
-              <a:rPr lang="pl-PL" sz="1600" dirty="0" smtClean="0">
-                <a:solidFill>
-                  <a:schemeClr val="bg1"/>
-                </a:solidFill>
-              </a:rPr>
-              <a:t>Testy jednostkowe z wykorzystaniem </a:t>
-            </a:r>
-            <a:r>
-              <a:rPr lang="pl-PL" sz="1600" dirty="0" err="1" smtClean="0">
-                <a:solidFill>
-                  <a:schemeClr val="bg1"/>
-                </a:solidFill>
-              </a:rPr>
-              <a:t>mocków</a:t>
-            </a:r>
-            <a:endParaRPr lang="pl-PL" sz="1600" dirty="0">
-              <a:solidFill>
-                <a:schemeClr val="bg1"/>
-              </a:solidFill>
-            </a:endParaRPr>
-          </a:p>
-        </p:txBody>
-      </p:sp>
-    </p:spTree>
-    <p:extLst>
-      <p:ext uri="{BB962C8B-B14F-4D97-AF65-F5344CB8AC3E}">
-        <p14:creationId xmlns:p14="http://schemas.microsoft.com/office/powerpoint/2010/main" val="1843316224"/>
-      </p:ext>
-    </p:extLst>
-  </p:cSld>
-  <p:clrMapOvr>
-    <a:masterClrMapping/>
-  </p:clrMapOvr>
-  <mc:AlternateContent xmlns:mc="http://schemas.openxmlformats.org/markup-compatibility/2006" xmlns:p14="http://schemas.microsoft.com/office/powerpoint/2010/main">
-    <mc:Choice Requires="p14">
-      <p:transition p14:dur="10"/>
-    </mc:Choice>
-    <mc:Fallback xmlns="">
-      <p:transition/>
-    </mc:Fallback>
-  </mc:AlternateContent>
-  <p:timing>
-    <p:tnLst>
-      <p:par>
-        <p:cTn id="1" dur="indefinite" restart="never" nodeType="tmRoot"/>
-      </p:par>
-    </p:tnLst>
-  </p:timing>
-</p:sld>
-</file>
-
-<file path=ppt/slides/slide43.xml><?xml version="1.0" encoding="utf-8"?>
-<p:sld xmlns:a="http://schemas.openxmlformats.org/drawingml/2006/main" xmlns:r="http://schemas.openxmlformats.org/officeDocument/2006/relationships" xmlns:p="http://schemas.openxmlformats.org/presentationml/2006/main">
-  <p:cSld>
-    <p:spTree>
-      <p:nvGrpSpPr>
-        <p:cNvPr id="1" name=""/>
-        <p:cNvGrpSpPr/>
-        <p:nvPr/>
-      </p:nvGrpSpPr>
-      <p:grpSpPr>
-        <a:xfrm>
-          <a:off x="0" y="0"/>
-          <a:ext cx="0" cy="0"/>
-          <a:chOff x="0" y="0"/>
-          <a:chExt cx="0" cy="0"/>
-        </a:xfrm>
-      </p:grpSpPr>
-      <p:sp>
-        <p:nvSpPr>
-          <p:cNvPr id="7" name="Titel 6"/>
-          <p:cNvSpPr>
-            <a:spLocks noGrp="1"/>
-          </p:cNvSpPr>
-          <p:nvPr>
-            <p:ph type="title"/>
-          </p:nvPr>
-        </p:nvSpPr>
-        <p:spPr/>
-        <p:txBody>
-          <a:bodyPr/>
-          <a:lstStyle/>
-          <a:p>
-            <a:r>
-              <a:rPr lang="pl-PL" dirty="0" smtClean="0"/>
               <a:t>Testy jednostkowe z wykorzystaniem </a:t>
             </a:r>
             <a:r>
@@ -16209,11 +15893,7 @@
           <a:p>
             <a:r>
               <a:rPr lang="pl-PL" dirty="0" smtClean="0"/>
-              <a:t>ĆWICZENIE </a:t>
-            </a:r>
-            <a:r>
-              <a:rPr lang="pl-PL" dirty="0" smtClean="0"/>
-              <a:t>1E</a:t>
+              <a:t>ĆWICZENIE 1E</a:t>
             </a:r>
             <a:endParaRPr lang="de-DE" dirty="0"/>
           </a:p>
@@ -16356,11 +16036,6 @@
               </a:rPr>
               <a:t>Obiekt testowany</a:t>
             </a:r>
-            <a:endParaRPr lang="pl-PL" sz="1200" dirty="0" smtClean="0">
-              <a:solidFill>
-                <a:schemeClr val="tx1"/>
-              </a:solidFill>
-            </a:endParaRPr>
           </a:p>
         </p:txBody>
       </p:sp>
@@ -16409,11 +16084,6 @@
               </a:rPr>
               <a:t>Baza danych</a:t>
             </a:r>
-            <a:endParaRPr lang="pl-PL" sz="1200" dirty="0" smtClean="0">
-              <a:solidFill>
-                <a:schemeClr val="tx1"/>
-              </a:solidFill>
-            </a:endParaRPr>
           </a:p>
         </p:txBody>
       </p:sp>
@@ -16462,11 +16132,6 @@
               </a:rPr>
               <a:t>Złożony obiekt</a:t>
             </a:r>
-            <a:endParaRPr lang="pl-PL" sz="1200" dirty="0" smtClean="0">
-              <a:solidFill>
-                <a:schemeClr val="tx1"/>
-              </a:solidFill>
-            </a:endParaRPr>
           </a:p>
         </p:txBody>
       </p:sp>
@@ -16595,11 +16260,6 @@
               </a:rPr>
               <a:t>Obiekt testowany</a:t>
             </a:r>
-            <a:endParaRPr lang="pl-PL" sz="1200" dirty="0" smtClean="0">
-              <a:solidFill>
-                <a:schemeClr val="tx1"/>
-              </a:solidFill>
-            </a:endParaRPr>
           </a:p>
         </p:txBody>
       </p:sp>
@@ -16656,11 +16316,6 @@
               </a:rPr>
               <a:t> bazy danych</a:t>
             </a:r>
-            <a:endParaRPr lang="pl-PL" sz="1200" dirty="0" smtClean="0">
-              <a:solidFill>
-                <a:schemeClr val="tx1"/>
-              </a:solidFill>
-            </a:endParaRPr>
           </a:p>
         </p:txBody>
       </p:sp>
@@ -16717,11 +16372,6 @@
               </a:rPr>
               <a:t> złożonego obiektu</a:t>
             </a:r>
-            <a:endParaRPr lang="pl-PL" sz="1200" dirty="0" smtClean="0">
-              <a:solidFill>
-                <a:schemeClr val="tx1"/>
-              </a:solidFill>
-            </a:endParaRPr>
           </a:p>
         </p:txBody>
       </p:sp>
@@ -16850,18 +16500,233 @@
     </p:spTree>
     <p:extLst>
       <p:ext uri="{BB962C8B-B14F-4D97-AF65-F5344CB8AC3E}">
-        <p14:creationId xmlns:p14="http://schemas.microsoft.com/office/powerpoint/2010/main" val="456010206"/>
+        <p14:creationId xmlns:p14="http://schemas.microsoft.com/office/powerpoint/2010/main" xmlns="" val="456010206"/>
       </p:ext>
     </p:extLst>
   </p:cSld>
   <p:clrMapOvr>
     <a:masterClrMapping/>
   </p:clrMapOvr>
-  <mc:AlternateContent xmlns:mc="http://schemas.openxmlformats.org/markup-compatibility/2006" xmlns:p14="http://schemas.microsoft.com/office/powerpoint/2010/main">
-    <mc:Choice Requires="p14">
+  <mc:AlternateContent xmlns:mc="http://schemas.openxmlformats.org/markup-compatibility/2006">
+    <mc:Choice xmlns:p14="http://schemas.microsoft.com/office/powerpoint/2010/main" xmlns="" Requires="p14">
       <p:transition p14:dur="10"/>
     </mc:Choice>
-    <mc:Fallback xmlns="">
+    <mc:Fallback>
+      <p:transition/>
+    </mc:Fallback>
+  </mc:AlternateContent>
+  <p:timing>
+    <p:tnLst>
+      <p:par>
+        <p:cTn id="1" dur="indefinite" restart="never" nodeType="tmRoot"/>
+      </p:par>
+    </p:tnLst>
+  </p:timing>
+</p:sld>
+</file>
+
+<file path=ppt/slides/slide43.xml><?xml version="1.0" encoding="utf-8"?>
+<p:sld xmlns:a="http://schemas.openxmlformats.org/drawingml/2006/main" xmlns:r="http://schemas.openxmlformats.org/officeDocument/2006/relationships" xmlns:p="http://schemas.openxmlformats.org/presentationml/2006/main">
+  <p:cSld>
+    <p:spTree>
+      <p:nvGrpSpPr>
+        <p:cNvPr id="1" name=""/>
+        <p:cNvGrpSpPr/>
+        <p:nvPr/>
+      </p:nvGrpSpPr>
+      <p:grpSpPr>
+        <a:xfrm>
+          <a:off x="0" y="0"/>
+          <a:ext cx="0" cy="0"/>
+          <a:chOff x="0" y="0"/>
+          <a:chExt cx="0" cy="0"/>
+        </a:xfrm>
+      </p:grpSpPr>
+      <p:sp>
+        <p:nvSpPr>
+          <p:cNvPr id="7" name="Titel 6"/>
+          <p:cNvSpPr>
+            <a:spLocks noGrp="1"/>
+          </p:cNvSpPr>
+          <p:nvPr>
+            <p:ph type="title"/>
+          </p:nvPr>
+        </p:nvSpPr>
+        <p:spPr/>
+        <p:txBody>
+          <a:bodyPr/>
+          <a:lstStyle/>
+          <a:p>
+            <a:r>
+              <a:rPr lang="pl-PL" dirty="0" smtClean="0"/>
+              <a:t>Testy jednostkowe z wykorzystaniem </a:t>
+            </a:r>
+            <a:r>
+              <a:rPr lang="pl-PL" dirty="0" err="1" smtClean="0"/>
+              <a:t>mocków</a:t>
+            </a:r>
+            <a:endParaRPr lang="de-DE" dirty="0"/>
+          </a:p>
+        </p:txBody>
+      </p:sp>
+      <p:sp>
+        <p:nvSpPr>
+          <p:cNvPr id="5" name="Inhaltsplatzhalter 4"/>
+          <p:cNvSpPr>
+            <a:spLocks noGrp="1"/>
+          </p:cNvSpPr>
+          <p:nvPr>
+            <p:ph type="body" sz="quarter" idx="13"/>
+          </p:nvPr>
+        </p:nvSpPr>
+        <p:spPr/>
+        <p:txBody>
+          <a:bodyPr/>
+          <a:lstStyle/>
+          <a:p>
+            <a:r>
+              <a:rPr lang="pl-PL" dirty="0" smtClean="0"/>
+              <a:t>ĆWICZENIE 1E</a:t>
+            </a:r>
+            <a:endParaRPr lang="de-DE" dirty="0"/>
+          </a:p>
+        </p:txBody>
+      </p:sp>
+      <p:sp>
+        <p:nvSpPr>
+          <p:cNvPr id="2" name="Prostokąt 1"/>
+          <p:cNvSpPr/>
+          <p:nvPr/>
+        </p:nvSpPr>
+        <p:spPr>
+          <a:xfrm>
+            <a:off x="624060" y="1058742"/>
+            <a:ext cx="7792425" cy="2677656"/>
+          </a:xfrm>
+          <a:prstGeom prst="rect">
+            <a:avLst/>
+          </a:prstGeom>
+        </p:spPr>
+        <p:txBody>
+          <a:bodyPr wrap="square">
+            <a:spAutoFit/>
+          </a:bodyPr>
+          <a:lstStyle/>
+          <a:p>
+            <a:r>
+              <a:rPr lang="pl-PL" sz="1400" dirty="0" smtClean="0"/>
+              <a:t>Inne rodzaje specyficznych obiektów używanych w testach:</a:t>
+            </a:r>
+          </a:p>
+          <a:p>
+            <a:pPr marL="171450" indent="-171450">
+              <a:buFont typeface="Arial" panose="020B0604020202020204" pitchFamily="34" charset="0"/>
+              <a:buChar char="•"/>
+            </a:pPr>
+            <a:r>
+              <a:rPr lang="pl-PL" sz="1400" b="1" dirty="0" err="1" smtClean="0"/>
+              <a:t>Dummy</a:t>
+            </a:r>
+            <a:r>
+              <a:rPr lang="pl-PL" sz="1400" dirty="0" smtClean="0"/>
+              <a:t> – obiekty, które spełniają formalne kryteria interfejsu, ale nie posiadają żadnego zachowania i z założenia nie są używane. Przykład – wypełnianie list parametrów czymkolwiek aby program się skompilował.</a:t>
+            </a:r>
+          </a:p>
+          <a:p>
+            <a:endParaRPr lang="pl-PL" sz="1400" dirty="0" smtClean="0"/>
+          </a:p>
+          <a:p>
+            <a:pPr marL="171450" indent="-171450">
+              <a:buFont typeface="Arial" panose="020B0604020202020204" pitchFamily="34" charset="0"/>
+              <a:buChar char="•"/>
+            </a:pPr>
+            <a:r>
+              <a:rPr lang="pl-PL" sz="1400" b="1" dirty="0" err="1" smtClean="0"/>
+              <a:t>Fake</a:t>
+            </a:r>
+            <a:r>
+              <a:rPr lang="pl-PL" sz="1400" dirty="0" smtClean="0"/>
+              <a:t> – obiekty, które mogą zastępować rzeczywiste implementacje, jednak z powodu swoich ograniczeń nie nadają się do użycia produkcyjnego. Przykład – baza danych in-</a:t>
+            </a:r>
+            <a:r>
+              <a:rPr lang="pl-PL" sz="1400" dirty="0" err="1" smtClean="0"/>
+              <a:t>memory</a:t>
+            </a:r>
+            <a:r>
+              <a:rPr lang="pl-PL" sz="1400" dirty="0" smtClean="0"/>
+              <a:t> (wszystkie dane tracone po restarcie).</a:t>
+            </a:r>
+          </a:p>
+          <a:p>
+            <a:endParaRPr lang="pl-PL" sz="1400" dirty="0" smtClean="0"/>
+          </a:p>
+          <a:p>
+            <a:pPr marL="171450" indent="-171450">
+              <a:buFont typeface="Arial" panose="020B0604020202020204" pitchFamily="34" charset="0"/>
+              <a:buChar char="•"/>
+            </a:pPr>
+            <a:r>
+              <a:rPr lang="pl-PL" sz="1400" b="1" dirty="0" err="1" smtClean="0"/>
+              <a:t>Stub</a:t>
+            </a:r>
+            <a:r>
+              <a:rPr lang="pl-PL" sz="1400" dirty="0" smtClean="0"/>
+              <a:t> – obiekt, który dysponuje tylko predefiniowanym zachowaniem – jego zachowanie z punktu widzenia testowanego systemu nie zależy od przesyłanych do niego komunikatów. Może zapamiętywać otrzymane komunikaty (zmieniać swój stan).</a:t>
+            </a:r>
+          </a:p>
+        </p:txBody>
+      </p:sp>
+      <p:sp>
+        <p:nvSpPr>
+          <p:cNvPr id="4" name="pole tekstowe 3"/>
+          <p:cNvSpPr txBox="1"/>
+          <p:nvPr/>
+        </p:nvSpPr>
+        <p:spPr>
+          <a:xfrm>
+            <a:off x="624060" y="4078091"/>
+            <a:ext cx="3656001" cy="369332"/>
+          </a:xfrm>
+          <a:prstGeom prst="rect">
+            <a:avLst/>
+          </a:prstGeom>
+          <a:noFill/>
+        </p:spPr>
+        <p:txBody>
+          <a:bodyPr wrap="none" lIns="0" tIns="0" rIns="0" bIns="0" rtlCol="0">
+            <a:spAutoFit/>
+          </a:bodyPr>
+          <a:lstStyle/>
+          <a:p>
+            <a:r>
+              <a:rPr lang="pl-PL" sz="1200" dirty="0" smtClean="0"/>
+              <a:t>Więcej informacji:</a:t>
+            </a:r>
+          </a:p>
+          <a:p>
+            <a:r>
+              <a:rPr lang="pl-PL" sz="1200" dirty="0"/>
+              <a:t>http://martinfowler.com/articles/mocksArentStubs.html</a:t>
+            </a:r>
+            <a:endParaRPr lang="pl-PL" sz="1200" dirty="0" smtClean="0"/>
+          </a:p>
+        </p:txBody>
+      </p:sp>
+    </p:spTree>
+    <p:extLst>
+      <p:ext uri="{BB962C8B-B14F-4D97-AF65-F5344CB8AC3E}">
+        <p14:creationId xmlns:p14="http://schemas.microsoft.com/office/powerpoint/2010/main" xmlns="" val="1927227920"/>
+      </p:ext>
+    </p:extLst>
+  </p:cSld>
+  <p:clrMapOvr>
+    <a:masterClrMapping/>
+  </p:clrMapOvr>
+  <mc:AlternateContent xmlns:mc="http://schemas.openxmlformats.org/markup-compatibility/2006">
+    <mc:Choice xmlns:p14="http://schemas.microsoft.com/office/powerpoint/2010/main" xmlns="" Requires="p14">
+      <p:transition p14:dur="10"/>
+    </mc:Choice>
+    <mc:Fallback>
       <p:transition/>
     </mc:Fallback>
   </mc:AlternateContent>
@@ -16908,11 +16773,11 @@
           <a:lstStyle/>
           <a:p>
             <a:r>
-              <a:rPr lang="pl-PL" dirty="0" smtClean="0"/>
+              <a:rPr lang="pl-PL" dirty="0"/>
               <a:t>Testy jednostkowe z wykorzystaniem </a:t>
             </a:r>
             <a:r>
-              <a:rPr lang="pl-PL" dirty="0" err="1" smtClean="0"/>
+              <a:rPr lang="pl-PL" dirty="0" err="1"/>
               <a:t>mocków</a:t>
             </a:r>
             <a:endParaRPr lang="de-DE" dirty="0"/>
@@ -16936,11 +16801,7 @@
           <a:p>
             <a:r>
               <a:rPr lang="pl-PL" dirty="0" smtClean="0"/>
-              <a:t>ĆWICZENIE </a:t>
-            </a:r>
-            <a:r>
-              <a:rPr lang="pl-PL" dirty="0" smtClean="0"/>
-              <a:t>1E</a:t>
+              <a:t>ĆWICZENIE 1E</a:t>
             </a:r>
             <a:endParaRPr lang="de-DE" dirty="0"/>
           </a:p>
@@ -16948,139 +16809,161 @@
       </p:sp>
       <p:sp>
         <p:nvSpPr>
-          <p:cNvPr id="2" name="Prostokąt 1"/>
-          <p:cNvSpPr/>
-          <p:nvPr/>
+          <p:cNvPr id="6" name="Symbol zastępczy zawartości 1"/>
+          <p:cNvSpPr>
+            <a:spLocks noGrp="1"/>
+          </p:cNvSpPr>
+          <p:nvPr>
+            <p:ph idx="1"/>
+          </p:nvPr>
         </p:nvSpPr>
         <p:spPr>
           <a:xfrm>
-            <a:off x="624060" y="1058742"/>
-            <a:ext cx="7792425" cy="2677656"/>
+            <a:off x="443707" y="1119187"/>
+            <a:ext cx="3501991" cy="3362325"/>
           </a:xfrm>
-          <a:prstGeom prst="rect">
-            <a:avLst/>
-          </a:prstGeom>
         </p:spPr>
         <p:txBody>
-          <a:bodyPr wrap="square">
-            <a:spAutoFit/>
-          </a:bodyPr>
-          <a:lstStyle/>
-          <a:p>
-            <a:r>
-              <a:rPr lang="pl-PL" sz="1400" dirty="0" smtClean="0"/>
-              <a:t>Inne rodzaje specyficznych obiektów używanych w testach:</a:t>
-            </a:r>
-          </a:p>
-          <a:p>
-            <a:pPr marL="171450" indent="-171450">
-              <a:buFont typeface="Arial" panose="020B0604020202020204" pitchFamily="34" charset="0"/>
-              <a:buChar char="•"/>
-            </a:pPr>
-            <a:r>
-              <a:rPr lang="pl-PL" sz="1400" b="1" dirty="0" err="1" smtClean="0"/>
-              <a:t>Dummy</a:t>
-            </a:r>
-            <a:r>
-              <a:rPr lang="pl-PL" sz="1400" dirty="0" smtClean="0"/>
-              <a:t> – obiekty, które spełniają formalne kryteria interfejsu, ale nie posiadają żadnego zachowania i z założenia nie są używane. Przykład – wypełnianie list parametrów czymkolwiek aby program się skompilował.</a:t>
-            </a:r>
-          </a:p>
-          <a:p>
-            <a:endParaRPr lang="pl-PL" sz="1400" dirty="0" smtClean="0"/>
-          </a:p>
-          <a:p>
-            <a:pPr marL="171450" indent="-171450">
-              <a:buFont typeface="Arial" panose="020B0604020202020204" pitchFamily="34" charset="0"/>
-              <a:buChar char="•"/>
-            </a:pPr>
-            <a:r>
-              <a:rPr lang="pl-PL" sz="1400" b="1" dirty="0" err="1" smtClean="0"/>
-              <a:t>Fake</a:t>
-            </a:r>
-            <a:r>
-              <a:rPr lang="pl-PL" sz="1400" dirty="0" smtClean="0"/>
-              <a:t> – obiekty, które mogą zastępować rzeczywiste implementacje, jednak z powodu swoich ograniczeń nie nadają się do użycia produkcyjnego. Przykład – baza danych in-</a:t>
-            </a:r>
-            <a:r>
-              <a:rPr lang="pl-PL" sz="1400" dirty="0" err="1" smtClean="0"/>
-              <a:t>memory</a:t>
-            </a:r>
-            <a:r>
-              <a:rPr lang="pl-PL" sz="1400" dirty="0" smtClean="0"/>
-              <a:t> (wszystkie dane tracone po restarcie).</a:t>
-            </a:r>
-          </a:p>
-          <a:p>
-            <a:endParaRPr lang="pl-PL" sz="1400" dirty="0" smtClean="0"/>
-          </a:p>
-          <a:p>
-            <a:pPr marL="171450" indent="-171450">
-              <a:buFont typeface="Arial" panose="020B0604020202020204" pitchFamily="34" charset="0"/>
-              <a:buChar char="•"/>
-            </a:pPr>
-            <a:r>
-              <a:rPr lang="pl-PL" sz="1400" b="1" dirty="0" err="1" smtClean="0"/>
-              <a:t>Stub</a:t>
-            </a:r>
-            <a:r>
-              <a:rPr lang="pl-PL" sz="1400" dirty="0" smtClean="0"/>
-              <a:t> – obiekt, który dysponuje tylko predefiniowanym zachowaniem – jego zachowanie z punktu widzenia testowanego systemu nie zależy od przesyłanych do niego komunikatów. Może zapamiętywać otrzymane komunikaty (zmieniać swój stan).</a:t>
-            </a:r>
-          </a:p>
-        </p:txBody>
-      </p:sp>
-      <p:sp>
-        <p:nvSpPr>
-          <p:cNvPr id="4" name="pole tekstowe 3"/>
-          <p:cNvSpPr txBox="1"/>
+          <a:bodyPr/>
+          <a:lstStyle/>
+          <a:p>
+            <a:r>
+              <a:rPr lang="pl-PL" dirty="0"/>
+              <a:t>Lokalizacja repozytorium:</a:t>
+            </a:r>
+          </a:p>
+          <a:p>
+            <a:pPr lvl="1"/>
+            <a:r>
+              <a:rPr lang="pl-PL" dirty="0">
+                <a:hlinkClick r:id="rId3"/>
+              </a:rPr>
+              <a:t>https://</a:t>
+            </a:r>
+            <a:r>
+              <a:rPr lang="pl-PL" dirty="0" smtClean="0">
+                <a:hlinkClick r:id="rId3"/>
+              </a:rPr>
+              <a:t>github.com/wdsr/exercise1e.git</a:t>
+            </a:r>
+            <a:endParaRPr lang="pl-PL" dirty="0" smtClean="0"/>
+          </a:p>
+          <a:p>
+            <a:pPr lvl="1"/>
+            <a:endParaRPr lang="pl-PL" dirty="0"/>
+          </a:p>
+          <a:p>
+            <a:r>
+              <a:rPr lang="pl-PL" dirty="0" smtClean="0">
+                <a:solidFill>
+                  <a:srgbClr val="00B050"/>
+                </a:solidFill>
+              </a:rPr>
+              <a:t>gradlew clean build</a:t>
+            </a:r>
+          </a:p>
+          <a:p>
+            <a:pPr lvl="1"/>
+            <a:r>
+              <a:rPr lang="pl-PL" dirty="0" smtClean="0"/>
+              <a:t>Ta komenda usuwa wcześniej wygenerowane artefakty (o ile istnieją), po czym kompiluje kod aplikacji i testów, uruchamia testy i buduje aplikację.</a:t>
+            </a:r>
+          </a:p>
+          <a:p>
+            <a:pPr lvl="1"/>
+            <a:r>
+              <a:rPr lang="pl-PL" dirty="0" smtClean="0"/>
+              <a:t>Ta komenda zakończy się błędem. Celem zadania jest dopisanie poprawnych testów, aby aplikacja mogła się zbudować.</a:t>
+            </a:r>
+            <a:endParaRPr lang="pl-PL" dirty="0"/>
+          </a:p>
+          <a:p>
+            <a:pPr lvl="1"/>
+            <a:endParaRPr lang="pl-PL" dirty="0">
+              <a:solidFill>
+                <a:schemeClr val="accent6">
+                  <a:lumMod val="10000"/>
+                </a:schemeClr>
+              </a:solidFill>
+            </a:endParaRPr>
+          </a:p>
+          <a:p>
+            <a:endParaRPr lang="pl-PL" dirty="0" smtClean="0"/>
+          </a:p>
+          <a:p>
+            <a:endParaRPr lang="pl-PL" dirty="0" smtClean="0"/>
+          </a:p>
+        </p:txBody>
+      </p:sp>
+      <p:pic>
+        <p:nvPicPr>
+          <p:cNvPr id="4099" name="Picture 3"/>
+          <p:cNvPicPr>
+            <a:picLocks noChangeAspect="1" noChangeArrowheads="1"/>
+          </p:cNvPicPr>
           <p:nvPr/>
-        </p:nvSpPr>
-        <p:spPr>
+        </p:nvPicPr>
+        <p:blipFill>
+          <a:blip r:embed="rId4">
+            <a:extLst>
+              <a:ext uri="{28A0092B-C50C-407E-A947-70E740481C1C}">
+                <a14:useLocalDpi xmlns:a14="http://schemas.microsoft.com/office/drawing/2010/main" xmlns="" val="0"/>
+              </a:ext>
+            </a:extLst>
+          </a:blip>
+          <a:srcRect/>
+          <a:stretch>
+            <a:fillRect/>
+          </a:stretch>
+        </p:blipFill>
+        <p:spPr bwMode="auto">
           <a:xfrm>
-            <a:off x="624060" y="4078091"/>
-            <a:ext cx="3656001" cy="369332"/>
+            <a:off x="3382020" y="3373713"/>
+            <a:ext cx="4302206" cy="1107799"/>
           </a:xfrm>
           <a:prstGeom prst="rect">
             <a:avLst/>
           </a:prstGeom>
           <a:noFill/>
+          <a:ln>
+            <a:noFill/>
+          </a:ln>
+          <a:extLst>
+            <a:ext uri="{909E8E84-426E-40DD-AFC4-6F175D3DCCD1}">
+              <a14:hiddenFill xmlns:a14="http://schemas.microsoft.com/office/drawing/2010/main" xmlns="">
+                <a:solidFill>
+                  <a:schemeClr val="accent1"/>
+                </a:solidFill>
+              </a14:hiddenFill>
+            </a:ext>
+            <a:ext uri="{91240B29-F687-4F45-9708-019B960494DF}">
+              <a14:hiddenLine xmlns:a14="http://schemas.microsoft.com/office/drawing/2010/main" xmlns="" w="9525">
+                <a:solidFill>
+                  <a:schemeClr val="tx1"/>
+                </a:solidFill>
+                <a:miter lim="800000"/>
+                <a:headEnd/>
+                <a:tailEnd/>
+              </a14:hiddenLine>
+            </a:ext>
+          </a:extLst>
         </p:spPr>
-        <p:txBody>
-          <a:bodyPr wrap="none" lIns="0" tIns="0" rIns="0" bIns="0" rtlCol="0">
-            <a:spAutoFit/>
-          </a:bodyPr>
-          <a:lstStyle/>
-          <a:p>
-            <a:r>
-              <a:rPr lang="pl-PL" sz="1200" dirty="0" smtClean="0"/>
-              <a:t>Więcej informacji:</a:t>
-            </a:r>
-          </a:p>
-          <a:p>
-            <a:r>
-              <a:rPr lang="pl-PL" sz="1200" dirty="0"/>
-              <a:t>http://martinfowler.com/articles/mocksArentStubs.html</a:t>
-            </a:r>
-            <a:endParaRPr lang="pl-PL" sz="1200" dirty="0" smtClean="0"/>
-          </a:p>
-        </p:txBody>
-      </p:sp>
+      </p:pic>
     </p:spTree>
     <p:extLst>
       <p:ext uri="{BB962C8B-B14F-4D97-AF65-F5344CB8AC3E}">
-        <p14:creationId xmlns:p14="http://schemas.microsoft.com/office/powerpoint/2010/main" val="1927227920"/>
+        <p14:creationId xmlns:p14="http://schemas.microsoft.com/office/powerpoint/2010/main" xmlns="" val="1362323854"/>
       </p:ext>
     </p:extLst>
   </p:cSld>
   <p:clrMapOvr>
     <a:masterClrMapping/>
   </p:clrMapOvr>
-  <mc:AlternateContent xmlns:mc="http://schemas.openxmlformats.org/markup-compatibility/2006" xmlns:p14="http://schemas.microsoft.com/office/powerpoint/2010/main">
-    <mc:Choice Requires="p14">
+  <mc:AlternateContent xmlns:mc="http://schemas.openxmlformats.org/markup-compatibility/2006">
+    <mc:Choice xmlns:p14="http://schemas.microsoft.com/office/powerpoint/2010/main" xmlns="" Requires="p14">
       <p:transition p14:dur="10"/>
     </mc:Choice>
-    <mc:Fallback xmlns="">
+    <mc:Fallback>
       <p:transition/>
     </mc:Fallback>
   </mc:AlternateContent>
@@ -17155,11 +17038,7 @@
           <a:p>
             <a:r>
               <a:rPr lang="pl-PL" dirty="0" smtClean="0"/>
-              <a:t>ĆWICZENIE </a:t>
-            </a:r>
-            <a:r>
-              <a:rPr lang="pl-PL" dirty="0" smtClean="0"/>
-              <a:t>1E</a:t>
+              <a:t>ĆWICZENIE 1E</a:t>
             </a:r>
             <a:endParaRPr lang="de-DE" dirty="0"/>
           </a:p>
@@ -17178,78 +17057,85 @@
         <p:spPr>
           <a:xfrm>
             <a:off x="443707" y="1119187"/>
-            <a:ext cx="3501991" cy="3362325"/>
+            <a:ext cx="8105307" cy="3362325"/>
           </a:xfrm>
         </p:spPr>
         <p:txBody>
-          <a:bodyPr/>
-          <a:lstStyle/>
-          <a:p>
-            <a:r>
-              <a:rPr lang="pl-PL" dirty="0"/>
-              <a:t>Lokalizacja repozytorium:</a:t>
+          <a:bodyPr>
+            <a:normAutofit/>
+          </a:bodyPr>
+          <a:lstStyle/>
+          <a:p>
+            <a:r>
+              <a:rPr lang="pl-PL" dirty="0" smtClean="0"/>
+              <a:t>Zadanie:</a:t>
             </a:r>
           </a:p>
           <a:p>
             <a:pPr lvl="1"/>
             <a:r>
-              <a:rPr lang="pl-PL" dirty="0">
-                <a:hlinkClick r:id="rId3"/>
-              </a:rPr>
-              <a:t>https://</a:t>
-            </a:r>
-            <a:r>
-              <a:rPr lang="pl-PL" dirty="0" smtClean="0">
-                <a:hlinkClick r:id="rId3"/>
-              </a:rPr>
-              <a:t>github.com/wdsr/exercise1e.git</a:t>
-            </a:r>
+              <a:rPr lang="pl-PL" dirty="0" smtClean="0"/>
+              <a:t>Zaimplementuj poprawnie testy, które powodują błędy podczas budowania</a:t>
+            </a:r>
+            <a:r>
+              <a:rPr lang="pl-PL" dirty="0" smtClean="0"/>
+              <a:t>.</a:t>
+            </a:r>
+          </a:p>
+          <a:p>
+            <a:pPr lvl="1"/>
+            <a:r>
+              <a:rPr lang="pl-PL" dirty="0" smtClean="0"/>
+              <a:t>Popraw </a:t>
+            </a:r>
+            <a:r>
+              <a:rPr lang="pl-PL" dirty="0" smtClean="0"/>
+              <a:t>klasę </a:t>
+            </a:r>
+            <a:r>
+              <a:rPr lang="pl-PL" dirty="0" err="1" smtClean="0"/>
+              <a:t>CalculatorUtil</a:t>
+            </a:r>
+            <a:r>
+              <a:rPr lang="pl-PL" dirty="0" smtClean="0"/>
+              <a:t> aby testy już zaimplementowane kończyły się sukcesem.</a:t>
+            </a:r>
+            <a:endParaRPr lang="pl-PL" dirty="0"/>
+          </a:p>
+          <a:p>
+            <a:pPr marL="179388" lvl="1" indent="0">
+              <a:buNone/>
+            </a:pPr>
+            <a:endParaRPr lang="pl-PL" dirty="0"/>
+          </a:p>
+          <a:p>
+            <a:r>
+              <a:rPr lang="pl-PL" dirty="0" smtClean="0"/>
+              <a:t>Inne informacje:</a:t>
+            </a:r>
+          </a:p>
+          <a:p>
+            <a:pPr lvl="1"/>
+            <a:r>
+              <a:rPr lang="pl-PL" dirty="0" smtClean="0"/>
+              <a:t>Komenda „gradlew build” musi się uruchamiać bez błędów.</a:t>
+            </a:r>
+          </a:p>
+          <a:p>
+            <a:pPr lvl="1"/>
+            <a:r>
+              <a:rPr lang="pl-PL" dirty="0" smtClean="0"/>
+              <a:t>(jak zwykle) Kod musi znaleźć się w GitHubie.</a:t>
+            </a:r>
+          </a:p>
+          <a:p>
+            <a:pPr lvl="1"/>
             <a:endParaRPr lang="pl-PL" dirty="0" smtClean="0"/>
           </a:p>
           <a:p>
-            <a:pPr lvl="1"/>
             <a:endParaRPr lang="pl-PL" dirty="0"/>
           </a:p>
           <a:p>
-            <a:r>
-              <a:rPr lang="pl-PL" dirty="0" smtClean="0">
-                <a:solidFill>
-                  <a:srgbClr val="00B050"/>
-                </a:solidFill>
-              </a:rPr>
-              <a:t>gradlew clean build</a:t>
-            </a:r>
-          </a:p>
-          <a:p>
-            <a:pPr lvl="1"/>
-            <a:r>
-              <a:rPr lang="pl-PL" dirty="0" smtClean="0"/>
-              <a:t>Ta komenda usuwa wcześniej wygenerowane artefakty (o ile istnieją), po czym kompiluje kod aplikacji i testów, uruchamia testy i buduje aplikację</a:t>
-            </a:r>
-            <a:r>
-              <a:rPr lang="pl-PL" dirty="0" smtClean="0"/>
-              <a:t>.</a:t>
-            </a:r>
-          </a:p>
-          <a:p>
-            <a:pPr lvl="1"/>
-            <a:r>
-              <a:rPr lang="pl-PL" dirty="0" smtClean="0"/>
-              <a:t>Ta komenda zakończy się błędem. Celem zadania jest dopisanie poprawnych testów, aby aplikacja mogła się zbudować.</a:t>
-            </a:r>
-            <a:endParaRPr lang="pl-PL" dirty="0"/>
-          </a:p>
-          <a:p>
-            <a:pPr lvl="1"/>
-            <a:endParaRPr lang="pl-PL" dirty="0">
-              <a:solidFill>
-                <a:schemeClr val="accent6">
-                  <a:lumMod val="10000"/>
-                </a:schemeClr>
-              </a:solidFill>
-            </a:endParaRPr>
-          </a:p>
-          <a:p>
             <a:endParaRPr lang="pl-PL" dirty="0" smtClean="0"/>
           </a:p>
           <a:p>
@@ -17257,75 +17143,21 @@
           </a:p>
         </p:txBody>
       </p:sp>
-      <p:pic>
-        <p:nvPicPr>
-          <p:cNvPr id="4099" name="Picture 3"/>
-          <p:cNvPicPr>
-            <a:picLocks noChangeAspect="1" noChangeArrowheads="1"/>
-          </p:cNvPicPr>
-          <p:nvPr/>
-        </p:nvPicPr>
-        <p:blipFill>
-          <a:blip r:embed="rId4">
-            <a:extLst>
-              <a:ext uri="{28A0092B-C50C-407E-A947-70E740481C1C}">
-                <a14:useLocalDpi xmlns:a14="http://schemas.microsoft.com/office/drawing/2010/main" val="0"/>
-              </a:ext>
-            </a:extLst>
-          </a:blip>
-          <a:srcRect/>
-          <a:stretch>
-            <a:fillRect/>
-          </a:stretch>
-        </p:blipFill>
-        <p:spPr bwMode="auto">
-          <a:xfrm>
-            <a:off x="3382020" y="3373713"/>
-            <a:ext cx="4302206" cy="1107799"/>
-          </a:xfrm>
-          <a:prstGeom prst="rect">
-            <a:avLst/>
-          </a:prstGeom>
-          <a:noFill/>
-          <a:ln>
-            <a:noFill/>
-          </a:ln>
-          <a:extLst>
-            <a:ext uri="{909E8E84-426E-40DD-AFC4-6F175D3DCCD1}">
-              <a14:hiddenFill xmlns:a14="http://schemas.microsoft.com/office/drawing/2010/main">
-                <a:solidFill>
-                  <a:schemeClr val="accent1"/>
-                </a:solidFill>
-              </a14:hiddenFill>
-            </a:ext>
-            <a:ext uri="{91240B29-F687-4F45-9708-019B960494DF}">
-              <a14:hiddenLine xmlns:a14="http://schemas.microsoft.com/office/drawing/2010/main" w="9525">
-                <a:solidFill>
-                  <a:schemeClr val="tx1"/>
-                </a:solidFill>
-                <a:miter lim="800000"/>
-                <a:headEnd/>
-                <a:tailEnd/>
-              </a14:hiddenLine>
-            </a:ext>
-          </a:extLst>
-        </p:spPr>
-      </p:pic>
     </p:spTree>
     <p:extLst>
       <p:ext uri="{BB962C8B-B14F-4D97-AF65-F5344CB8AC3E}">
-        <p14:creationId xmlns:p14="http://schemas.microsoft.com/office/powerpoint/2010/main" val="1362323854"/>
+        <p14:creationId xmlns:p14="http://schemas.microsoft.com/office/powerpoint/2010/main" xmlns="" val="1329190289"/>
       </p:ext>
     </p:extLst>
   </p:cSld>
   <p:clrMapOvr>
     <a:masterClrMapping/>
   </p:clrMapOvr>
-  <mc:AlternateContent xmlns:mc="http://schemas.openxmlformats.org/markup-compatibility/2006" xmlns:p14="http://schemas.microsoft.com/office/powerpoint/2010/main">
-    <mc:Choice Requires="p14">
+  <mc:AlternateContent xmlns:mc="http://schemas.openxmlformats.org/markup-compatibility/2006">
+    <mc:Choice xmlns:p14="http://schemas.microsoft.com/office/powerpoint/2010/main" xmlns="" Requires="p14">
       <p:transition p14:dur="10"/>
     </mc:Choice>
-    <mc:Fallback xmlns="">
+    <mc:Fallback>
       <p:transition/>
     </mc:Fallback>
   </mc:AlternateContent>
@@ -17358,181 +17190,6 @@
       </p:grpSpPr>
       <p:sp>
         <p:nvSpPr>
-          <p:cNvPr id="7" name="Titel 6"/>
-          <p:cNvSpPr>
-            <a:spLocks noGrp="1"/>
-          </p:cNvSpPr>
-          <p:nvPr>
-            <p:ph type="title"/>
-          </p:nvPr>
-        </p:nvSpPr>
-        <p:spPr/>
-        <p:txBody>
-          <a:bodyPr/>
-          <a:lstStyle/>
-          <a:p>
-            <a:r>
-              <a:rPr lang="pl-PL" dirty="0"/>
-              <a:t>Testy jednostkowe z wykorzystaniem </a:t>
-            </a:r>
-            <a:r>
-              <a:rPr lang="pl-PL" dirty="0" err="1"/>
-              <a:t>mocków</a:t>
-            </a:r>
-            <a:endParaRPr lang="de-DE" dirty="0"/>
-          </a:p>
-        </p:txBody>
-      </p:sp>
-      <p:sp>
-        <p:nvSpPr>
-          <p:cNvPr id="5" name="Inhaltsplatzhalter 4"/>
-          <p:cNvSpPr>
-            <a:spLocks noGrp="1"/>
-          </p:cNvSpPr>
-          <p:nvPr>
-            <p:ph type="body" sz="quarter" idx="13"/>
-          </p:nvPr>
-        </p:nvSpPr>
-        <p:spPr/>
-        <p:txBody>
-          <a:bodyPr/>
-          <a:lstStyle/>
-          <a:p>
-            <a:r>
-              <a:rPr lang="pl-PL" dirty="0" smtClean="0"/>
-              <a:t>ĆWICZENIE </a:t>
-            </a:r>
-            <a:r>
-              <a:rPr lang="pl-PL" dirty="0" smtClean="0"/>
-              <a:t>1E</a:t>
-            </a:r>
-            <a:endParaRPr lang="de-DE" dirty="0"/>
-          </a:p>
-        </p:txBody>
-      </p:sp>
-      <p:sp>
-        <p:nvSpPr>
-          <p:cNvPr id="6" name="Symbol zastępczy zawartości 1"/>
-          <p:cNvSpPr>
-            <a:spLocks noGrp="1"/>
-          </p:cNvSpPr>
-          <p:nvPr>
-            <p:ph idx="1"/>
-          </p:nvPr>
-        </p:nvSpPr>
-        <p:spPr>
-          <a:xfrm>
-            <a:off x="443707" y="1119187"/>
-            <a:ext cx="8105307" cy="3362325"/>
-          </a:xfrm>
-        </p:spPr>
-        <p:txBody>
-          <a:bodyPr>
-            <a:normAutofit/>
-          </a:bodyPr>
-          <a:lstStyle/>
-          <a:p>
-            <a:r>
-              <a:rPr lang="pl-PL" dirty="0" smtClean="0"/>
-              <a:t>Zadanie:</a:t>
-            </a:r>
-          </a:p>
-          <a:p>
-            <a:pPr lvl="1"/>
-            <a:r>
-              <a:rPr lang="pl-PL" dirty="0" smtClean="0"/>
-              <a:t>Zaimplementuj poprawnie testy, które powodują błędy podczas budowania.</a:t>
-            </a:r>
-            <a:endParaRPr lang="pl-PL" dirty="0"/>
-          </a:p>
-          <a:p>
-            <a:pPr marL="179388" lvl="1" indent="0">
-              <a:buNone/>
-            </a:pPr>
-            <a:endParaRPr lang="pl-PL" dirty="0"/>
-          </a:p>
-          <a:p>
-            <a:r>
-              <a:rPr lang="pl-PL" dirty="0" smtClean="0"/>
-              <a:t>Inne informacje:</a:t>
-            </a:r>
-          </a:p>
-          <a:p>
-            <a:pPr lvl="1"/>
-            <a:r>
-              <a:rPr lang="pl-PL" dirty="0" smtClean="0"/>
-              <a:t>Komenda „gradlew build” musi się uruchamiać bez błędów.</a:t>
-            </a:r>
-          </a:p>
-          <a:p>
-            <a:pPr lvl="1"/>
-            <a:r>
-              <a:rPr lang="pl-PL" dirty="0" smtClean="0"/>
-              <a:t>(jak zwykle) Kod musi znaleźć się w GitHubie.</a:t>
-            </a:r>
-          </a:p>
-          <a:p>
-            <a:pPr lvl="1"/>
-            <a:endParaRPr lang="pl-PL" dirty="0" smtClean="0"/>
-          </a:p>
-          <a:p>
-            <a:endParaRPr lang="pl-PL" dirty="0"/>
-          </a:p>
-          <a:p>
-            <a:endParaRPr lang="pl-PL" dirty="0" smtClean="0"/>
-          </a:p>
-          <a:p>
-            <a:endParaRPr lang="pl-PL" dirty="0" smtClean="0"/>
-          </a:p>
-        </p:txBody>
-      </p:sp>
-    </p:spTree>
-    <p:extLst>
-      <p:ext uri="{BB962C8B-B14F-4D97-AF65-F5344CB8AC3E}">
-        <p14:creationId xmlns:p14="http://schemas.microsoft.com/office/powerpoint/2010/main" val="1329190289"/>
-      </p:ext>
-    </p:extLst>
-  </p:cSld>
-  <p:clrMapOvr>
-    <a:masterClrMapping/>
-  </p:clrMapOvr>
-  <mc:AlternateContent xmlns:mc="http://schemas.openxmlformats.org/markup-compatibility/2006" xmlns:p14="http://schemas.microsoft.com/office/powerpoint/2010/main">
-    <mc:Choice Requires="p14">
-      <p:transition p14:dur="10"/>
-    </mc:Choice>
-    <mc:Fallback xmlns="">
-      <p:transition/>
-    </mc:Fallback>
-  </mc:AlternateContent>
-  <p:timing>
-    <p:tnLst>
-      <p:par>
-        <p:cTn id="1" dur="indefinite" restart="never" nodeType="tmRoot"/>
-      </p:par>
-    </p:tnLst>
-  </p:timing>
-</p:sld>
-</file>
-
-<file path=ppt/slides/slide47.xml><?xml version="1.0" encoding="utf-8"?>
-<p:sld xmlns:a="http://schemas.openxmlformats.org/drawingml/2006/main" xmlns:r="http://schemas.openxmlformats.org/officeDocument/2006/relationships" xmlns:p="http://schemas.openxmlformats.org/presentationml/2006/main">
-  <p:cSld>
-    <p:spTree>
-      <p:nvGrpSpPr>
-        <p:cNvPr id="1" name=""/>
-        <p:cNvGrpSpPr/>
-        <p:nvPr/>
-      </p:nvGrpSpPr>
-      <p:grpSpPr>
-        <a:xfrm>
-          <a:off x="0" y="0"/>
-          <a:ext cx="0" cy="0"/>
-          <a:chOff x="0" y="0"/>
-          <a:chExt cx="0" cy="0"/>
-        </a:xfrm>
-      </p:grpSpPr>
-      <p:sp>
-        <p:nvSpPr>
           <p:cNvPr id="2" name="Untertitel 1"/>
           <p:cNvSpPr>
             <a:spLocks noGrp="1"/>
@@ -17617,7 +17274,7 @@
     </p:spTree>
     <p:extLst>
       <p:ext uri="{BB962C8B-B14F-4D97-AF65-F5344CB8AC3E}">
-        <p14:creationId xmlns:p14="http://schemas.microsoft.com/office/powerpoint/2010/main" val="1405177657"/>
+        <p14:creationId xmlns:p14="http://schemas.microsoft.com/office/powerpoint/2010/main" xmlns="" val="1405177657"/>
       </p:ext>
     </p:extLst>
   </p:cSld>
@@ -17914,11 +17571,6 @@
               </a:rPr>
               <a:t>)</a:t>
             </a:r>
-            <a:endParaRPr lang="pl-PL" sz="1200" dirty="0" smtClean="0">
-              <a:solidFill>
-                <a:schemeClr val="bg1"/>
-              </a:solidFill>
-            </a:endParaRPr>
           </a:p>
         </p:txBody>
       </p:sp>
@@ -17967,11 +17619,6 @@
               </a:rPr>
               <a:t>Maszyna wirtualna JVM</a:t>
             </a:r>
-            <a:endParaRPr lang="pl-PL" sz="1200" dirty="0" smtClean="0">
-              <a:solidFill>
-                <a:schemeClr val="bg1"/>
-              </a:solidFill>
-            </a:endParaRPr>
           </a:p>
         </p:txBody>
       </p:sp>
@@ -18149,11 +17796,6 @@
               </a:rPr>
               <a:t>System operacyjny + sprzęt</a:t>
             </a:r>
-            <a:endParaRPr lang="pl-PL" sz="1200" dirty="0" smtClean="0">
-              <a:solidFill>
-                <a:schemeClr val="bg1"/>
-              </a:solidFill>
-            </a:endParaRPr>
           </a:p>
         </p:txBody>
       </p:sp>
@@ -18226,7 +17868,6 @@
               <a:rPr lang="pl-PL" sz="1050" dirty="0" smtClean="0"/>
               <a:t>Literatura:</a:t>
             </a:r>
-            <a:endParaRPr lang="pl-PL" sz="1050" dirty="0" smtClean="0"/>
           </a:p>
           <a:p>
             <a:pPr marL="171450" indent="-171450">
@@ -18375,7 +18016,6 @@
               <a:rPr lang="pl-PL" sz="900" dirty="0" smtClean="0"/>
               <a:t> umieszcza się (razem z innymi zasobami jak pliki konfiguracyjne) w plikach .jar (Java Archive).</a:t>
             </a:r>
-            <a:endParaRPr lang="pl-PL" sz="900" dirty="0" smtClean="0"/>
           </a:p>
         </p:txBody>
       </p:sp>
@@ -18405,25 +18045,24 @@
               <a:rPr lang="pl-PL" sz="900" dirty="0" smtClean="0"/>
               <a:t>Na przykład Windows x64 na IA64 albo Linux na ARM</a:t>
             </a:r>
-            <a:endParaRPr lang="pl-PL" sz="900" dirty="0" smtClean="0"/>
           </a:p>
         </p:txBody>
       </p:sp>
     </p:spTree>
     <p:extLst>
       <p:ext uri="{BB962C8B-B14F-4D97-AF65-F5344CB8AC3E}">
-        <p14:creationId xmlns:p14="http://schemas.microsoft.com/office/powerpoint/2010/main" val="3252034138"/>
+        <p14:creationId xmlns:p14="http://schemas.microsoft.com/office/powerpoint/2010/main" xmlns="" val="3252034138"/>
       </p:ext>
     </p:extLst>
   </p:cSld>
   <p:clrMapOvr>
     <a:masterClrMapping/>
   </p:clrMapOvr>
-  <mc:AlternateContent xmlns:mc="http://schemas.openxmlformats.org/markup-compatibility/2006" xmlns:p14="http://schemas.microsoft.com/office/powerpoint/2010/main">
-    <mc:Choice Requires="p14">
+  <mc:AlternateContent xmlns:mc="http://schemas.openxmlformats.org/markup-compatibility/2006">
+    <mc:Choice xmlns:p14="http://schemas.microsoft.com/office/powerpoint/2010/main" xmlns="" Requires="p14">
       <p:transition p14:dur="10"/>
     </mc:Choice>
-    <mc:Fallback xmlns="">
+    <mc:Fallback>
       <p:transition/>
     </mc:Fallback>
   </mc:AlternateContent>
@@ -18638,11 +18277,7 @@
             </a:r>
             <a:r>
               <a:rPr lang="pl-PL" dirty="0" smtClean="0"/>
-              <a:t>„bin” JDK do zmiennej środowiskowej </a:t>
-            </a:r>
-            <a:r>
-              <a:rPr lang="pl-PL" dirty="0" smtClean="0"/>
-              <a:t>PATH</a:t>
+              <a:t>„bin” JDK do zmiennej środowiskowej PATH</a:t>
             </a:r>
           </a:p>
           <a:p>
@@ -18667,7 +18302,6 @@
               <a:rPr lang="pl-PL" dirty="0" smtClean="0"/>
               <a:t>\)</a:t>
             </a:r>
-            <a:endParaRPr lang="pl-PL" dirty="0" smtClean="0"/>
           </a:p>
           <a:p>
             <a:endParaRPr lang="pl-PL" dirty="0"/>
@@ -18743,18 +18377,18 @@
     </p:spTree>
     <p:extLst>
       <p:ext uri="{BB962C8B-B14F-4D97-AF65-F5344CB8AC3E}">
-        <p14:creationId xmlns:p14="http://schemas.microsoft.com/office/powerpoint/2010/main" val="249137867"/>
+        <p14:creationId xmlns:p14="http://schemas.microsoft.com/office/powerpoint/2010/main" xmlns="" val="249137867"/>
       </p:ext>
     </p:extLst>
   </p:cSld>
   <p:clrMapOvr>
     <a:masterClrMapping/>
   </p:clrMapOvr>
-  <mc:AlternateContent xmlns:mc="http://schemas.openxmlformats.org/markup-compatibility/2006" xmlns:p14="http://schemas.microsoft.com/office/powerpoint/2010/main">
-    <mc:Choice Requires="p14">
+  <mc:AlternateContent xmlns:mc="http://schemas.openxmlformats.org/markup-compatibility/2006">
+    <mc:Choice xmlns:p14="http://schemas.microsoft.com/office/powerpoint/2010/main" xmlns="" Requires="p14">
       <p:transition p14:dur="0"/>
     </mc:Choice>
-    <mc:Fallback xmlns="">
+    <mc:Fallback>
       <p:transition/>
     </mc:Fallback>
   </mc:AlternateContent>
@@ -18855,7 +18489,7 @@
           <a:blip r:embed="rId3">
             <a:extLst>
               <a:ext uri="{28A0092B-C50C-407E-A947-70E740481C1C}">
-                <a14:useLocalDpi xmlns:a14="http://schemas.microsoft.com/office/drawing/2010/main" val="0"/>
+                <a14:useLocalDpi xmlns:a14="http://schemas.microsoft.com/office/drawing/2010/main" xmlns="" val="0"/>
               </a:ext>
             </a:extLst>
           </a:blip>
@@ -18878,14 +18512,14 @@
           </a:ln>
           <a:extLst>
             <a:ext uri="{909E8E84-426E-40DD-AFC4-6F175D3DCCD1}">
-              <a14:hiddenFill xmlns:a14="http://schemas.microsoft.com/office/drawing/2010/main">
+              <a14:hiddenFill xmlns:a14="http://schemas.microsoft.com/office/drawing/2010/main" xmlns="">
                 <a:solidFill>
                   <a:schemeClr val="accent1"/>
                 </a:solidFill>
               </a14:hiddenFill>
             </a:ext>
             <a:ext uri="{91240B29-F687-4F45-9708-019B960494DF}">
-              <a14:hiddenLine xmlns:a14="http://schemas.microsoft.com/office/drawing/2010/main" w="9525">
+              <a14:hiddenLine xmlns:a14="http://schemas.microsoft.com/office/drawing/2010/main" xmlns="" w="9525">
                 <a:solidFill>
                   <a:schemeClr val="tx1"/>
                 </a:solidFill>
@@ -18909,7 +18543,7 @@
           <a:blip r:embed="rId4">
             <a:extLst>
               <a:ext uri="{28A0092B-C50C-407E-A947-70E740481C1C}">
-                <a14:useLocalDpi xmlns:a14="http://schemas.microsoft.com/office/drawing/2010/main" val="0"/>
+                <a14:useLocalDpi xmlns:a14="http://schemas.microsoft.com/office/drawing/2010/main" xmlns="" val="0"/>
               </a:ext>
             </a:extLst>
           </a:blip>
@@ -18932,14 +18566,14 @@
           </a:ln>
           <a:extLst>
             <a:ext uri="{909E8E84-426E-40DD-AFC4-6F175D3DCCD1}">
-              <a14:hiddenFill xmlns:a14="http://schemas.microsoft.com/office/drawing/2010/main">
+              <a14:hiddenFill xmlns:a14="http://schemas.microsoft.com/office/drawing/2010/main" xmlns="">
                 <a:solidFill>
                   <a:schemeClr val="accent1"/>
                 </a:solidFill>
               </a14:hiddenFill>
             </a:ext>
             <a:ext uri="{91240B29-F687-4F45-9708-019B960494DF}">
-              <a14:hiddenLine xmlns:a14="http://schemas.microsoft.com/office/drawing/2010/main" w="9525">
+              <a14:hiddenLine xmlns:a14="http://schemas.microsoft.com/office/drawing/2010/main" xmlns="" w="9525">
                 <a:solidFill>
                   <a:schemeClr val="tx1"/>
                 </a:solidFill>
@@ -18963,7 +18597,7 @@
           <a:blip r:embed="rId5">
             <a:extLst>
               <a:ext uri="{28A0092B-C50C-407E-A947-70E740481C1C}">
-                <a14:useLocalDpi xmlns:a14="http://schemas.microsoft.com/office/drawing/2010/main" val="0"/>
+                <a14:useLocalDpi xmlns:a14="http://schemas.microsoft.com/office/drawing/2010/main" xmlns="" val="0"/>
               </a:ext>
             </a:extLst>
           </a:blip>
@@ -18986,14 +18620,14 @@
           </a:ln>
           <a:extLst>
             <a:ext uri="{909E8E84-426E-40DD-AFC4-6F175D3DCCD1}">
-              <a14:hiddenFill xmlns:a14="http://schemas.microsoft.com/office/drawing/2010/main">
+              <a14:hiddenFill xmlns:a14="http://schemas.microsoft.com/office/drawing/2010/main" xmlns="">
                 <a:solidFill>
                   <a:schemeClr val="accent1"/>
                 </a:solidFill>
               </a14:hiddenFill>
             </a:ext>
             <a:ext uri="{91240B29-F687-4F45-9708-019B960494DF}">
-              <a14:hiddenLine xmlns:a14="http://schemas.microsoft.com/office/drawing/2010/main" w="9525">
+              <a14:hiddenLine xmlns:a14="http://schemas.microsoft.com/office/drawing/2010/main" xmlns="" w="9525">
                 <a:solidFill>
                   <a:schemeClr val="tx1"/>
                 </a:solidFill>
@@ -19008,18 +18642,18 @@
     </p:spTree>
     <p:extLst>
       <p:ext uri="{BB962C8B-B14F-4D97-AF65-F5344CB8AC3E}">
-        <p14:creationId xmlns:p14="http://schemas.microsoft.com/office/powerpoint/2010/main" val="1587262435"/>
+        <p14:creationId xmlns:p14="http://schemas.microsoft.com/office/powerpoint/2010/main" xmlns="" val="1587262435"/>
       </p:ext>
     </p:extLst>
   </p:cSld>
   <p:clrMapOvr>
     <a:masterClrMapping/>
   </p:clrMapOvr>
-  <mc:AlternateContent xmlns:mc="http://schemas.openxmlformats.org/markup-compatibility/2006" xmlns:p14="http://schemas.microsoft.com/office/powerpoint/2010/main">
-    <mc:Choice Requires="p14">
+  <mc:AlternateContent xmlns:mc="http://schemas.openxmlformats.org/markup-compatibility/2006">
+    <mc:Choice xmlns:p14="http://schemas.microsoft.com/office/powerpoint/2010/main" xmlns="" Requires="p14">
       <p:transition p14:dur="0"/>
     </mc:Choice>
-    <mc:Fallback xmlns="">
+    <mc:Fallback>
       <p:transition/>
     </mc:Fallback>
   </mc:AlternateContent>
@@ -19649,7 +19283,7 @@
           <a:blip r:embed="rId3">
             <a:extLst>
               <a:ext uri="{28A0092B-C50C-407E-A947-70E740481C1C}">
-                <a14:useLocalDpi xmlns:a14="http://schemas.microsoft.com/office/drawing/2010/main" val="0"/>
+                <a14:useLocalDpi xmlns:a14="http://schemas.microsoft.com/office/drawing/2010/main" xmlns="" val="0"/>
               </a:ext>
             </a:extLst>
           </a:blip>
@@ -19672,14 +19306,14 @@
           </a:ln>
           <a:extLst>
             <a:ext uri="{909E8E84-426E-40DD-AFC4-6F175D3DCCD1}">
-              <a14:hiddenFill xmlns:a14="http://schemas.microsoft.com/office/drawing/2010/main">
+              <a14:hiddenFill xmlns:a14="http://schemas.microsoft.com/office/drawing/2010/main" xmlns="">
                 <a:solidFill>
                   <a:schemeClr val="accent1"/>
                 </a:solidFill>
               </a14:hiddenFill>
             </a:ext>
             <a:ext uri="{91240B29-F687-4F45-9708-019B960494DF}">
-              <a14:hiddenLine xmlns:a14="http://schemas.microsoft.com/office/drawing/2010/main" w="9525">
+              <a14:hiddenLine xmlns:a14="http://schemas.microsoft.com/office/drawing/2010/main" xmlns="" w="9525">
                 <a:solidFill>
                   <a:schemeClr val="tx1"/>
                 </a:solidFill>
@@ -19694,18 +19328,18 @@
     </p:spTree>
     <p:extLst>
       <p:ext uri="{BB962C8B-B14F-4D97-AF65-F5344CB8AC3E}">
-        <p14:creationId xmlns:p14="http://schemas.microsoft.com/office/powerpoint/2010/main" val="2687500160"/>
+        <p14:creationId xmlns:p14="http://schemas.microsoft.com/office/powerpoint/2010/main" xmlns="" val="2687500160"/>
       </p:ext>
     </p:extLst>
   </p:cSld>
   <p:clrMapOvr>
     <a:masterClrMapping/>
   </p:clrMapOvr>
-  <mc:AlternateContent xmlns:mc="http://schemas.openxmlformats.org/markup-compatibility/2006" xmlns:p14="http://schemas.microsoft.com/office/powerpoint/2010/main">
-    <mc:Choice Requires="p14">
+  <mc:AlternateContent xmlns:mc="http://schemas.openxmlformats.org/markup-compatibility/2006">
+    <mc:Choice xmlns:p14="http://schemas.microsoft.com/office/powerpoint/2010/main" xmlns="" Requires="p14">
       <p:transition p14:dur="10"/>
     </mc:Choice>
-    <mc:Fallback xmlns="">
+    <mc:Fallback>
       <p:transition/>
     </mc:Fallback>
   </mc:AlternateContent>
@@ -19811,7 +19445,9 @@
           </a:xfrm>
         </p:spPr>
         <p:txBody>
-          <a:bodyPr/>
+          <a:bodyPr>
+            <a:normAutofit fontScale="92500"/>
+          </a:bodyPr>
           <a:lstStyle/>
           <a:p>
             <a:r>
@@ -19906,7 +19542,6 @@
             </a:r>
           </a:p>
           <a:p>
-            <a:pPr lvl="2"/>
             <a:r>
               <a:rPr lang="pl-PL" dirty="0" smtClean="0"/>
               <a:t>Ta operacja się nie uda – kompilator nie może znaleźć zależności (biblioteki </a:t>
@@ -19921,7 +19556,6 @@
             </a:r>
           </a:p>
           <a:p>
-            <a:pPr lvl="1"/>
             <a:r>
               <a:rPr lang="pl-PL" dirty="0" smtClean="0"/>
               <a:t>Ściągamy bibliotekę commons-lang3 i umieszczamy ją w podkatalogu „</a:t>
@@ -19936,9 +19570,73 @@
             </a:r>
           </a:p>
           <a:p>
-            <a:pPr lvl="2"/>
-            <a:r>
-              <a:rPr lang="pl-PL" sz="900" dirty="0" err="1" smtClean="0">
+            <a:pPr lvl="1"/>
+            <a:r>
+              <a:rPr lang="pl-PL" dirty="0" err="1" smtClean="0">
+                <a:solidFill>
+                  <a:schemeClr val="accent3"/>
+                </a:solidFill>
+              </a:rPr>
+              <a:t>mkdir</a:t>
+            </a:r>
+            <a:r>
+              <a:rPr lang="pl-PL" dirty="0" smtClean="0">
+                <a:solidFill>
+                  <a:schemeClr val="accent3"/>
+                </a:solidFill>
+              </a:rPr>
+              <a:t> </a:t>
+            </a:r>
+            <a:r>
+              <a:rPr lang="pl-PL" dirty="0" err="1" smtClean="0">
+                <a:solidFill>
+                  <a:schemeClr val="accent3"/>
+                </a:solidFill>
+              </a:rPr>
+              <a:t>lib</a:t>
+            </a:r>
+            <a:endParaRPr lang="pl-PL" dirty="0" smtClean="0">
+              <a:solidFill>
+                <a:schemeClr val="accent3"/>
+              </a:solidFill>
+            </a:endParaRPr>
+          </a:p>
+          <a:p>
+            <a:pPr lvl="1"/>
+            <a:r>
+              <a:rPr lang="pl-PL" dirty="0" err="1" smtClean="0">
+                <a:solidFill>
+                  <a:schemeClr val="accent3"/>
+                </a:solidFill>
+              </a:rPr>
+              <a:t>cd</a:t>
+            </a:r>
+            <a:r>
+              <a:rPr lang="pl-PL" dirty="0" smtClean="0">
+                <a:solidFill>
+                  <a:schemeClr val="accent3"/>
+                </a:solidFill>
+              </a:rPr>
+              <a:t> </a:t>
+            </a:r>
+            <a:r>
+              <a:rPr lang="pl-PL" dirty="0" err="1" smtClean="0">
+                <a:solidFill>
+                  <a:schemeClr val="accent3"/>
+                </a:solidFill>
+              </a:rPr>
+              <a:t>lib</a:t>
+            </a:r>
+            <a:endParaRPr lang="pl-PL" dirty="0" smtClean="0">
+              <a:solidFill>
+                <a:schemeClr val="accent3"/>
+              </a:solidFill>
+            </a:endParaRPr>
+          </a:p>
+          <a:p>
+            <a:pPr lvl="1"/>
+            <a:r>
+              <a:rPr lang="pl-PL" dirty="0" err="1" smtClean="0">
                 <a:solidFill>
                   <a:schemeClr val="accent3"/>
                 </a:solidFill>
@@ -19946,7 +19644,7 @@
               <a:t>curl</a:t>
             </a:r>
             <a:r>
-              <a:rPr lang="pl-PL" sz="900" dirty="0" smtClean="0">
+              <a:rPr lang="pl-PL" dirty="0" smtClean="0">
                 <a:solidFill>
                   <a:schemeClr val="accent3"/>
                 </a:solidFill>
@@ -19954,36 +19652,129 @@
               <a:t> </a:t>
             </a:r>
             <a:r>
-              <a:rPr lang="pl-PL" sz="900" dirty="0">
+              <a:rPr lang="pl-PL" dirty="0">
                 <a:solidFill>
                   <a:schemeClr val="accent3"/>
                 </a:solidFill>
               </a:rPr>
-              <a:t>-O http://central.maven.org/maven2/org/apache/commons/commons-lang3/3.4/commons-lang3-3.4.jar</a:t>
-            </a:r>
-            <a:endParaRPr lang="pl-PL" sz="900" dirty="0" smtClean="0">
+              <a:t>-O </a:t>
+            </a:r>
+            <a:r>
+              <a:rPr lang="pl-PL" dirty="0">
+                <a:solidFill>
+                  <a:schemeClr val="accent3"/>
+                </a:solidFill>
+                <a:hlinkClick r:id="rId3"/>
+              </a:rPr>
+              <a:t>http://</a:t>
+            </a:r>
+            <a:r>
+              <a:rPr lang="pl-PL" dirty="0" smtClean="0">
+                <a:solidFill>
+                  <a:schemeClr val="accent3"/>
+                </a:solidFill>
+                <a:hlinkClick r:id="rId3"/>
+              </a:rPr>
+              <a:t>central.maven.org/maven2/org/apache/commons/commons-lang3/3.4/commons-lang3-3.4.jar</a:t>
+            </a:r>
+            <a:endParaRPr lang="pl-PL" dirty="0" smtClean="0">
               <a:solidFill>
                 <a:schemeClr val="accent3"/>
               </a:solidFill>
             </a:endParaRPr>
           </a:p>
           <a:p>
+            <a:r>
+              <a:rPr lang="pl-PL" dirty="0" smtClean="0"/>
+              <a:t>Kompilacja ze wskazaniem zależności (</a:t>
+            </a:r>
+            <a:r>
+              <a:rPr lang="pl-PL" dirty="0" err="1" smtClean="0"/>
+              <a:t>classpath</a:t>
+            </a:r>
+            <a:r>
+              <a:rPr lang="pl-PL" dirty="0" smtClean="0"/>
+              <a:t>)</a:t>
+            </a:r>
+            <a:endParaRPr lang="pl-PL" dirty="0" smtClean="0">
+              <a:solidFill>
+                <a:schemeClr val="accent3"/>
+              </a:solidFill>
+            </a:endParaRPr>
+          </a:p>
+          <a:p>
             <a:pPr lvl="1"/>
+            <a:r>
+              <a:rPr lang="pl-PL" dirty="0" err="1" smtClean="0">
+                <a:solidFill>
+                  <a:schemeClr val="accent3"/>
+                </a:solidFill>
+              </a:rPr>
+              <a:t>cd</a:t>
+            </a:r>
             <a:r>
               <a:rPr lang="pl-PL" dirty="0" smtClean="0">
                 <a:solidFill>
                   <a:schemeClr val="accent3"/>
                 </a:solidFill>
               </a:rPr>
-              <a:t>javac -classpath ..\conversions\bin;lib\commons-lang3-3.4.jar;. </a:t>
-            </a:r>
-            <a:r>
-              <a:rPr lang="pl-PL" dirty="0" err="1">
+              <a:t> ..</a:t>
+            </a:r>
+            <a:endParaRPr lang="pl-PL" dirty="0" smtClean="0">
+              <a:solidFill>
+                <a:schemeClr val="accent3"/>
+              </a:solidFill>
+            </a:endParaRPr>
+          </a:p>
+          <a:p>
+            <a:pPr lvl="1"/>
+            <a:r>
+              <a:rPr lang="pl-PL" dirty="0" smtClean="0">
                 <a:solidFill>
                   <a:schemeClr val="accent3"/>
                 </a:solidFill>
               </a:rPr>
-              <a:t>wdsr</a:t>
+              <a:t>javac -</a:t>
+            </a:r>
+            <a:r>
+              <a:rPr lang="pl-PL" dirty="0" err="1" smtClean="0">
+                <a:solidFill>
+                  <a:schemeClr val="accent3"/>
+                </a:solidFill>
+              </a:rPr>
+              <a:t>classpath</a:t>
+            </a:r>
+            <a:r>
+              <a:rPr lang="pl-PL" dirty="0" smtClean="0">
+                <a:solidFill>
+                  <a:schemeClr val="accent3"/>
+                </a:solidFill>
+              </a:rPr>
+              <a:t> </a:t>
+            </a:r>
+            <a:r>
+              <a:rPr lang="pl-PL" dirty="0" smtClean="0">
+                <a:solidFill>
+                  <a:schemeClr val="accent3"/>
+                </a:solidFill>
+              </a:rPr>
+              <a:t>"..\</a:t>
+            </a:r>
+            <a:r>
+              <a:rPr lang="pl-PL" dirty="0" smtClean="0">
+                <a:solidFill>
+                  <a:schemeClr val="accent3"/>
+                </a:solidFill>
+              </a:rPr>
+              <a:t>conversions\bin;lib\commons-lang3-3.4.jar</a:t>
+            </a:r>
+            <a:r>
+              <a:rPr lang="pl-PL" dirty="0" smtClean="0">
+                <a:solidFill>
+                  <a:schemeClr val="accent3"/>
+                </a:solidFill>
+              </a:rPr>
+              <a:t>;." </a:t>
             </a:r>
             <a:r>
               <a:rPr lang="pl-PL" dirty="0">
@@ -19991,39 +19782,36 @@
                   <a:schemeClr val="accent3"/>
                 </a:solidFill>
               </a:rPr>
-              <a:t>\exercise1\*.</a:t>
-            </a:r>
-            <a:r>
-              <a:rPr lang="pl-PL" dirty="0" err="1">
-                <a:solidFill>
-                  <a:schemeClr val="accent3"/>
-                </a:solidFill>
-              </a:rPr>
-              <a:t>java</a:t>
-            </a:r>
-            <a:r>
-              <a:rPr lang="pl-PL" dirty="0">
-                <a:solidFill>
-                  <a:schemeClr val="accent3"/>
-                </a:solidFill>
-              </a:rPr>
-              <a:t> -d </a:t>
-            </a:r>
-            <a:r>
-              <a:rPr lang="pl-PL" dirty="0" smtClean="0">
+              <a:t>wdsr\exercise1\*.java -d </a:t>
+            </a:r>
+            <a:r>
+              <a:rPr lang="pl-PL" dirty="0" err="1" smtClean="0">
                 <a:solidFill>
                   <a:schemeClr val="accent3"/>
                 </a:solidFill>
               </a:rPr>
               <a:t>bin</a:t>
             </a:r>
-          </a:p>
-          <a:p>
-            <a:pPr lvl="2"/>
-            <a:r>
-              <a:rPr lang="pl-PL" dirty="0" smtClean="0"/>
-              <a:t>Kompilacja ze wskazaniem zależności (classpath)</a:t>
-            </a:r>
+            <a:endParaRPr lang="pl-PL" dirty="0" smtClean="0">
+              <a:solidFill>
+                <a:schemeClr val="accent3"/>
+              </a:solidFill>
+            </a:endParaRPr>
+          </a:p>
+          <a:p>
+            <a:r>
+              <a:rPr lang="pl-PL" dirty="0" smtClean="0"/>
+              <a:t>Uruchomienie aplikacji z argumentami 2, -3 i -5</a:t>
+            </a:r>
+            <a:r>
+              <a:rPr lang="pl-PL" dirty="0" smtClean="0"/>
+              <a:t>.</a:t>
+            </a:r>
+            <a:endParaRPr lang="pl-PL" dirty="0" smtClean="0">
+              <a:solidFill>
+                <a:schemeClr val="accent3"/>
+              </a:solidFill>
+            </a:endParaRPr>
           </a:p>
           <a:p>
             <a:pPr lvl="1"/>
@@ -20053,9 +19841,13 @@
             </a:r>
           </a:p>
           <a:p>
-            <a:pPr lvl="1"/>
-            <a:r>
-              <a:rPr lang="pl-PL" sz="1050" dirty="0" err="1" smtClean="0">
+            <a:pPr lvl="1">
+              <a:lnSpc>
+                <a:spcPct val="110000"/>
+              </a:lnSpc>
+            </a:pPr>
+            <a:r>
+              <a:rPr lang="pl-PL" dirty="0" err="1" smtClean="0">
                 <a:solidFill>
                   <a:schemeClr val="accent3"/>
                 </a:solidFill>
@@ -20063,7 +19855,7 @@
               <a:t>java</a:t>
             </a:r>
             <a:r>
-              <a:rPr lang="pl-PL" sz="1050" dirty="0" smtClean="0">
+              <a:rPr lang="pl-PL" dirty="0" smtClean="0">
                 <a:solidFill>
                   <a:schemeClr val="accent3"/>
                 </a:solidFill>
@@ -20071,7 +19863,7 @@
               <a:t> -</a:t>
             </a:r>
             <a:r>
-              <a:rPr lang="pl-PL" sz="1050" dirty="0" err="1" smtClean="0">
+              <a:rPr lang="pl-PL" dirty="0" err="1" smtClean="0">
                 <a:solidFill>
                   <a:schemeClr val="accent3"/>
                 </a:solidFill>
@@ -20079,55 +19871,63 @@
               <a:t>cp</a:t>
             </a:r>
             <a:r>
-              <a:rPr lang="pl-PL" sz="1050" dirty="0" smtClean="0">
+              <a:rPr lang="pl-PL" dirty="0" smtClean="0">
                 <a:solidFill>
                   <a:schemeClr val="accent3"/>
                 </a:solidFill>
               </a:rPr>
-              <a:t> calculator-1.0.jar;lib\commons-lang3-3.4.jar;..\</a:t>
-            </a:r>
-            <a:r>
-              <a:rPr lang="pl-PL" sz="1050" dirty="0" err="1" smtClean="0">
+              <a:t> </a:t>
+            </a:r>
+            <a:r>
+              <a:rPr lang="pl-PL" dirty="0" smtClean="0">
                 <a:solidFill>
                   <a:schemeClr val="accent3"/>
                 </a:solidFill>
               </a:rPr>
-              <a:t>conversions</a:t>
-            </a:r>
-            <a:r>
-              <a:rPr lang="pl-PL" sz="1050" dirty="0" smtClean="0">
+              <a:t>"calculator-1.0.jar;lib\commons-lang3-3.4.jar</a:t>
+            </a:r>
+            <a:r>
+              <a:rPr lang="pl-PL" dirty="0" smtClean="0">
                 <a:solidFill>
                   <a:schemeClr val="accent3"/>
                 </a:solidFill>
               </a:rPr>
-              <a:t>\conversions-1.0.jar wdsr.exercise1.Main 2 -3 -5</a:t>
-            </a:r>
-          </a:p>
-          <a:p>
-            <a:pPr lvl="2"/>
-            <a:r>
-              <a:rPr lang="pl-PL" sz="1050" dirty="0" smtClean="0"/>
-              <a:t>Uruchomienie aplikacji z argumentami 2, -3 i -5.</a:t>
-            </a:r>
-            <a:endParaRPr lang="pl-PL" sz="1050" dirty="0"/>
+              <a:t>;..\</a:t>
+            </a:r>
+            <a:r>
+              <a:rPr lang="pl-PL" dirty="0" smtClean="0">
+                <a:solidFill>
+                  <a:schemeClr val="accent3"/>
+                </a:solidFill>
+              </a:rPr>
+              <a:t>conversions\conversions-1.0.jar" </a:t>
+            </a:r>
+            <a:r>
+              <a:rPr lang="pl-PL" dirty="0" smtClean="0">
+                <a:solidFill>
+                  <a:schemeClr val="accent3"/>
+                </a:solidFill>
+              </a:rPr>
+              <a:t>wdsr.exercise1.Main 2 -3 -5</a:t>
+            </a:r>
           </a:p>
         </p:txBody>
       </p:sp>
     </p:spTree>
     <p:extLst>
       <p:ext uri="{BB962C8B-B14F-4D97-AF65-F5344CB8AC3E}">
-        <p14:creationId xmlns:p14="http://schemas.microsoft.com/office/powerpoint/2010/main" val="2794803434"/>
+        <p14:creationId xmlns:p14="http://schemas.microsoft.com/office/powerpoint/2010/main" xmlns="" val="2794803434"/>
       </p:ext>
     </p:extLst>
   </p:cSld>
   <p:clrMapOvr>
     <a:masterClrMapping/>
   </p:clrMapOvr>
-  <mc:AlternateContent xmlns:mc="http://schemas.openxmlformats.org/markup-compatibility/2006" xmlns:p14="http://schemas.microsoft.com/office/powerpoint/2010/main">
-    <mc:Choice Requires="p14">
+  <mc:AlternateContent xmlns:mc="http://schemas.openxmlformats.org/markup-compatibility/2006">
+    <mc:Choice xmlns:p14="http://schemas.microsoft.com/office/powerpoint/2010/main" xmlns="" Requires="p14">
       <p:transition p14:dur="10"/>
     </mc:Choice>
-    <mc:Fallback xmlns="">
+    <mc:Fallback>
       <p:transition/>
     </mc:Fallback>
   </mc:AlternateContent>
@@ -20139,18 +19939,6 @@
     </p:tnLst>
   </p:timing>
 </p:sld>
-</file>
-
-<file path=ppt/tags/tag1.xml><?xml version="1.0" encoding="utf-8"?>
-<p:tagLst xmlns:a="http://schemas.openxmlformats.org/drawingml/2006/main" xmlns:r="http://schemas.openxmlformats.org/officeDocument/2006/relationships" xmlns:p="http://schemas.openxmlformats.org/presentationml/2006/main">
-  <p:tag name="THINKCELLSHAPEDONOTDELETE" val="thinkcellActiveDocDoNotDelete"/>
-</p:tagLst>
-</file>
-
-<file path=ppt/tags/tag2.xml><?xml version="1.0" encoding="utf-8"?>
-<p:tagLst xmlns:a="http://schemas.openxmlformats.org/drawingml/2006/main" xmlns:r="http://schemas.openxmlformats.org/officeDocument/2006/relationships" xmlns:p="http://schemas.openxmlformats.org/presentationml/2006/main">
-  <p:tag name="THINKCELLSHAPEDONOTDELETE" val="thinkcellActiveDocDoNotDelete"/>
-</p:tagLst>
 </file>
 
 <file path=ppt/theme/theme1.xml><?xml version="1.0" encoding="utf-8"?>
@@ -20425,7 +20213,7 @@
   <a:extraClrSchemeLst/>
   <a:extLst>
     <a:ext uri="{05A4C25C-085E-4340-85A3-A5531E510DB2}">
-      <thm15:themeFamily xmlns:thm15="http://schemas.microsoft.com/office/thememl/2012/main" xmlns="" name="GFT_Chartpool_2015.pptx" id="{A28C9458-9558-44C8-89F4-D7A2CBC04405}" vid="{0F156D25-70FA-498B-891B-4FDE46BF1046}"/>
+      <thm15:themeFamily xmlns="" xmlns:thm15="http://schemas.microsoft.com/office/thememl/2012/main" name="GFT_Chartpool_2015.pptx" id="{A28C9458-9558-44C8-89F4-D7A2CBC04405}" vid="{0F156D25-70FA-498B-891B-4FDE46BF1046}"/>
     </a:ext>
   </a:extLst>
 </a:theme>
@@ -21072,15 +20860,6 @@
 </file>
 
 <file path=customXml/item1.xml><?xml version="1.0" encoding="utf-8"?>
-<?mso-contentType ?>
-<FormTemplates xmlns="http://schemas.microsoft.com/sharepoint/v3/contenttype/forms">
-  <Display>DocumentLibraryForm</Display>
-  <Edit>DocumentLibraryForm</Edit>
-  <New>DocumentLibraryForm</New>
-</FormTemplates>
-</file>
-
-<file path=customXml/item2.xml><?xml version="1.0" encoding="utf-8"?>
 <ct:contentTypeSchema xmlns:ct="http://schemas.microsoft.com/office/2006/metadata/contentType" xmlns:ma="http://schemas.microsoft.com/office/2006/metadata/properties/metaAttributes" ct:_="" ma:_="" ma:contentTypeName="Document" ma:contentTypeID="0x010100793B9935CA02AD4F90F0A0FD564FDD82" ma:contentTypeVersion="17" ma:contentTypeDescription="Create a new document." ma:contentTypeScope="" ma:versionID="6168266ad0b2c1ccdc9d2ae0268a5eb6">
   <xsd:schema xmlns:xsd="http://www.w3.org/2001/XMLSchema" xmlns:xs="http://www.w3.org/2001/XMLSchema" xmlns:p="http://schemas.microsoft.com/office/2006/metadata/properties" xmlns:ns2="e44e039f-c551-4112-981c-456f1b630ef1" xmlns:ns3="727178e8-9586-4f49-8e7b-77af9c2fb085" targetNamespace="http://schemas.microsoft.com/office/2006/metadata/properties" ma:root="true" ma:fieldsID="b9b29daf9bb73cd90369de1b0e977594" ns2:_="" ns3:_="">
     <xsd:import namespace="e44e039f-c551-4112-981c-456f1b630ef1"/>
@@ -21577,7 +21356,51 @@
 </ct:contentTypeSchema>
 </file>
 
+<file path=customXml/item2.xml><?xml version="1.0" encoding="utf-8"?>
+<?mso-contentType ?>
+<FormTemplates xmlns="http://schemas.microsoft.com/sharepoint/v3/contenttype/forms">
+  <Display>DocumentLibraryForm</Display>
+  <Edit>DocumentLibraryForm</Edit>
+  <New>DocumentLibraryForm</New>
+</FormTemplates>
+</file>
+
 <file path=customXml/item3.xml><?xml version="1.0" encoding="utf-8"?>
+<p:properties xmlns:p="http://schemas.microsoft.com/office/2006/metadata/properties" xmlns:xsi="http://www.w3.org/2001/XMLSchema-instance" xmlns:pc="http://schemas.microsoft.com/office/infopath/2007/PartnerControls">
+  <documentManagement>
+    <_dlc_DocId xmlns="727178e8-9586-4f49-8e7b-77af9c2fb085">CVD5QAC74SYH-2-13943</_dlc_DocId>
+    <_dlc_DocIdUrl xmlns="727178e8-9586-4f49-8e7b-77af9c2fb085">
+      <Url>https://share.gft.com/sites/Corporate-Marketing/_layouts/DocIdRedir.aspx?ID=CVD5QAC74SYH-2-13943</Url>
+      <Description>CVD5QAC74SYH-2-13943</Description>
+    </_dlc_DocIdUrl>
+    <Functional_x0020_Area xmlns="e44e039f-c551-4112-981c-456f1b630ef1">Functional Area 1</Functional_x0020_Area>
+    <Reference_x0020_Title xmlns="e44e039f-c551-4112-981c-456f1b630ef1" xsi:nil="true"/>
+    <Area xmlns="e44e039f-c551-4112-981c-456f1b630ef1">Area 1</Area>
+    <Project_x0020_size_x0020__x0028_resources_x0029_ xmlns="e44e039f-c551-4112-981c-456f1b630ef1" xsi:nil="true"/>
+    <Comments xmlns="e44e039f-c551-4112-981c-456f1b630ef1" xsi:nil="true"/>
+    <Business_x0020_Sector xmlns="e44e039f-c551-4112-981c-456f1b630ef1">Banking</Business_x0020_Sector>
+    <Client_x0020_Category xmlns="e44e039f-c551-4112-981c-456f1b630ef1">Central</Client_x0020_Category>
+    <Methods_x0020_and_x0020_standards xmlns="e44e039f-c551-4112-981c-456f1b630ef1" xsi:nil="true"/>
+    <Responsible xmlns="e44e039f-c551-4112-981c-456f1b630ef1">Marek Strejczek</Responsible>
+    <Client_x0020_Name xmlns="e44e039f-c551-4112-981c-456f1b630ef1" xsi:nil="true"/>
+    <Client_x0020_approval xmlns="e44e039f-c551-4112-981c-456f1b630ef1">No</Client_x0020_approval>
+    <Plattform_x0020__x0026__x0020_tools xmlns="e44e039f-c551-4112-981c-456f1b630ef1" xsi:nil="true"/>
+    <Project_x0020_ID xmlns="e44e039f-c551-4112-981c-456f1b630ef1" xsi:nil="true"/>
+    <Description0 xmlns="e44e039f-c551-4112-981c-456f1b630ef1" xsi:nil="true"/>
+    <Author_x0020__x002f__x0020_Contact xmlns="e44e039f-c551-4112-981c-456f1b630ef1">
+      <UserInfo>
+        <DisplayName/>
+        <AccountId xsi:nil="true"/>
+        <AccountType/>
+      </UserInfo>
+    </Author_x0020__x002f__x0020_Contact>
+    <Client_x0020_Country xmlns="e44e039f-c551-4112-981c-456f1b630ef1">Germany</Client_x0020_Country>
+    <Year xmlns="e44e039f-c551-4112-981c-456f1b630ef1" xsi:nil="true"/>
+  </documentManagement>
+</p:properties>
+</file>
+
+<file path=customXml/item4.xml><?xml version="1.0" encoding="utf-8"?>
 <?mso-contentType ?>
 <spe:Receivers xmlns:spe="http://schemas.microsoft.com/sharepoint/events">
   <Receiver>
@@ -21623,50 +21446,7 @@
 </spe:Receivers>
 </file>
 
-<file path=customXml/item4.xml><?xml version="1.0" encoding="utf-8"?>
-<p:properties xmlns:p="http://schemas.microsoft.com/office/2006/metadata/properties" xmlns:xsi="http://www.w3.org/2001/XMLSchema-instance" xmlns:pc="http://schemas.microsoft.com/office/infopath/2007/PartnerControls">
-  <documentManagement>
-    <_dlc_DocId xmlns="727178e8-9586-4f49-8e7b-77af9c2fb085">CVD5QAC74SYH-2-13943</_dlc_DocId>
-    <_dlc_DocIdUrl xmlns="727178e8-9586-4f49-8e7b-77af9c2fb085">
-      <Url>https://share.gft.com/sites/Corporate-Marketing/_layouts/DocIdRedir.aspx?ID=CVD5QAC74SYH-2-13943</Url>
-      <Description>CVD5QAC74SYH-2-13943</Description>
-    </_dlc_DocIdUrl>
-    <Functional_x0020_Area xmlns="e44e039f-c551-4112-981c-456f1b630ef1">Functional Area 1</Functional_x0020_Area>
-    <Reference_x0020_Title xmlns="e44e039f-c551-4112-981c-456f1b630ef1" xsi:nil="true"/>
-    <Area xmlns="e44e039f-c551-4112-981c-456f1b630ef1">Area 1</Area>
-    <Project_x0020_size_x0020__x0028_resources_x0029_ xmlns="e44e039f-c551-4112-981c-456f1b630ef1" xsi:nil="true"/>
-    <Comments xmlns="e44e039f-c551-4112-981c-456f1b630ef1" xsi:nil="true"/>
-    <Business_x0020_Sector xmlns="e44e039f-c551-4112-981c-456f1b630ef1">Banking</Business_x0020_Sector>
-    <Client_x0020_Category xmlns="e44e039f-c551-4112-981c-456f1b630ef1">Central</Client_x0020_Category>
-    <Methods_x0020_and_x0020_standards xmlns="e44e039f-c551-4112-981c-456f1b630ef1" xsi:nil="true"/>
-    <Responsible xmlns="e44e039f-c551-4112-981c-456f1b630ef1">Marek Strejczek</Responsible>
-    <Client_x0020_Name xmlns="e44e039f-c551-4112-981c-456f1b630ef1" xsi:nil="true"/>
-    <Client_x0020_approval xmlns="e44e039f-c551-4112-981c-456f1b630ef1">No</Client_x0020_approval>
-    <Plattform_x0020__x0026__x0020_tools xmlns="e44e039f-c551-4112-981c-456f1b630ef1" xsi:nil="true"/>
-    <Project_x0020_ID xmlns="e44e039f-c551-4112-981c-456f1b630ef1" xsi:nil="true"/>
-    <Description0 xmlns="e44e039f-c551-4112-981c-456f1b630ef1" xsi:nil="true"/>
-    <Author_x0020__x002f__x0020_Contact xmlns="e44e039f-c551-4112-981c-456f1b630ef1">
-      <UserInfo>
-        <DisplayName/>
-        <AccountId xsi:nil="true"/>
-        <AccountType/>
-      </UserInfo>
-    </Author_x0020__x002f__x0020_Contact>
-    <Client_x0020_Country xmlns="e44e039f-c551-4112-981c-456f1b630ef1">Germany</Client_x0020_Country>
-    <Year xmlns="e44e039f-c551-4112-981c-456f1b630ef1" xsi:nil="true"/>
-  </documentManagement>
-</p:properties>
-</file>
-
 <file path=customXml/itemProps1.xml><?xml version="1.0" encoding="utf-8"?>
-<ds:datastoreItem xmlns:ds="http://schemas.openxmlformats.org/officeDocument/2006/customXml" ds:itemID="{9217953E-6BB7-40C6-9A84-608D0A8D65EC}">
-  <ds:schemaRefs>
-    <ds:schemaRef ds:uri="http://schemas.microsoft.com/sharepoint/v3/contenttype/forms"/>
-  </ds:schemaRefs>
-</ds:datastoreItem>
-</file>
-
-<file path=customXml/itemProps2.xml><?xml version="1.0" encoding="utf-8"?>
 <ds:datastoreItem xmlns:ds="http://schemas.openxmlformats.org/officeDocument/2006/customXml" ds:itemID="{54CA1130-EAC1-4116-82E4-DF5A51FE3AEA}">
   <ds:schemaRefs>
     <ds:schemaRef ds:uri="http://schemas.microsoft.com/office/2006/metadata/contentType"/>
@@ -21685,15 +21465,15 @@
 </ds:datastoreItem>
 </file>
 
-<file path=customXml/itemProps3.xml><?xml version="1.0" encoding="utf-8"?>
-<ds:datastoreItem xmlns:ds="http://schemas.openxmlformats.org/officeDocument/2006/customXml" ds:itemID="{A6F3EA8F-EBA0-438A-80BD-6A96E2E10054}">
+<file path=customXml/itemProps2.xml><?xml version="1.0" encoding="utf-8"?>
+<ds:datastoreItem xmlns:ds="http://schemas.openxmlformats.org/officeDocument/2006/customXml" ds:itemID="{9217953E-6BB7-40C6-9A84-608D0A8D65EC}">
   <ds:schemaRefs>
-    <ds:schemaRef ds:uri="http://schemas.microsoft.com/sharepoint/events"/>
+    <ds:schemaRef ds:uri="http://schemas.microsoft.com/sharepoint/v3/contenttype/forms"/>
   </ds:schemaRefs>
 </ds:datastoreItem>
 </file>
 
-<file path=customXml/itemProps4.xml><?xml version="1.0" encoding="utf-8"?>
+<file path=customXml/itemProps3.xml><?xml version="1.0" encoding="utf-8"?>
 <ds:datastoreItem xmlns:ds="http://schemas.openxmlformats.org/officeDocument/2006/customXml" ds:itemID="{7445AAF4-B73F-4E3A-B9D2-4DDAE0F1BE8A}">
   <ds:schemaRefs>
     <ds:schemaRef ds:uri="http://purl.org/dc/dcmitype/"/>
@@ -21708,4 +21488,12 @@
     <ds:schemaRef ds:uri="http://www.w3.org/XML/1998/namespace"/>
   </ds:schemaRefs>
 </ds:datastoreItem>
+</file>
+
+<file path=customXml/itemProps4.xml><?xml version="1.0" encoding="utf-8"?>
+<ds:datastoreItem xmlns:ds="http://schemas.openxmlformats.org/officeDocument/2006/customXml" ds:itemID="{A6F3EA8F-EBA0-438A-80BD-6A96E2E10054}">
+  <ds:schemaRefs>
+    <ds:schemaRef ds:uri="http://schemas.microsoft.com/sharepoint/events"/>
+  </ds:schemaRefs>
+</ds:datastoreItem>
 </file>
--- a/WDSR - ćwiczenie 1.pptx
+++ b/WDSR - ćwiczenie 1.pptx
@@ -157,7 +157,7 @@
   </p:defaultTextStyle>
   <p:extLst>
     <p:ext uri="{EFAFB233-063F-42B5-8137-9DF3F51BA10A}">
-      <p15:sldGuideLst xmlns="" xmlns:p15="http://schemas.microsoft.com/office/powerpoint/2012/main">
+      <p15:sldGuideLst xmlns:p15="http://schemas.microsoft.com/office/powerpoint/2012/main" xmlns="">
         <p15:guide id="1" orient="horz" pos="1620">
           <p15:clr>
             <a:srgbClr val="A4A3A4"/>
@@ -191,7 +191,7 @@
       </p15:sldGuideLst>
     </p:ext>
     <p:ext uri="{2D200454-40CA-4A62-9FC3-DE9A4176ACB9}">
-      <p15:notesGuideLst xmlns="" xmlns:p15="http://schemas.microsoft.com/office/powerpoint/2012/main"/>
+      <p15:notesGuideLst xmlns:p15="http://schemas.microsoft.com/office/powerpoint/2012/main" xmlns=""/>
     </p:ext>
   </p:extLst>
 </p:presentation>
@@ -286,7 +286,7 @@
             <a:fld id="{C4843D26-F355-3844-A4EF-19D4FD875597}" type="datetimeFigureOut">
               <a:rPr lang="de-DE" smtClean="0"/>
               <a:pPr/>
-              <a:t>21.02.2017</a:t>
+              <a:t>24.02.2017</a:t>
             </a:fld>
             <a:endParaRPr lang="de-DE" dirty="0"/>
           </a:p>
@@ -362,7 +362,7 @@
     </p:spTree>
     <p:extLst>
       <p:ext uri="{BB962C8B-B14F-4D97-AF65-F5344CB8AC3E}">
-        <p14:creationId xmlns:p14="http://schemas.microsoft.com/office/powerpoint/2010/main" xmlns="" val="1863735379"/>
+        <p14:creationId xmlns="" xmlns:p14="http://schemas.microsoft.com/office/powerpoint/2010/main" val="1863735379"/>
       </p:ext>
     </p:extLst>
   </p:cSld>
@@ -454,7 +454,7 @@
             <a:fld id="{8E2CFE12-C1FB-D740-8B6C-AFB72D5D4002}" type="datetimeFigureOut">
               <a:rPr lang="de-DE" smtClean="0"/>
               <a:pPr/>
-              <a:t>21.02.2017</a:t>
+              <a:t>24.02.2017</a:t>
             </a:fld>
             <a:endParaRPr lang="de-DE" dirty="0"/>
           </a:p>
@@ -623,7 +623,7 @@
     </p:spTree>
     <p:extLst>
       <p:ext uri="{BB962C8B-B14F-4D97-AF65-F5344CB8AC3E}">
-        <p14:creationId xmlns:p14="http://schemas.microsoft.com/office/powerpoint/2010/main" xmlns="" val="1832403913"/>
+        <p14:creationId xmlns="" xmlns:p14="http://schemas.microsoft.com/office/powerpoint/2010/main" val="1832403913"/>
       </p:ext>
     </p:extLst>
   </p:cSld>
@@ -801,7 +801,7 @@
     </p:spTree>
     <p:extLst>
       <p:ext uri="{BB962C8B-B14F-4D97-AF65-F5344CB8AC3E}">
-        <p14:creationId xmlns:p14="http://schemas.microsoft.com/office/powerpoint/2010/main" xmlns="" val="1883132698"/>
+        <p14:creationId xmlns="" xmlns:p14="http://schemas.microsoft.com/office/powerpoint/2010/main" val="1883132698"/>
       </p:ext>
     </p:extLst>
   </p:cSld>
@@ -888,7 +888,7 @@
     </p:spTree>
     <p:extLst>
       <p:ext uri="{BB962C8B-B14F-4D97-AF65-F5344CB8AC3E}">
-        <p14:creationId xmlns:p14="http://schemas.microsoft.com/office/powerpoint/2010/main" xmlns="" val="1883132698"/>
+        <p14:creationId xmlns="" xmlns:p14="http://schemas.microsoft.com/office/powerpoint/2010/main" val="1883132698"/>
       </p:ext>
     </p:extLst>
   </p:cSld>
@@ -975,7 +975,7 @@
     </p:spTree>
     <p:extLst>
       <p:ext uri="{BB962C8B-B14F-4D97-AF65-F5344CB8AC3E}">
-        <p14:creationId xmlns:p14="http://schemas.microsoft.com/office/powerpoint/2010/main" xmlns="" val="1883132698"/>
+        <p14:creationId xmlns="" xmlns:p14="http://schemas.microsoft.com/office/powerpoint/2010/main" val="1883132698"/>
       </p:ext>
     </p:extLst>
   </p:cSld>
@@ -1062,7 +1062,7 @@
     </p:spTree>
     <p:extLst>
       <p:ext uri="{BB962C8B-B14F-4D97-AF65-F5344CB8AC3E}">
-        <p14:creationId xmlns:p14="http://schemas.microsoft.com/office/powerpoint/2010/main" xmlns="" val="1883132698"/>
+        <p14:creationId xmlns="" xmlns:p14="http://schemas.microsoft.com/office/powerpoint/2010/main" val="1883132698"/>
       </p:ext>
     </p:extLst>
   </p:cSld>
@@ -1149,7 +1149,7 @@
     </p:spTree>
     <p:extLst>
       <p:ext uri="{BB962C8B-B14F-4D97-AF65-F5344CB8AC3E}">
-        <p14:creationId xmlns:p14="http://schemas.microsoft.com/office/powerpoint/2010/main" xmlns="" val="1883132698"/>
+        <p14:creationId xmlns="" xmlns:p14="http://schemas.microsoft.com/office/powerpoint/2010/main" val="1883132698"/>
       </p:ext>
     </p:extLst>
   </p:cSld>
@@ -1236,7 +1236,7 @@
     </p:spTree>
     <p:extLst>
       <p:ext uri="{BB962C8B-B14F-4D97-AF65-F5344CB8AC3E}">
-        <p14:creationId xmlns:p14="http://schemas.microsoft.com/office/powerpoint/2010/main" xmlns="" val="1883132698"/>
+        <p14:creationId xmlns="" xmlns:p14="http://schemas.microsoft.com/office/powerpoint/2010/main" val="1883132698"/>
       </p:ext>
     </p:extLst>
   </p:cSld>
@@ -1323,7 +1323,7 @@
     </p:spTree>
     <p:extLst>
       <p:ext uri="{BB962C8B-B14F-4D97-AF65-F5344CB8AC3E}">
-        <p14:creationId xmlns:p14="http://schemas.microsoft.com/office/powerpoint/2010/main" xmlns="" val="1883132698"/>
+        <p14:creationId xmlns="" xmlns:p14="http://schemas.microsoft.com/office/powerpoint/2010/main" val="1883132698"/>
       </p:ext>
     </p:extLst>
   </p:cSld>
@@ -1410,7 +1410,7 @@
     </p:spTree>
     <p:extLst>
       <p:ext uri="{BB962C8B-B14F-4D97-AF65-F5344CB8AC3E}">
-        <p14:creationId xmlns:p14="http://schemas.microsoft.com/office/powerpoint/2010/main" xmlns="" val="1883132698"/>
+        <p14:creationId xmlns="" xmlns:p14="http://schemas.microsoft.com/office/powerpoint/2010/main" val="1883132698"/>
       </p:ext>
     </p:extLst>
   </p:cSld>
@@ -1497,7 +1497,7 @@
     </p:spTree>
     <p:extLst>
       <p:ext uri="{BB962C8B-B14F-4D97-AF65-F5344CB8AC3E}">
-        <p14:creationId xmlns:p14="http://schemas.microsoft.com/office/powerpoint/2010/main" xmlns="" val="1883132698"/>
+        <p14:creationId xmlns="" xmlns:p14="http://schemas.microsoft.com/office/powerpoint/2010/main" val="1883132698"/>
       </p:ext>
     </p:extLst>
   </p:cSld>
@@ -1584,7 +1584,7 @@
     </p:spTree>
     <p:extLst>
       <p:ext uri="{BB962C8B-B14F-4D97-AF65-F5344CB8AC3E}">
-        <p14:creationId xmlns:p14="http://schemas.microsoft.com/office/powerpoint/2010/main" xmlns="" val="1883132698"/>
+        <p14:creationId xmlns="" xmlns:p14="http://schemas.microsoft.com/office/powerpoint/2010/main" val="1883132698"/>
       </p:ext>
     </p:extLst>
   </p:cSld>
@@ -1671,7 +1671,7 @@
     </p:spTree>
     <p:extLst>
       <p:ext uri="{BB962C8B-B14F-4D97-AF65-F5344CB8AC3E}">
-        <p14:creationId xmlns:p14="http://schemas.microsoft.com/office/powerpoint/2010/main" xmlns="" val="1883132698"/>
+        <p14:creationId xmlns="" xmlns:p14="http://schemas.microsoft.com/office/powerpoint/2010/main" val="1883132698"/>
       </p:ext>
     </p:extLst>
   </p:cSld>
@@ -1758,7 +1758,7 @@
     </p:spTree>
     <p:extLst>
       <p:ext uri="{BB962C8B-B14F-4D97-AF65-F5344CB8AC3E}">
-        <p14:creationId xmlns:p14="http://schemas.microsoft.com/office/powerpoint/2010/main" xmlns="" val="1883132698"/>
+        <p14:creationId xmlns="" xmlns:p14="http://schemas.microsoft.com/office/powerpoint/2010/main" val="1883132698"/>
       </p:ext>
     </p:extLst>
   </p:cSld>
@@ -1845,7 +1845,7 @@
     </p:spTree>
     <p:extLst>
       <p:ext uri="{BB962C8B-B14F-4D97-AF65-F5344CB8AC3E}">
-        <p14:creationId xmlns:p14="http://schemas.microsoft.com/office/powerpoint/2010/main" xmlns="" val="1883132698"/>
+        <p14:creationId xmlns="" xmlns:p14="http://schemas.microsoft.com/office/powerpoint/2010/main" val="1883132698"/>
       </p:ext>
     </p:extLst>
   </p:cSld>
@@ -1932,7 +1932,7 @@
     </p:spTree>
     <p:extLst>
       <p:ext uri="{BB962C8B-B14F-4D97-AF65-F5344CB8AC3E}">
-        <p14:creationId xmlns:p14="http://schemas.microsoft.com/office/powerpoint/2010/main" xmlns="" val="1883132698"/>
+        <p14:creationId xmlns="" xmlns:p14="http://schemas.microsoft.com/office/powerpoint/2010/main" val="1883132698"/>
       </p:ext>
     </p:extLst>
   </p:cSld>
@@ -2019,7 +2019,7 @@
     </p:spTree>
     <p:extLst>
       <p:ext uri="{BB962C8B-B14F-4D97-AF65-F5344CB8AC3E}">
-        <p14:creationId xmlns:p14="http://schemas.microsoft.com/office/powerpoint/2010/main" xmlns="" val="1883132698"/>
+        <p14:creationId xmlns="" xmlns:p14="http://schemas.microsoft.com/office/powerpoint/2010/main" val="1883132698"/>
       </p:ext>
     </p:extLst>
   </p:cSld>
@@ -2106,7 +2106,7 @@
     </p:spTree>
     <p:extLst>
       <p:ext uri="{BB962C8B-B14F-4D97-AF65-F5344CB8AC3E}">
-        <p14:creationId xmlns:p14="http://schemas.microsoft.com/office/powerpoint/2010/main" xmlns="" val="1883132698"/>
+        <p14:creationId xmlns="" xmlns:p14="http://schemas.microsoft.com/office/powerpoint/2010/main" val="1883132698"/>
       </p:ext>
     </p:extLst>
   </p:cSld>
@@ -2193,7 +2193,7 @@
     </p:spTree>
     <p:extLst>
       <p:ext uri="{BB962C8B-B14F-4D97-AF65-F5344CB8AC3E}">
-        <p14:creationId xmlns:p14="http://schemas.microsoft.com/office/powerpoint/2010/main" xmlns="" val="1883132698"/>
+        <p14:creationId xmlns="" xmlns:p14="http://schemas.microsoft.com/office/powerpoint/2010/main" val="1883132698"/>
       </p:ext>
     </p:extLst>
   </p:cSld>
@@ -2280,7 +2280,7 @@
     </p:spTree>
     <p:extLst>
       <p:ext uri="{BB962C8B-B14F-4D97-AF65-F5344CB8AC3E}">
-        <p14:creationId xmlns:p14="http://schemas.microsoft.com/office/powerpoint/2010/main" xmlns="" val="1883132698"/>
+        <p14:creationId xmlns="" xmlns:p14="http://schemas.microsoft.com/office/powerpoint/2010/main" val="1883132698"/>
       </p:ext>
     </p:extLst>
   </p:cSld>
@@ -2367,7 +2367,7 @@
     </p:spTree>
     <p:extLst>
       <p:ext uri="{BB962C8B-B14F-4D97-AF65-F5344CB8AC3E}">
-        <p14:creationId xmlns:p14="http://schemas.microsoft.com/office/powerpoint/2010/main" xmlns="" val="1883132698"/>
+        <p14:creationId xmlns="" xmlns:p14="http://schemas.microsoft.com/office/powerpoint/2010/main" val="1883132698"/>
       </p:ext>
     </p:extLst>
   </p:cSld>
@@ -2454,7 +2454,7 @@
     </p:spTree>
     <p:extLst>
       <p:ext uri="{BB962C8B-B14F-4D97-AF65-F5344CB8AC3E}">
-        <p14:creationId xmlns:p14="http://schemas.microsoft.com/office/powerpoint/2010/main" xmlns="" val="1883132698"/>
+        <p14:creationId xmlns="" xmlns:p14="http://schemas.microsoft.com/office/powerpoint/2010/main" val="1883132698"/>
       </p:ext>
     </p:extLst>
   </p:cSld>
@@ -2541,7 +2541,7 @@
     </p:spTree>
     <p:extLst>
       <p:ext uri="{BB962C8B-B14F-4D97-AF65-F5344CB8AC3E}">
-        <p14:creationId xmlns:p14="http://schemas.microsoft.com/office/powerpoint/2010/main" xmlns="" val="1883132698"/>
+        <p14:creationId xmlns="" xmlns:p14="http://schemas.microsoft.com/office/powerpoint/2010/main" val="1883132698"/>
       </p:ext>
     </p:extLst>
   </p:cSld>
@@ -2628,7 +2628,7 @@
     </p:spTree>
     <p:extLst>
       <p:ext uri="{BB962C8B-B14F-4D97-AF65-F5344CB8AC3E}">
-        <p14:creationId xmlns:p14="http://schemas.microsoft.com/office/powerpoint/2010/main" xmlns="" val="1883132698"/>
+        <p14:creationId xmlns="" xmlns:p14="http://schemas.microsoft.com/office/powerpoint/2010/main" val="1883132698"/>
       </p:ext>
     </p:extLst>
   </p:cSld>
@@ -2715,7 +2715,7 @@
     </p:spTree>
     <p:extLst>
       <p:ext uri="{BB962C8B-B14F-4D97-AF65-F5344CB8AC3E}">
-        <p14:creationId xmlns:p14="http://schemas.microsoft.com/office/powerpoint/2010/main" xmlns="" val="1883132698"/>
+        <p14:creationId xmlns="" xmlns:p14="http://schemas.microsoft.com/office/powerpoint/2010/main" val="1883132698"/>
       </p:ext>
     </p:extLst>
   </p:cSld>
@@ -2802,7 +2802,7 @@
     </p:spTree>
     <p:extLst>
       <p:ext uri="{BB962C8B-B14F-4D97-AF65-F5344CB8AC3E}">
-        <p14:creationId xmlns:p14="http://schemas.microsoft.com/office/powerpoint/2010/main" xmlns="" val="1883132698"/>
+        <p14:creationId xmlns="" xmlns:p14="http://schemas.microsoft.com/office/powerpoint/2010/main" val="1883132698"/>
       </p:ext>
     </p:extLst>
   </p:cSld>
@@ -2889,7 +2889,7 @@
     </p:spTree>
     <p:extLst>
       <p:ext uri="{BB962C8B-B14F-4D97-AF65-F5344CB8AC3E}">
-        <p14:creationId xmlns:p14="http://schemas.microsoft.com/office/powerpoint/2010/main" xmlns="" val="1883132698"/>
+        <p14:creationId xmlns="" xmlns:p14="http://schemas.microsoft.com/office/powerpoint/2010/main" val="1883132698"/>
       </p:ext>
     </p:extLst>
   </p:cSld>
@@ -2976,7 +2976,7 @@
     </p:spTree>
     <p:extLst>
       <p:ext uri="{BB962C8B-B14F-4D97-AF65-F5344CB8AC3E}">
-        <p14:creationId xmlns:p14="http://schemas.microsoft.com/office/powerpoint/2010/main" xmlns="" val="1883132698"/>
+        <p14:creationId xmlns="" xmlns:p14="http://schemas.microsoft.com/office/powerpoint/2010/main" val="1883132698"/>
       </p:ext>
     </p:extLst>
   </p:cSld>
@@ -3063,7 +3063,7 @@
     </p:spTree>
     <p:extLst>
       <p:ext uri="{BB962C8B-B14F-4D97-AF65-F5344CB8AC3E}">
-        <p14:creationId xmlns:p14="http://schemas.microsoft.com/office/powerpoint/2010/main" xmlns="" val="326698911"/>
+        <p14:creationId xmlns="" xmlns:p14="http://schemas.microsoft.com/office/powerpoint/2010/main" val="326698911"/>
       </p:ext>
     </p:extLst>
   </p:cSld>
@@ -3150,7 +3150,7 @@
     </p:spTree>
     <p:extLst>
       <p:ext uri="{BB962C8B-B14F-4D97-AF65-F5344CB8AC3E}">
-        <p14:creationId xmlns:p14="http://schemas.microsoft.com/office/powerpoint/2010/main" xmlns="" val="1883132698"/>
+        <p14:creationId xmlns="" xmlns:p14="http://schemas.microsoft.com/office/powerpoint/2010/main" val="1883132698"/>
       </p:ext>
     </p:extLst>
   </p:cSld>
@@ -3237,7 +3237,7 @@
     </p:spTree>
     <p:extLst>
       <p:ext uri="{BB962C8B-B14F-4D97-AF65-F5344CB8AC3E}">
-        <p14:creationId xmlns:p14="http://schemas.microsoft.com/office/powerpoint/2010/main" xmlns="" val="1883132698"/>
+        <p14:creationId xmlns="" xmlns:p14="http://schemas.microsoft.com/office/powerpoint/2010/main" val="1883132698"/>
       </p:ext>
     </p:extLst>
   </p:cSld>
@@ -3324,7 +3324,7 @@
     </p:spTree>
     <p:extLst>
       <p:ext uri="{BB962C8B-B14F-4D97-AF65-F5344CB8AC3E}">
-        <p14:creationId xmlns:p14="http://schemas.microsoft.com/office/powerpoint/2010/main" xmlns="" val="1883132698"/>
+        <p14:creationId xmlns="" xmlns:p14="http://schemas.microsoft.com/office/powerpoint/2010/main" val="1883132698"/>
       </p:ext>
     </p:extLst>
   </p:cSld>
@@ -3411,7 +3411,7 @@
     </p:spTree>
     <p:extLst>
       <p:ext uri="{BB962C8B-B14F-4D97-AF65-F5344CB8AC3E}">
-        <p14:creationId xmlns:p14="http://schemas.microsoft.com/office/powerpoint/2010/main" xmlns="" val="1064914938"/>
+        <p14:creationId xmlns="" xmlns:p14="http://schemas.microsoft.com/office/powerpoint/2010/main" val="1064914938"/>
       </p:ext>
     </p:extLst>
   </p:cSld>
@@ -3498,7 +3498,7 @@
     </p:spTree>
     <p:extLst>
       <p:ext uri="{BB962C8B-B14F-4D97-AF65-F5344CB8AC3E}">
-        <p14:creationId xmlns:p14="http://schemas.microsoft.com/office/powerpoint/2010/main" xmlns="" val="2228427138"/>
+        <p14:creationId xmlns="" xmlns:p14="http://schemas.microsoft.com/office/powerpoint/2010/main" val="2228427138"/>
       </p:ext>
     </p:extLst>
   </p:cSld>
@@ -3585,7 +3585,7 @@
     </p:spTree>
     <p:extLst>
       <p:ext uri="{BB962C8B-B14F-4D97-AF65-F5344CB8AC3E}">
-        <p14:creationId xmlns:p14="http://schemas.microsoft.com/office/powerpoint/2010/main" xmlns="" val="1883132698"/>
+        <p14:creationId xmlns="" xmlns:p14="http://schemas.microsoft.com/office/powerpoint/2010/main" val="1883132698"/>
       </p:ext>
     </p:extLst>
   </p:cSld>
@@ -3672,7 +3672,7 @@
     </p:spTree>
     <p:extLst>
       <p:ext uri="{BB962C8B-B14F-4D97-AF65-F5344CB8AC3E}">
-        <p14:creationId xmlns:p14="http://schemas.microsoft.com/office/powerpoint/2010/main" xmlns="" val="1883132698"/>
+        <p14:creationId xmlns="" xmlns:p14="http://schemas.microsoft.com/office/powerpoint/2010/main" val="1883132698"/>
       </p:ext>
     </p:extLst>
   </p:cSld>
@@ -3759,7 +3759,7 @@
     </p:spTree>
     <p:extLst>
       <p:ext uri="{BB962C8B-B14F-4D97-AF65-F5344CB8AC3E}">
-        <p14:creationId xmlns:p14="http://schemas.microsoft.com/office/powerpoint/2010/main" xmlns="" val="1883132698"/>
+        <p14:creationId xmlns="" xmlns:p14="http://schemas.microsoft.com/office/powerpoint/2010/main" val="1883132698"/>
       </p:ext>
     </p:extLst>
   </p:cSld>
@@ -3846,7 +3846,7 @@
     </p:spTree>
     <p:extLst>
       <p:ext uri="{BB962C8B-B14F-4D97-AF65-F5344CB8AC3E}">
-        <p14:creationId xmlns:p14="http://schemas.microsoft.com/office/powerpoint/2010/main" xmlns="" val="1883132698"/>
+        <p14:creationId xmlns="" xmlns:p14="http://schemas.microsoft.com/office/powerpoint/2010/main" val="1883132698"/>
       </p:ext>
     </p:extLst>
   </p:cSld>
@@ -3933,7 +3933,7 @@
     </p:spTree>
     <p:extLst>
       <p:ext uri="{BB962C8B-B14F-4D97-AF65-F5344CB8AC3E}">
-        <p14:creationId xmlns:p14="http://schemas.microsoft.com/office/powerpoint/2010/main" xmlns="" val="1883132698"/>
+        <p14:creationId xmlns="" xmlns:p14="http://schemas.microsoft.com/office/powerpoint/2010/main" val="1883132698"/>
       </p:ext>
     </p:extLst>
   </p:cSld>
@@ -4020,7 +4020,7 @@
     </p:spTree>
     <p:extLst>
       <p:ext uri="{BB962C8B-B14F-4D97-AF65-F5344CB8AC3E}">
-        <p14:creationId xmlns:p14="http://schemas.microsoft.com/office/powerpoint/2010/main" xmlns="" val="1883132698"/>
+        <p14:creationId xmlns="" xmlns:p14="http://schemas.microsoft.com/office/powerpoint/2010/main" val="1883132698"/>
       </p:ext>
     </p:extLst>
   </p:cSld>
@@ -4107,7 +4107,7 @@
     </p:spTree>
     <p:extLst>
       <p:ext uri="{BB962C8B-B14F-4D97-AF65-F5344CB8AC3E}">
-        <p14:creationId xmlns:p14="http://schemas.microsoft.com/office/powerpoint/2010/main" xmlns="" val="1883132698"/>
+        <p14:creationId xmlns="" xmlns:p14="http://schemas.microsoft.com/office/powerpoint/2010/main" val="1883132698"/>
       </p:ext>
     </p:extLst>
   </p:cSld>
@@ -4194,7 +4194,7 @@
     </p:spTree>
     <p:extLst>
       <p:ext uri="{BB962C8B-B14F-4D97-AF65-F5344CB8AC3E}">
-        <p14:creationId xmlns:p14="http://schemas.microsoft.com/office/powerpoint/2010/main" xmlns="" val="1883132698"/>
+        <p14:creationId xmlns="" xmlns:p14="http://schemas.microsoft.com/office/powerpoint/2010/main" val="1883132698"/>
       </p:ext>
     </p:extLst>
   </p:cSld>
@@ -4281,7 +4281,7 @@
     </p:spTree>
     <p:extLst>
       <p:ext uri="{BB962C8B-B14F-4D97-AF65-F5344CB8AC3E}">
-        <p14:creationId xmlns:p14="http://schemas.microsoft.com/office/powerpoint/2010/main" xmlns="" val="1883132698"/>
+        <p14:creationId xmlns="" xmlns:p14="http://schemas.microsoft.com/office/powerpoint/2010/main" val="1883132698"/>
       </p:ext>
     </p:extLst>
   </p:cSld>
@@ -4368,7 +4368,7 @@
     </p:spTree>
     <p:extLst>
       <p:ext uri="{BB962C8B-B14F-4D97-AF65-F5344CB8AC3E}">
-        <p14:creationId xmlns:p14="http://schemas.microsoft.com/office/powerpoint/2010/main" xmlns="" val="1883132698"/>
+        <p14:creationId xmlns="" xmlns:p14="http://schemas.microsoft.com/office/powerpoint/2010/main" val="1883132698"/>
       </p:ext>
     </p:extLst>
   </p:cSld>
@@ -4455,7 +4455,7 @@
     </p:spTree>
     <p:extLst>
       <p:ext uri="{BB962C8B-B14F-4D97-AF65-F5344CB8AC3E}">
-        <p14:creationId xmlns:p14="http://schemas.microsoft.com/office/powerpoint/2010/main" xmlns="" val="1883132698"/>
+        <p14:creationId xmlns="" xmlns:p14="http://schemas.microsoft.com/office/powerpoint/2010/main" val="1883132698"/>
       </p:ext>
     </p:extLst>
   </p:cSld>
@@ -4542,7 +4542,7 @@
     </p:spTree>
     <p:extLst>
       <p:ext uri="{BB962C8B-B14F-4D97-AF65-F5344CB8AC3E}">
-        <p14:creationId xmlns:p14="http://schemas.microsoft.com/office/powerpoint/2010/main" xmlns="" val="1883132698"/>
+        <p14:creationId xmlns="" xmlns:p14="http://schemas.microsoft.com/office/powerpoint/2010/main" val="1883132698"/>
       </p:ext>
     </p:extLst>
   </p:cSld>
@@ -4581,7 +4581,7 @@
           <a:blip r:embed="rId2">
             <a:extLst>
               <a:ext uri="{28A0092B-C50C-407E-A947-70E740481C1C}">
-                <a14:useLocalDpi xmlns:a14="http://schemas.microsoft.com/office/drawing/2010/main" xmlns="" val="0"/>
+                <a14:useLocalDpi xmlns="" xmlns:a14="http://schemas.microsoft.com/office/drawing/2010/main" val="0"/>
               </a:ext>
             </a:extLst>
           </a:blip>
@@ -4895,7 +4895,7 @@
           <a:blip r:embed="rId3">
             <a:extLst>
               <a:ext uri="{28A0092B-C50C-407E-A947-70E740481C1C}">
-                <a14:useLocalDpi xmlns:a14="http://schemas.microsoft.com/office/drawing/2010/main" xmlns="" val="0"/>
+                <a14:useLocalDpi xmlns="" xmlns:a14="http://schemas.microsoft.com/office/drawing/2010/main" val="0"/>
               </a:ext>
             </a:extLst>
           </a:blip>
@@ -4915,7 +4915,7 @@
           <a:noFill/>
           <a:extLst>
             <a:ext uri="{909E8E84-426E-40DD-AFC4-6F175D3DCCD1}">
-              <a14:hiddenFill xmlns:a14="http://schemas.microsoft.com/office/drawing/2010/main" xmlns="">
+              <a14:hiddenFill xmlns="" xmlns:a14="http://schemas.microsoft.com/office/drawing/2010/main">
                 <a:solidFill>
                   <a:srgbClr val="FFFFFF"/>
                 </a:solidFill>
@@ -4927,7 +4927,7 @@
     </p:spTree>
     <p:extLst>
       <p:ext uri="{BB962C8B-B14F-4D97-AF65-F5344CB8AC3E}">
-        <p14:creationId xmlns:p14="http://schemas.microsoft.com/office/powerpoint/2010/main" xmlns="" val="2032434000"/>
+        <p14:creationId xmlns="" xmlns:p14="http://schemas.microsoft.com/office/powerpoint/2010/main" val="2032434000"/>
       </p:ext>
     </p:extLst>
   </p:cSld>
@@ -4973,7 +4973,7 @@
           <a:blip r:embed="rId2">
             <a:extLst>
               <a:ext uri="{28A0092B-C50C-407E-A947-70E740481C1C}">
-                <a14:useLocalDpi xmlns:a14="http://schemas.microsoft.com/office/drawing/2010/main" xmlns="" val="0"/>
+                <a14:useLocalDpi xmlns="" xmlns:a14="http://schemas.microsoft.com/office/drawing/2010/main" val="0"/>
               </a:ext>
             </a:extLst>
           </a:blip>
@@ -5269,7 +5269,7 @@
           <a:blip r:embed="rId3">
             <a:extLst>
               <a:ext uri="{28A0092B-C50C-407E-A947-70E740481C1C}">
-                <a14:useLocalDpi xmlns:a14="http://schemas.microsoft.com/office/drawing/2010/main" xmlns="" val="0"/>
+                <a14:useLocalDpi xmlns="" xmlns:a14="http://schemas.microsoft.com/office/drawing/2010/main" val="0"/>
               </a:ext>
             </a:extLst>
           </a:blip>
@@ -5289,7 +5289,7 @@
           <a:noFill/>
           <a:extLst>
             <a:ext uri="{909E8E84-426E-40DD-AFC4-6F175D3DCCD1}">
-              <a14:hiddenFill xmlns:a14="http://schemas.microsoft.com/office/drawing/2010/main" xmlns="">
+              <a14:hiddenFill xmlns="" xmlns:a14="http://schemas.microsoft.com/office/drawing/2010/main">
                 <a:solidFill>
                   <a:srgbClr val="FFFFFF"/>
                 </a:solidFill>
@@ -5301,7 +5301,7 @@
     </p:spTree>
     <p:extLst>
       <p:ext uri="{BB962C8B-B14F-4D97-AF65-F5344CB8AC3E}">
-        <p14:creationId xmlns:p14="http://schemas.microsoft.com/office/powerpoint/2010/main" xmlns="" val="707728385"/>
+        <p14:creationId xmlns="" xmlns:p14="http://schemas.microsoft.com/office/powerpoint/2010/main" val="707728385"/>
       </p:ext>
     </p:extLst>
   </p:cSld>
@@ -5317,7 +5317,7 @@
   </p:timing>
   <p:extLst mod="1">
     <p:ext uri="{DCECCB84-F9BA-43D5-87BE-67443E8EF086}">
-      <p15:sldGuideLst xmlns="" xmlns:p15="http://schemas.microsoft.com/office/powerpoint/2012/main">
+      <p15:sldGuideLst xmlns:p15="http://schemas.microsoft.com/office/powerpoint/2012/main" xmlns="">
         <p15:guide id="1" orient="horz" pos="1221">
           <p15:clr>
             <a:srgbClr val="C35EA4"/>
@@ -5358,7 +5358,7 @@
           <a:blip r:embed="rId2">
             <a:extLst>
               <a:ext uri="{28A0092B-C50C-407E-A947-70E740481C1C}">
-                <a14:useLocalDpi xmlns:a14="http://schemas.microsoft.com/office/drawing/2010/main" xmlns="" val="0"/>
+                <a14:useLocalDpi xmlns="" xmlns:a14="http://schemas.microsoft.com/office/drawing/2010/main" val="0"/>
               </a:ext>
             </a:extLst>
           </a:blip>
@@ -5609,7 +5609,7 @@
           <a:blip r:embed="rId3">
             <a:extLst>
               <a:ext uri="{28A0092B-C50C-407E-A947-70E740481C1C}">
-                <a14:useLocalDpi xmlns:a14="http://schemas.microsoft.com/office/drawing/2010/main" xmlns="" val="0"/>
+                <a14:useLocalDpi xmlns="" xmlns:a14="http://schemas.microsoft.com/office/drawing/2010/main" val="0"/>
               </a:ext>
             </a:extLst>
           </a:blip>
@@ -5629,7 +5629,7 @@
           <a:noFill/>
           <a:extLst>
             <a:ext uri="{909E8E84-426E-40DD-AFC4-6F175D3DCCD1}">
-              <a14:hiddenFill xmlns:a14="http://schemas.microsoft.com/office/drawing/2010/main" xmlns="">
+              <a14:hiddenFill xmlns="" xmlns:a14="http://schemas.microsoft.com/office/drawing/2010/main">
                 <a:solidFill>
                   <a:srgbClr val="FFFFFF"/>
                 </a:solidFill>
@@ -5641,7 +5641,7 @@
     </p:spTree>
     <p:extLst>
       <p:ext uri="{BB962C8B-B14F-4D97-AF65-F5344CB8AC3E}">
-        <p14:creationId xmlns:p14="http://schemas.microsoft.com/office/powerpoint/2010/main" xmlns="" val="3130113218"/>
+        <p14:creationId xmlns="" xmlns:p14="http://schemas.microsoft.com/office/powerpoint/2010/main" val="3130113218"/>
       </p:ext>
     </p:extLst>
   </p:cSld>
@@ -5650,7 +5650,7 @@
   </p:clrMapOvr>
   <p:extLst mod="1">
     <p:ext uri="{DCECCB84-F9BA-43D5-87BE-67443E8EF086}">
-      <p15:sldGuideLst xmlns="" xmlns:p15="http://schemas.microsoft.com/office/powerpoint/2012/main">
+      <p15:sldGuideLst xmlns:p15="http://schemas.microsoft.com/office/powerpoint/2012/main" xmlns="">
         <p15:guide id="1" orient="horz" pos="1221">
           <p15:clr>
             <a:srgbClr val="C35EA4"/>
@@ -5804,7 +5804,7 @@
     </p:spTree>
     <p:extLst>
       <p:ext uri="{BB962C8B-B14F-4D97-AF65-F5344CB8AC3E}">
-        <p14:creationId xmlns:p14="http://schemas.microsoft.com/office/powerpoint/2010/main" xmlns="" val="2626482632"/>
+        <p14:creationId xmlns="" xmlns:p14="http://schemas.microsoft.com/office/powerpoint/2010/main" val="2626482632"/>
       </p:ext>
     </p:extLst>
   </p:cSld>
@@ -6025,7 +6025,7 @@
     </p:spTree>
     <p:extLst>
       <p:ext uri="{BB962C8B-B14F-4D97-AF65-F5344CB8AC3E}">
-        <p14:creationId xmlns:p14="http://schemas.microsoft.com/office/powerpoint/2010/main" xmlns="" val="3371847988"/>
+        <p14:creationId xmlns="" xmlns:p14="http://schemas.microsoft.com/office/powerpoint/2010/main" val="3371847988"/>
       </p:ext>
     </p:extLst>
   </p:cSld>
@@ -6241,7 +6241,7 @@
     </p:spTree>
     <p:extLst>
       <p:ext uri="{BB962C8B-B14F-4D97-AF65-F5344CB8AC3E}">
-        <p14:creationId xmlns:p14="http://schemas.microsoft.com/office/powerpoint/2010/main" xmlns="" val="4208395069"/>
+        <p14:creationId xmlns="" xmlns:p14="http://schemas.microsoft.com/office/powerpoint/2010/main" val="4208395069"/>
       </p:ext>
     </p:extLst>
   </p:cSld>
@@ -6337,7 +6337,7 @@
     </p:spTree>
     <p:extLst>
       <p:ext uri="{BB962C8B-B14F-4D97-AF65-F5344CB8AC3E}">
-        <p14:creationId xmlns:p14="http://schemas.microsoft.com/office/powerpoint/2010/main" xmlns="" val="2097094422"/>
+        <p14:creationId xmlns="" xmlns:p14="http://schemas.microsoft.com/office/powerpoint/2010/main" val="2097094422"/>
       </p:ext>
     </p:extLst>
   </p:cSld>
@@ -6373,7 +6373,7 @@
           <p:nvPr userDrawn="1">
             <p:extLst>
               <p:ext uri="{D42A27DB-BD31-4B8C-83A1-F6EECF244321}">
-                <p14:modId xmlns:p14="http://schemas.microsoft.com/office/powerpoint/2010/main" xmlns="" val="2766779821"/>
+                <p14:modId xmlns="" xmlns:p14="http://schemas.microsoft.com/office/powerpoint/2010/main" val="2766779821"/>
               </p:ext>
             </p:extLst>
           </p:nvPr>
@@ -6402,7 +6402,7 @@
           <a:blip r:embed="rId4">
             <a:extLst>
               <a:ext uri="{28A0092B-C50C-407E-A947-70E740481C1C}">
-                <a14:useLocalDpi xmlns:a14="http://schemas.microsoft.com/office/drawing/2010/main" xmlns="" val="0"/>
+                <a14:useLocalDpi xmlns="" xmlns:a14="http://schemas.microsoft.com/office/drawing/2010/main" val="0"/>
               </a:ext>
             </a:extLst>
           </a:blip>
@@ -6654,7 +6654,7 @@
     </p:spTree>
     <p:extLst>
       <p:ext uri="{BB962C8B-B14F-4D97-AF65-F5344CB8AC3E}">
-        <p14:creationId xmlns:p14="http://schemas.microsoft.com/office/powerpoint/2010/main" xmlns="" val="2060546820"/>
+        <p14:creationId xmlns="" xmlns:p14="http://schemas.microsoft.com/office/powerpoint/2010/main" val="2060546820"/>
       </p:ext>
     </p:extLst>
   </p:cSld>
@@ -6698,7 +6698,7 @@
           <a:blip r:embed="rId11">
             <a:extLst>
               <a:ext uri="{28A0092B-C50C-407E-A947-70E740481C1C}">
-                <a14:useLocalDpi xmlns:a14="http://schemas.microsoft.com/office/drawing/2010/main" xmlns="" val="0"/>
+                <a14:useLocalDpi xmlns="" xmlns:a14="http://schemas.microsoft.com/office/drawing/2010/main" val="0"/>
               </a:ext>
             </a:extLst>
           </a:blip>
@@ -6718,7 +6718,7 @@
           <a:noFill/>
           <a:extLst>
             <a:ext uri="{909E8E84-426E-40DD-AFC4-6F175D3DCCD1}">
-              <a14:hiddenFill xmlns:a14="http://schemas.microsoft.com/office/drawing/2010/main" xmlns="">
+              <a14:hiddenFill xmlns="" xmlns:a14="http://schemas.microsoft.com/office/drawing/2010/main">
                 <a:solidFill>
                   <a:srgbClr val="FFFFFF"/>
                 </a:solidFill>
@@ -6736,7 +6736,7 @@
           <p:nvPr>
             <p:extLst>
               <p:ext uri="{D42A27DB-BD31-4B8C-83A1-F6EECF244321}">
-                <p14:modId xmlns:p14="http://schemas.microsoft.com/office/powerpoint/2010/main" xmlns="" val="2610759032"/>
+                <p14:modId xmlns="" xmlns:p14="http://schemas.microsoft.com/office/powerpoint/2010/main" val="2610759032"/>
               </p:ext>
             </p:extLst>
           </p:nvPr>
@@ -7607,7 +7607,7 @@
     </p:spTree>
     <p:extLst>
       <p:ext uri="{BB962C8B-B14F-4D97-AF65-F5344CB8AC3E}">
-        <p14:creationId xmlns:p14="http://schemas.microsoft.com/office/powerpoint/2010/main" xmlns="" val="2955847980"/>
+        <p14:creationId xmlns="" xmlns:p14="http://schemas.microsoft.com/office/powerpoint/2010/main" val="2955847980"/>
       </p:ext>
     </p:extLst>
   </p:cSld>
@@ -7926,7 +7926,7 @@
   </p:txStyles>
   <p:extLst mod="1">
     <p:ext uri="{27BBF7A9-308A-43DC-89C8-2F10F3537804}">
-      <p15:sldGuideLst xmlns="" xmlns:p15="http://schemas.microsoft.com/office/powerpoint/2012/main">
+      <p15:sldGuideLst xmlns:p15="http://schemas.microsoft.com/office/powerpoint/2012/main" xmlns="">
         <p15:guide id="1" pos="283">
           <p15:clr>
             <a:srgbClr val="FBAE40"/>
@@ -8076,7 +8076,7 @@
     </p:spTree>
     <p:extLst>
       <p:ext uri="{BB962C8B-B14F-4D97-AF65-F5344CB8AC3E}">
-        <p14:creationId xmlns:p14="http://schemas.microsoft.com/office/powerpoint/2010/main" xmlns="" val="3230101943"/>
+        <p14:creationId xmlns="" xmlns:p14="http://schemas.microsoft.com/office/powerpoint/2010/main" val="3230101943"/>
       </p:ext>
     </p:extLst>
   </p:cSld>
@@ -8180,7 +8180,7 @@
           <a:blip r:embed="rId3">
             <a:extLst>
               <a:ext uri="{28A0092B-C50C-407E-A947-70E740481C1C}">
-                <a14:useLocalDpi xmlns:a14="http://schemas.microsoft.com/office/drawing/2010/main" xmlns="" val="0"/>
+                <a14:useLocalDpi xmlns="" xmlns:a14="http://schemas.microsoft.com/office/drawing/2010/main" val="0"/>
               </a:ext>
             </a:extLst>
           </a:blip>
@@ -8203,14 +8203,14 @@
           </a:ln>
           <a:extLst>
             <a:ext uri="{909E8E84-426E-40DD-AFC4-6F175D3DCCD1}">
-              <a14:hiddenFill xmlns:a14="http://schemas.microsoft.com/office/drawing/2010/main" xmlns="">
+              <a14:hiddenFill xmlns="" xmlns:a14="http://schemas.microsoft.com/office/drawing/2010/main">
                 <a:solidFill>
                   <a:schemeClr val="accent1"/>
                 </a:solidFill>
               </a14:hiddenFill>
             </a:ext>
             <a:ext uri="{91240B29-F687-4F45-9708-019B960494DF}">
-              <a14:hiddenLine xmlns:a14="http://schemas.microsoft.com/office/drawing/2010/main" xmlns="" w="9525">
+              <a14:hiddenLine xmlns="" xmlns:a14="http://schemas.microsoft.com/office/drawing/2010/main" w="9525">
                 <a:solidFill>
                   <a:schemeClr val="tx1"/>
                 </a:solidFill>
@@ -8225,7 +8225,7 @@
     </p:spTree>
     <p:extLst>
       <p:ext uri="{BB962C8B-B14F-4D97-AF65-F5344CB8AC3E}">
-        <p14:creationId xmlns:p14="http://schemas.microsoft.com/office/powerpoint/2010/main" xmlns="" val="2942586073"/>
+        <p14:creationId xmlns="" xmlns:p14="http://schemas.microsoft.com/office/powerpoint/2010/main" val="2942586073"/>
       </p:ext>
     </p:extLst>
   </p:cSld>
@@ -8233,7 +8233,7 @@
     <a:masterClrMapping/>
   </p:clrMapOvr>
   <mc:AlternateContent xmlns:mc="http://schemas.openxmlformats.org/markup-compatibility/2006">
-    <mc:Choice xmlns:p14="http://schemas.microsoft.com/office/powerpoint/2010/main" xmlns="" Requires="p14">
+    <mc:Choice xmlns="" xmlns:p14="http://schemas.microsoft.com/office/powerpoint/2010/main" Requires="p14">
       <p:transition p14:dur="10"/>
     </mc:Choice>
     <mc:Fallback>
@@ -8383,7 +8383,7 @@
     </p:spTree>
     <p:extLst>
       <p:ext uri="{BB962C8B-B14F-4D97-AF65-F5344CB8AC3E}">
-        <p14:creationId xmlns:p14="http://schemas.microsoft.com/office/powerpoint/2010/main" xmlns="" val="3518818266"/>
+        <p14:creationId xmlns="" xmlns:p14="http://schemas.microsoft.com/office/powerpoint/2010/main" val="3518818266"/>
       </p:ext>
     </p:extLst>
   </p:cSld>
@@ -8391,7 +8391,7 @@
     <a:masterClrMapping/>
   </p:clrMapOvr>
   <mc:AlternateContent xmlns:mc="http://schemas.openxmlformats.org/markup-compatibility/2006">
-    <mc:Choice xmlns:p14="http://schemas.microsoft.com/office/powerpoint/2010/main" xmlns="" Requires="p14">
+    <mc:Choice xmlns="" xmlns:p14="http://schemas.microsoft.com/office/powerpoint/2010/main" Requires="p14">
       <p:transition p14:dur="0"/>
     </mc:Choice>
     <mc:Fallback>
@@ -8564,7 +8564,7 @@
     </p:spTree>
     <p:extLst>
       <p:ext uri="{BB962C8B-B14F-4D97-AF65-F5344CB8AC3E}">
-        <p14:creationId xmlns:p14="http://schemas.microsoft.com/office/powerpoint/2010/main" xmlns="" val="2006845972"/>
+        <p14:creationId xmlns="" xmlns:p14="http://schemas.microsoft.com/office/powerpoint/2010/main" val="2006845972"/>
       </p:ext>
     </p:extLst>
   </p:cSld>
@@ -8572,7 +8572,7 @@
     <a:masterClrMapping/>
   </p:clrMapOvr>
   <mc:AlternateContent xmlns:mc="http://schemas.openxmlformats.org/markup-compatibility/2006">
-    <mc:Choice xmlns:p14="http://schemas.microsoft.com/office/powerpoint/2010/main" xmlns="" Requires="p14">
+    <mc:Choice xmlns="" xmlns:p14="http://schemas.microsoft.com/office/powerpoint/2010/main" Requires="p14">
       <p:transition p14:dur="10"/>
     </mc:Choice>
     <mc:Fallback>
@@ -8728,37 +8728,8 @@
                   <a:srgbClr val="00B050"/>
                 </a:solidFill>
               </a:rPr>
-              <a:t> run </a:t>
-            </a:r>
-            <a:r>
-              <a:rPr lang="pl-PL" dirty="0" smtClean="0">
-                <a:solidFill>
-                  <a:srgbClr val="00B050"/>
-                </a:solidFill>
-              </a:rPr>
-              <a:t>-Dexec.args="2 </a:t>
-            </a:r>
-            <a:r>
-              <a:rPr lang="pl-PL" dirty="0" smtClean="0">
-                <a:solidFill>
-                  <a:srgbClr val="00B050"/>
-                </a:solidFill>
-              </a:rPr>
-              <a:t>-3 </a:t>
-            </a:r>
-            <a:r>
-              <a:rPr lang="pl-PL" dirty="0" smtClean="0">
-                <a:solidFill>
-                  <a:srgbClr val="00B050"/>
-                </a:solidFill>
-              </a:rPr>
-              <a:t>5"</a:t>
-            </a:r>
-            <a:endParaRPr lang="pl-PL" dirty="0" smtClean="0">
-              <a:solidFill>
-                <a:srgbClr val="00B050"/>
-              </a:solidFill>
-            </a:endParaRPr>
+              <a:t> run -Dexec.args="2 -3 5"</a:t>
+            </a:r>
           </a:p>
           <a:p>
             <a:pPr lvl="1"/>
@@ -8846,7 +8817,7 @@
           <a:blip r:embed="rId4">
             <a:extLst>
               <a:ext uri="{28A0092B-C50C-407E-A947-70E740481C1C}">
-                <a14:useLocalDpi xmlns:a14="http://schemas.microsoft.com/office/drawing/2010/main" xmlns="" val="0"/>
+                <a14:useLocalDpi xmlns="" xmlns:a14="http://schemas.microsoft.com/office/drawing/2010/main" val="0"/>
               </a:ext>
             </a:extLst>
           </a:blip>
@@ -8869,14 +8840,14 @@
           </a:ln>
           <a:extLst>
             <a:ext uri="{909E8E84-426E-40DD-AFC4-6F175D3DCCD1}">
-              <a14:hiddenFill xmlns:a14="http://schemas.microsoft.com/office/drawing/2010/main" xmlns="">
+              <a14:hiddenFill xmlns="" xmlns:a14="http://schemas.microsoft.com/office/drawing/2010/main">
                 <a:solidFill>
                   <a:schemeClr val="accent1"/>
                 </a:solidFill>
               </a14:hiddenFill>
             </a:ext>
             <a:ext uri="{91240B29-F687-4F45-9708-019B960494DF}">
-              <a14:hiddenLine xmlns:a14="http://schemas.microsoft.com/office/drawing/2010/main" xmlns="" w="9525">
+              <a14:hiddenLine xmlns="" xmlns:a14="http://schemas.microsoft.com/office/drawing/2010/main" w="9525">
                 <a:solidFill>
                   <a:schemeClr val="tx1"/>
                 </a:solidFill>
@@ -8891,7 +8862,7 @@
     </p:spTree>
     <p:extLst>
       <p:ext uri="{BB962C8B-B14F-4D97-AF65-F5344CB8AC3E}">
-        <p14:creationId xmlns:p14="http://schemas.microsoft.com/office/powerpoint/2010/main" xmlns="" val="1951123160"/>
+        <p14:creationId xmlns="" xmlns:p14="http://schemas.microsoft.com/office/powerpoint/2010/main" val="1951123160"/>
       </p:ext>
     </p:extLst>
   </p:cSld>
@@ -8899,7 +8870,7 @@
     <a:masterClrMapping/>
   </p:clrMapOvr>
   <mc:AlternateContent xmlns:mc="http://schemas.openxmlformats.org/markup-compatibility/2006">
-    <mc:Choice xmlns:p14="http://schemas.microsoft.com/office/powerpoint/2010/main" xmlns="" Requires="p14">
+    <mc:Choice xmlns="" xmlns:p14="http://schemas.microsoft.com/office/powerpoint/2010/main" Requires="p14">
       <p:transition p14:dur="0"/>
     </mc:Choice>
     <mc:Fallback>
@@ -9121,7 +9092,7 @@
     </p:spTree>
     <p:extLst>
       <p:ext uri="{BB962C8B-B14F-4D97-AF65-F5344CB8AC3E}">
-        <p14:creationId xmlns:p14="http://schemas.microsoft.com/office/powerpoint/2010/main" xmlns="" val="39134720"/>
+        <p14:creationId xmlns="" xmlns:p14="http://schemas.microsoft.com/office/powerpoint/2010/main" val="39134720"/>
       </p:ext>
     </p:extLst>
   </p:cSld>
@@ -9129,7 +9100,7 @@
     <a:masterClrMapping/>
   </p:clrMapOvr>
   <mc:AlternateContent xmlns:mc="http://schemas.openxmlformats.org/markup-compatibility/2006">
-    <mc:Choice xmlns:p14="http://schemas.microsoft.com/office/powerpoint/2010/main" xmlns="" Requires="p14">
+    <mc:Choice xmlns="" xmlns:p14="http://schemas.microsoft.com/office/powerpoint/2010/main" Requires="p14">
       <p:transition p14:dur="0"/>
     </mc:Choice>
     <mc:Fallback>
@@ -9390,7 +9361,7 @@
           <a:blip r:embed="rId4">
             <a:extLst>
               <a:ext uri="{28A0092B-C50C-407E-A947-70E740481C1C}">
-                <a14:useLocalDpi xmlns:a14="http://schemas.microsoft.com/office/drawing/2010/main" xmlns="" val="0"/>
+                <a14:useLocalDpi xmlns="" xmlns:a14="http://schemas.microsoft.com/office/drawing/2010/main" val="0"/>
               </a:ext>
             </a:extLst>
           </a:blip>
@@ -9413,14 +9384,14 @@
           </a:ln>
           <a:extLst>
             <a:ext uri="{909E8E84-426E-40DD-AFC4-6F175D3DCCD1}">
-              <a14:hiddenFill xmlns:a14="http://schemas.microsoft.com/office/drawing/2010/main" xmlns="">
+              <a14:hiddenFill xmlns="" xmlns:a14="http://schemas.microsoft.com/office/drawing/2010/main">
                 <a:solidFill>
                   <a:schemeClr val="accent1"/>
                 </a:solidFill>
               </a14:hiddenFill>
             </a:ext>
             <a:ext uri="{91240B29-F687-4F45-9708-019B960494DF}">
-              <a14:hiddenLine xmlns:a14="http://schemas.microsoft.com/office/drawing/2010/main" xmlns="" w="9525">
+              <a14:hiddenLine xmlns="" xmlns:a14="http://schemas.microsoft.com/office/drawing/2010/main" w="9525">
                 <a:solidFill>
                   <a:schemeClr val="tx1"/>
                 </a:solidFill>
@@ -9435,7 +9406,7 @@
     </p:spTree>
     <p:extLst>
       <p:ext uri="{BB962C8B-B14F-4D97-AF65-F5344CB8AC3E}">
-        <p14:creationId xmlns:p14="http://schemas.microsoft.com/office/powerpoint/2010/main" xmlns="" val="661621148"/>
+        <p14:creationId xmlns="" xmlns:p14="http://schemas.microsoft.com/office/powerpoint/2010/main" val="661621148"/>
       </p:ext>
     </p:extLst>
   </p:cSld>
@@ -9443,7 +9414,7 @@
     <a:masterClrMapping/>
   </p:clrMapOvr>
   <mc:AlternateContent xmlns:mc="http://schemas.openxmlformats.org/markup-compatibility/2006">
-    <mc:Choice xmlns:p14="http://schemas.microsoft.com/office/powerpoint/2010/main" xmlns="" Requires="p14">
+    <mc:Choice xmlns="" xmlns:p14="http://schemas.microsoft.com/office/powerpoint/2010/main" Requires="p14">
       <p:transition p14:dur="0"/>
     </mc:Choice>
     <mc:Fallback>
@@ -9570,7 +9541,7 @@
           <a:blip r:embed="rId3">
             <a:extLst>
               <a:ext uri="{28A0092B-C50C-407E-A947-70E740481C1C}">
-                <a14:useLocalDpi xmlns:a14="http://schemas.microsoft.com/office/drawing/2010/main" xmlns="" val="0"/>
+                <a14:useLocalDpi xmlns="" xmlns:a14="http://schemas.microsoft.com/office/drawing/2010/main" val="0"/>
               </a:ext>
             </a:extLst>
           </a:blip>
@@ -9593,14 +9564,14 @@
           </a:ln>
           <a:extLst>
             <a:ext uri="{909E8E84-426E-40DD-AFC4-6F175D3DCCD1}">
-              <a14:hiddenFill xmlns:a14="http://schemas.microsoft.com/office/drawing/2010/main" xmlns="">
+              <a14:hiddenFill xmlns="" xmlns:a14="http://schemas.microsoft.com/office/drawing/2010/main">
                 <a:solidFill>
                   <a:schemeClr val="accent1"/>
                 </a:solidFill>
               </a14:hiddenFill>
             </a:ext>
             <a:ext uri="{91240B29-F687-4F45-9708-019B960494DF}">
-              <a14:hiddenLine xmlns:a14="http://schemas.microsoft.com/office/drawing/2010/main" xmlns="" w="9525">
+              <a14:hiddenLine xmlns="" xmlns:a14="http://schemas.microsoft.com/office/drawing/2010/main" w="9525">
                 <a:solidFill>
                   <a:schemeClr val="tx1"/>
                 </a:solidFill>
@@ -9624,7 +9595,7 @@
           <a:blip r:embed="rId4">
             <a:extLst>
               <a:ext uri="{28A0092B-C50C-407E-A947-70E740481C1C}">
-                <a14:useLocalDpi xmlns:a14="http://schemas.microsoft.com/office/drawing/2010/main" xmlns="" val="0"/>
+                <a14:useLocalDpi xmlns="" xmlns:a14="http://schemas.microsoft.com/office/drawing/2010/main" val="0"/>
               </a:ext>
             </a:extLst>
           </a:blip>
@@ -9647,14 +9618,14 @@
           </a:ln>
           <a:extLst>
             <a:ext uri="{909E8E84-426E-40DD-AFC4-6F175D3DCCD1}">
-              <a14:hiddenFill xmlns:a14="http://schemas.microsoft.com/office/drawing/2010/main" xmlns="">
+              <a14:hiddenFill xmlns="" xmlns:a14="http://schemas.microsoft.com/office/drawing/2010/main">
                 <a:solidFill>
                   <a:schemeClr val="accent1"/>
                 </a:solidFill>
               </a14:hiddenFill>
             </a:ext>
             <a:ext uri="{91240B29-F687-4F45-9708-019B960494DF}">
-              <a14:hiddenLine xmlns:a14="http://schemas.microsoft.com/office/drawing/2010/main" xmlns="" w="9525">
+              <a14:hiddenLine xmlns="" xmlns:a14="http://schemas.microsoft.com/office/drawing/2010/main" w="9525">
                 <a:solidFill>
                   <a:schemeClr val="tx1"/>
                 </a:solidFill>
@@ -9669,7 +9640,7 @@
     </p:spTree>
     <p:extLst>
       <p:ext uri="{BB962C8B-B14F-4D97-AF65-F5344CB8AC3E}">
-        <p14:creationId xmlns:p14="http://schemas.microsoft.com/office/powerpoint/2010/main" xmlns="" val="3574437626"/>
+        <p14:creationId xmlns="" xmlns:p14="http://schemas.microsoft.com/office/powerpoint/2010/main" val="3574437626"/>
       </p:ext>
     </p:extLst>
   </p:cSld>
@@ -9677,7 +9648,7 @@
     <a:masterClrMapping/>
   </p:clrMapOvr>
   <mc:AlternateContent xmlns:mc="http://schemas.openxmlformats.org/markup-compatibility/2006">
-    <mc:Choice xmlns:p14="http://schemas.microsoft.com/office/powerpoint/2010/main" xmlns="" Requires="p14">
+    <mc:Choice xmlns="" xmlns:p14="http://schemas.microsoft.com/office/powerpoint/2010/main" Requires="p14">
       <p:transition p14:dur="0"/>
     </mc:Choice>
     <mc:Fallback>
@@ -9804,7 +9775,7 @@
           <a:blip r:embed="rId3">
             <a:extLst>
               <a:ext uri="{28A0092B-C50C-407E-A947-70E740481C1C}">
-                <a14:useLocalDpi xmlns:a14="http://schemas.microsoft.com/office/drawing/2010/main" xmlns="" val="0"/>
+                <a14:useLocalDpi xmlns="" xmlns:a14="http://schemas.microsoft.com/office/drawing/2010/main" val="0"/>
               </a:ext>
             </a:extLst>
           </a:blip>
@@ -9827,14 +9798,14 @@
           </a:ln>
           <a:extLst>
             <a:ext uri="{909E8E84-426E-40DD-AFC4-6F175D3DCCD1}">
-              <a14:hiddenFill xmlns:a14="http://schemas.microsoft.com/office/drawing/2010/main" xmlns="">
+              <a14:hiddenFill xmlns="" xmlns:a14="http://schemas.microsoft.com/office/drawing/2010/main">
                 <a:solidFill>
                   <a:schemeClr val="accent1"/>
                 </a:solidFill>
               </a14:hiddenFill>
             </a:ext>
             <a:ext uri="{91240B29-F687-4F45-9708-019B960494DF}">
-              <a14:hiddenLine xmlns:a14="http://schemas.microsoft.com/office/drawing/2010/main" xmlns="" w="9525">
+              <a14:hiddenLine xmlns="" xmlns:a14="http://schemas.microsoft.com/office/drawing/2010/main" w="9525">
                 <a:solidFill>
                   <a:schemeClr val="tx1"/>
                 </a:solidFill>
@@ -9858,7 +9829,7 @@
           <a:blip r:embed="rId4">
             <a:extLst>
               <a:ext uri="{28A0092B-C50C-407E-A947-70E740481C1C}">
-                <a14:useLocalDpi xmlns:a14="http://schemas.microsoft.com/office/drawing/2010/main" xmlns="" val="0"/>
+                <a14:useLocalDpi xmlns="" xmlns:a14="http://schemas.microsoft.com/office/drawing/2010/main" val="0"/>
               </a:ext>
             </a:extLst>
           </a:blip>
@@ -9881,14 +9852,14 @@
           </a:ln>
           <a:extLst>
             <a:ext uri="{909E8E84-426E-40DD-AFC4-6F175D3DCCD1}">
-              <a14:hiddenFill xmlns:a14="http://schemas.microsoft.com/office/drawing/2010/main" xmlns="">
+              <a14:hiddenFill xmlns="" xmlns:a14="http://schemas.microsoft.com/office/drawing/2010/main">
                 <a:solidFill>
                   <a:schemeClr val="accent1"/>
                 </a:solidFill>
               </a14:hiddenFill>
             </a:ext>
             <a:ext uri="{91240B29-F687-4F45-9708-019B960494DF}">
-              <a14:hiddenLine xmlns:a14="http://schemas.microsoft.com/office/drawing/2010/main" xmlns="" w="9525">
+              <a14:hiddenLine xmlns="" xmlns:a14="http://schemas.microsoft.com/office/drawing/2010/main" w="9525">
                 <a:solidFill>
                   <a:schemeClr val="tx1"/>
                 </a:solidFill>
@@ -9938,14 +9909,13 @@
               <a:rPr lang="pl-PL" sz="1200" dirty="0" smtClean="0"/>
               <a:t>: https://github.com/m-kolodziejski/exercise1b.git</a:t>
             </a:r>
-            <a:endParaRPr lang="pl-PL" sz="1200" dirty="0" smtClean="0"/>
           </a:p>
         </p:txBody>
       </p:sp>
     </p:spTree>
     <p:extLst>
       <p:ext uri="{BB962C8B-B14F-4D97-AF65-F5344CB8AC3E}">
-        <p14:creationId xmlns:p14="http://schemas.microsoft.com/office/powerpoint/2010/main" xmlns="" val="1868250"/>
+        <p14:creationId xmlns="" xmlns:p14="http://schemas.microsoft.com/office/powerpoint/2010/main" val="1868250"/>
       </p:ext>
     </p:extLst>
   </p:cSld>
@@ -9953,7 +9923,7 @@
     <a:masterClrMapping/>
   </p:clrMapOvr>
   <mc:AlternateContent xmlns:mc="http://schemas.openxmlformats.org/markup-compatibility/2006">
-    <mc:Choice xmlns:p14="http://schemas.microsoft.com/office/powerpoint/2010/main" xmlns="" Requires="p14">
+    <mc:Choice xmlns="" xmlns:p14="http://schemas.microsoft.com/office/powerpoint/2010/main" Requires="p14">
       <p:transition p14:dur="0"/>
     </mc:Choice>
     <mc:Fallback>
@@ -10117,7 +10087,7 @@
           <a:blip r:embed="rId3">
             <a:extLst>
               <a:ext uri="{28A0092B-C50C-407E-A947-70E740481C1C}">
-                <a14:useLocalDpi xmlns:a14="http://schemas.microsoft.com/office/drawing/2010/main" xmlns="" val="0"/>
+                <a14:useLocalDpi xmlns="" xmlns:a14="http://schemas.microsoft.com/office/drawing/2010/main" val="0"/>
               </a:ext>
             </a:extLst>
           </a:blip>
@@ -10140,14 +10110,14 @@
           </a:ln>
           <a:extLst>
             <a:ext uri="{909E8E84-426E-40DD-AFC4-6F175D3DCCD1}">
-              <a14:hiddenFill xmlns:a14="http://schemas.microsoft.com/office/drawing/2010/main" xmlns="">
+              <a14:hiddenFill xmlns="" xmlns:a14="http://schemas.microsoft.com/office/drawing/2010/main">
                 <a:solidFill>
                   <a:schemeClr val="accent1"/>
                 </a:solidFill>
               </a14:hiddenFill>
             </a:ext>
             <a:ext uri="{91240B29-F687-4F45-9708-019B960494DF}">
-              <a14:hiddenLine xmlns:a14="http://schemas.microsoft.com/office/drawing/2010/main" xmlns="" w="9525">
+              <a14:hiddenLine xmlns="" xmlns:a14="http://schemas.microsoft.com/office/drawing/2010/main" w="9525">
                 <a:solidFill>
                   <a:schemeClr val="tx1"/>
                 </a:solidFill>
@@ -10171,7 +10141,7 @@
           <a:blip r:embed="rId4">
             <a:extLst>
               <a:ext uri="{28A0092B-C50C-407E-A947-70E740481C1C}">
-                <a14:useLocalDpi xmlns:a14="http://schemas.microsoft.com/office/drawing/2010/main" xmlns="" val="0"/>
+                <a14:useLocalDpi xmlns="" xmlns:a14="http://schemas.microsoft.com/office/drawing/2010/main" val="0"/>
               </a:ext>
             </a:extLst>
           </a:blip>
@@ -10194,14 +10164,14 @@
           </a:ln>
           <a:extLst>
             <a:ext uri="{909E8E84-426E-40DD-AFC4-6F175D3DCCD1}">
-              <a14:hiddenFill xmlns:a14="http://schemas.microsoft.com/office/drawing/2010/main" xmlns="">
+              <a14:hiddenFill xmlns="" xmlns:a14="http://schemas.microsoft.com/office/drawing/2010/main">
                 <a:solidFill>
                   <a:schemeClr val="accent1"/>
                 </a:solidFill>
               </a14:hiddenFill>
             </a:ext>
             <a:ext uri="{91240B29-F687-4F45-9708-019B960494DF}">
-              <a14:hiddenLine xmlns:a14="http://schemas.microsoft.com/office/drawing/2010/main" xmlns="" w="9525">
+              <a14:hiddenLine xmlns="" xmlns:a14="http://schemas.microsoft.com/office/drawing/2010/main" w="9525">
                 <a:solidFill>
                   <a:schemeClr val="tx1"/>
                 </a:solidFill>
@@ -10216,7 +10186,7 @@
     </p:spTree>
     <p:extLst>
       <p:ext uri="{BB962C8B-B14F-4D97-AF65-F5344CB8AC3E}">
-        <p14:creationId xmlns:p14="http://schemas.microsoft.com/office/powerpoint/2010/main" xmlns="" val="3500477292"/>
+        <p14:creationId xmlns="" xmlns:p14="http://schemas.microsoft.com/office/powerpoint/2010/main" val="3500477292"/>
       </p:ext>
     </p:extLst>
   </p:cSld>
@@ -10224,7 +10194,7 @@
     <a:masterClrMapping/>
   </p:clrMapOvr>
   <mc:AlternateContent xmlns:mc="http://schemas.openxmlformats.org/markup-compatibility/2006">
-    <mc:Choice xmlns:p14="http://schemas.microsoft.com/office/powerpoint/2010/main" xmlns="" Requires="p14">
+    <mc:Choice xmlns="" xmlns:p14="http://schemas.microsoft.com/office/powerpoint/2010/main" Requires="p14">
       <p:transition p14:dur="0"/>
     </mc:Choice>
     <mc:Fallback>
@@ -10351,7 +10321,7 @@
           <a:blip r:embed="rId3">
             <a:extLst>
               <a:ext uri="{28A0092B-C50C-407E-A947-70E740481C1C}">
-                <a14:useLocalDpi xmlns:a14="http://schemas.microsoft.com/office/drawing/2010/main" xmlns="" val="0"/>
+                <a14:useLocalDpi xmlns="" xmlns:a14="http://schemas.microsoft.com/office/drawing/2010/main" val="0"/>
               </a:ext>
             </a:extLst>
           </a:blip>
@@ -10374,14 +10344,14 @@
           </a:ln>
           <a:extLst>
             <a:ext uri="{909E8E84-426E-40DD-AFC4-6F175D3DCCD1}">
-              <a14:hiddenFill xmlns:a14="http://schemas.microsoft.com/office/drawing/2010/main" xmlns="">
+              <a14:hiddenFill xmlns="" xmlns:a14="http://schemas.microsoft.com/office/drawing/2010/main">
                 <a:solidFill>
                   <a:schemeClr val="accent1"/>
                 </a:solidFill>
               </a14:hiddenFill>
             </a:ext>
             <a:ext uri="{91240B29-F687-4F45-9708-019B960494DF}">
-              <a14:hiddenLine xmlns:a14="http://schemas.microsoft.com/office/drawing/2010/main" xmlns="" w="9525">
+              <a14:hiddenLine xmlns="" xmlns:a14="http://schemas.microsoft.com/office/drawing/2010/main" w="9525">
                 <a:solidFill>
                   <a:schemeClr val="tx1"/>
                 </a:solidFill>
@@ -10464,7 +10434,7 @@
           <a:blip r:embed="rId4">
             <a:extLst>
               <a:ext uri="{28A0092B-C50C-407E-A947-70E740481C1C}">
-                <a14:useLocalDpi xmlns:a14="http://schemas.microsoft.com/office/drawing/2010/main" xmlns="" val="0"/>
+                <a14:useLocalDpi xmlns="" xmlns:a14="http://schemas.microsoft.com/office/drawing/2010/main" val="0"/>
               </a:ext>
             </a:extLst>
           </a:blip>
@@ -10487,14 +10457,14 @@
           </a:ln>
           <a:extLst>
             <a:ext uri="{909E8E84-426E-40DD-AFC4-6F175D3DCCD1}">
-              <a14:hiddenFill xmlns:a14="http://schemas.microsoft.com/office/drawing/2010/main" xmlns="">
+              <a14:hiddenFill xmlns="" xmlns:a14="http://schemas.microsoft.com/office/drawing/2010/main">
                 <a:solidFill>
                   <a:schemeClr val="accent1"/>
                 </a:solidFill>
               </a14:hiddenFill>
             </a:ext>
             <a:ext uri="{91240B29-F687-4F45-9708-019B960494DF}">
-              <a14:hiddenLine xmlns:a14="http://schemas.microsoft.com/office/drawing/2010/main" xmlns="" w="9525">
+              <a14:hiddenLine xmlns="" xmlns:a14="http://schemas.microsoft.com/office/drawing/2010/main" w="9525">
                 <a:solidFill>
                   <a:schemeClr val="tx1"/>
                 </a:solidFill>
@@ -10509,7 +10479,7 @@
     </p:spTree>
     <p:extLst>
       <p:ext uri="{BB962C8B-B14F-4D97-AF65-F5344CB8AC3E}">
-        <p14:creationId xmlns:p14="http://schemas.microsoft.com/office/powerpoint/2010/main" xmlns="" val="3668343451"/>
+        <p14:creationId xmlns="" xmlns:p14="http://schemas.microsoft.com/office/powerpoint/2010/main" val="3668343451"/>
       </p:ext>
     </p:extLst>
   </p:cSld>
@@ -10517,7 +10487,7 @@
     <a:masterClrMapping/>
   </p:clrMapOvr>
   <mc:AlternateContent xmlns:mc="http://schemas.openxmlformats.org/markup-compatibility/2006">
-    <mc:Choice xmlns:p14="http://schemas.microsoft.com/office/powerpoint/2010/main" xmlns="" Requires="p14">
+    <mc:Choice xmlns="" xmlns:p14="http://schemas.microsoft.com/office/powerpoint/2010/main" Requires="p14">
       <p:transition p14:dur="0"/>
     </mc:Choice>
     <mc:Fallback>
@@ -10639,7 +10609,7 @@
           <p:nvPr>
             <p:extLst>
               <p:ext uri="{D42A27DB-BD31-4B8C-83A1-F6EECF244321}">
-                <p14:modId xmlns:p14="http://schemas.microsoft.com/office/powerpoint/2010/main" xmlns="" val="3816946763"/>
+                <p14:modId xmlns="" xmlns:p14="http://schemas.microsoft.com/office/powerpoint/2010/main" val="3816946763"/>
               </p:ext>
             </p:extLst>
           </p:nvPr>
@@ -11080,7 +11050,7 @@
     </p:spTree>
     <p:extLst>
       <p:ext uri="{BB962C8B-B14F-4D97-AF65-F5344CB8AC3E}">
-        <p14:creationId xmlns:p14="http://schemas.microsoft.com/office/powerpoint/2010/main" xmlns="" val="1670718189"/>
+        <p14:creationId xmlns="" xmlns:p14="http://schemas.microsoft.com/office/powerpoint/2010/main" val="1670718189"/>
       </p:ext>
     </p:extLst>
   </p:cSld>
@@ -11088,7 +11058,7 @@
     <a:masterClrMapping/>
   </p:clrMapOvr>
   <mc:AlternateContent xmlns:mc="http://schemas.openxmlformats.org/markup-compatibility/2006">
-    <mc:Choice xmlns:p14="http://schemas.microsoft.com/office/powerpoint/2010/main" xmlns="" Requires="p14">
+    <mc:Choice xmlns="" xmlns:p14="http://schemas.microsoft.com/office/powerpoint/2010/main" Requires="p14">
       <p:transition p14:dur="0"/>
     </mc:Choice>
     <mc:Fallback>
@@ -11226,7 +11196,7 @@
           <a:blip r:embed="rId3">
             <a:extLst>
               <a:ext uri="{28A0092B-C50C-407E-A947-70E740481C1C}">
-                <a14:useLocalDpi xmlns:a14="http://schemas.microsoft.com/office/drawing/2010/main" xmlns="" val="0"/>
+                <a14:useLocalDpi xmlns="" xmlns:a14="http://schemas.microsoft.com/office/drawing/2010/main" val="0"/>
               </a:ext>
             </a:extLst>
           </a:blip>
@@ -11249,14 +11219,14 @@
           </a:ln>
           <a:extLst>
             <a:ext uri="{909E8E84-426E-40DD-AFC4-6F175D3DCCD1}">
-              <a14:hiddenFill xmlns:a14="http://schemas.microsoft.com/office/drawing/2010/main" xmlns="">
+              <a14:hiddenFill xmlns="" xmlns:a14="http://schemas.microsoft.com/office/drawing/2010/main">
                 <a:solidFill>
                   <a:schemeClr val="accent1"/>
                 </a:solidFill>
               </a14:hiddenFill>
             </a:ext>
             <a:ext uri="{91240B29-F687-4F45-9708-019B960494DF}">
-              <a14:hiddenLine xmlns:a14="http://schemas.microsoft.com/office/drawing/2010/main" xmlns="" w="9525">
+              <a14:hiddenLine xmlns="" xmlns:a14="http://schemas.microsoft.com/office/drawing/2010/main" w="9525">
                 <a:solidFill>
                   <a:schemeClr val="tx1"/>
                 </a:solidFill>
@@ -11271,7 +11241,7 @@
     </p:spTree>
     <p:extLst>
       <p:ext uri="{BB962C8B-B14F-4D97-AF65-F5344CB8AC3E}">
-        <p14:creationId xmlns:p14="http://schemas.microsoft.com/office/powerpoint/2010/main" xmlns="" val="3464458849"/>
+        <p14:creationId xmlns="" xmlns:p14="http://schemas.microsoft.com/office/powerpoint/2010/main" val="3464458849"/>
       </p:ext>
     </p:extLst>
   </p:cSld>
@@ -11279,7 +11249,7 @@
     <a:masterClrMapping/>
   </p:clrMapOvr>
   <mc:AlternateContent xmlns:mc="http://schemas.openxmlformats.org/markup-compatibility/2006">
-    <mc:Choice xmlns:p14="http://schemas.microsoft.com/office/powerpoint/2010/main" xmlns="" Requires="p14">
+    <mc:Choice xmlns="" xmlns:p14="http://schemas.microsoft.com/office/powerpoint/2010/main" Requires="p14">
       <p:transition p14:dur="0"/>
     </mc:Choice>
     <mc:Fallback>
@@ -11417,7 +11387,7 @@
           <a:blip r:embed="rId3">
             <a:extLst>
               <a:ext uri="{28A0092B-C50C-407E-A947-70E740481C1C}">
-                <a14:useLocalDpi xmlns:a14="http://schemas.microsoft.com/office/drawing/2010/main" xmlns="" val="0"/>
+                <a14:useLocalDpi xmlns="" xmlns:a14="http://schemas.microsoft.com/office/drawing/2010/main" val="0"/>
               </a:ext>
             </a:extLst>
           </a:blip>
@@ -11440,14 +11410,14 @@
           </a:ln>
           <a:extLst>
             <a:ext uri="{909E8E84-426E-40DD-AFC4-6F175D3DCCD1}">
-              <a14:hiddenFill xmlns:a14="http://schemas.microsoft.com/office/drawing/2010/main" xmlns="">
+              <a14:hiddenFill xmlns="" xmlns:a14="http://schemas.microsoft.com/office/drawing/2010/main">
                 <a:solidFill>
                   <a:schemeClr val="accent1"/>
                 </a:solidFill>
               </a14:hiddenFill>
             </a:ext>
             <a:ext uri="{91240B29-F687-4F45-9708-019B960494DF}">
-              <a14:hiddenLine xmlns:a14="http://schemas.microsoft.com/office/drawing/2010/main" xmlns="" w="9525">
+              <a14:hiddenLine xmlns="" xmlns:a14="http://schemas.microsoft.com/office/drawing/2010/main" w="9525">
                 <a:solidFill>
                   <a:schemeClr val="tx1"/>
                 </a:solidFill>
@@ -11522,7 +11492,7 @@
     </p:spTree>
     <p:extLst>
       <p:ext uri="{BB962C8B-B14F-4D97-AF65-F5344CB8AC3E}">
-        <p14:creationId xmlns:p14="http://schemas.microsoft.com/office/powerpoint/2010/main" xmlns="" val="1903585700"/>
+        <p14:creationId xmlns="" xmlns:p14="http://schemas.microsoft.com/office/powerpoint/2010/main" val="1903585700"/>
       </p:ext>
     </p:extLst>
   </p:cSld>
@@ -11530,7 +11500,7 @@
     <a:masterClrMapping/>
   </p:clrMapOvr>
   <mc:AlternateContent xmlns:mc="http://schemas.openxmlformats.org/markup-compatibility/2006">
-    <mc:Choice xmlns:p14="http://schemas.microsoft.com/office/powerpoint/2010/main" xmlns="" Requires="p14">
+    <mc:Choice xmlns="" xmlns:p14="http://schemas.microsoft.com/office/powerpoint/2010/main" Requires="p14">
       <p:transition p14:dur="0"/>
     </mc:Choice>
     <mc:Fallback>
@@ -11652,7 +11622,7 @@
           <a:blip r:embed="rId3">
             <a:extLst>
               <a:ext uri="{28A0092B-C50C-407E-A947-70E740481C1C}">
-                <a14:useLocalDpi xmlns:a14="http://schemas.microsoft.com/office/drawing/2010/main" xmlns="" val="0"/>
+                <a14:useLocalDpi xmlns="" xmlns:a14="http://schemas.microsoft.com/office/drawing/2010/main" val="0"/>
               </a:ext>
             </a:extLst>
           </a:blip>
@@ -11675,14 +11645,14 @@
           </a:ln>
           <a:extLst>
             <a:ext uri="{909E8E84-426E-40DD-AFC4-6F175D3DCCD1}">
-              <a14:hiddenFill xmlns:a14="http://schemas.microsoft.com/office/drawing/2010/main" xmlns="">
+              <a14:hiddenFill xmlns="" xmlns:a14="http://schemas.microsoft.com/office/drawing/2010/main">
                 <a:solidFill>
                   <a:schemeClr val="accent1"/>
                 </a:solidFill>
               </a14:hiddenFill>
             </a:ext>
             <a:ext uri="{91240B29-F687-4F45-9708-019B960494DF}">
-              <a14:hiddenLine xmlns:a14="http://schemas.microsoft.com/office/drawing/2010/main" xmlns="" w="9525">
+              <a14:hiddenLine xmlns="" xmlns:a14="http://schemas.microsoft.com/office/drawing/2010/main" w="9525">
                 <a:solidFill>
                   <a:schemeClr val="tx1"/>
                 </a:solidFill>
@@ -11706,7 +11676,7 @@
           <a:blip r:embed="rId4">
             <a:extLst>
               <a:ext uri="{28A0092B-C50C-407E-A947-70E740481C1C}">
-                <a14:useLocalDpi xmlns:a14="http://schemas.microsoft.com/office/drawing/2010/main" xmlns="" val="0"/>
+                <a14:useLocalDpi xmlns="" xmlns:a14="http://schemas.microsoft.com/office/drawing/2010/main" val="0"/>
               </a:ext>
             </a:extLst>
           </a:blip>
@@ -11729,14 +11699,14 @@
           </a:ln>
           <a:extLst>
             <a:ext uri="{909E8E84-426E-40DD-AFC4-6F175D3DCCD1}">
-              <a14:hiddenFill xmlns:a14="http://schemas.microsoft.com/office/drawing/2010/main" xmlns="">
+              <a14:hiddenFill xmlns="" xmlns:a14="http://schemas.microsoft.com/office/drawing/2010/main">
                 <a:solidFill>
                   <a:schemeClr val="accent1"/>
                 </a:solidFill>
               </a14:hiddenFill>
             </a:ext>
             <a:ext uri="{91240B29-F687-4F45-9708-019B960494DF}">
-              <a14:hiddenLine xmlns:a14="http://schemas.microsoft.com/office/drawing/2010/main" xmlns="" w="9525">
+              <a14:hiddenLine xmlns="" xmlns:a14="http://schemas.microsoft.com/office/drawing/2010/main" w="9525">
                 <a:solidFill>
                   <a:schemeClr val="tx1"/>
                 </a:solidFill>
@@ -11751,7 +11721,7 @@
     </p:spTree>
     <p:extLst>
       <p:ext uri="{BB962C8B-B14F-4D97-AF65-F5344CB8AC3E}">
-        <p14:creationId xmlns:p14="http://schemas.microsoft.com/office/powerpoint/2010/main" xmlns="" val="2932820667"/>
+        <p14:creationId xmlns="" xmlns:p14="http://schemas.microsoft.com/office/powerpoint/2010/main" val="2932820667"/>
       </p:ext>
     </p:extLst>
   </p:cSld>
@@ -11759,7 +11729,7 @@
     <a:masterClrMapping/>
   </p:clrMapOvr>
   <mc:AlternateContent xmlns:mc="http://schemas.openxmlformats.org/markup-compatibility/2006">
-    <mc:Choice xmlns:p14="http://schemas.microsoft.com/office/powerpoint/2010/main" xmlns="" Requires="p14">
+    <mc:Choice xmlns="" xmlns:p14="http://schemas.microsoft.com/office/powerpoint/2010/main" Requires="p14">
       <p:transition p14:dur="0"/>
     </mc:Choice>
     <mc:Fallback>
@@ -11881,7 +11851,7 @@
           <a:blip r:embed="rId3">
             <a:extLst>
               <a:ext uri="{28A0092B-C50C-407E-A947-70E740481C1C}">
-                <a14:useLocalDpi xmlns:a14="http://schemas.microsoft.com/office/drawing/2010/main" xmlns="" val="0"/>
+                <a14:useLocalDpi xmlns="" xmlns:a14="http://schemas.microsoft.com/office/drawing/2010/main" val="0"/>
               </a:ext>
             </a:extLst>
           </a:blip>
@@ -11904,14 +11874,14 @@
           </a:ln>
           <a:extLst>
             <a:ext uri="{909E8E84-426E-40DD-AFC4-6F175D3DCCD1}">
-              <a14:hiddenFill xmlns:a14="http://schemas.microsoft.com/office/drawing/2010/main" xmlns="">
+              <a14:hiddenFill xmlns="" xmlns:a14="http://schemas.microsoft.com/office/drawing/2010/main">
                 <a:solidFill>
                   <a:schemeClr val="accent1"/>
                 </a:solidFill>
               </a14:hiddenFill>
             </a:ext>
             <a:ext uri="{91240B29-F687-4F45-9708-019B960494DF}">
-              <a14:hiddenLine xmlns:a14="http://schemas.microsoft.com/office/drawing/2010/main" xmlns="" w="9525">
+              <a14:hiddenLine xmlns="" xmlns:a14="http://schemas.microsoft.com/office/drawing/2010/main" w="9525">
                 <a:solidFill>
                   <a:schemeClr val="tx1"/>
                 </a:solidFill>
@@ -11935,7 +11905,7 @@
           <a:blip r:embed="rId4">
             <a:extLst>
               <a:ext uri="{28A0092B-C50C-407E-A947-70E740481C1C}">
-                <a14:useLocalDpi xmlns:a14="http://schemas.microsoft.com/office/drawing/2010/main" xmlns="" val="0"/>
+                <a14:useLocalDpi xmlns="" xmlns:a14="http://schemas.microsoft.com/office/drawing/2010/main" val="0"/>
               </a:ext>
             </a:extLst>
           </a:blip>
@@ -11958,14 +11928,14 @@
           </a:ln>
           <a:extLst>
             <a:ext uri="{909E8E84-426E-40DD-AFC4-6F175D3DCCD1}">
-              <a14:hiddenFill xmlns:a14="http://schemas.microsoft.com/office/drawing/2010/main" xmlns="">
+              <a14:hiddenFill xmlns="" xmlns:a14="http://schemas.microsoft.com/office/drawing/2010/main">
                 <a:solidFill>
                   <a:schemeClr val="accent1"/>
                 </a:solidFill>
               </a14:hiddenFill>
             </a:ext>
             <a:ext uri="{91240B29-F687-4F45-9708-019B960494DF}">
-              <a14:hiddenLine xmlns:a14="http://schemas.microsoft.com/office/drawing/2010/main" xmlns="" w="9525">
+              <a14:hiddenLine xmlns="" xmlns:a14="http://schemas.microsoft.com/office/drawing/2010/main" w="9525">
                 <a:solidFill>
                   <a:schemeClr val="tx1"/>
                 </a:solidFill>
@@ -11980,7 +11950,7 @@
     </p:spTree>
     <p:extLst>
       <p:ext uri="{BB962C8B-B14F-4D97-AF65-F5344CB8AC3E}">
-        <p14:creationId xmlns:p14="http://schemas.microsoft.com/office/powerpoint/2010/main" xmlns="" val="2147108040"/>
+        <p14:creationId xmlns="" xmlns:p14="http://schemas.microsoft.com/office/powerpoint/2010/main" val="2147108040"/>
       </p:ext>
     </p:extLst>
   </p:cSld>
@@ -11988,7 +11958,7 @@
     <a:masterClrMapping/>
   </p:clrMapOvr>
   <mc:AlternateContent xmlns:mc="http://schemas.openxmlformats.org/markup-compatibility/2006">
-    <mc:Choice xmlns:p14="http://schemas.microsoft.com/office/powerpoint/2010/main" xmlns="" Requires="p14">
+    <mc:Choice xmlns="" xmlns:p14="http://schemas.microsoft.com/office/powerpoint/2010/main" Requires="p14">
       <p:transition p14:dur="0"/>
     </mc:Choice>
     <mc:Fallback>
@@ -12110,7 +12080,7 @@
           <a:blip r:embed="rId3">
             <a:extLst>
               <a:ext uri="{28A0092B-C50C-407E-A947-70E740481C1C}">
-                <a14:useLocalDpi xmlns:a14="http://schemas.microsoft.com/office/drawing/2010/main" xmlns="" val="0"/>
+                <a14:useLocalDpi xmlns="" xmlns:a14="http://schemas.microsoft.com/office/drawing/2010/main" val="0"/>
               </a:ext>
             </a:extLst>
           </a:blip>
@@ -12133,14 +12103,14 @@
           </a:ln>
           <a:extLst>
             <a:ext uri="{909E8E84-426E-40DD-AFC4-6F175D3DCCD1}">
-              <a14:hiddenFill xmlns:a14="http://schemas.microsoft.com/office/drawing/2010/main" xmlns="">
+              <a14:hiddenFill xmlns="" xmlns:a14="http://schemas.microsoft.com/office/drawing/2010/main">
                 <a:solidFill>
                   <a:schemeClr val="accent1"/>
                 </a:solidFill>
               </a14:hiddenFill>
             </a:ext>
             <a:ext uri="{91240B29-F687-4F45-9708-019B960494DF}">
-              <a14:hiddenLine xmlns:a14="http://schemas.microsoft.com/office/drawing/2010/main" xmlns="" w="9525">
+              <a14:hiddenLine xmlns="" xmlns:a14="http://schemas.microsoft.com/office/drawing/2010/main" w="9525">
                 <a:solidFill>
                   <a:schemeClr val="tx1"/>
                 </a:solidFill>
@@ -12155,7 +12125,7 @@
     </p:spTree>
     <p:extLst>
       <p:ext uri="{BB962C8B-B14F-4D97-AF65-F5344CB8AC3E}">
-        <p14:creationId xmlns:p14="http://schemas.microsoft.com/office/powerpoint/2010/main" xmlns="" val="2625740400"/>
+        <p14:creationId xmlns="" xmlns:p14="http://schemas.microsoft.com/office/powerpoint/2010/main" val="2625740400"/>
       </p:ext>
     </p:extLst>
   </p:cSld>
@@ -12163,7 +12133,7 @@
     <a:masterClrMapping/>
   </p:clrMapOvr>
   <mc:AlternateContent xmlns:mc="http://schemas.openxmlformats.org/markup-compatibility/2006">
-    <mc:Choice xmlns:p14="http://schemas.microsoft.com/office/powerpoint/2010/main" xmlns="" Requires="p14">
+    <mc:Choice xmlns="" xmlns:p14="http://schemas.microsoft.com/office/powerpoint/2010/main" Requires="p14">
       <p:transition p14:dur="0"/>
     </mc:Choice>
     <mc:Fallback>
@@ -12285,7 +12255,7 @@
           <a:blip r:embed="rId3">
             <a:extLst>
               <a:ext uri="{28A0092B-C50C-407E-A947-70E740481C1C}">
-                <a14:useLocalDpi xmlns:a14="http://schemas.microsoft.com/office/drawing/2010/main" xmlns="" val="0"/>
+                <a14:useLocalDpi xmlns="" xmlns:a14="http://schemas.microsoft.com/office/drawing/2010/main" val="0"/>
               </a:ext>
             </a:extLst>
           </a:blip>
@@ -12308,14 +12278,14 @@
           </a:ln>
           <a:extLst>
             <a:ext uri="{909E8E84-426E-40DD-AFC4-6F175D3DCCD1}">
-              <a14:hiddenFill xmlns:a14="http://schemas.microsoft.com/office/drawing/2010/main" xmlns="">
+              <a14:hiddenFill xmlns="" xmlns:a14="http://schemas.microsoft.com/office/drawing/2010/main">
                 <a:solidFill>
                   <a:schemeClr val="accent1"/>
                 </a:solidFill>
               </a14:hiddenFill>
             </a:ext>
             <a:ext uri="{91240B29-F687-4F45-9708-019B960494DF}">
-              <a14:hiddenLine xmlns:a14="http://schemas.microsoft.com/office/drawing/2010/main" xmlns="" w="9525">
+              <a14:hiddenLine xmlns="" xmlns:a14="http://schemas.microsoft.com/office/drawing/2010/main" w="9525">
                 <a:solidFill>
                   <a:schemeClr val="tx1"/>
                 </a:solidFill>
@@ -12330,7 +12300,7 @@
     </p:spTree>
     <p:extLst>
       <p:ext uri="{BB962C8B-B14F-4D97-AF65-F5344CB8AC3E}">
-        <p14:creationId xmlns:p14="http://schemas.microsoft.com/office/powerpoint/2010/main" xmlns="" val="2177105919"/>
+        <p14:creationId xmlns="" xmlns:p14="http://schemas.microsoft.com/office/powerpoint/2010/main" val="2177105919"/>
       </p:ext>
     </p:extLst>
   </p:cSld>
@@ -12338,7 +12308,7 @@
     <a:masterClrMapping/>
   </p:clrMapOvr>
   <mc:AlternateContent xmlns:mc="http://schemas.openxmlformats.org/markup-compatibility/2006">
-    <mc:Choice xmlns:p14="http://schemas.microsoft.com/office/powerpoint/2010/main" xmlns="" Requires="p14">
+    <mc:Choice xmlns="" xmlns:p14="http://schemas.microsoft.com/office/powerpoint/2010/main" Requires="p14">
       <p:transition p14:dur="0"/>
     </mc:Choice>
     <mc:Fallback>
@@ -12472,7 +12442,7 @@
           <a:blip r:embed="rId3">
             <a:extLst>
               <a:ext uri="{28A0092B-C50C-407E-A947-70E740481C1C}">
-                <a14:useLocalDpi xmlns:a14="http://schemas.microsoft.com/office/drawing/2010/main" xmlns="" val="0"/>
+                <a14:useLocalDpi xmlns="" xmlns:a14="http://schemas.microsoft.com/office/drawing/2010/main" val="0"/>
               </a:ext>
             </a:extLst>
           </a:blip>
@@ -12495,14 +12465,14 @@
           </a:ln>
           <a:extLst>
             <a:ext uri="{909E8E84-426E-40DD-AFC4-6F175D3DCCD1}">
-              <a14:hiddenFill xmlns:a14="http://schemas.microsoft.com/office/drawing/2010/main" xmlns="">
+              <a14:hiddenFill xmlns="" xmlns:a14="http://schemas.microsoft.com/office/drawing/2010/main">
                 <a:solidFill>
                   <a:schemeClr val="accent1"/>
                 </a:solidFill>
               </a14:hiddenFill>
             </a:ext>
             <a:ext uri="{91240B29-F687-4F45-9708-019B960494DF}">
-              <a14:hiddenLine xmlns:a14="http://schemas.microsoft.com/office/drawing/2010/main" xmlns="" w="9525">
+              <a14:hiddenLine xmlns="" xmlns:a14="http://schemas.microsoft.com/office/drawing/2010/main" w="9525">
                 <a:solidFill>
                   <a:schemeClr val="tx1"/>
                 </a:solidFill>
@@ -12517,7 +12487,7 @@
     </p:spTree>
     <p:extLst>
       <p:ext uri="{BB962C8B-B14F-4D97-AF65-F5344CB8AC3E}">
-        <p14:creationId xmlns:p14="http://schemas.microsoft.com/office/powerpoint/2010/main" xmlns="" val="4129436923"/>
+        <p14:creationId xmlns="" xmlns:p14="http://schemas.microsoft.com/office/powerpoint/2010/main" val="4129436923"/>
       </p:ext>
     </p:extLst>
   </p:cSld>
@@ -12525,7 +12495,7 @@
     <a:masterClrMapping/>
   </p:clrMapOvr>
   <mc:AlternateContent xmlns:mc="http://schemas.openxmlformats.org/markup-compatibility/2006">
-    <mc:Choice xmlns:p14="http://schemas.microsoft.com/office/powerpoint/2010/main" xmlns="" Requires="p14">
+    <mc:Choice xmlns="" xmlns:p14="http://schemas.microsoft.com/office/powerpoint/2010/main" Requires="p14">
       <p:transition p14:dur="0"/>
     </mc:Choice>
     <mc:Fallback>
@@ -12659,7 +12629,7 @@
           <a:blip r:embed="rId3">
             <a:extLst>
               <a:ext uri="{28A0092B-C50C-407E-A947-70E740481C1C}">
-                <a14:useLocalDpi xmlns:a14="http://schemas.microsoft.com/office/drawing/2010/main" xmlns="" val="0"/>
+                <a14:useLocalDpi xmlns="" xmlns:a14="http://schemas.microsoft.com/office/drawing/2010/main" val="0"/>
               </a:ext>
             </a:extLst>
           </a:blip>
@@ -12682,14 +12652,14 @@
           </a:ln>
           <a:extLst>
             <a:ext uri="{909E8E84-426E-40DD-AFC4-6F175D3DCCD1}">
-              <a14:hiddenFill xmlns:a14="http://schemas.microsoft.com/office/drawing/2010/main" xmlns="">
+              <a14:hiddenFill xmlns="" xmlns:a14="http://schemas.microsoft.com/office/drawing/2010/main">
                 <a:solidFill>
                   <a:schemeClr val="accent1"/>
                 </a:solidFill>
               </a14:hiddenFill>
             </a:ext>
             <a:ext uri="{91240B29-F687-4F45-9708-019B960494DF}">
-              <a14:hiddenLine xmlns:a14="http://schemas.microsoft.com/office/drawing/2010/main" xmlns="" w="9525">
+              <a14:hiddenLine xmlns="" xmlns:a14="http://schemas.microsoft.com/office/drawing/2010/main" w="9525">
                 <a:solidFill>
                   <a:schemeClr val="tx1"/>
                 </a:solidFill>
@@ -12704,7 +12674,7 @@
     </p:spTree>
     <p:extLst>
       <p:ext uri="{BB962C8B-B14F-4D97-AF65-F5344CB8AC3E}">
-        <p14:creationId xmlns:p14="http://schemas.microsoft.com/office/powerpoint/2010/main" xmlns="" val="3693924153"/>
+        <p14:creationId xmlns="" xmlns:p14="http://schemas.microsoft.com/office/powerpoint/2010/main" val="3693924153"/>
       </p:ext>
     </p:extLst>
   </p:cSld>
@@ -12712,7 +12682,7 @@
     <a:masterClrMapping/>
   </p:clrMapOvr>
   <mc:AlternateContent xmlns:mc="http://schemas.openxmlformats.org/markup-compatibility/2006">
-    <mc:Choice xmlns:p14="http://schemas.microsoft.com/office/powerpoint/2010/main" xmlns="" Requires="p14">
+    <mc:Choice xmlns="" xmlns:p14="http://schemas.microsoft.com/office/powerpoint/2010/main" Requires="p14">
       <p:transition p14:dur="0"/>
     </mc:Choice>
     <mc:Fallback>
@@ -12846,7 +12816,7 @@
           <a:blip r:embed="rId3">
             <a:extLst>
               <a:ext uri="{28A0092B-C50C-407E-A947-70E740481C1C}">
-                <a14:useLocalDpi xmlns:a14="http://schemas.microsoft.com/office/drawing/2010/main" xmlns="" val="0"/>
+                <a14:useLocalDpi xmlns="" xmlns:a14="http://schemas.microsoft.com/office/drawing/2010/main" val="0"/>
               </a:ext>
             </a:extLst>
           </a:blip>
@@ -12869,14 +12839,14 @@
           </a:ln>
           <a:extLst>
             <a:ext uri="{909E8E84-426E-40DD-AFC4-6F175D3DCCD1}">
-              <a14:hiddenFill xmlns:a14="http://schemas.microsoft.com/office/drawing/2010/main" xmlns="">
+              <a14:hiddenFill xmlns="" xmlns:a14="http://schemas.microsoft.com/office/drawing/2010/main">
                 <a:solidFill>
                   <a:schemeClr val="accent1"/>
                 </a:solidFill>
               </a14:hiddenFill>
             </a:ext>
             <a:ext uri="{91240B29-F687-4F45-9708-019B960494DF}">
-              <a14:hiddenLine xmlns:a14="http://schemas.microsoft.com/office/drawing/2010/main" xmlns="" w="9525">
+              <a14:hiddenLine xmlns="" xmlns:a14="http://schemas.microsoft.com/office/drawing/2010/main" w="9525">
                 <a:solidFill>
                   <a:schemeClr val="tx1"/>
                 </a:solidFill>
@@ -12891,7 +12861,7 @@
     </p:spTree>
     <p:extLst>
       <p:ext uri="{BB962C8B-B14F-4D97-AF65-F5344CB8AC3E}">
-        <p14:creationId xmlns:p14="http://schemas.microsoft.com/office/powerpoint/2010/main" xmlns="" val="2805942247"/>
+        <p14:creationId xmlns="" xmlns:p14="http://schemas.microsoft.com/office/powerpoint/2010/main" val="2805942247"/>
       </p:ext>
     </p:extLst>
   </p:cSld>
@@ -12899,7 +12869,7 @@
     <a:masterClrMapping/>
   </p:clrMapOvr>
   <mc:AlternateContent xmlns:mc="http://schemas.openxmlformats.org/markup-compatibility/2006">
-    <mc:Choice xmlns:p14="http://schemas.microsoft.com/office/powerpoint/2010/main" xmlns="" Requires="p14">
+    <mc:Choice xmlns="" xmlns:p14="http://schemas.microsoft.com/office/powerpoint/2010/main" Requires="p14">
       <p:transition p14:dur="0"/>
     </mc:Choice>
     <mc:Fallback>
@@ -13033,7 +13003,7 @@
           <a:blip r:embed="rId3">
             <a:extLst>
               <a:ext uri="{28A0092B-C50C-407E-A947-70E740481C1C}">
-                <a14:useLocalDpi xmlns:a14="http://schemas.microsoft.com/office/drawing/2010/main" xmlns="" val="0"/>
+                <a14:useLocalDpi xmlns="" xmlns:a14="http://schemas.microsoft.com/office/drawing/2010/main" val="0"/>
               </a:ext>
             </a:extLst>
           </a:blip>
@@ -13056,14 +13026,14 @@
           </a:ln>
           <a:extLst>
             <a:ext uri="{909E8E84-426E-40DD-AFC4-6F175D3DCCD1}">
-              <a14:hiddenFill xmlns:a14="http://schemas.microsoft.com/office/drawing/2010/main" xmlns="">
+              <a14:hiddenFill xmlns="" xmlns:a14="http://schemas.microsoft.com/office/drawing/2010/main">
                 <a:solidFill>
                   <a:schemeClr val="accent1"/>
                 </a:solidFill>
               </a14:hiddenFill>
             </a:ext>
             <a:ext uri="{91240B29-F687-4F45-9708-019B960494DF}">
-              <a14:hiddenLine xmlns:a14="http://schemas.microsoft.com/office/drawing/2010/main" xmlns="" w="9525">
+              <a14:hiddenLine xmlns="" xmlns:a14="http://schemas.microsoft.com/office/drawing/2010/main" w="9525">
                 <a:solidFill>
                   <a:schemeClr val="tx1"/>
                 </a:solidFill>
@@ -13078,7 +13048,7 @@
     </p:spTree>
     <p:extLst>
       <p:ext uri="{BB962C8B-B14F-4D97-AF65-F5344CB8AC3E}">
-        <p14:creationId xmlns:p14="http://schemas.microsoft.com/office/powerpoint/2010/main" xmlns="" val="475549841"/>
+        <p14:creationId xmlns="" xmlns:p14="http://schemas.microsoft.com/office/powerpoint/2010/main" val="475549841"/>
       </p:ext>
     </p:extLst>
   </p:cSld>
@@ -13086,7 +13056,7 @@
     <a:masterClrMapping/>
   </p:clrMapOvr>
   <mc:AlternateContent xmlns:mc="http://schemas.openxmlformats.org/markup-compatibility/2006">
-    <mc:Choice xmlns:p14="http://schemas.microsoft.com/office/powerpoint/2010/main" xmlns="" Requires="p14">
+    <mc:Choice xmlns="" xmlns:p14="http://schemas.microsoft.com/office/powerpoint/2010/main" Requires="p14">
       <p:transition p14:dur="0"/>
     </mc:Choice>
     <mc:Fallback>
@@ -13293,7 +13263,7 @@
     </p:spTree>
     <p:extLst>
       <p:ext uri="{BB962C8B-B14F-4D97-AF65-F5344CB8AC3E}">
-        <p14:creationId xmlns:p14="http://schemas.microsoft.com/office/powerpoint/2010/main" xmlns="" val="1973328544"/>
+        <p14:creationId xmlns="" xmlns:p14="http://schemas.microsoft.com/office/powerpoint/2010/main" val="1973328544"/>
       </p:ext>
     </p:extLst>
   </p:cSld>
@@ -13301,7 +13271,7 @@
     <a:masterClrMapping/>
   </p:clrMapOvr>
   <mc:AlternateContent xmlns:mc="http://schemas.openxmlformats.org/markup-compatibility/2006">
-    <mc:Choice xmlns:p14="http://schemas.microsoft.com/office/powerpoint/2010/main" xmlns="" Requires="p14">
+    <mc:Choice xmlns="" xmlns:p14="http://schemas.microsoft.com/office/powerpoint/2010/main" Requires="p14">
       <p:transition p14:dur="0"/>
     </mc:Choice>
     <mc:Fallback>
@@ -13443,7 +13413,7 @@
     </p:spTree>
     <p:extLst>
       <p:ext uri="{BB962C8B-B14F-4D97-AF65-F5344CB8AC3E}">
-        <p14:creationId xmlns:p14="http://schemas.microsoft.com/office/powerpoint/2010/main" xmlns="" val="202376434"/>
+        <p14:creationId xmlns="" xmlns:p14="http://schemas.microsoft.com/office/powerpoint/2010/main" val="202376434"/>
       </p:ext>
     </p:extLst>
   </p:cSld>
@@ -13451,7 +13421,7 @@
     <a:masterClrMapping/>
   </p:clrMapOvr>
   <mc:AlternateContent xmlns:mc="http://schemas.openxmlformats.org/markup-compatibility/2006">
-    <mc:Choice xmlns:p14="http://schemas.microsoft.com/office/powerpoint/2010/main" xmlns="" Requires="p14">
+    <mc:Choice xmlns="" xmlns:p14="http://schemas.microsoft.com/office/powerpoint/2010/main" Requires="p14">
       <p:transition p14:dur="10"/>
     </mc:Choice>
     <mc:Fallback>
@@ -13683,7 +13653,7 @@
     </p:spTree>
     <p:extLst>
       <p:ext uri="{BB962C8B-B14F-4D97-AF65-F5344CB8AC3E}">
-        <p14:creationId xmlns:p14="http://schemas.microsoft.com/office/powerpoint/2010/main" xmlns="" val="2439674449"/>
+        <p14:creationId xmlns="" xmlns:p14="http://schemas.microsoft.com/office/powerpoint/2010/main" val="2439674449"/>
       </p:ext>
     </p:extLst>
   </p:cSld>
@@ -13691,7 +13661,7 @@
     <a:masterClrMapping/>
   </p:clrMapOvr>
   <mc:AlternateContent xmlns:mc="http://schemas.openxmlformats.org/markup-compatibility/2006">
-    <mc:Choice xmlns:p14="http://schemas.microsoft.com/office/powerpoint/2010/main" xmlns="" Requires="p14">
+    <mc:Choice xmlns="" xmlns:p14="http://schemas.microsoft.com/office/powerpoint/2010/main" Requires="p14">
       <p:transition p14:dur="10"/>
     </mc:Choice>
     <mc:Fallback>
@@ -13864,7 +13834,7 @@
           <a:blip r:embed="rId4">
             <a:extLst>
               <a:ext uri="{28A0092B-C50C-407E-A947-70E740481C1C}">
-                <a14:useLocalDpi xmlns:a14="http://schemas.microsoft.com/office/drawing/2010/main" xmlns="" val="0"/>
+                <a14:useLocalDpi xmlns="" xmlns:a14="http://schemas.microsoft.com/office/drawing/2010/main" val="0"/>
               </a:ext>
             </a:extLst>
           </a:blip>
@@ -13887,14 +13857,14 @@
           </a:ln>
           <a:extLst>
             <a:ext uri="{909E8E84-426E-40DD-AFC4-6F175D3DCCD1}">
-              <a14:hiddenFill xmlns:a14="http://schemas.microsoft.com/office/drawing/2010/main" xmlns="">
+              <a14:hiddenFill xmlns="" xmlns:a14="http://schemas.microsoft.com/office/drawing/2010/main">
                 <a:solidFill>
                   <a:schemeClr val="accent1"/>
                 </a:solidFill>
               </a14:hiddenFill>
             </a:ext>
             <a:ext uri="{91240B29-F687-4F45-9708-019B960494DF}">
-              <a14:hiddenLine xmlns:a14="http://schemas.microsoft.com/office/drawing/2010/main" xmlns="" w="9525">
+              <a14:hiddenLine xmlns="" xmlns:a14="http://schemas.microsoft.com/office/drawing/2010/main" w="9525">
                 <a:solidFill>
                   <a:schemeClr val="tx1"/>
                 </a:solidFill>
@@ -13909,7 +13879,7 @@
     </p:spTree>
     <p:extLst>
       <p:ext uri="{BB962C8B-B14F-4D97-AF65-F5344CB8AC3E}">
-        <p14:creationId xmlns:p14="http://schemas.microsoft.com/office/powerpoint/2010/main" xmlns="" val="2700608915"/>
+        <p14:creationId xmlns="" xmlns:p14="http://schemas.microsoft.com/office/powerpoint/2010/main" val="2700608915"/>
       </p:ext>
     </p:extLst>
   </p:cSld>
@@ -13917,7 +13887,7 @@
     <a:masterClrMapping/>
   </p:clrMapOvr>
   <mc:AlternateContent xmlns:mc="http://schemas.openxmlformats.org/markup-compatibility/2006">
-    <mc:Choice xmlns:p14="http://schemas.microsoft.com/office/powerpoint/2010/main" xmlns="" Requires="p14">
+    <mc:Choice xmlns="" xmlns:p14="http://schemas.microsoft.com/office/powerpoint/2010/main" Requires="p14">
       <p:transition p14:dur="10"/>
     </mc:Choice>
     <mc:Fallback>
@@ -14045,7 +14015,7 @@
           <a:blip r:embed="rId3">
             <a:extLst>
               <a:ext uri="{28A0092B-C50C-407E-A947-70E740481C1C}">
-                <a14:useLocalDpi xmlns:a14="http://schemas.microsoft.com/office/drawing/2010/main" xmlns="" val="0"/>
+                <a14:useLocalDpi xmlns="" xmlns:a14="http://schemas.microsoft.com/office/drawing/2010/main" val="0"/>
               </a:ext>
             </a:extLst>
           </a:blip>
@@ -14068,14 +14038,14 @@
           </a:ln>
           <a:extLst>
             <a:ext uri="{909E8E84-426E-40DD-AFC4-6F175D3DCCD1}">
-              <a14:hiddenFill xmlns:a14="http://schemas.microsoft.com/office/drawing/2010/main" xmlns="">
+              <a14:hiddenFill xmlns="" xmlns:a14="http://schemas.microsoft.com/office/drawing/2010/main">
                 <a:solidFill>
                   <a:schemeClr val="accent1"/>
                 </a:solidFill>
               </a14:hiddenFill>
             </a:ext>
             <a:ext uri="{91240B29-F687-4F45-9708-019B960494DF}">
-              <a14:hiddenLine xmlns:a14="http://schemas.microsoft.com/office/drawing/2010/main" xmlns="" w="9525">
+              <a14:hiddenLine xmlns="" xmlns:a14="http://schemas.microsoft.com/office/drawing/2010/main" w="9525">
                 <a:solidFill>
                   <a:schemeClr val="tx1"/>
                 </a:solidFill>
@@ -14090,7 +14060,7 @@
     </p:spTree>
     <p:extLst>
       <p:ext uri="{BB962C8B-B14F-4D97-AF65-F5344CB8AC3E}">
-        <p14:creationId xmlns:p14="http://schemas.microsoft.com/office/powerpoint/2010/main" xmlns="" val="2769059297"/>
+        <p14:creationId xmlns="" xmlns:p14="http://schemas.microsoft.com/office/powerpoint/2010/main" val="2769059297"/>
       </p:ext>
     </p:extLst>
   </p:cSld>
@@ -14098,7 +14068,7 @@
     <a:masterClrMapping/>
   </p:clrMapOvr>
   <mc:AlternateContent xmlns:mc="http://schemas.openxmlformats.org/markup-compatibility/2006">
-    <mc:Choice xmlns:p14="http://schemas.microsoft.com/office/powerpoint/2010/main" xmlns="" Requires="p14">
+    <mc:Choice xmlns="" xmlns:p14="http://schemas.microsoft.com/office/powerpoint/2010/main" Requires="p14">
       <p:transition p14:dur="10"/>
     </mc:Choice>
     <mc:Fallback>
@@ -14346,11 +14316,15 @@
             <a:pPr lvl="1"/>
             <a:r>
               <a:rPr lang="pl-PL" dirty="0" smtClean="0"/>
-              <a:t>(jak zwykle) Kod musi znaleźć się </a:t>
-            </a:r>
-            <a:r>
-              <a:rPr lang="pl-PL" smtClean="0"/>
-              <a:t>w GitHubie.</a:t>
+              <a:t>(jak zwykle) Kod musi znaleźć się w </a:t>
+            </a:r>
+            <a:r>
+              <a:rPr lang="pl-PL" dirty="0" err="1" smtClean="0"/>
+              <a:t>GitHubie</a:t>
+            </a:r>
+            <a:r>
+              <a:rPr lang="pl-PL" dirty="0" smtClean="0"/>
+              <a:t>.</a:t>
             </a:r>
             <a:endParaRPr lang="pl-PL" dirty="0"/>
           </a:p>
@@ -14366,13 +14340,99 @@
           </a:p>
           <a:p>
             <a:endParaRPr lang="pl-PL" dirty="0" smtClean="0"/>
+          </a:p>
+        </p:txBody>
+      </p:sp>
+      <p:sp>
+        <p:nvSpPr>
+          <p:cNvPr id="8" name="pole tekstowe 7"/>
+          <p:cNvSpPr txBox="1"/>
+          <p:nvPr/>
+        </p:nvSpPr>
+        <p:spPr bwMode="auto">
+          <a:xfrm>
+            <a:off x="914183" y="4222466"/>
+            <a:ext cx="6751848" cy="518091"/>
+          </a:xfrm>
+          <a:prstGeom prst="rect">
+            <a:avLst/>
+          </a:prstGeom>
+          <a:noFill/>
+          <a:ln w="9525">
+            <a:noFill/>
+            <a:miter lim="800000"/>
+            <a:headEnd/>
+            <a:tailEnd/>
+          </a:ln>
+        </p:spPr>
+        <p:txBody>
+          <a:bodyPr wrap="none" lIns="0" tIns="0" rIns="0" bIns="0" rtlCol="0">
+            <a:spAutoFit/>
+          </a:bodyPr>
+          <a:lstStyle/>
+          <a:p>
+            <a:pPr>
+              <a:spcBef>
+                <a:spcPts val="100"/>
+              </a:spcBef>
+              <a:spcAft>
+                <a:spcPts val="100"/>
+              </a:spcAft>
+            </a:pPr>
+            <a:r>
+              <a:rPr lang="pl-PL" sz="1600" b="1" dirty="0" smtClean="0">
+                <a:solidFill>
+                  <a:srgbClr val="00B050"/>
+                </a:solidFill>
+              </a:rPr>
+              <a:t>Ostateczny termin zaliczenia ćwiczenia: </a:t>
+            </a:r>
+            <a:r>
+              <a:rPr lang="pl-PL" sz="1600" b="1" dirty="0" smtClean="0">
+                <a:solidFill>
+                  <a:srgbClr val="00B050"/>
+                </a:solidFill>
+              </a:rPr>
+              <a:t>czwartek 9 </a:t>
+            </a:r>
+            <a:r>
+              <a:rPr lang="pl-PL" sz="1600" b="1" dirty="0" smtClean="0">
+                <a:solidFill>
+                  <a:srgbClr val="00B050"/>
+                </a:solidFill>
+              </a:rPr>
+              <a:t>marca</a:t>
+            </a:r>
+          </a:p>
+          <a:p>
+            <a:pPr>
+              <a:spcBef>
+                <a:spcPts val="100"/>
+              </a:spcBef>
+              <a:spcAft>
+                <a:spcPts val="100"/>
+              </a:spcAft>
+            </a:pPr>
+            <a:r>
+              <a:rPr lang="pl-PL" sz="1600" b="1" dirty="0" smtClean="0">
+                <a:solidFill>
+                  <a:srgbClr val="00B050"/>
+                </a:solidFill>
+              </a:rPr>
+              <a:t>Rozwiązania dostarczone później nie będą uwzględniane (0 punktów)</a:t>
+            </a:r>
+            <a:endParaRPr lang="pl-PL" sz="1600" b="1" dirty="0">
+              <a:solidFill>
+                <a:srgbClr val="00B050"/>
+              </a:solidFill>
+            </a:endParaRPr>
           </a:p>
         </p:txBody>
       </p:sp>
     </p:spTree>
     <p:extLst>
       <p:ext uri="{BB962C8B-B14F-4D97-AF65-F5344CB8AC3E}">
-        <p14:creationId xmlns:p14="http://schemas.microsoft.com/office/powerpoint/2010/main" xmlns="" val="737412998"/>
+        <p14:creationId xmlns="" xmlns:p14="http://schemas.microsoft.com/office/powerpoint/2010/main" val="737412998"/>
       </p:ext>
     </p:extLst>
   </p:cSld>
@@ -14380,7 +14440,7 @@
     <a:masterClrMapping/>
   </p:clrMapOvr>
   <mc:AlternateContent xmlns:mc="http://schemas.openxmlformats.org/markup-compatibility/2006">
-    <mc:Choice xmlns:p14="http://schemas.microsoft.com/office/powerpoint/2010/main" xmlns="" Requires="p14">
+    <mc:Choice xmlns="" xmlns:p14="http://schemas.microsoft.com/office/powerpoint/2010/main" Requires="p14">
       <p:transition p14:dur="10"/>
     </mc:Choice>
     <mc:Fallback>
@@ -14522,7 +14582,7 @@
     </p:spTree>
     <p:extLst>
       <p:ext uri="{BB962C8B-B14F-4D97-AF65-F5344CB8AC3E}">
-        <p14:creationId xmlns:p14="http://schemas.microsoft.com/office/powerpoint/2010/main" xmlns="" val="379014514"/>
+        <p14:creationId xmlns="" xmlns:p14="http://schemas.microsoft.com/office/powerpoint/2010/main" val="379014514"/>
       </p:ext>
     </p:extLst>
   </p:cSld>
@@ -14530,7 +14590,7 @@
     <a:masterClrMapping/>
   </p:clrMapOvr>
   <mc:AlternateContent xmlns:mc="http://schemas.openxmlformats.org/markup-compatibility/2006">
-    <mc:Choice xmlns:p14="http://schemas.microsoft.com/office/powerpoint/2010/main" xmlns="" Requires="p14">
+    <mc:Choice xmlns="" xmlns:p14="http://schemas.microsoft.com/office/powerpoint/2010/main" Requires="p14">
       <p:transition p14:dur="10"/>
     </mc:Choice>
     <mc:Fallback>
@@ -14769,7 +14829,7 @@
     </p:spTree>
     <p:extLst>
       <p:ext uri="{BB962C8B-B14F-4D97-AF65-F5344CB8AC3E}">
-        <p14:creationId xmlns:p14="http://schemas.microsoft.com/office/powerpoint/2010/main" xmlns="" val="1432887481"/>
+        <p14:creationId xmlns="" xmlns:p14="http://schemas.microsoft.com/office/powerpoint/2010/main" val="1432887481"/>
       </p:ext>
     </p:extLst>
   </p:cSld>
@@ -14777,7 +14837,7 @@
     <a:masterClrMapping/>
   </p:clrMapOvr>
   <mc:AlternateContent xmlns:mc="http://schemas.openxmlformats.org/markup-compatibility/2006">
-    <mc:Choice xmlns:p14="http://schemas.microsoft.com/office/powerpoint/2010/main" xmlns="" Requires="p14">
+    <mc:Choice xmlns="" xmlns:p14="http://schemas.microsoft.com/office/powerpoint/2010/main" Requires="p14">
       <p:transition p14:dur="10"/>
     </mc:Choice>
     <mc:Fallback>
@@ -14961,7 +15021,7 @@
     </p:spTree>
     <p:extLst>
       <p:ext uri="{BB962C8B-B14F-4D97-AF65-F5344CB8AC3E}">
-        <p14:creationId xmlns:p14="http://schemas.microsoft.com/office/powerpoint/2010/main" xmlns="" val="1091218610"/>
+        <p14:creationId xmlns="" xmlns:p14="http://schemas.microsoft.com/office/powerpoint/2010/main" val="1091218610"/>
       </p:ext>
     </p:extLst>
   </p:cSld>
@@ -14969,7 +15029,7 @@
     <a:masterClrMapping/>
   </p:clrMapOvr>
   <mc:AlternateContent xmlns:mc="http://schemas.openxmlformats.org/markup-compatibility/2006">
-    <mc:Choice xmlns:p14="http://schemas.microsoft.com/office/powerpoint/2010/main" xmlns="" Requires="p14">
+    <mc:Choice xmlns="" xmlns:p14="http://schemas.microsoft.com/office/powerpoint/2010/main" Requires="p14">
       <p:transition p14:dur="10"/>
     </mc:Choice>
     <mc:Fallback>
@@ -15106,7 +15166,7 @@
     </p:spTree>
     <p:extLst>
       <p:ext uri="{BB962C8B-B14F-4D97-AF65-F5344CB8AC3E}">
-        <p14:creationId xmlns:p14="http://schemas.microsoft.com/office/powerpoint/2010/main" xmlns="" val="1564593777"/>
+        <p14:creationId xmlns="" xmlns:p14="http://schemas.microsoft.com/office/powerpoint/2010/main" val="1564593777"/>
       </p:ext>
     </p:extLst>
   </p:cSld>
@@ -15114,7 +15174,7 @@
     <a:masterClrMapping/>
   </p:clrMapOvr>
   <mc:AlternateContent xmlns:mc="http://schemas.openxmlformats.org/markup-compatibility/2006">
-    <mc:Choice xmlns:p14="http://schemas.microsoft.com/office/powerpoint/2010/main" xmlns="" Requires="p14">
+    <mc:Choice xmlns="" xmlns:p14="http://schemas.microsoft.com/office/powerpoint/2010/main" Requires="p14">
       <p:transition p14:dur="10"/>
     </mc:Choice>
     <mc:Fallback>
@@ -15260,7 +15320,7 @@
     </p:spTree>
     <p:extLst>
       <p:ext uri="{BB962C8B-B14F-4D97-AF65-F5344CB8AC3E}">
-        <p14:creationId xmlns:p14="http://schemas.microsoft.com/office/powerpoint/2010/main" xmlns="" val="3189332835"/>
+        <p14:creationId xmlns="" xmlns:p14="http://schemas.microsoft.com/office/powerpoint/2010/main" val="3189332835"/>
       </p:ext>
     </p:extLst>
   </p:cSld>
@@ -15268,7 +15328,7 @@
     <a:masterClrMapping/>
   </p:clrMapOvr>
   <mc:AlternateContent xmlns:mc="http://schemas.openxmlformats.org/markup-compatibility/2006">
-    <mc:Choice xmlns:p14="http://schemas.microsoft.com/office/powerpoint/2010/main" xmlns="" Requires="p14">
+    <mc:Choice xmlns="" xmlns:p14="http://schemas.microsoft.com/office/powerpoint/2010/main" Requires="p14">
       <p:transition p14:dur="10"/>
     </mc:Choice>
     <mc:Fallback>
@@ -15411,7 +15471,7 @@
     </p:spTree>
     <p:extLst>
       <p:ext uri="{BB962C8B-B14F-4D97-AF65-F5344CB8AC3E}">
-        <p14:creationId xmlns:p14="http://schemas.microsoft.com/office/powerpoint/2010/main" xmlns="" val="587528233"/>
+        <p14:creationId xmlns="" xmlns:p14="http://schemas.microsoft.com/office/powerpoint/2010/main" val="587528233"/>
       </p:ext>
     </p:extLst>
   </p:cSld>
@@ -15419,7 +15479,7 @@
     <a:masterClrMapping/>
   </p:clrMapOvr>
   <mc:AlternateContent xmlns:mc="http://schemas.openxmlformats.org/markup-compatibility/2006">
-    <mc:Choice xmlns:p14="http://schemas.microsoft.com/office/powerpoint/2010/main" xmlns="" Requires="p14">
+    <mc:Choice xmlns="" xmlns:p14="http://schemas.microsoft.com/office/powerpoint/2010/main" Requires="p14">
       <p:transition p14:dur="10"/>
     </mc:Choice>
     <mc:Fallback>
@@ -15641,10 +15701,96 @@
           </a:p>
         </p:txBody>
       </p:sp>
+      <p:sp>
+        <p:nvSpPr>
+          <p:cNvPr id="8" name="pole tekstowe 7"/>
+          <p:cNvSpPr txBox="1"/>
+          <p:nvPr/>
+        </p:nvSpPr>
+        <p:spPr bwMode="auto">
+          <a:xfrm>
+            <a:off x="914183" y="3963421"/>
+            <a:ext cx="6751848" cy="518091"/>
+          </a:xfrm>
+          <a:prstGeom prst="rect">
+            <a:avLst/>
+          </a:prstGeom>
+          <a:noFill/>
+          <a:ln w="9525">
+            <a:noFill/>
+            <a:miter lim="800000"/>
+            <a:headEnd/>
+            <a:tailEnd/>
+          </a:ln>
+        </p:spPr>
+        <p:txBody>
+          <a:bodyPr wrap="none" lIns="0" tIns="0" rIns="0" bIns="0" rtlCol="0">
+            <a:spAutoFit/>
+          </a:bodyPr>
+          <a:lstStyle/>
+          <a:p>
+            <a:pPr>
+              <a:spcBef>
+                <a:spcPts val="100"/>
+              </a:spcBef>
+              <a:spcAft>
+                <a:spcPts val="100"/>
+              </a:spcAft>
+            </a:pPr>
+            <a:r>
+              <a:rPr lang="pl-PL" sz="1600" b="1" dirty="0" smtClean="0">
+                <a:solidFill>
+                  <a:srgbClr val="00B050"/>
+                </a:solidFill>
+              </a:rPr>
+              <a:t>Ostateczny termin zaliczenia ćwiczenia: </a:t>
+            </a:r>
+            <a:r>
+              <a:rPr lang="pl-PL" sz="1600" b="1" dirty="0" smtClean="0">
+                <a:solidFill>
+                  <a:srgbClr val="00B050"/>
+                </a:solidFill>
+              </a:rPr>
+              <a:t>czwartek 9 </a:t>
+            </a:r>
+            <a:r>
+              <a:rPr lang="pl-PL" sz="1600" b="1" dirty="0" smtClean="0">
+                <a:solidFill>
+                  <a:srgbClr val="00B050"/>
+                </a:solidFill>
+              </a:rPr>
+              <a:t>marca</a:t>
+            </a:r>
+          </a:p>
+          <a:p>
+            <a:pPr>
+              <a:spcBef>
+                <a:spcPts val="100"/>
+              </a:spcBef>
+              <a:spcAft>
+                <a:spcPts val="100"/>
+              </a:spcAft>
+            </a:pPr>
+            <a:r>
+              <a:rPr lang="pl-PL" sz="1600" b="1" dirty="0" smtClean="0">
+                <a:solidFill>
+                  <a:srgbClr val="00B050"/>
+                </a:solidFill>
+              </a:rPr>
+              <a:t>Rozwiązania dostarczone później nie będą uwzględniane (0 punktów)</a:t>
+            </a:r>
+            <a:endParaRPr lang="pl-PL" sz="1600" b="1" dirty="0">
+              <a:solidFill>
+                <a:srgbClr val="00B050"/>
+              </a:solidFill>
+            </a:endParaRPr>
+          </a:p>
+        </p:txBody>
+      </p:sp>
     </p:spTree>
     <p:extLst>
       <p:ext uri="{BB962C8B-B14F-4D97-AF65-F5344CB8AC3E}">
-        <p14:creationId xmlns:p14="http://schemas.microsoft.com/office/powerpoint/2010/main" xmlns="" val="1258258649"/>
+        <p14:creationId xmlns="" xmlns:p14="http://schemas.microsoft.com/office/powerpoint/2010/main" val="1258258649"/>
       </p:ext>
     </p:extLst>
   </p:cSld>
@@ -15652,7 +15798,7 @@
     <a:masterClrMapping/>
   </p:clrMapOvr>
   <mc:AlternateContent xmlns:mc="http://schemas.openxmlformats.org/markup-compatibility/2006">
-    <mc:Choice xmlns:p14="http://schemas.microsoft.com/office/powerpoint/2010/main" xmlns="" Requires="p14">
+    <mc:Choice xmlns="" xmlns:p14="http://schemas.microsoft.com/office/powerpoint/2010/main" Requires="p14">
       <p:transition p14:dur="10"/>
     </mc:Choice>
     <mc:Fallback>
@@ -15807,7 +15953,7 @@
     </p:spTree>
     <p:extLst>
       <p:ext uri="{BB962C8B-B14F-4D97-AF65-F5344CB8AC3E}">
-        <p14:creationId xmlns:p14="http://schemas.microsoft.com/office/powerpoint/2010/main" xmlns="" val="1843316224"/>
+        <p14:creationId xmlns="" xmlns:p14="http://schemas.microsoft.com/office/powerpoint/2010/main" val="1843316224"/>
       </p:ext>
     </p:extLst>
   </p:cSld>
@@ -15815,7 +15961,7 @@
     <a:masterClrMapping/>
   </p:clrMapOvr>
   <mc:AlternateContent xmlns:mc="http://schemas.openxmlformats.org/markup-compatibility/2006">
-    <mc:Choice xmlns:p14="http://schemas.microsoft.com/office/powerpoint/2010/main" xmlns="" Requires="p14">
+    <mc:Choice xmlns="" xmlns:p14="http://schemas.microsoft.com/office/powerpoint/2010/main" Requires="p14">
       <p:transition p14:dur="10"/>
     </mc:Choice>
     <mc:Fallback>
@@ -16500,7 +16646,7 @@
     </p:spTree>
     <p:extLst>
       <p:ext uri="{BB962C8B-B14F-4D97-AF65-F5344CB8AC3E}">
-        <p14:creationId xmlns:p14="http://schemas.microsoft.com/office/powerpoint/2010/main" xmlns="" val="456010206"/>
+        <p14:creationId xmlns="" xmlns:p14="http://schemas.microsoft.com/office/powerpoint/2010/main" val="456010206"/>
       </p:ext>
     </p:extLst>
   </p:cSld>
@@ -16508,7 +16654,7 @@
     <a:masterClrMapping/>
   </p:clrMapOvr>
   <mc:AlternateContent xmlns:mc="http://schemas.openxmlformats.org/markup-compatibility/2006">
-    <mc:Choice xmlns:p14="http://schemas.microsoft.com/office/powerpoint/2010/main" xmlns="" Requires="p14">
+    <mc:Choice xmlns="" xmlns:p14="http://schemas.microsoft.com/office/powerpoint/2010/main" Requires="p14">
       <p:transition p14:dur="10"/>
     </mc:Choice>
     <mc:Fallback>
@@ -16715,7 +16861,7 @@
     </p:spTree>
     <p:extLst>
       <p:ext uri="{BB962C8B-B14F-4D97-AF65-F5344CB8AC3E}">
-        <p14:creationId xmlns:p14="http://schemas.microsoft.com/office/powerpoint/2010/main" xmlns="" val="1927227920"/>
+        <p14:creationId xmlns="" xmlns:p14="http://schemas.microsoft.com/office/powerpoint/2010/main" val="1927227920"/>
       </p:ext>
     </p:extLst>
   </p:cSld>
@@ -16723,7 +16869,7 @@
     <a:masterClrMapping/>
   </p:clrMapOvr>
   <mc:AlternateContent xmlns:mc="http://schemas.openxmlformats.org/markup-compatibility/2006">
-    <mc:Choice xmlns:p14="http://schemas.microsoft.com/office/powerpoint/2010/main" xmlns="" Requires="p14">
+    <mc:Choice xmlns="" xmlns:p14="http://schemas.microsoft.com/office/powerpoint/2010/main" Requires="p14">
       <p:transition p14:dur="10"/>
     </mc:Choice>
     <mc:Fallback>
@@ -16907,7 +17053,7 @@
           <a:blip r:embed="rId4">
             <a:extLst>
               <a:ext uri="{28A0092B-C50C-407E-A947-70E740481C1C}">
-                <a14:useLocalDpi xmlns:a14="http://schemas.microsoft.com/office/drawing/2010/main" xmlns="" val="0"/>
+                <a14:useLocalDpi xmlns="" xmlns:a14="http://schemas.microsoft.com/office/drawing/2010/main" val="0"/>
               </a:ext>
             </a:extLst>
           </a:blip>
@@ -16930,14 +17076,14 @@
           </a:ln>
           <a:extLst>
             <a:ext uri="{909E8E84-426E-40DD-AFC4-6F175D3DCCD1}">
-              <a14:hiddenFill xmlns:a14="http://schemas.microsoft.com/office/drawing/2010/main" xmlns="">
+              <a14:hiddenFill xmlns="" xmlns:a14="http://schemas.microsoft.com/office/drawing/2010/main">
                 <a:solidFill>
                   <a:schemeClr val="accent1"/>
                 </a:solidFill>
               </a14:hiddenFill>
             </a:ext>
             <a:ext uri="{91240B29-F687-4F45-9708-019B960494DF}">
-              <a14:hiddenLine xmlns:a14="http://schemas.microsoft.com/office/drawing/2010/main" xmlns="" w="9525">
+              <a14:hiddenLine xmlns="" xmlns:a14="http://schemas.microsoft.com/office/drawing/2010/main" w="9525">
                 <a:solidFill>
                   <a:schemeClr val="tx1"/>
                 </a:solidFill>
@@ -16952,7 +17098,7 @@
     </p:spTree>
     <p:extLst>
       <p:ext uri="{BB962C8B-B14F-4D97-AF65-F5344CB8AC3E}">
-        <p14:creationId xmlns:p14="http://schemas.microsoft.com/office/powerpoint/2010/main" xmlns="" val="1362323854"/>
+        <p14:creationId xmlns="" xmlns:p14="http://schemas.microsoft.com/office/powerpoint/2010/main" val="1362323854"/>
       </p:ext>
     </p:extLst>
   </p:cSld>
@@ -16960,7 +17106,7 @@
     <a:masterClrMapping/>
   </p:clrMapOvr>
   <mc:AlternateContent xmlns:mc="http://schemas.openxmlformats.org/markup-compatibility/2006">
-    <mc:Choice xmlns:p14="http://schemas.microsoft.com/office/powerpoint/2010/main" xmlns="" Requires="p14">
+    <mc:Choice xmlns="" xmlns:p14="http://schemas.microsoft.com/office/powerpoint/2010/main" Requires="p14">
       <p:transition p14:dur="10"/>
     </mc:Choice>
     <mc:Fallback>
@@ -17075,22 +17221,14 @@
             <a:pPr lvl="1"/>
             <a:r>
               <a:rPr lang="pl-PL" dirty="0" smtClean="0"/>
-              <a:t>Zaimplementuj poprawnie testy, które powodują błędy podczas budowania</a:t>
-            </a:r>
-            <a:r>
-              <a:rPr lang="pl-PL" dirty="0" smtClean="0"/>
-              <a:t>.</a:t>
+              <a:t>Zaimplementuj poprawnie testy, które powodują błędy podczas budowania.</a:t>
             </a:r>
           </a:p>
           <a:p>
             <a:pPr lvl="1"/>
             <a:r>
               <a:rPr lang="pl-PL" dirty="0" smtClean="0"/>
-              <a:t>Popraw </a:t>
-            </a:r>
-            <a:r>
-              <a:rPr lang="pl-PL" dirty="0" smtClean="0"/>
-              <a:t>klasę </a:t>
+              <a:t>Popraw klasę </a:t>
             </a:r>
             <a:r>
               <a:rPr lang="pl-PL" dirty="0" err="1" smtClean="0"/>
@@ -17143,10 +17281,96 @@
           </a:p>
         </p:txBody>
       </p:sp>
+      <p:sp>
+        <p:nvSpPr>
+          <p:cNvPr id="9" name="pole tekstowe 8"/>
+          <p:cNvSpPr txBox="1"/>
+          <p:nvPr/>
+        </p:nvSpPr>
+        <p:spPr bwMode="auto">
+          <a:xfrm>
+            <a:off x="914183" y="3963421"/>
+            <a:ext cx="6751848" cy="518091"/>
+          </a:xfrm>
+          <a:prstGeom prst="rect">
+            <a:avLst/>
+          </a:prstGeom>
+          <a:noFill/>
+          <a:ln w="9525">
+            <a:noFill/>
+            <a:miter lim="800000"/>
+            <a:headEnd/>
+            <a:tailEnd/>
+          </a:ln>
+        </p:spPr>
+        <p:txBody>
+          <a:bodyPr wrap="none" lIns="0" tIns="0" rIns="0" bIns="0" rtlCol="0">
+            <a:spAutoFit/>
+          </a:bodyPr>
+          <a:lstStyle/>
+          <a:p>
+            <a:pPr>
+              <a:spcBef>
+                <a:spcPts val="100"/>
+              </a:spcBef>
+              <a:spcAft>
+                <a:spcPts val="100"/>
+              </a:spcAft>
+            </a:pPr>
+            <a:r>
+              <a:rPr lang="pl-PL" sz="1600" b="1" dirty="0" smtClean="0">
+                <a:solidFill>
+                  <a:srgbClr val="00B050"/>
+                </a:solidFill>
+              </a:rPr>
+              <a:t>Ostateczny termin zaliczenia ćwiczenia: </a:t>
+            </a:r>
+            <a:r>
+              <a:rPr lang="pl-PL" sz="1600" b="1" dirty="0" smtClean="0">
+                <a:solidFill>
+                  <a:srgbClr val="00B050"/>
+                </a:solidFill>
+              </a:rPr>
+              <a:t>czwartek 9 </a:t>
+            </a:r>
+            <a:r>
+              <a:rPr lang="pl-PL" sz="1600" b="1" dirty="0" smtClean="0">
+                <a:solidFill>
+                  <a:srgbClr val="00B050"/>
+                </a:solidFill>
+              </a:rPr>
+              <a:t>marca</a:t>
+            </a:r>
+          </a:p>
+          <a:p>
+            <a:pPr>
+              <a:spcBef>
+                <a:spcPts val="100"/>
+              </a:spcBef>
+              <a:spcAft>
+                <a:spcPts val="100"/>
+              </a:spcAft>
+            </a:pPr>
+            <a:r>
+              <a:rPr lang="pl-PL" sz="1600" b="1" dirty="0" smtClean="0">
+                <a:solidFill>
+                  <a:srgbClr val="00B050"/>
+                </a:solidFill>
+              </a:rPr>
+              <a:t>Rozwiązania dostarczone później nie będą uwzględniane (0 punktów)</a:t>
+            </a:r>
+            <a:endParaRPr lang="pl-PL" sz="1600" b="1" dirty="0">
+              <a:solidFill>
+                <a:srgbClr val="00B050"/>
+              </a:solidFill>
+            </a:endParaRPr>
+          </a:p>
+        </p:txBody>
+      </p:sp>
     </p:spTree>
     <p:extLst>
       <p:ext uri="{BB962C8B-B14F-4D97-AF65-F5344CB8AC3E}">
-        <p14:creationId xmlns:p14="http://schemas.microsoft.com/office/powerpoint/2010/main" xmlns="" val="1329190289"/>
+        <p14:creationId xmlns="" xmlns:p14="http://schemas.microsoft.com/office/powerpoint/2010/main" val="1329190289"/>
       </p:ext>
     </p:extLst>
   </p:cSld>
@@ -17154,7 +17378,7 @@
     <a:masterClrMapping/>
   </p:clrMapOvr>
   <mc:AlternateContent xmlns:mc="http://schemas.openxmlformats.org/markup-compatibility/2006">
-    <mc:Choice xmlns:p14="http://schemas.microsoft.com/office/powerpoint/2010/main" xmlns="" Requires="p14">
+    <mc:Choice xmlns="" xmlns:p14="http://schemas.microsoft.com/office/powerpoint/2010/main" Requires="p14">
       <p:transition p14:dur="10"/>
     </mc:Choice>
     <mc:Fallback>
@@ -17274,7 +17498,7 @@
     </p:spTree>
     <p:extLst>
       <p:ext uri="{BB962C8B-B14F-4D97-AF65-F5344CB8AC3E}">
-        <p14:creationId xmlns:p14="http://schemas.microsoft.com/office/powerpoint/2010/main" xmlns="" val="1405177657"/>
+        <p14:creationId xmlns="" xmlns:p14="http://schemas.microsoft.com/office/powerpoint/2010/main" val="1405177657"/>
       </p:ext>
     </p:extLst>
   </p:cSld>
@@ -18051,7 +18275,7 @@
     </p:spTree>
     <p:extLst>
       <p:ext uri="{BB962C8B-B14F-4D97-AF65-F5344CB8AC3E}">
-        <p14:creationId xmlns:p14="http://schemas.microsoft.com/office/powerpoint/2010/main" xmlns="" val="3252034138"/>
+        <p14:creationId xmlns="" xmlns:p14="http://schemas.microsoft.com/office/powerpoint/2010/main" val="3252034138"/>
       </p:ext>
     </p:extLst>
   </p:cSld>
@@ -18059,7 +18283,7 @@
     <a:masterClrMapping/>
   </p:clrMapOvr>
   <mc:AlternateContent xmlns:mc="http://schemas.openxmlformats.org/markup-compatibility/2006">
-    <mc:Choice xmlns:p14="http://schemas.microsoft.com/office/powerpoint/2010/main" xmlns="" Requires="p14">
+    <mc:Choice xmlns="" xmlns:p14="http://schemas.microsoft.com/office/powerpoint/2010/main" Requires="p14">
       <p:transition p14:dur="10"/>
     </mc:Choice>
     <mc:Fallback>
@@ -18377,7 +18601,7 @@
     </p:spTree>
     <p:extLst>
       <p:ext uri="{BB962C8B-B14F-4D97-AF65-F5344CB8AC3E}">
-        <p14:creationId xmlns:p14="http://schemas.microsoft.com/office/powerpoint/2010/main" xmlns="" val="249137867"/>
+        <p14:creationId xmlns="" xmlns:p14="http://schemas.microsoft.com/office/powerpoint/2010/main" val="249137867"/>
       </p:ext>
     </p:extLst>
   </p:cSld>
@@ -18385,7 +18609,7 @@
     <a:masterClrMapping/>
   </p:clrMapOvr>
   <mc:AlternateContent xmlns:mc="http://schemas.openxmlformats.org/markup-compatibility/2006">
-    <mc:Choice xmlns:p14="http://schemas.microsoft.com/office/powerpoint/2010/main" xmlns="" Requires="p14">
+    <mc:Choice xmlns="" xmlns:p14="http://schemas.microsoft.com/office/powerpoint/2010/main" Requires="p14">
       <p:transition p14:dur="0"/>
     </mc:Choice>
     <mc:Fallback>
@@ -18489,7 +18713,7 @@
           <a:blip r:embed="rId3">
             <a:extLst>
               <a:ext uri="{28A0092B-C50C-407E-A947-70E740481C1C}">
-                <a14:useLocalDpi xmlns:a14="http://schemas.microsoft.com/office/drawing/2010/main" xmlns="" val="0"/>
+                <a14:useLocalDpi xmlns="" xmlns:a14="http://schemas.microsoft.com/office/drawing/2010/main" val="0"/>
               </a:ext>
             </a:extLst>
           </a:blip>
@@ -18512,14 +18736,14 @@
           </a:ln>
           <a:extLst>
             <a:ext uri="{909E8E84-426E-40DD-AFC4-6F175D3DCCD1}">
-              <a14:hiddenFill xmlns:a14="http://schemas.microsoft.com/office/drawing/2010/main" xmlns="">
+              <a14:hiddenFill xmlns="" xmlns:a14="http://schemas.microsoft.com/office/drawing/2010/main">
                 <a:solidFill>
                   <a:schemeClr val="accent1"/>
                 </a:solidFill>
               </a14:hiddenFill>
             </a:ext>
             <a:ext uri="{91240B29-F687-4F45-9708-019B960494DF}">
-              <a14:hiddenLine xmlns:a14="http://schemas.microsoft.com/office/drawing/2010/main" xmlns="" w="9525">
+              <a14:hiddenLine xmlns="" xmlns:a14="http://schemas.microsoft.com/office/drawing/2010/main" w="9525">
                 <a:solidFill>
                   <a:schemeClr val="tx1"/>
                 </a:solidFill>
@@ -18543,7 +18767,7 @@
           <a:blip r:embed="rId4">
             <a:extLst>
               <a:ext uri="{28A0092B-C50C-407E-A947-70E740481C1C}">
-                <a14:useLocalDpi xmlns:a14="http://schemas.microsoft.com/office/drawing/2010/main" xmlns="" val="0"/>
+                <a14:useLocalDpi xmlns="" xmlns:a14="http://schemas.microsoft.com/office/drawing/2010/main" val="0"/>
               </a:ext>
             </a:extLst>
           </a:blip>
@@ -18566,14 +18790,14 @@
           </a:ln>
           <a:extLst>
             <a:ext uri="{909E8E84-426E-40DD-AFC4-6F175D3DCCD1}">
-              <a14:hiddenFill xmlns:a14="http://schemas.microsoft.com/office/drawing/2010/main" xmlns="">
+              <a14:hiddenFill xmlns="" xmlns:a14="http://schemas.microsoft.com/office/drawing/2010/main">
                 <a:solidFill>
                   <a:schemeClr val="accent1"/>
                 </a:solidFill>
               </a14:hiddenFill>
             </a:ext>
             <a:ext uri="{91240B29-F687-4F45-9708-019B960494DF}">
-              <a14:hiddenLine xmlns:a14="http://schemas.microsoft.com/office/drawing/2010/main" xmlns="" w="9525">
+              <a14:hiddenLine xmlns="" xmlns:a14="http://schemas.microsoft.com/office/drawing/2010/main" w="9525">
                 <a:solidFill>
                   <a:schemeClr val="tx1"/>
                 </a:solidFill>
@@ -18597,7 +18821,7 @@
           <a:blip r:embed="rId5">
             <a:extLst>
               <a:ext uri="{28A0092B-C50C-407E-A947-70E740481C1C}">
-                <a14:useLocalDpi xmlns:a14="http://schemas.microsoft.com/office/drawing/2010/main" xmlns="" val="0"/>
+                <a14:useLocalDpi xmlns="" xmlns:a14="http://schemas.microsoft.com/office/drawing/2010/main" val="0"/>
               </a:ext>
             </a:extLst>
           </a:blip>
@@ -18620,14 +18844,14 @@
           </a:ln>
           <a:extLst>
             <a:ext uri="{909E8E84-426E-40DD-AFC4-6F175D3DCCD1}">
-              <a14:hiddenFill xmlns:a14="http://schemas.microsoft.com/office/drawing/2010/main" xmlns="">
+              <a14:hiddenFill xmlns="" xmlns:a14="http://schemas.microsoft.com/office/drawing/2010/main">
                 <a:solidFill>
                   <a:schemeClr val="accent1"/>
                 </a:solidFill>
               </a14:hiddenFill>
             </a:ext>
             <a:ext uri="{91240B29-F687-4F45-9708-019B960494DF}">
-              <a14:hiddenLine xmlns:a14="http://schemas.microsoft.com/office/drawing/2010/main" xmlns="" w="9525">
+              <a14:hiddenLine xmlns="" xmlns:a14="http://schemas.microsoft.com/office/drawing/2010/main" w="9525">
                 <a:solidFill>
                   <a:schemeClr val="tx1"/>
                 </a:solidFill>
@@ -18642,7 +18866,7 @@
     </p:spTree>
     <p:extLst>
       <p:ext uri="{BB962C8B-B14F-4D97-AF65-F5344CB8AC3E}">
-        <p14:creationId xmlns:p14="http://schemas.microsoft.com/office/powerpoint/2010/main" xmlns="" val="1587262435"/>
+        <p14:creationId xmlns="" xmlns:p14="http://schemas.microsoft.com/office/powerpoint/2010/main" val="1587262435"/>
       </p:ext>
     </p:extLst>
   </p:cSld>
@@ -18650,7 +18874,7 @@
     <a:masterClrMapping/>
   </p:clrMapOvr>
   <mc:AlternateContent xmlns:mc="http://schemas.openxmlformats.org/markup-compatibility/2006">
-    <mc:Choice xmlns:p14="http://schemas.microsoft.com/office/powerpoint/2010/main" xmlns="" Requires="p14">
+    <mc:Choice xmlns="" xmlns:p14="http://schemas.microsoft.com/office/powerpoint/2010/main" Requires="p14">
       <p:transition p14:dur="0"/>
     </mc:Choice>
     <mc:Fallback>
@@ -19283,7 +19507,7 @@
           <a:blip r:embed="rId3">
             <a:extLst>
               <a:ext uri="{28A0092B-C50C-407E-A947-70E740481C1C}">
-                <a14:useLocalDpi xmlns:a14="http://schemas.microsoft.com/office/drawing/2010/main" xmlns="" val="0"/>
+                <a14:useLocalDpi xmlns="" xmlns:a14="http://schemas.microsoft.com/office/drawing/2010/main" val="0"/>
               </a:ext>
             </a:extLst>
           </a:blip>
@@ -19306,14 +19530,14 @@
           </a:ln>
           <a:extLst>
             <a:ext uri="{909E8E84-426E-40DD-AFC4-6F175D3DCCD1}">
-              <a14:hiddenFill xmlns:a14="http://schemas.microsoft.com/office/drawing/2010/main" xmlns="">
+              <a14:hiddenFill xmlns="" xmlns:a14="http://schemas.microsoft.com/office/drawing/2010/main">
                 <a:solidFill>
                   <a:schemeClr val="accent1"/>
                 </a:solidFill>
               </a14:hiddenFill>
             </a:ext>
             <a:ext uri="{91240B29-F687-4F45-9708-019B960494DF}">
-              <a14:hiddenLine xmlns:a14="http://schemas.microsoft.com/office/drawing/2010/main" xmlns="" w="9525">
+              <a14:hiddenLine xmlns="" xmlns:a14="http://schemas.microsoft.com/office/drawing/2010/main" w="9525">
                 <a:solidFill>
                   <a:schemeClr val="tx1"/>
                 </a:solidFill>
@@ -19328,7 +19552,7 @@
     </p:spTree>
     <p:extLst>
       <p:ext uri="{BB962C8B-B14F-4D97-AF65-F5344CB8AC3E}">
-        <p14:creationId xmlns:p14="http://schemas.microsoft.com/office/powerpoint/2010/main" xmlns="" val="2687500160"/>
+        <p14:creationId xmlns="" xmlns:p14="http://schemas.microsoft.com/office/powerpoint/2010/main" val="2687500160"/>
       </p:ext>
     </p:extLst>
   </p:cSld>
@@ -19336,7 +19560,7 @@
     <a:masterClrMapping/>
   </p:clrMapOvr>
   <mc:AlternateContent xmlns:mc="http://schemas.openxmlformats.org/markup-compatibility/2006">
-    <mc:Choice xmlns:p14="http://schemas.microsoft.com/office/powerpoint/2010/main" xmlns="" Requires="p14">
+    <mc:Choice xmlns="" xmlns:p14="http://schemas.microsoft.com/office/powerpoint/2010/main" Requires="p14">
       <p:transition p14:dur="10"/>
     </mc:Choice>
     <mc:Fallback>
@@ -19720,11 +19944,6 @@
               </a:rPr>
               <a:t> ..</a:t>
             </a:r>
-            <a:endParaRPr lang="pl-PL" dirty="0" smtClean="0">
-              <a:solidFill>
-                <a:schemeClr val="accent3"/>
-              </a:solidFill>
-            </a:endParaRPr>
           </a:p>
           <a:p>
             <a:pPr lvl="1"/>
@@ -19750,31 +19969,7 @@
                   <a:schemeClr val="accent3"/>
                 </a:solidFill>
               </a:rPr>
-              <a:t> </a:t>
-            </a:r>
-            <a:r>
-              <a:rPr lang="pl-PL" dirty="0" smtClean="0">
-                <a:solidFill>
-                  <a:schemeClr val="accent3"/>
-                </a:solidFill>
-              </a:rPr>
-              <a:t>"..\</a:t>
-            </a:r>
-            <a:r>
-              <a:rPr lang="pl-PL" dirty="0" smtClean="0">
-                <a:solidFill>
-                  <a:schemeClr val="accent3"/>
-                </a:solidFill>
-              </a:rPr>
-              <a:t>conversions\bin;lib\commons-lang3-3.4.jar</a:t>
-            </a:r>
-            <a:r>
-              <a:rPr lang="pl-PL" dirty="0" smtClean="0">
-                <a:solidFill>
-                  <a:schemeClr val="accent3"/>
-                </a:solidFill>
-              </a:rPr>
-              <a:t>;." </a:t>
+              <a:t> "..\conversions\bin;lib\commons-lang3-3.4.jar;." </a:t>
             </a:r>
             <a:r>
               <a:rPr lang="pl-PL" dirty="0">
@@ -19801,11 +19996,7 @@
           <a:p>
             <a:r>
               <a:rPr lang="pl-PL" dirty="0" smtClean="0"/>
-              <a:t>Uruchomienie aplikacji z argumentami 2, -3 i -5</a:t>
-            </a:r>
-            <a:r>
-              <a:rPr lang="pl-PL" dirty="0" smtClean="0"/>
-              <a:t>.</a:t>
+              <a:t>Uruchomienie aplikacji z argumentami 2, -3 i -5.</a:t>
             </a:r>
             <a:endParaRPr lang="pl-PL" dirty="0" smtClean="0">
               <a:solidFill>
@@ -19876,39 +20067,7 @@
                   <a:schemeClr val="accent3"/>
                 </a:solidFill>
               </a:rPr>
-              <a:t> </a:t>
-            </a:r>
-            <a:r>
-              <a:rPr lang="pl-PL" dirty="0" smtClean="0">
-                <a:solidFill>
-                  <a:schemeClr val="accent3"/>
-                </a:solidFill>
-              </a:rPr>
-              <a:t>"calculator-1.0.jar;lib\commons-lang3-3.4.jar</a:t>
-            </a:r>
-            <a:r>
-              <a:rPr lang="pl-PL" dirty="0" smtClean="0">
-                <a:solidFill>
-                  <a:schemeClr val="accent3"/>
-                </a:solidFill>
-              </a:rPr>
-              <a:t>;..\</a:t>
-            </a:r>
-            <a:r>
-              <a:rPr lang="pl-PL" dirty="0" smtClean="0">
-                <a:solidFill>
-                  <a:schemeClr val="accent3"/>
-                </a:solidFill>
-              </a:rPr>
-              <a:t>conversions\conversions-1.0.jar" </a:t>
-            </a:r>
-            <a:r>
-              <a:rPr lang="pl-PL" dirty="0" smtClean="0">
-                <a:solidFill>
-                  <a:schemeClr val="accent3"/>
-                </a:solidFill>
-              </a:rPr>
-              <a:t>wdsr.exercise1.Main 2 -3 -5</a:t>
+              <a:t> "calculator-1.0.jar;lib\commons-lang3-3.4.jar;..\conversions\conversions-1.0.jar" wdsr.exercise1.Main 2 -3 -5</a:t>
             </a:r>
           </a:p>
         </p:txBody>
@@ -19916,7 +20075,7 @@
     </p:spTree>
     <p:extLst>
       <p:ext uri="{BB962C8B-B14F-4D97-AF65-F5344CB8AC3E}">
-        <p14:creationId xmlns:p14="http://schemas.microsoft.com/office/powerpoint/2010/main" xmlns="" val="2794803434"/>
+        <p14:creationId xmlns="" xmlns:p14="http://schemas.microsoft.com/office/powerpoint/2010/main" val="2794803434"/>
       </p:ext>
     </p:extLst>
   </p:cSld>
@@ -19924,7 +20083,7 @@
     <a:masterClrMapping/>
   </p:clrMapOvr>
   <mc:AlternateContent xmlns:mc="http://schemas.openxmlformats.org/markup-compatibility/2006">
-    <mc:Choice xmlns:p14="http://schemas.microsoft.com/office/powerpoint/2010/main" xmlns="" Requires="p14">
+    <mc:Choice xmlns="" xmlns:p14="http://schemas.microsoft.com/office/powerpoint/2010/main" Requires="p14">
       <p:transition p14:dur="10"/>
     </mc:Choice>
     <mc:Fallback>
@@ -20213,7 +20372,7 @@
   <a:extraClrSchemeLst/>
   <a:extLst>
     <a:ext uri="{05A4C25C-085E-4340-85A3-A5531E510DB2}">
-      <thm15:themeFamily xmlns="" xmlns:thm15="http://schemas.microsoft.com/office/thememl/2012/main" name="GFT_Chartpool_2015.pptx" id="{A28C9458-9558-44C8-89F4-D7A2CBC04405}" vid="{0F156D25-70FA-498B-891B-4FDE46BF1046}"/>
+      <thm15:themeFamily xmlns:thm15="http://schemas.microsoft.com/office/thememl/2012/main" xmlns="" name="GFT_Chartpool_2015.pptx" id="{A28C9458-9558-44C8-89F4-D7A2CBC04405}" vid="{0F156D25-70FA-498B-891B-4FDE46BF1046}"/>
     </a:ext>
   </a:extLst>
 </a:theme>
@@ -20860,6 +21019,15 @@
 </file>
 
 <file path=customXml/item1.xml><?xml version="1.0" encoding="utf-8"?>
+<?mso-contentType ?>
+<FormTemplates xmlns="http://schemas.microsoft.com/sharepoint/v3/contenttype/forms">
+  <Display>DocumentLibraryForm</Display>
+  <Edit>DocumentLibraryForm</Edit>
+  <New>DocumentLibraryForm</New>
+</FormTemplates>
+</file>
+
+<file path=customXml/item2.xml><?xml version="1.0" encoding="utf-8"?>
 <ct:contentTypeSchema xmlns:ct="http://schemas.microsoft.com/office/2006/metadata/contentType" xmlns:ma="http://schemas.microsoft.com/office/2006/metadata/properties/metaAttributes" ct:_="" ma:_="" ma:contentTypeName="Document" ma:contentTypeID="0x010100793B9935CA02AD4F90F0A0FD564FDD82" ma:contentTypeVersion="17" ma:contentTypeDescription="Create a new document." ma:contentTypeScope="" ma:versionID="6168266ad0b2c1ccdc9d2ae0268a5eb6">
   <xsd:schema xmlns:xsd="http://www.w3.org/2001/XMLSchema" xmlns:xs="http://www.w3.org/2001/XMLSchema" xmlns:p="http://schemas.microsoft.com/office/2006/metadata/properties" xmlns:ns2="e44e039f-c551-4112-981c-456f1b630ef1" xmlns:ns3="727178e8-9586-4f49-8e7b-77af9c2fb085" targetNamespace="http://schemas.microsoft.com/office/2006/metadata/properties" ma:root="true" ma:fieldsID="b9b29daf9bb73cd90369de1b0e977594" ns2:_="" ns3:_="">
     <xsd:import namespace="e44e039f-c551-4112-981c-456f1b630ef1"/>
@@ -21356,51 +21524,7 @@
 </ct:contentTypeSchema>
 </file>
 
-<file path=customXml/item2.xml><?xml version="1.0" encoding="utf-8"?>
-<?mso-contentType ?>
-<FormTemplates xmlns="http://schemas.microsoft.com/sharepoint/v3/contenttype/forms">
-  <Display>DocumentLibraryForm</Display>
-  <Edit>DocumentLibraryForm</Edit>
-  <New>DocumentLibraryForm</New>
-</FormTemplates>
-</file>
-
 <file path=customXml/item3.xml><?xml version="1.0" encoding="utf-8"?>
-<p:properties xmlns:p="http://schemas.microsoft.com/office/2006/metadata/properties" xmlns:xsi="http://www.w3.org/2001/XMLSchema-instance" xmlns:pc="http://schemas.microsoft.com/office/infopath/2007/PartnerControls">
-  <documentManagement>
-    <_dlc_DocId xmlns="727178e8-9586-4f49-8e7b-77af9c2fb085">CVD5QAC74SYH-2-13943</_dlc_DocId>
-    <_dlc_DocIdUrl xmlns="727178e8-9586-4f49-8e7b-77af9c2fb085">
-      <Url>https://share.gft.com/sites/Corporate-Marketing/_layouts/DocIdRedir.aspx?ID=CVD5QAC74SYH-2-13943</Url>
-      <Description>CVD5QAC74SYH-2-13943</Description>
-    </_dlc_DocIdUrl>
-    <Functional_x0020_Area xmlns="e44e039f-c551-4112-981c-456f1b630ef1">Functional Area 1</Functional_x0020_Area>
-    <Reference_x0020_Title xmlns="e44e039f-c551-4112-981c-456f1b630ef1" xsi:nil="true"/>
-    <Area xmlns="e44e039f-c551-4112-981c-456f1b630ef1">Area 1</Area>
-    <Project_x0020_size_x0020__x0028_resources_x0029_ xmlns="e44e039f-c551-4112-981c-456f1b630ef1" xsi:nil="true"/>
-    <Comments xmlns="e44e039f-c551-4112-981c-456f1b630ef1" xsi:nil="true"/>
-    <Business_x0020_Sector xmlns="e44e039f-c551-4112-981c-456f1b630ef1">Banking</Business_x0020_Sector>
-    <Client_x0020_Category xmlns="e44e039f-c551-4112-981c-456f1b630ef1">Central</Client_x0020_Category>
-    <Methods_x0020_and_x0020_standards xmlns="e44e039f-c551-4112-981c-456f1b630ef1" xsi:nil="true"/>
-    <Responsible xmlns="e44e039f-c551-4112-981c-456f1b630ef1">Marek Strejczek</Responsible>
-    <Client_x0020_Name xmlns="e44e039f-c551-4112-981c-456f1b630ef1" xsi:nil="true"/>
-    <Client_x0020_approval xmlns="e44e039f-c551-4112-981c-456f1b630ef1">No</Client_x0020_approval>
-    <Plattform_x0020__x0026__x0020_tools xmlns="e44e039f-c551-4112-981c-456f1b630ef1" xsi:nil="true"/>
-    <Project_x0020_ID xmlns="e44e039f-c551-4112-981c-456f1b630ef1" xsi:nil="true"/>
-    <Description0 xmlns="e44e039f-c551-4112-981c-456f1b630ef1" xsi:nil="true"/>
-    <Author_x0020__x002f__x0020_Contact xmlns="e44e039f-c551-4112-981c-456f1b630ef1">
-      <UserInfo>
-        <DisplayName/>
-        <AccountId xsi:nil="true"/>
-        <AccountType/>
-      </UserInfo>
-    </Author_x0020__x002f__x0020_Contact>
-    <Client_x0020_Country xmlns="e44e039f-c551-4112-981c-456f1b630ef1">Germany</Client_x0020_Country>
-    <Year xmlns="e44e039f-c551-4112-981c-456f1b630ef1" xsi:nil="true"/>
-  </documentManagement>
-</p:properties>
-</file>
-
-<file path=customXml/item4.xml><?xml version="1.0" encoding="utf-8"?>
 <?mso-contentType ?>
 <spe:Receivers xmlns:spe="http://schemas.microsoft.com/sharepoint/events">
   <Receiver>
@@ -21446,7 +21570,50 @@
 </spe:Receivers>
 </file>
 
+<file path=customXml/item4.xml><?xml version="1.0" encoding="utf-8"?>
+<p:properties xmlns:p="http://schemas.microsoft.com/office/2006/metadata/properties" xmlns:xsi="http://www.w3.org/2001/XMLSchema-instance" xmlns:pc="http://schemas.microsoft.com/office/infopath/2007/PartnerControls">
+  <documentManagement>
+    <_dlc_DocId xmlns="727178e8-9586-4f49-8e7b-77af9c2fb085">CVD5QAC74SYH-2-13943</_dlc_DocId>
+    <_dlc_DocIdUrl xmlns="727178e8-9586-4f49-8e7b-77af9c2fb085">
+      <Url>https://share.gft.com/sites/Corporate-Marketing/_layouts/DocIdRedir.aspx?ID=CVD5QAC74SYH-2-13943</Url>
+      <Description>CVD5QAC74SYH-2-13943</Description>
+    </_dlc_DocIdUrl>
+    <Functional_x0020_Area xmlns="e44e039f-c551-4112-981c-456f1b630ef1">Functional Area 1</Functional_x0020_Area>
+    <Reference_x0020_Title xmlns="e44e039f-c551-4112-981c-456f1b630ef1" xsi:nil="true"/>
+    <Area xmlns="e44e039f-c551-4112-981c-456f1b630ef1">Area 1</Area>
+    <Project_x0020_size_x0020__x0028_resources_x0029_ xmlns="e44e039f-c551-4112-981c-456f1b630ef1" xsi:nil="true"/>
+    <Comments xmlns="e44e039f-c551-4112-981c-456f1b630ef1" xsi:nil="true"/>
+    <Business_x0020_Sector xmlns="e44e039f-c551-4112-981c-456f1b630ef1">Banking</Business_x0020_Sector>
+    <Client_x0020_Category xmlns="e44e039f-c551-4112-981c-456f1b630ef1">Central</Client_x0020_Category>
+    <Methods_x0020_and_x0020_standards xmlns="e44e039f-c551-4112-981c-456f1b630ef1" xsi:nil="true"/>
+    <Responsible xmlns="e44e039f-c551-4112-981c-456f1b630ef1">Marek Strejczek</Responsible>
+    <Client_x0020_Name xmlns="e44e039f-c551-4112-981c-456f1b630ef1" xsi:nil="true"/>
+    <Client_x0020_approval xmlns="e44e039f-c551-4112-981c-456f1b630ef1">No</Client_x0020_approval>
+    <Plattform_x0020__x0026__x0020_tools xmlns="e44e039f-c551-4112-981c-456f1b630ef1" xsi:nil="true"/>
+    <Project_x0020_ID xmlns="e44e039f-c551-4112-981c-456f1b630ef1" xsi:nil="true"/>
+    <Description0 xmlns="e44e039f-c551-4112-981c-456f1b630ef1" xsi:nil="true"/>
+    <Author_x0020__x002f__x0020_Contact xmlns="e44e039f-c551-4112-981c-456f1b630ef1">
+      <UserInfo>
+        <DisplayName/>
+        <AccountId xsi:nil="true"/>
+        <AccountType/>
+      </UserInfo>
+    </Author_x0020__x002f__x0020_Contact>
+    <Client_x0020_Country xmlns="e44e039f-c551-4112-981c-456f1b630ef1">Germany</Client_x0020_Country>
+    <Year xmlns="e44e039f-c551-4112-981c-456f1b630ef1" xsi:nil="true"/>
+  </documentManagement>
+</p:properties>
+</file>
+
 <file path=customXml/itemProps1.xml><?xml version="1.0" encoding="utf-8"?>
+<ds:datastoreItem xmlns:ds="http://schemas.openxmlformats.org/officeDocument/2006/customXml" ds:itemID="{9217953E-6BB7-40C6-9A84-608D0A8D65EC}">
+  <ds:schemaRefs>
+    <ds:schemaRef ds:uri="http://schemas.microsoft.com/sharepoint/v3/contenttype/forms"/>
+  </ds:schemaRefs>
+</ds:datastoreItem>
+</file>
+
+<file path=customXml/itemProps2.xml><?xml version="1.0" encoding="utf-8"?>
 <ds:datastoreItem xmlns:ds="http://schemas.openxmlformats.org/officeDocument/2006/customXml" ds:itemID="{54CA1130-EAC1-4116-82E4-DF5A51FE3AEA}">
   <ds:schemaRefs>
     <ds:schemaRef ds:uri="http://schemas.microsoft.com/office/2006/metadata/contentType"/>
@@ -21465,15 +21632,15 @@
 </ds:datastoreItem>
 </file>
 
-<file path=customXml/itemProps2.xml><?xml version="1.0" encoding="utf-8"?>
-<ds:datastoreItem xmlns:ds="http://schemas.openxmlformats.org/officeDocument/2006/customXml" ds:itemID="{9217953E-6BB7-40C6-9A84-608D0A8D65EC}">
+<file path=customXml/itemProps3.xml><?xml version="1.0" encoding="utf-8"?>
+<ds:datastoreItem xmlns:ds="http://schemas.openxmlformats.org/officeDocument/2006/customXml" ds:itemID="{A6F3EA8F-EBA0-438A-80BD-6A96E2E10054}">
   <ds:schemaRefs>
-    <ds:schemaRef ds:uri="http://schemas.microsoft.com/sharepoint/v3/contenttype/forms"/>
+    <ds:schemaRef ds:uri="http://schemas.microsoft.com/sharepoint/events"/>
   </ds:schemaRefs>
 </ds:datastoreItem>
 </file>
 
-<file path=customXml/itemProps3.xml><?xml version="1.0" encoding="utf-8"?>
+<file path=customXml/itemProps4.xml><?xml version="1.0" encoding="utf-8"?>
 <ds:datastoreItem xmlns:ds="http://schemas.openxmlformats.org/officeDocument/2006/customXml" ds:itemID="{7445AAF4-B73F-4E3A-B9D2-4DDAE0F1BE8A}">
   <ds:schemaRefs>
     <ds:schemaRef ds:uri="http://purl.org/dc/dcmitype/"/>
@@ -21488,12 +21655,4 @@
     <ds:schemaRef ds:uri="http://www.w3.org/XML/1998/namespace"/>
   </ds:schemaRefs>
 </ds:datastoreItem>
-</file>
-
-<file path=customXml/itemProps4.xml><?xml version="1.0" encoding="utf-8"?>
-<ds:datastoreItem xmlns:ds="http://schemas.openxmlformats.org/officeDocument/2006/customXml" ds:itemID="{A6F3EA8F-EBA0-438A-80BD-6A96E2E10054}">
-  <ds:schemaRefs>
-    <ds:schemaRef ds:uri="http://schemas.microsoft.com/sharepoint/events"/>
-  </ds:schemaRefs>
-</ds:datastoreItem>
 </file>
--- a/WDSR - ćwiczenie 1.pptx
+++ b/WDSR - ćwiczenie 1.pptx
@@ -158,7 +158,7 @@
   </p:defaultTextStyle>
   <p:extLst>
     <p:ext uri="{EFAFB233-063F-42B5-8137-9DF3F51BA10A}">
-      <p15:sldGuideLst xmlns:p15="http://schemas.microsoft.com/office/powerpoint/2012/main" xmlns="">
+      <p15:sldGuideLst xmlns:p15="http://schemas.microsoft.com/office/powerpoint/2012/main">
         <p15:guide id="1" orient="horz" pos="1620">
           <p15:clr>
             <a:srgbClr val="A4A3A4"/>
@@ -192,7 +192,7 @@
       </p15:sldGuideLst>
     </p:ext>
     <p:ext uri="{2D200454-40CA-4A62-9FC3-DE9A4176ACB9}">
-      <p15:notesGuideLst xmlns:p15="http://schemas.microsoft.com/office/powerpoint/2012/main" xmlns=""/>
+      <p15:notesGuideLst xmlns:p15="http://schemas.microsoft.com/office/powerpoint/2012/main"/>
     </p:ext>
   </p:extLst>
 </p:presentation>
@@ -287,7 +287,7 @@
             <a:fld id="{C4843D26-F355-3844-A4EF-19D4FD875597}" type="datetimeFigureOut">
               <a:rPr lang="de-DE" smtClean="0"/>
               <a:pPr/>
-              <a:t>22.02.2016</a:t>
+              <a:t>01.03.2017</a:t>
             </a:fld>
             <a:endParaRPr lang="de-DE" dirty="0"/>
           </a:p>
@@ -455,7 +455,7 @@
             <a:fld id="{8E2CFE12-C1FB-D740-8B6C-AFB72D5D4002}" type="datetimeFigureOut">
               <a:rPr lang="de-DE" smtClean="0"/>
               <a:pPr/>
-              <a:t>22.02.2016</a:t>
+              <a:t>01.03.2017</a:t>
             </a:fld>
             <a:endParaRPr lang="de-DE" dirty="0"/>
           </a:p>
@@ -5405,7 +5405,7 @@
   </p:timing>
   <p:extLst mod="1">
     <p:ext uri="{DCECCB84-F9BA-43D5-87BE-67443E8EF086}">
-      <p15:sldGuideLst xmlns:p15="http://schemas.microsoft.com/office/powerpoint/2012/main" xmlns="">
+      <p15:sldGuideLst xmlns:p15="http://schemas.microsoft.com/office/powerpoint/2012/main">
         <p15:guide id="1" orient="horz" pos="1221">
           <p15:clr>
             <a:srgbClr val="C35EA4"/>
@@ -5738,7 +5738,7 @@
   </p:clrMapOvr>
   <p:extLst mod="1">
     <p:ext uri="{DCECCB84-F9BA-43D5-87BE-67443E8EF086}">
-      <p15:sldGuideLst xmlns:p15="http://schemas.microsoft.com/office/powerpoint/2012/main" xmlns="">
+      <p15:sldGuideLst xmlns:p15="http://schemas.microsoft.com/office/powerpoint/2012/main">
         <p15:guide id="1" orient="horz" pos="1221">
           <p15:clr>
             <a:srgbClr val="C35EA4"/>
@@ -6477,7 +6477,7 @@
           <a:graphicData uri="http://schemas.openxmlformats.org/presentationml/2006/ole">
             <mc:AlternateContent xmlns:mc="http://schemas.openxmlformats.org/markup-compatibility/2006">
               <mc:Choice xmlns:v="urn:schemas-microsoft-com:vml" Requires="v">
-                <p:oleObj spid="_x0000_s2199" name="think-cell Folie" r:id="rId4" imgW="305" imgH="303" progId="TCLayout.ActiveDocument.1">
+                <p:oleObj spid="_x0000_s2213" name="think-cell Folie" r:id="rId4" imgW="305" imgH="303" progId="TCLayout.ActiveDocument.1">
                   <p:embed/>
                 </p:oleObj>
               </mc:Choice>
@@ -6874,7 +6874,7 @@
           <a:graphicData uri="http://schemas.openxmlformats.org/presentationml/2006/ole">
             <mc:AlternateContent xmlns:mc="http://schemas.openxmlformats.org/markup-compatibility/2006">
               <mc:Choice xmlns:v="urn:schemas-microsoft-com:vml" Requires="v">
-                <p:oleObj spid="_x0000_s1180" name="think-cell Folie" r:id="rId13" imgW="305" imgH="303" progId="TCLayout.ActiveDocument.1">
+                <p:oleObj spid="_x0000_s1194" name="think-cell Folie" r:id="rId13" imgW="305" imgH="303" progId="TCLayout.ActiveDocument.1">
                   <p:embed/>
                 </p:oleObj>
               </mc:Choice>
@@ -8082,7 +8082,7 @@
   </p:txStyles>
   <p:extLst mod="1">
     <p:ext uri="{27BBF7A9-308A-43DC-89C8-2F10F3537804}">
-      <p15:sldGuideLst xmlns:p15="http://schemas.microsoft.com/office/powerpoint/2012/main" xmlns="">
+      <p15:sldGuideLst xmlns:p15="http://schemas.microsoft.com/office/powerpoint/2012/main">
         <p15:guide id="1" pos="283">
           <p15:clr>
             <a:srgbClr val="FBAE40"/>
@@ -8200,8 +8200,8 @@
         </p:nvSpPr>
         <p:spPr>
           <a:xfrm>
-            <a:off x="976312" y="4178885"/>
-            <a:ext cx="5232400" cy="507831"/>
+            <a:off x="976312" y="4009608"/>
+            <a:ext cx="5232400" cy="677108"/>
           </a:xfrm>
         </p:spPr>
         <p:txBody>
@@ -8210,20 +8210,35 @@
           <a:p>
             <a:r>
               <a:rPr lang="pl-PL" dirty="0" smtClean="0"/>
-              <a:t>Marek Strejczek</a:t>
+              <a:t>Autor: Marek Strejczek</a:t>
+            </a:r>
+          </a:p>
+          <a:p>
+            <a:r>
+              <a:rPr lang="pl-PL" dirty="0" smtClean="0"/>
+              <a:t>Prowadzący: Mateusz Kołodziejski</a:t>
             </a:r>
             <a:endParaRPr lang="de-DE" dirty="0" smtClean="0"/>
           </a:p>
           <a:p>
             <a:r>
               <a:rPr lang="pl-PL" dirty="0" smtClean="0"/>
-              <a:t>Lato 2016</a:t>
-            </a:r>
-          </a:p>
-          <a:p>
-            <a:r>
-              <a:rPr lang="pl-PL" dirty="0" smtClean="0"/>
-              <a:t>Wersja 1.0</a:t>
+              <a:t>Lato </a:t>
+            </a:r>
+            <a:r>
+              <a:rPr lang="pl-PL" dirty="0" smtClean="0"/>
+              <a:t>2017</a:t>
+            </a:r>
+            <a:endParaRPr lang="pl-PL" dirty="0" smtClean="0"/>
+          </a:p>
+          <a:p>
+            <a:r>
+              <a:rPr lang="pl-PL" dirty="0" smtClean="0"/>
+              <a:t>Wersja </a:t>
+            </a:r>
+            <a:r>
+              <a:rPr lang="pl-PL" dirty="0" smtClean="0"/>
+              <a:t>1.1</a:t>
             </a:r>
             <a:endParaRPr lang="de-DE" dirty="0"/>
           </a:p>
@@ -8841,7 +8856,9 @@
           </a:xfrm>
         </p:spPr>
         <p:txBody>
-          <a:bodyPr/>
+          <a:bodyPr>
+            <a:normAutofit lnSpcReduction="10000"/>
+          </a:bodyPr>
           <a:lstStyle/>
           <a:p>
             <a:r>
@@ -8871,28 +8888,44 @@
           </a:p>
           <a:p>
             <a:r>
-              <a:rPr lang="pl-PL" dirty="0" err="1" smtClean="0">
+              <a:rPr lang="pl-PL" dirty="0" smtClean="0">
                 <a:solidFill>
-                  <a:srgbClr val="00B050"/>
+                  <a:srgbClr val="002060"/>
                 </a:solidFill>
               </a:rPr>
-              <a:t>gradlew</a:t>
-            </a:r>
+              <a:t>Pliki konfiguracyjne gradle:</a:t>
+            </a:r>
+          </a:p>
+          <a:p>
+            <a:pPr lvl="1"/>
+            <a:r>
+              <a:rPr lang="pl-PL" dirty="0" smtClean="0">
+                <a:solidFill>
+                  <a:srgbClr val="002060"/>
+                </a:solidFill>
+              </a:rPr>
+              <a:t>build.gradle</a:t>
+            </a:r>
+          </a:p>
+          <a:p>
+            <a:pPr lvl="1"/>
+            <a:r>
+              <a:rPr lang="pl-PL" dirty="0" smtClean="0">
+                <a:solidFill>
+                  <a:srgbClr val="002060"/>
+                </a:solidFill>
+              </a:rPr>
+              <a:t>settings.gradle</a:t>
+            </a:r>
+          </a:p>
+          <a:p>
             <a:r>
               <a:rPr lang="pl-PL" dirty="0" smtClean="0">
                 <a:solidFill>
                   <a:srgbClr val="00B050"/>
                 </a:solidFill>
               </a:rPr>
-              <a:t> run –</a:t>
-            </a:r>
-            <a:r>
-              <a:rPr lang="pl-PL" dirty="0" err="1" smtClean="0">
-                <a:solidFill>
-                  <a:srgbClr val="00B050"/>
-                </a:solidFill>
-              </a:rPr>
-              <a:t>Dexec.args</a:t>
+              <a:t>./</a:t>
             </a:r>
             <a:r>
               <a:rPr lang="pl-PL" dirty="0" smtClean="0">
@@ -8900,7 +8933,7 @@
                   <a:srgbClr val="00B050"/>
                 </a:solidFill>
               </a:rPr>
-              <a:t>=„2 -3 5”</a:t>
+              <a:t>gradlew run -Dexec.args="2 -3 5"</a:t>
             </a:r>
           </a:p>
           <a:p>
@@ -13358,15 +13391,7 @@
                   <a:srgbClr val="00B050"/>
                 </a:solidFill>
               </a:rPr>
-              <a:t>1d: Dodanie testów jednostkowych do </a:t>
-            </a:r>
-            <a:r>
-              <a:rPr lang="pl-PL" dirty="0" smtClean="0">
-                <a:solidFill>
-                  <a:srgbClr val="00B050"/>
-                </a:solidFill>
-              </a:rPr>
-              <a:t>aplikacji</a:t>
+              <a:t>1d: Dodanie testów jednostkowych do aplikacji</a:t>
             </a:r>
           </a:p>
           <a:p>
@@ -13960,7 +13985,6 @@
               <a:rPr lang="pl-PL" dirty="0" smtClean="0"/>
               <a:t> W SYSTEMIE PRODUKCYJNYM !!! (na naszych zajęciach też nie)</a:t>
             </a:r>
-            <a:endParaRPr lang="pl-PL" dirty="0" smtClean="0"/>
           </a:p>
           <a:p>
             <a:pPr lvl="1"/>
@@ -14318,7 +14342,6 @@
               <a:rPr lang="pl-PL" dirty="0" smtClean="0"/>
               <a:t>Po dodaniu brakującej zależności wynik powinien wyglądać mniej więcej tak:</a:t>
             </a:r>
-            <a:endParaRPr lang="pl-PL" dirty="0" smtClean="0"/>
           </a:p>
           <a:p>
             <a:endParaRPr lang="pl-PL" dirty="0"/>
@@ -14644,11 +14667,7 @@
             <a:pPr lvl="1"/>
             <a:r>
               <a:rPr lang="pl-PL" dirty="0" smtClean="0"/>
-              <a:t>(jak zwykle) Kod musi znaleźć się </a:t>
-            </a:r>
-            <a:r>
-              <a:rPr lang="pl-PL" smtClean="0"/>
-              <a:t>w GitHubie.</a:t>
+              <a:t>(jak zwykle) Kod musi znaleźć się w GitHubie.</a:t>
             </a:r>
             <a:endParaRPr lang="pl-PL" dirty="0"/>
           </a:p>
@@ -15873,7 +15892,6 @@
               <a:rPr lang="pl-PL" dirty="0" smtClean="0"/>
               <a:t>).</a:t>
             </a:r>
-            <a:endParaRPr lang="pl-PL" dirty="0" smtClean="0"/>
           </a:p>
           <a:p>
             <a:pPr lvl="1"/>
@@ -16025,11 +16043,7 @@
           <a:p>
             <a:r>
               <a:rPr lang="pl-PL" dirty="0" smtClean="0"/>
-              <a:t>ĆWICZENIE </a:t>
-            </a:r>
-            <a:r>
-              <a:rPr lang="pl-PL" dirty="0" smtClean="0"/>
-              <a:t>1E</a:t>
+              <a:t>ĆWICZENIE 1E</a:t>
             </a:r>
             <a:endParaRPr lang="de-DE" dirty="0"/>
           </a:p>
@@ -16078,21 +16092,8 @@
                   <a:schemeClr val="tx1"/>
                 </a:solidFill>
               </a:rPr>
-              <a:t>Ćwiczenie </a:t>
-            </a:r>
-            <a:r>
-              <a:rPr lang="pl-PL" sz="1600" dirty="0" smtClean="0">
-                <a:solidFill>
-                  <a:schemeClr val="tx1"/>
-                </a:solidFill>
-              </a:rPr>
-              <a:t>1E</a:t>
-            </a:r>
-            <a:endParaRPr lang="pl-PL" sz="1600" dirty="0" smtClean="0">
-              <a:solidFill>
-                <a:schemeClr val="tx1"/>
-              </a:solidFill>
-            </a:endParaRPr>
+              <a:t>Ćwiczenie 1E</a:t>
+            </a:r>
           </a:p>
           <a:p>
             <a:pPr lvl="1"/>
@@ -16209,11 +16210,7 @@
           <a:p>
             <a:r>
               <a:rPr lang="pl-PL" dirty="0" smtClean="0"/>
-              <a:t>ĆWICZENIE </a:t>
-            </a:r>
-            <a:r>
-              <a:rPr lang="pl-PL" dirty="0" smtClean="0"/>
-              <a:t>1E</a:t>
+              <a:t>ĆWICZENIE 1E</a:t>
             </a:r>
             <a:endParaRPr lang="de-DE" dirty="0"/>
           </a:p>
@@ -16356,11 +16353,6 @@
               </a:rPr>
               <a:t>Obiekt testowany</a:t>
             </a:r>
-            <a:endParaRPr lang="pl-PL" sz="1200" dirty="0" smtClean="0">
-              <a:solidFill>
-                <a:schemeClr val="tx1"/>
-              </a:solidFill>
-            </a:endParaRPr>
           </a:p>
         </p:txBody>
       </p:sp>
@@ -16409,11 +16401,6 @@
               </a:rPr>
               <a:t>Baza danych</a:t>
             </a:r>
-            <a:endParaRPr lang="pl-PL" sz="1200" dirty="0" smtClean="0">
-              <a:solidFill>
-                <a:schemeClr val="tx1"/>
-              </a:solidFill>
-            </a:endParaRPr>
           </a:p>
         </p:txBody>
       </p:sp>
@@ -16462,11 +16449,6 @@
               </a:rPr>
               <a:t>Złożony obiekt</a:t>
             </a:r>
-            <a:endParaRPr lang="pl-PL" sz="1200" dirty="0" smtClean="0">
-              <a:solidFill>
-                <a:schemeClr val="tx1"/>
-              </a:solidFill>
-            </a:endParaRPr>
           </a:p>
         </p:txBody>
       </p:sp>
@@ -16595,11 +16577,6 @@
               </a:rPr>
               <a:t>Obiekt testowany</a:t>
             </a:r>
-            <a:endParaRPr lang="pl-PL" sz="1200" dirty="0" smtClean="0">
-              <a:solidFill>
-                <a:schemeClr val="tx1"/>
-              </a:solidFill>
-            </a:endParaRPr>
           </a:p>
         </p:txBody>
       </p:sp>
@@ -16656,11 +16633,6 @@
               </a:rPr>
               <a:t> bazy danych</a:t>
             </a:r>
-            <a:endParaRPr lang="pl-PL" sz="1200" dirty="0" smtClean="0">
-              <a:solidFill>
-                <a:schemeClr val="tx1"/>
-              </a:solidFill>
-            </a:endParaRPr>
           </a:p>
         </p:txBody>
       </p:sp>
@@ -16717,11 +16689,6 @@
               </a:rPr>
               <a:t> złożonego obiektu</a:t>
             </a:r>
-            <a:endParaRPr lang="pl-PL" sz="1200" dirty="0" smtClean="0">
-              <a:solidFill>
-                <a:schemeClr val="tx1"/>
-              </a:solidFill>
-            </a:endParaRPr>
           </a:p>
         </p:txBody>
       </p:sp>
@@ -16936,11 +16903,7 @@
           <a:p>
             <a:r>
               <a:rPr lang="pl-PL" dirty="0" smtClean="0"/>
-              <a:t>ĆWICZENIE </a:t>
-            </a:r>
-            <a:r>
-              <a:rPr lang="pl-PL" dirty="0" smtClean="0"/>
-              <a:t>1E</a:t>
+              <a:t>ĆWICZENIE 1E</a:t>
             </a:r>
             <a:endParaRPr lang="de-DE" dirty="0"/>
           </a:p>
@@ -17155,11 +17118,7 @@
           <a:p>
             <a:r>
               <a:rPr lang="pl-PL" dirty="0" smtClean="0"/>
-              <a:t>ĆWICZENIE </a:t>
-            </a:r>
-            <a:r>
-              <a:rPr lang="pl-PL" dirty="0" smtClean="0"/>
-              <a:t>1E</a:t>
+              <a:t>ĆWICZENIE 1E</a:t>
             </a:r>
             <a:endParaRPr lang="de-DE" dirty="0"/>
           </a:p>
@@ -17224,11 +17183,7 @@
             <a:pPr lvl="1"/>
             <a:r>
               <a:rPr lang="pl-PL" dirty="0" smtClean="0"/>
-              <a:t>Ta komenda usuwa wcześniej wygenerowane artefakty (o ile istnieją), po czym kompiluje kod aplikacji i testów, uruchamia testy i buduje aplikację</a:t>
-            </a:r>
-            <a:r>
-              <a:rPr lang="pl-PL" dirty="0" smtClean="0"/>
-              <a:t>.</a:t>
+              <a:t>Ta komenda usuwa wcześniej wygenerowane artefakty (o ile istnieją), po czym kompiluje kod aplikacji i testów, uruchamia testy i buduje aplikację.</a:t>
             </a:r>
           </a:p>
           <a:p>
@@ -17400,11 +17355,7 @@
           <a:p>
             <a:r>
               <a:rPr lang="pl-PL" dirty="0" smtClean="0"/>
-              <a:t>ĆWICZENIE </a:t>
-            </a:r>
-            <a:r>
-              <a:rPr lang="pl-PL" dirty="0" smtClean="0"/>
-              <a:t>1E</a:t>
+              <a:t>ĆWICZENIE 1E</a:t>
             </a:r>
             <a:endParaRPr lang="de-DE" dirty="0"/>
           </a:p>
@@ -17914,11 +17865,6 @@
               </a:rPr>
               <a:t>)</a:t>
             </a:r>
-            <a:endParaRPr lang="pl-PL" sz="1200" dirty="0" smtClean="0">
-              <a:solidFill>
-                <a:schemeClr val="bg1"/>
-              </a:solidFill>
-            </a:endParaRPr>
           </a:p>
         </p:txBody>
       </p:sp>
@@ -17967,11 +17913,6 @@
               </a:rPr>
               <a:t>Maszyna wirtualna JVM</a:t>
             </a:r>
-            <a:endParaRPr lang="pl-PL" sz="1200" dirty="0" smtClean="0">
-              <a:solidFill>
-                <a:schemeClr val="bg1"/>
-              </a:solidFill>
-            </a:endParaRPr>
           </a:p>
         </p:txBody>
       </p:sp>
@@ -18149,11 +18090,6 @@
               </a:rPr>
               <a:t>System operacyjny + sprzęt</a:t>
             </a:r>
-            <a:endParaRPr lang="pl-PL" sz="1200" dirty="0" smtClean="0">
-              <a:solidFill>
-                <a:schemeClr val="bg1"/>
-              </a:solidFill>
-            </a:endParaRPr>
           </a:p>
         </p:txBody>
       </p:sp>
@@ -18226,7 +18162,6 @@
               <a:rPr lang="pl-PL" sz="1050" dirty="0" smtClean="0"/>
               <a:t>Literatura:</a:t>
             </a:r>
-            <a:endParaRPr lang="pl-PL" sz="1050" dirty="0" smtClean="0"/>
           </a:p>
           <a:p>
             <a:pPr marL="171450" indent="-171450">
@@ -18375,7 +18310,6 @@
               <a:rPr lang="pl-PL" sz="900" dirty="0" smtClean="0"/>
               <a:t> umieszcza się (razem z innymi zasobami jak pliki konfiguracyjne) w plikach .jar (Java Archive).</a:t>
             </a:r>
-            <a:endParaRPr lang="pl-PL" sz="900" dirty="0" smtClean="0"/>
           </a:p>
         </p:txBody>
       </p:sp>
@@ -18405,7 +18339,6 @@
               <a:rPr lang="pl-PL" sz="900" dirty="0" smtClean="0"/>
               <a:t>Na przykład Windows x64 na IA64 albo Linux na ARM</a:t>
             </a:r>
-            <a:endParaRPr lang="pl-PL" sz="900" dirty="0" smtClean="0"/>
           </a:p>
         </p:txBody>
       </p:sp>
@@ -18638,11 +18571,7 @@
             </a:r>
             <a:r>
               <a:rPr lang="pl-PL" dirty="0" smtClean="0"/>
-              <a:t>„bin” JDK do zmiennej środowiskowej </a:t>
-            </a:r>
-            <a:r>
-              <a:rPr lang="pl-PL" dirty="0" smtClean="0"/>
-              <a:t>PATH</a:t>
+              <a:t>„bin” JDK do zmiennej środowiskowej PATH</a:t>
             </a:r>
           </a:p>
           <a:p>
@@ -18667,7 +18596,6 @@
               <a:rPr lang="pl-PL" dirty="0" smtClean="0"/>
               <a:t>\)</a:t>
             </a:r>
-            <a:endParaRPr lang="pl-PL" dirty="0" smtClean="0"/>
           </a:p>
           <a:p>
             <a:endParaRPr lang="pl-PL" dirty="0"/>
@@ -19163,28 +19091,20 @@
           <a:p>
             <a:pPr lvl="1"/>
             <a:r>
-              <a:rPr lang="pl-PL" dirty="0" err="1">
-                <a:solidFill>
-                  <a:schemeClr val="accent3"/>
-                </a:solidFill>
-              </a:rPr>
-              <a:t>javac</a:t>
-            </a:r>
-            <a:r>
               <a:rPr lang="pl-PL" dirty="0">
                 <a:solidFill>
                   <a:schemeClr val="accent3"/>
                 </a:solidFill>
               </a:rPr>
-              <a:t> </a:t>
-            </a:r>
-            <a:r>
-              <a:rPr lang="pl-PL" dirty="0" err="1">
+              <a:t>javac </a:t>
+            </a:r>
+            <a:r>
+              <a:rPr lang="pl-PL" dirty="0" smtClean="0">
                 <a:solidFill>
                   <a:schemeClr val="accent3"/>
                 </a:solidFill>
               </a:rPr>
-              <a:t>wdsr</a:t>
+              <a:t>"wdsr\exercise1\conversions\*.*" </a:t>
             </a:r>
             <a:r>
               <a:rPr lang="pl-PL" dirty="0">
@@ -19192,23 +19112,7 @@
                   <a:schemeClr val="accent3"/>
                 </a:solidFill>
               </a:rPr>
-              <a:t>\exercise1\</a:t>
-            </a:r>
-            <a:r>
-              <a:rPr lang="pl-PL" dirty="0" err="1">
-                <a:solidFill>
-                  <a:schemeClr val="accent3"/>
-                </a:solidFill>
-              </a:rPr>
-              <a:t>conversions</a:t>
-            </a:r>
-            <a:r>
-              <a:rPr lang="pl-PL" dirty="0">
-                <a:solidFill>
-                  <a:schemeClr val="accent3"/>
-                </a:solidFill>
-              </a:rPr>
-              <a:t>\*.* -d </a:t>
+              <a:t>-d </a:t>
             </a:r>
             <a:r>
               <a:rPr lang="pl-PL" dirty="0" smtClean="0">
@@ -19811,7 +19715,9 @@
           </a:xfrm>
         </p:spPr>
         <p:txBody>
-          <a:bodyPr/>
+          <a:bodyPr>
+            <a:normAutofit lnSpcReduction="10000"/>
+          </a:bodyPr>
           <a:lstStyle/>
           <a:p>
             <a:r>
@@ -19906,7 +19812,6 @@
             </a:r>
           </a:p>
           <a:p>
-            <a:pPr lvl="2"/>
             <a:r>
               <a:rPr lang="pl-PL" dirty="0" smtClean="0"/>
               <a:t>Ta operacja się nie uda – kompilator nie może znaleźć zależności (biblioteki </a:t>
@@ -19921,7 +19826,6 @@
             </a:r>
           </a:p>
           <a:p>
-            <a:pPr lvl="1"/>
             <a:r>
               <a:rPr lang="pl-PL" dirty="0" smtClean="0"/>
               <a:t>Ściągamy bibliotekę commons-lang3 i umieszczamy ją w podkatalogu „</a:t>
@@ -19936,32 +19840,56 @@
             </a:r>
           </a:p>
           <a:p>
-            <a:pPr lvl="2"/>
-            <a:r>
-              <a:rPr lang="pl-PL" sz="900" dirty="0" err="1" smtClean="0">
+            <a:pPr lvl="1"/>
+            <a:r>
+              <a:rPr lang="pl-PL" dirty="0">
                 <a:solidFill>
                   <a:schemeClr val="accent3"/>
                 </a:solidFill>
               </a:rPr>
-              <a:t>curl</a:t>
-            </a:r>
-            <a:r>
-              <a:rPr lang="pl-PL" sz="900" dirty="0" smtClean="0">
+              <a:t>mkdir lib</a:t>
+            </a:r>
+          </a:p>
+          <a:p>
+            <a:pPr lvl="1"/>
+            <a:r>
+              <a:rPr lang="pl-PL" dirty="0">
                 <a:solidFill>
                   <a:schemeClr val="accent3"/>
                 </a:solidFill>
               </a:rPr>
-              <a:t> </a:t>
-            </a:r>
-            <a:r>
-              <a:rPr lang="pl-PL" sz="900" dirty="0">
+              <a:t>cd lib</a:t>
+            </a:r>
+          </a:p>
+          <a:p>
+            <a:pPr lvl="1"/>
+            <a:r>
+              <a:rPr lang="pl-PL" dirty="0">
                 <a:solidFill>
                   <a:schemeClr val="accent3"/>
                 </a:solidFill>
               </a:rPr>
-              <a:t>-O http://central.maven.org/maven2/org/apache/commons/commons-lang3/3.4/commons-lang3-3.4.jar</a:t>
-            </a:r>
-            <a:endParaRPr lang="pl-PL" sz="900" dirty="0" smtClean="0">
+              <a:t>curl -O </a:t>
+            </a:r>
+            <a:r>
+              <a:rPr lang="pl-PL" dirty="0">
+                <a:solidFill>
+                  <a:schemeClr val="accent3"/>
+                </a:solidFill>
+                <a:hlinkClick r:id="rId3"/>
+              </a:rPr>
+              <a:t>http://</a:t>
+            </a:r>
+            <a:r>
+              <a:rPr lang="pl-PL" dirty="0" smtClean="0">
+                <a:solidFill>
+                  <a:schemeClr val="accent3"/>
+                </a:solidFill>
+                <a:hlinkClick r:id="rId3"/>
+              </a:rPr>
+              <a:t>central.maven.org/maven2/org/apache/commons/commons-lang3/3.4/commons-lang3-3.4.jar</a:t>
+            </a:r>
+            <a:endParaRPr lang="pl-PL" dirty="0" smtClean="0">
               <a:solidFill>
                 <a:schemeClr val="accent3"/>
               </a:solidFill>
@@ -19975,15 +19903,38 @@
                   <a:schemeClr val="accent3"/>
                 </a:solidFill>
               </a:rPr>
-              <a:t>javac -classpath ..\conversions\bin;lib\commons-lang3-3.4.jar;. </a:t>
-            </a:r>
-            <a:r>
-              <a:rPr lang="pl-PL" dirty="0" err="1">
+              <a:t>cd ..</a:t>
+            </a:r>
+            <a:endParaRPr lang="pl-PL" dirty="0">
+              <a:solidFill>
+                <a:schemeClr val="accent3"/>
+              </a:solidFill>
+            </a:endParaRPr>
+          </a:p>
+          <a:p>
+            <a:r>
+              <a:rPr lang="pl-PL" dirty="0"/>
+              <a:t>Kompilacja ze wskazaniem zależności (classpath</a:t>
+            </a:r>
+            <a:r>
+              <a:rPr lang="pl-PL" dirty="0" smtClean="0"/>
+              <a:t>)</a:t>
+            </a:r>
+            <a:endParaRPr lang="pl-PL" dirty="0" smtClean="0">
+              <a:solidFill>
+                <a:schemeClr val="accent3"/>
+              </a:solidFill>
+            </a:endParaRPr>
+          </a:p>
+          <a:p>
+            <a:pPr lvl="1"/>
+            <a:r>
+              <a:rPr lang="pl-PL" dirty="0" smtClean="0">
                 <a:solidFill>
                   <a:schemeClr val="accent3"/>
                 </a:solidFill>
               </a:rPr>
-              <a:t>wdsr</a:t>
+              <a:t>javac </a:t>
             </a:r>
             <a:r>
               <a:rPr lang="pl-PL" dirty="0">
@@ -19991,15 +19942,15 @@
                   <a:schemeClr val="accent3"/>
                 </a:solidFill>
               </a:rPr>
-              <a:t>\exercise1\*.</a:t>
-            </a:r>
-            <a:r>
-              <a:rPr lang="pl-PL" dirty="0" err="1">
+              <a:t>-classpath "..\</a:t>
+            </a:r>
+            <a:r>
+              <a:rPr lang="pl-PL" dirty="0" smtClean="0">
                 <a:solidFill>
                   <a:schemeClr val="accent3"/>
                 </a:solidFill>
               </a:rPr>
-              <a:t>java</a:t>
+              <a:t>conversions\bin;lib\commons-lang3-3.4.jar</a:t>
             </a:r>
             <a:r>
               <a:rPr lang="pl-PL" dirty="0">
@@ -20007,7 +19958,7 @@
                   <a:schemeClr val="accent3"/>
                 </a:solidFill>
               </a:rPr>
-              <a:t> -d </a:t>
+              <a:t>;." "wdsr\exercise1\*.java" -d </a:t>
             </a:r>
             <a:r>
               <a:rPr lang="pl-PL" dirty="0" smtClean="0">
@@ -20019,97 +19970,41 @@
             </a:r>
           </a:p>
           <a:p>
-            <a:pPr lvl="2"/>
-            <a:r>
-              <a:rPr lang="pl-PL" dirty="0" smtClean="0"/>
-              <a:t>Kompilacja ze wskazaniem zależności (classpath)</a:t>
-            </a:r>
+            <a:r>
+              <a:rPr lang="pl-PL" dirty="0"/>
+              <a:t>Uruchomienie aplikacji z argumentami 2, -3 i -5</a:t>
+            </a:r>
+            <a:r>
+              <a:rPr lang="pl-PL" dirty="0" smtClean="0"/>
+              <a:t>.</a:t>
+            </a:r>
+            <a:endParaRPr lang="pl-PL" dirty="0" smtClean="0">
+              <a:solidFill>
+                <a:schemeClr val="accent3"/>
+              </a:solidFill>
+            </a:endParaRPr>
           </a:p>
           <a:p>
             <a:pPr lvl="1"/>
             <a:r>
-              <a:rPr lang="pl-PL" dirty="0" smtClean="0">
+              <a:rPr lang="pl-PL" dirty="0">
                 <a:solidFill>
                   <a:schemeClr val="accent3"/>
                 </a:solidFill>
               </a:rPr>
-              <a:t>jar </a:t>
-            </a:r>
-            <a:r>
-              <a:rPr lang="pl-PL" dirty="0" err="1" smtClean="0">
+              <a:t>jar cvf calculator-1.0.jar -C bin .</a:t>
+            </a:r>
+          </a:p>
+          <a:p>
+            <a:pPr lvl="1"/>
+            <a:r>
+              <a:rPr lang="pl-PL" dirty="0">
                 <a:solidFill>
                   <a:schemeClr val="accent3"/>
                 </a:solidFill>
               </a:rPr>
-              <a:t>cvf</a:t>
-            </a:r>
-            <a:r>
-              <a:rPr lang="pl-PL" dirty="0" smtClean="0">
-                <a:solidFill>
-                  <a:schemeClr val="accent3"/>
-                </a:solidFill>
-              </a:rPr>
-              <a:t> calculator-1.0.jar -C bin .</a:t>
-            </a:r>
-          </a:p>
-          <a:p>
-            <a:pPr lvl="1"/>
-            <a:r>
-              <a:rPr lang="pl-PL" sz="1050" dirty="0" err="1" smtClean="0">
-                <a:solidFill>
-                  <a:schemeClr val="accent3"/>
-                </a:solidFill>
-              </a:rPr>
-              <a:t>java</a:t>
-            </a:r>
-            <a:r>
-              <a:rPr lang="pl-PL" sz="1050" dirty="0" smtClean="0">
-                <a:solidFill>
-                  <a:schemeClr val="accent3"/>
-                </a:solidFill>
-              </a:rPr>
-              <a:t> -</a:t>
-            </a:r>
-            <a:r>
-              <a:rPr lang="pl-PL" sz="1050" dirty="0" err="1" smtClean="0">
-                <a:solidFill>
-                  <a:schemeClr val="accent3"/>
-                </a:solidFill>
-              </a:rPr>
-              <a:t>cp</a:t>
-            </a:r>
-            <a:r>
-              <a:rPr lang="pl-PL" sz="1050" dirty="0" smtClean="0">
-                <a:solidFill>
-                  <a:schemeClr val="accent3"/>
-                </a:solidFill>
-              </a:rPr>
-              <a:t> calculator-1.0.jar;lib\commons-lang3-3.4.jar;..\</a:t>
-            </a:r>
-            <a:r>
-              <a:rPr lang="pl-PL" sz="1050" dirty="0" err="1" smtClean="0">
-                <a:solidFill>
-                  <a:schemeClr val="accent3"/>
-                </a:solidFill>
-              </a:rPr>
-              <a:t>conversions</a:t>
-            </a:r>
-            <a:r>
-              <a:rPr lang="pl-PL" sz="1050" dirty="0" smtClean="0">
-                <a:solidFill>
-                  <a:schemeClr val="accent3"/>
-                </a:solidFill>
-              </a:rPr>
-              <a:t>\conversions-1.0.jar wdsr.exercise1.Main 2 -3 -5</a:t>
-            </a:r>
-          </a:p>
-          <a:p>
-            <a:pPr lvl="2"/>
-            <a:r>
-              <a:rPr lang="pl-PL" sz="1050" dirty="0" smtClean="0"/>
-              <a:t>Uruchomienie aplikacji z argumentami 2, -3 i -5.</a:t>
-            </a:r>
-            <a:endParaRPr lang="pl-PL" sz="1050" dirty="0"/>
+              <a:t>java -cp "calculator-1.0.jar;lib\commons-lang3-3.4.jar;..\conversions\conversions-1.0.jar" wdsr.exercise1.Main 2 -3 -5</a:t>
+            </a:r>
           </a:p>
         </p:txBody>
       </p:sp>
@@ -20425,7 +20320,7 @@
   <a:extraClrSchemeLst/>
   <a:extLst>
     <a:ext uri="{05A4C25C-085E-4340-85A3-A5531E510DB2}">
-      <thm15:themeFamily xmlns:thm15="http://schemas.microsoft.com/office/thememl/2012/main" xmlns="" name="GFT_Chartpool_2015.pptx" id="{A28C9458-9558-44C8-89F4-D7A2CBC04405}" vid="{0F156D25-70FA-498B-891B-4FDE46BF1046}"/>
+      <thm15:themeFamily xmlns:thm15="http://schemas.microsoft.com/office/thememl/2012/main" name="GFT_Chartpool_2015.pptx" id="{A28C9458-9558-44C8-89F4-D7A2CBC04405}" vid="{0F156D25-70FA-498B-891B-4FDE46BF1046}"/>
     </a:ext>
   </a:extLst>
 </a:theme>
@@ -21072,15 +20967,6 @@
 </file>
 
 <file path=customXml/item1.xml><?xml version="1.0" encoding="utf-8"?>
-<?mso-contentType ?>
-<FormTemplates xmlns="http://schemas.microsoft.com/sharepoint/v3/contenttype/forms">
-  <Display>DocumentLibraryForm</Display>
-  <Edit>DocumentLibraryForm</Edit>
-  <New>DocumentLibraryForm</New>
-</FormTemplates>
-</file>
-
-<file path=customXml/item2.xml><?xml version="1.0" encoding="utf-8"?>
 <ct:contentTypeSchema xmlns:ct="http://schemas.microsoft.com/office/2006/metadata/contentType" xmlns:ma="http://schemas.microsoft.com/office/2006/metadata/properties/metaAttributes" ct:_="" ma:_="" ma:contentTypeName="Document" ma:contentTypeID="0x010100793B9935CA02AD4F90F0A0FD564FDD82" ma:contentTypeVersion="17" ma:contentTypeDescription="Create a new document." ma:contentTypeScope="" ma:versionID="6168266ad0b2c1ccdc9d2ae0268a5eb6">
   <xsd:schema xmlns:xsd="http://www.w3.org/2001/XMLSchema" xmlns:xs="http://www.w3.org/2001/XMLSchema" xmlns:p="http://schemas.microsoft.com/office/2006/metadata/properties" xmlns:ns2="e44e039f-c551-4112-981c-456f1b630ef1" xmlns:ns3="727178e8-9586-4f49-8e7b-77af9c2fb085" targetNamespace="http://schemas.microsoft.com/office/2006/metadata/properties" ma:root="true" ma:fieldsID="b9b29daf9bb73cd90369de1b0e977594" ns2:_="" ns3:_="">
     <xsd:import namespace="e44e039f-c551-4112-981c-456f1b630ef1"/>
@@ -21577,7 +21463,51 @@
 </ct:contentTypeSchema>
 </file>
 
+<file path=customXml/item2.xml><?xml version="1.0" encoding="utf-8"?>
+<?mso-contentType ?>
+<FormTemplates xmlns="http://schemas.microsoft.com/sharepoint/v3/contenttype/forms">
+  <Display>DocumentLibraryForm</Display>
+  <Edit>DocumentLibraryForm</Edit>
+  <New>DocumentLibraryForm</New>
+</FormTemplates>
+</file>
+
 <file path=customXml/item3.xml><?xml version="1.0" encoding="utf-8"?>
+<p:properties xmlns:p="http://schemas.microsoft.com/office/2006/metadata/properties" xmlns:xsi="http://www.w3.org/2001/XMLSchema-instance" xmlns:pc="http://schemas.microsoft.com/office/infopath/2007/PartnerControls">
+  <documentManagement>
+    <_dlc_DocId xmlns="727178e8-9586-4f49-8e7b-77af9c2fb085">CVD5QAC74SYH-2-13943</_dlc_DocId>
+    <_dlc_DocIdUrl xmlns="727178e8-9586-4f49-8e7b-77af9c2fb085">
+      <Url>https://share.gft.com/sites/Corporate-Marketing/_layouts/DocIdRedir.aspx?ID=CVD5QAC74SYH-2-13943</Url>
+      <Description>CVD5QAC74SYH-2-13943</Description>
+    </_dlc_DocIdUrl>
+    <Functional_x0020_Area xmlns="e44e039f-c551-4112-981c-456f1b630ef1">Functional Area 1</Functional_x0020_Area>
+    <Reference_x0020_Title xmlns="e44e039f-c551-4112-981c-456f1b630ef1" xsi:nil="true"/>
+    <Area xmlns="e44e039f-c551-4112-981c-456f1b630ef1">Area 1</Area>
+    <Project_x0020_size_x0020__x0028_resources_x0029_ xmlns="e44e039f-c551-4112-981c-456f1b630ef1" xsi:nil="true"/>
+    <Comments xmlns="e44e039f-c551-4112-981c-456f1b630ef1" xsi:nil="true"/>
+    <Business_x0020_Sector xmlns="e44e039f-c551-4112-981c-456f1b630ef1">Banking</Business_x0020_Sector>
+    <Client_x0020_Category xmlns="e44e039f-c551-4112-981c-456f1b630ef1">Central</Client_x0020_Category>
+    <Methods_x0020_and_x0020_standards xmlns="e44e039f-c551-4112-981c-456f1b630ef1" xsi:nil="true"/>
+    <Responsible xmlns="e44e039f-c551-4112-981c-456f1b630ef1">Marek Strejczek</Responsible>
+    <Client_x0020_Name xmlns="e44e039f-c551-4112-981c-456f1b630ef1" xsi:nil="true"/>
+    <Client_x0020_approval xmlns="e44e039f-c551-4112-981c-456f1b630ef1">No</Client_x0020_approval>
+    <Plattform_x0020__x0026__x0020_tools xmlns="e44e039f-c551-4112-981c-456f1b630ef1" xsi:nil="true"/>
+    <Project_x0020_ID xmlns="e44e039f-c551-4112-981c-456f1b630ef1" xsi:nil="true"/>
+    <Description0 xmlns="e44e039f-c551-4112-981c-456f1b630ef1" xsi:nil="true"/>
+    <Author_x0020__x002f__x0020_Contact xmlns="e44e039f-c551-4112-981c-456f1b630ef1">
+      <UserInfo>
+        <DisplayName/>
+        <AccountId xsi:nil="true"/>
+        <AccountType/>
+      </UserInfo>
+    </Author_x0020__x002f__x0020_Contact>
+    <Client_x0020_Country xmlns="e44e039f-c551-4112-981c-456f1b630ef1">Germany</Client_x0020_Country>
+    <Year xmlns="e44e039f-c551-4112-981c-456f1b630ef1" xsi:nil="true"/>
+  </documentManagement>
+</p:properties>
+</file>
+
+<file path=customXml/item4.xml><?xml version="1.0" encoding="utf-8"?>
 <?mso-contentType ?>
 <spe:Receivers xmlns:spe="http://schemas.microsoft.com/sharepoint/events">
   <Receiver>
@@ -21623,50 +21553,7 @@
 </spe:Receivers>
 </file>
 
-<file path=customXml/item4.xml><?xml version="1.0" encoding="utf-8"?>
-<p:properties xmlns:p="http://schemas.microsoft.com/office/2006/metadata/properties" xmlns:xsi="http://www.w3.org/2001/XMLSchema-instance" xmlns:pc="http://schemas.microsoft.com/office/infopath/2007/PartnerControls">
-  <documentManagement>
-    <_dlc_DocId xmlns="727178e8-9586-4f49-8e7b-77af9c2fb085">CVD5QAC74SYH-2-13943</_dlc_DocId>
-    <_dlc_DocIdUrl xmlns="727178e8-9586-4f49-8e7b-77af9c2fb085">
-      <Url>https://share.gft.com/sites/Corporate-Marketing/_layouts/DocIdRedir.aspx?ID=CVD5QAC74SYH-2-13943</Url>
-      <Description>CVD5QAC74SYH-2-13943</Description>
-    </_dlc_DocIdUrl>
-    <Functional_x0020_Area xmlns="e44e039f-c551-4112-981c-456f1b630ef1">Functional Area 1</Functional_x0020_Area>
-    <Reference_x0020_Title xmlns="e44e039f-c551-4112-981c-456f1b630ef1" xsi:nil="true"/>
-    <Area xmlns="e44e039f-c551-4112-981c-456f1b630ef1">Area 1</Area>
-    <Project_x0020_size_x0020__x0028_resources_x0029_ xmlns="e44e039f-c551-4112-981c-456f1b630ef1" xsi:nil="true"/>
-    <Comments xmlns="e44e039f-c551-4112-981c-456f1b630ef1" xsi:nil="true"/>
-    <Business_x0020_Sector xmlns="e44e039f-c551-4112-981c-456f1b630ef1">Banking</Business_x0020_Sector>
-    <Client_x0020_Category xmlns="e44e039f-c551-4112-981c-456f1b630ef1">Central</Client_x0020_Category>
-    <Methods_x0020_and_x0020_standards xmlns="e44e039f-c551-4112-981c-456f1b630ef1" xsi:nil="true"/>
-    <Responsible xmlns="e44e039f-c551-4112-981c-456f1b630ef1">Marek Strejczek</Responsible>
-    <Client_x0020_Name xmlns="e44e039f-c551-4112-981c-456f1b630ef1" xsi:nil="true"/>
-    <Client_x0020_approval xmlns="e44e039f-c551-4112-981c-456f1b630ef1">No</Client_x0020_approval>
-    <Plattform_x0020__x0026__x0020_tools xmlns="e44e039f-c551-4112-981c-456f1b630ef1" xsi:nil="true"/>
-    <Project_x0020_ID xmlns="e44e039f-c551-4112-981c-456f1b630ef1" xsi:nil="true"/>
-    <Description0 xmlns="e44e039f-c551-4112-981c-456f1b630ef1" xsi:nil="true"/>
-    <Author_x0020__x002f__x0020_Contact xmlns="e44e039f-c551-4112-981c-456f1b630ef1">
-      <UserInfo>
-        <DisplayName/>
-        <AccountId xsi:nil="true"/>
-        <AccountType/>
-      </UserInfo>
-    </Author_x0020__x002f__x0020_Contact>
-    <Client_x0020_Country xmlns="e44e039f-c551-4112-981c-456f1b630ef1">Germany</Client_x0020_Country>
-    <Year xmlns="e44e039f-c551-4112-981c-456f1b630ef1" xsi:nil="true"/>
-  </documentManagement>
-</p:properties>
-</file>
-
 <file path=customXml/itemProps1.xml><?xml version="1.0" encoding="utf-8"?>
-<ds:datastoreItem xmlns:ds="http://schemas.openxmlformats.org/officeDocument/2006/customXml" ds:itemID="{9217953E-6BB7-40C6-9A84-608D0A8D65EC}">
-  <ds:schemaRefs>
-    <ds:schemaRef ds:uri="http://schemas.microsoft.com/sharepoint/v3/contenttype/forms"/>
-  </ds:schemaRefs>
-</ds:datastoreItem>
-</file>
-
-<file path=customXml/itemProps2.xml><?xml version="1.0" encoding="utf-8"?>
 <ds:datastoreItem xmlns:ds="http://schemas.openxmlformats.org/officeDocument/2006/customXml" ds:itemID="{54CA1130-EAC1-4116-82E4-DF5A51FE3AEA}">
   <ds:schemaRefs>
     <ds:schemaRef ds:uri="http://schemas.microsoft.com/office/2006/metadata/contentType"/>
@@ -21685,15 +21572,15 @@
 </ds:datastoreItem>
 </file>
 
-<file path=customXml/itemProps3.xml><?xml version="1.0" encoding="utf-8"?>
-<ds:datastoreItem xmlns:ds="http://schemas.openxmlformats.org/officeDocument/2006/customXml" ds:itemID="{A6F3EA8F-EBA0-438A-80BD-6A96E2E10054}">
+<file path=customXml/itemProps2.xml><?xml version="1.0" encoding="utf-8"?>
+<ds:datastoreItem xmlns:ds="http://schemas.openxmlformats.org/officeDocument/2006/customXml" ds:itemID="{9217953E-6BB7-40C6-9A84-608D0A8D65EC}">
   <ds:schemaRefs>
-    <ds:schemaRef ds:uri="http://schemas.microsoft.com/sharepoint/events"/>
+    <ds:schemaRef ds:uri="http://schemas.microsoft.com/sharepoint/v3/contenttype/forms"/>
   </ds:schemaRefs>
 </ds:datastoreItem>
 </file>
 
-<file path=customXml/itemProps4.xml><?xml version="1.0" encoding="utf-8"?>
+<file path=customXml/itemProps3.xml><?xml version="1.0" encoding="utf-8"?>
 <ds:datastoreItem xmlns:ds="http://schemas.openxmlformats.org/officeDocument/2006/customXml" ds:itemID="{7445AAF4-B73F-4E3A-B9D2-4DDAE0F1BE8A}">
   <ds:schemaRefs>
     <ds:schemaRef ds:uri="http://purl.org/dc/dcmitype/"/>
@@ -21708,4 +21595,12 @@
     <ds:schemaRef ds:uri="http://www.w3.org/XML/1998/namespace"/>
   </ds:schemaRefs>
 </ds:datastoreItem>
+</file>
+
+<file path=customXml/itemProps4.xml><?xml version="1.0" encoding="utf-8"?>
+<ds:datastoreItem xmlns:ds="http://schemas.openxmlformats.org/officeDocument/2006/customXml" ds:itemID="{A6F3EA8F-EBA0-438A-80BD-6A96E2E10054}">
+  <ds:schemaRefs>
+    <ds:schemaRef ds:uri="http://schemas.microsoft.com/sharepoint/events"/>
+  </ds:schemaRefs>
+</ds:datastoreItem>
 </file>